--- a/Presentation1.pptx
+++ b/Presentation1.pptx
@@ -9,6 +9,14 @@
     <p:sldId id="257" r:id="rId3"/>
     <p:sldId id="258" r:id="rId4"/>
     <p:sldId id="259" r:id="rId5"/>
+    <p:sldId id="260" r:id="rId6"/>
+    <p:sldId id="261" r:id="rId7"/>
+    <p:sldId id="262" r:id="rId8"/>
+    <p:sldId id="263" r:id="rId9"/>
+    <p:sldId id="267" r:id="rId10"/>
+    <p:sldId id="266" r:id="rId11"/>
+    <p:sldId id="264" r:id="rId12"/>
+    <p:sldId id="265" r:id="rId13"/>
   </p:sldIdLst>
   <p:sldSz cx="12192000" cy="6858000"/>
   <p:notesSz cx="6858000" cy="9144000"/>
@@ -18010,7 +18018,7 @@
           <a:lstStyle/>
           <a:p>
             <a:r>
-              <a:rPr lang="en-US">
+              <a:rPr lang="en-US" dirty="0">
                 <a:effectLst/>
                 <a:latin typeface=".SF NS"/>
               </a:rPr>
@@ -18426,10 +18434,1929 @@
           </a:prstGeom>
         </p:spPr>
       </p:pic>
+      <p:sp>
+        <p:nvSpPr>
+          <p:cNvPr id="11" name="TextBox 10">
+            <a:extLst>
+              <a:ext uri="{FF2B5EF4-FFF2-40B4-BE49-F238E27FC236}">
+                <a16:creationId xmlns:a16="http://schemas.microsoft.com/office/drawing/2014/main" id="{89298D4F-9AFC-9FD7-E459-A239B962CA7E}"/>
+              </a:ext>
+            </a:extLst>
+          </p:cNvPr>
+          <p:cNvSpPr txBox="1"/>
+          <p:nvPr/>
+        </p:nvSpPr>
+        <p:spPr>
+          <a:xfrm>
+            <a:off x="5957888" y="942975"/>
+            <a:ext cx="5991073" cy="369332"/>
+          </a:xfrm>
+          <a:prstGeom prst="rect">
+            <a:avLst/>
+          </a:prstGeom>
+          <a:noFill/>
+        </p:spPr>
+        <p:txBody>
+          <a:bodyPr wrap="square" rtlCol="0">
+            <a:spAutoFit/>
+          </a:bodyPr>
+          <a:lstStyle/>
+          <a:p>
+            <a:r>
+              <a:rPr lang="en-US" dirty="0"/>
+              <a:t>Athena Wu, Ian Nguyen, Lana Huyen, </a:t>
+            </a:r>
+            <a:r>
+              <a:rPr lang="en-US" dirty="0" err="1"/>
+              <a:t>Oty</a:t>
+            </a:r>
+            <a:r>
+              <a:rPr lang="en-US" dirty="0"/>
+              <a:t> </a:t>
+            </a:r>
+            <a:r>
+              <a:rPr lang="en-US" i="0" dirty="0" err="1">
+                <a:effectLst/>
+                <a:latin typeface="Avenir Book" panose="02000503020000020003" pitchFamily="2" charset="0"/>
+              </a:rPr>
+              <a:t>Baasandorj</a:t>
+            </a:r>
+            <a:r>
+              <a:rPr lang="en-US" b="0" i="0" dirty="0">
+                <a:effectLst/>
+                <a:latin typeface="Slack-Lato"/>
+              </a:rPr>
+              <a:t> </a:t>
+            </a:r>
+            <a:endParaRPr lang="en-US" dirty="0"/>
+          </a:p>
+        </p:txBody>
+      </p:sp>
     </p:spTree>
     <p:extLst>
       <p:ext uri="{BB962C8B-B14F-4D97-AF65-F5344CB8AC3E}">
         <p14:creationId xmlns:p14="http://schemas.microsoft.com/office/powerpoint/2010/main" val="1636850414"/>
+      </p:ext>
+    </p:extLst>
+  </p:cSld>
+  <p:clrMapOvr>
+    <a:masterClrMapping/>
+  </p:clrMapOvr>
+</p:sld>
+</file>
+
+<file path=ppt/slides/slide10.xml><?xml version="1.0" encoding="utf-8"?>
+<p:sld xmlns:a="http://schemas.openxmlformats.org/drawingml/2006/main" xmlns:r="http://schemas.openxmlformats.org/officeDocument/2006/relationships" xmlns:p="http://schemas.openxmlformats.org/presentationml/2006/main">
+  <p:cSld>
+    <p:bg>
+      <p:bgPr>
+        <a:solidFill>
+          <a:schemeClr val="bg1"/>
+        </a:solidFill>
+        <a:effectLst/>
+      </p:bgPr>
+    </p:bg>
+    <p:spTree>
+      <p:nvGrpSpPr>
+        <p:cNvPr id="1" name=""/>
+        <p:cNvGrpSpPr/>
+        <p:nvPr/>
+      </p:nvGrpSpPr>
+      <p:grpSpPr>
+        <a:xfrm>
+          <a:off x="0" y="0"/>
+          <a:ext cx="0" cy="0"/>
+          <a:chOff x="0" y="0"/>
+          <a:chExt cx="0" cy="0"/>
+        </a:xfrm>
+      </p:grpSpPr>
+      <p:sp useBgFill="1">
+        <p:nvSpPr>
+          <p:cNvPr id="11" name="Rectangle 10">
+            <a:extLst>
+              <a:ext uri="{FF2B5EF4-FFF2-40B4-BE49-F238E27FC236}">
+                <a16:creationId xmlns:a16="http://schemas.microsoft.com/office/drawing/2014/main" id="{7D2FD795-8DF5-44F0-8664-4D8F626DD85A}"/>
+              </a:ext>
+              <a:ext uri="{C183D7F6-B498-43B3-948B-1728B52AA6E4}">
+                <adec:decorative xmlns:adec="http://schemas.microsoft.com/office/drawing/2017/decorative" val="1"/>
+              </a:ext>
+            </a:extLst>
+          </p:cNvPr>
+          <p:cNvSpPr>
+            <a:spLocks noGrp="1" noRot="1" noChangeAspect="1" noMove="1" noResize="1" noEditPoints="1" noAdjustHandles="1" noChangeArrowheads="1" noChangeShapeType="1" noTextEdit="1"/>
+          </p:cNvSpPr>
+          <p:nvPr>
+            <p:extLst>
+              <p:ext uri="{386F3935-93C4-4BCD-93E2-E3B085C9AB24}">
+                <p16:designElem xmlns:p16="http://schemas.microsoft.com/office/powerpoint/2015/main" val="1"/>
+              </p:ext>
+            </p:extLst>
+          </p:nvPr>
+        </p:nvSpPr>
+        <p:spPr>
+          <a:xfrm>
+            <a:off x="0" y="0"/>
+            <a:ext cx="12192000" cy="6858000"/>
+          </a:xfrm>
+          <a:prstGeom prst="rect">
+            <a:avLst/>
+          </a:prstGeom>
+          <a:ln w="12700" cap="flat" cmpd="sng" algn="ctr">
+            <a:noFill/>
+            <a:prstDash val="solid"/>
+            <a:miter lim="800000"/>
+          </a:ln>
+          <a:effectLst/>
+          <a:extLst>
+            <a:ext uri="{91240B29-F687-4F45-9708-019B960494DF}">
+              <a14:hiddenLine xmlns:a14="http://schemas.microsoft.com/office/drawing/2010/main" w="12700" cap="flat" cmpd="sng" algn="ctr">
+                <a:solidFill>
+                  <a:schemeClr val="accent1">
+                    <a:shade val="50000"/>
+                  </a:schemeClr>
+                </a:solidFill>
+                <a:prstDash val="solid"/>
+                <a:miter lim="800000"/>
+              </a14:hiddenLine>
+            </a:ext>
+          </a:extLst>
+        </p:spPr>
+        <p:style>
+          <a:lnRef idx="2">
+            <a:schemeClr val="accent1">
+              <a:shade val="50000"/>
+            </a:schemeClr>
+          </a:lnRef>
+          <a:fillRef idx="1">
+            <a:schemeClr val="accent1"/>
+          </a:fillRef>
+          <a:effectRef idx="0">
+            <a:schemeClr val="accent1"/>
+          </a:effectRef>
+          <a:fontRef idx="minor">
+            <a:schemeClr val="lt1"/>
+          </a:fontRef>
+        </p:style>
+        <p:txBody>
+          <a:bodyPr rtlCol="0" anchor="ctr"/>
+          <a:lstStyle/>
+          <a:p>
+            <a:pPr algn="ctr"/>
+            <a:endParaRPr lang="en-US"/>
+          </a:p>
+        </p:txBody>
+      </p:sp>
+      <p:grpSp>
+        <p:nvGrpSpPr>
+          <p:cNvPr id="13" name="Group 12">
+            <a:extLst>
+              <a:ext uri="{FF2B5EF4-FFF2-40B4-BE49-F238E27FC236}">
+                <a16:creationId xmlns:a16="http://schemas.microsoft.com/office/drawing/2014/main" id="{7C6B683D-13FA-4605-8648-01FC9C82FEC8}"/>
+              </a:ext>
+              <a:ext uri="{C183D7F6-B498-43B3-948B-1728B52AA6E4}">
+                <adec:decorative xmlns:adec="http://schemas.microsoft.com/office/drawing/2017/decorative" val="1"/>
+              </a:ext>
+            </a:extLst>
+          </p:cNvPr>
+          <p:cNvGrpSpPr>
+            <a:grpSpLocks noGrp="1" noUngrp="1" noRot="1" noChangeAspect="1" noMove="1" noResize="1"/>
+          </p:cNvGrpSpPr>
+          <p:nvPr>
+            <p:extLst>
+              <p:ext uri="{386F3935-93C4-4BCD-93E2-E3B085C9AB24}">
+                <p16:designElem xmlns:p16="http://schemas.microsoft.com/office/powerpoint/2015/main" val="1"/>
+              </p:ext>
+            </p:extLst>
+          </p:nvPr>
+        </p:nvGrpSpPr>
+        <p:grpSpPr>
+          <a:xfrm>
+            <a:off x="1" y="0"/>
+            <a:ext cx="12191999" cy="6861600"/>
+            <a:chOff x="1" y="0"/>
+            <a:chExt cx="12191999" cy="6861600"/>
+          </a:xfrm>
+        </p:grpSpPr>
+        <p:sp>
+          <p:nvSpPr>
+            <p:cNvPr id="14" name="Rectangle 13">
+              <a:extLst>
+                <a:ext uri="{FF2B5EF4-FFF2-40B4-BE49-F238E27FC236}">
+                  <a16:creationId xmlns:a16="http://schemas.microsoft.com/office/drawing/2014/main" id="{9852A959-AA36-4E4C-940B-F33A7BE0ABCF}"/>
+                </a:ext>
+                <a:ext uri="{C183D7F6-B498-43B3-948B-1728B52AA6E4}">
+                  <adec:decorative xmlns:adec="http://schemas.microsoft.com/office/drawing/2017/decorative" val="1"/>
+                </a:ext>
+              </a:extLst>
+            </p:cNvPr>
+            <p:cNvSpPr>
+              <a:spLocks noChangeAspect="1"/>
+            </p:cNvSpPr>
+            <p:nvPr>
+              <p:extLst>
+                <p:ext uri="{386F3935-93C4-4BCD-93E2-E3B085C9AB24}">
+                  <p16:designElem xmlns:p16="http://schemas.microsoft.com/office/powerpoint/2015/main" val="1"/>
+                </p:ext>
+              </p:extLst>
+            </p:nvPr>
+          </p:nvSpPr>
+          <p:spPr>
+            <a:xfrm rot="16200000">
+              <a:off x="1" y="1640114"/>
+              <a:ext cx="5217886" cy="5217886"/>
+            </a:xfrm>
+            <a:prstGeom prst="rect">
+              <a:avLst/>
+            </a:prstGeom>
+            <a:gradFill flip="none" rotWithShape="1">
+              <a:gsLst>
+                <a:gs pos="0">
+                  <a:schemeClr val="accent2">
+                    <a:alpha val="60000"/>
+                  </a:schemeClr>
+                </a:gs>
+                <a:gs pos="60000">
+                  <a:schemeClr val="accent2">
+                    <a:alpha val="0"/>
+                  </a:schemeClr>
+                </a:gs>
+              </a:gsLst>
+              <a:path path="circle">
+                <a:fillToRect r="100000" b="100000"/>
+              </a:path>
+              <a:tileRect l="-100000" t="-100000"/>
+            </a:gradFill>
+            <a:ln w="12700" cap="flat" cmpd="sng" algn="ctr">
+              <a:noFill/>
+              <a:prstDash val="solid"/>
+              <a:miter lim="800000"/>
+            </a:ln>
+            <a:effectLst/>
+          </p:spPr>
+          <p:style>
+            <a:lnRef idx="2">
+              <a:schemeClr val="accent1">
+                <a:shade val="50000"/>
+              </a:schemeClr>
+            </a:lnRef>
+            <a:fillRef idx="1">
+              <a:schemeClr val="accent1"/>
+            </a:fillRef>
+            <a:effectRef idx="0">
+              <a:schemeClr val="accent1"/>
+            </a:effectRef>
+            <a:fontRef idx="minor">
+              <a:schemeClr val="lt1"/>
+            </a:fontRef>
+          </p:style>
+          <p:txBody>
+            <a:bodyPr rtlCol="0" anchor="ctr"/>
+            <a:lstStyle/>
+            <a:p>
+              <a:pPr algn="ctr"/>
+              <a:endParaRPr lang="en-US"/>
+            </a:p>
+          </p:txBody>
+        </p:sp>
+        <p:sp>
+          <p:nvSpPr>
+            <p:cNvPr id="15" name="Oval 14">
+              <a:extLst>
+                <a:ext uri="{FF2B5EF4-FFF2-40B4-BE49-F238E27FC236}">
+                  <a16:creationId xmlns:a16="http://schemas.microsoft.com/office/drawing/2014/main" id="{FFFC38A9-EA65-4BD6-A6E1-CAD07CCB8105}"/>
+                </a:ext>
+                <a:ext uri="{C183D7F6-B498-43B3-948B-1728B52AA6E4}">
+                  <adec:decorative xmlns:adec="http://schemas.microsoft.com/office/drawing/2017/decorative" val="1"/>
+                </a:ext>
+              </a:extLst>
+            </p:cNvPr>
+            <p:cNvSpPr>
+              <a:spLocks noChangeAspect="1"/>
+            </p:cNvSpPr>
+            <p:nvPr>
+              <p:extLst>
+                <p:ext uri="{386F3935-93C4-4BCD-93E2-E3B085C9AB24}">
+                  <p16:designElem xmlns:p16="http://schemas.microsoft.com/office/powerpoint/2015/main" val="1"/>
+                </p:ext>
+              </p:extLst>
+            </p:nvPr>
+          </p:nvSpPr>
+          <p:spPr>
+            <a:xfrm>
+              <a:off x="6384514" y="0"/>
+              <a:ext cx="4320000" cy="4320000"/>
+            </a:xfrm>
+            <a:prstGeom prst="ellipse">
+              <a:avLst/>
+            </a:prstGeom>
+            <a:solidFill>
+              <a:schemeClr val="accent3">
+                <a:alpha val="96000"/>
+              </a:schemeClr>
+            </a:solidFill>
+            <a:ln>
+              <a:noFill/>
+            </a:ln>
+            <a:effectLst>
+              <a:softEdge rad="1016000"/>
+            </a:effectLst>
+          </p:spPr>
+          <p:style>
+            <a:lnRef idx="2">
+              <a:schemeClr val="accent1">
+                <a:shade val="50000"/>
+              </a:schemeClr>
+            </a:lnRef>
+            <a:fillRef idx="1">
+              <a:schemeClr val="accent1"/>
+            </a:fillRef>
+            <a:effectRef idx="0">
+              <a:schemeClr val="accent1"/>
+            </a:effectRef>
+            <a:fontRef idx="minor">
+              <a:schemeClr val="lt1"/>
+            </a:fontRef>
+          </p:style>
+          <p:txBody>
+            <a:bodyPr rtlCol="0" anchor="ctr"/>
+            <a:lstStyle/>
+            <a:p>
+              <a:pPr algn="ctr"/>
+              <a:endParaRPr lang="en-US"/>
+            </a:p>
+          </p:txBody>
+        </p:sp>
+        <p:sp>
+          <p:nvSpPr>
+            <p:cNvPr id="16" name="Oval 15">
+              <a:extLst>
+                <a:ext uri="{FF2B5EF4-FFF2-40B4-BE49-F238E27FC236}">
+                  <a16:creationId xmlns:a16="http://schemas.microsoft.com/office/drawing/2014/main" id="{F9E36CA9-9013-4306-B36F-2E349B6FEDB6}"/>
+                </a:ext>
+                <a:ext uri="{C183D7F6-B498-43B3-948B-1728B52AA6E4}">
+                  <adec:decorative xmlns:adec="http://schemas.microsoft.com/office/drawing/2017/decorative" val="1"/>
+                </a:ext>
+              </a:extLst>
+            </p:cNvPr>
+            <p:cNvSpPr>
+              <a:spLocks noChangeAspect="1"/>
+            </p:cNvSpPr>
+            <p:nvPr>
+              <p:extLst>
+                <p:ext uri="{386F3935-93C4-4BCD-93E2-E3B085C9AB24}">
+                  <p16:designElem xmlns:p16="http://schemas.microsoft.com/office/powerpoint/2015/main" val="1"/>
+                </p:ext>
+              </p:extLst>
+            </p:nvPr>
+          </p:nvSpPr>
+          <p:spPr>
+            <a:xfrm>
+              <a:off x="6119057" y="1230054"/>
+              <a:ext cx="5506886" cy="5506886"/>
+            </a:xfrm>
+            <a:prstGeom prst="ellipse">
+              <a:avLst/>
+            </a:prstGeom>
+            <a:solidFill>
+              <a:schemeClr val="accent2">
+                <a:alpha val="60000"/>
+              </a:schemeClr>
+            </a:solidFill>
+            <a:ln>
+              <a:noFill/>
+            </a:ln>
+            <a:effectLst>
+              <a:softEdge rad="1270000"/>
+            </a:effectLst>
+          </p:spPr>
+          <p:style>
+            <a:lnRef idx="2">
+              <a:schemeClr val="accent1">
+                <a:shade val="50000"/>
+              </a:schemeClr>
+            </a:lnRef>
+            <a:fillRef idx="1">
+              <a:schemeClr val="accent1"/>
+            </a:fillRef>
+            <a:effectRef idx="0">
+              <a:schemeClr val="accent1"/>
+            </a:effectRef>
+            <a:fontRef idx="minor">
+              <a:schemeClr val="lt1"/>
+            </a:fontRef>
+          </p:style>
+          <p:txBody>
+            <a:bodyPr rtlCol="0" anchor="ctr"/>
+            <a:lstStyle/>
+            <a:p>
+              <a:pPr algn="ctr"/>
+              <a:endParaRPr lang="en-US" dirty="0"/>
+            </a:p>
+          </p:txBody>
+        </p:sp>
+        <p:grpSp>
+          <p:nvGrpSpPr>
+            <p:cNvPr id="38" name="Group 37">
+              <a:extLst>
+                <a:ext uri="{FF2B5EF4-FFF2-40B4-BE49-F238E27FC236}">
+                  <a16:creationId xmlns:a16="http://schemas.microsoft.com/office/drawing/2014/main" id="{CE8D3FFE-4362-43F6-99D3-1B83F7AD5946}"/>
+                </a:ext>
+                <a:ext uri="{C183D7F6-B498-43B3-948B-1728B52AA6E4}">
+                  <adec:decorative xmlns:adec="http://schemas.microsoft.com/office/drawing/2017/decorative" val="1"/>
+                </a:ext>
+              </a:extLst>
+            </p:cNvPr>
+            <p:cNvGrpSpPr>
+              <a:grpSpLocks noChangeAspect="1"/>
+            </p:cNvGrpSpPr>
+            <p:nvPr>
+              <p:extLst>
+                <p:ext uri="{386F3935-93C4-4BCD-93E2-E3B085C9AB24}">
+                  <p16:designElem xmlns:p16="http://schemas.microsoft.com/office/powerpoint/2015/main" val="1"/>
+                </p:ext>
+              </p:extLst>
+            </p:nvPr>
+          </p:nvGrpSpPr>
+          <p:grpSpPr>
+            <a:xfrm>
+              <a:off x="690092" y="0"/>
+              <a:ext cx="10800000" cy="6858000"/>
+              <a:chOff x="2328000" y="0"/>
+              <a:chExt cx="2880000" cy="1440000"/>
+            </a:xfrm>
+          </p:grpSpPr>
+          <p:sp>
+            <p:nvSpPr>
+              <p:cNvPr id="22" name="Rectangle 21">
+                <a:extLst>
+                  <a:ext uri="{FF2B5EF4-FFF2-40B4-BE49-F238E27FC236}">
+                    <a16:creationId xmlns:a16="http://schemas.microsoft.com/office/drawing/2014/main" id="{F7AA39D6-8796-468A-8C18-D17C0BBF21AB}"/>
+                  </a:ext>
+                  <a:ext uri="{C183D7F6-B498-43B3-948B-1728B52AA6E4}">
+                    <adec:decorative xmlns:adec="http://schemas.microsoft.com/office/drawing/2017/decorative" val="1"/>
+                  </a:ext>
+                </a:extLst>
+              </p:cNvPr>
+              <p:cNvSpPr/>
+              <p:nvPr>
+                <p:extLst>
+                  <p:ext uri="{386F3935-93C4-4BCD-93E2-E3B085C9AB24}">
+                    <p16:designElem xmlns:p16="http://schemas.microsoft.com/office/powerpoint/2015/main" val="1"/>
+                  </p:ext>
+                </p:extLst>
+              </p:nvPr>
+            </p:nvSpPr>
+            <p:spPr>
+              <a:xfrm>
+                <a:off x="3768000" y="0"/>
+                <a:ext cx="1440000" cy="1440000"/>
+              </a:xfrm>
+              <a:prstGeom prst="rect">
+                <a:avLst/>
+              </a:prstGeom>
+              <a:gradFill flip="none" rotWithShape="1">
+                <a:gsLst>
+                  <a:gs pos="0">
+                    <a:schemeClr val="accent1"/>
+                  </a:gs>
+                  <a:gs pos="60000">
+                    <a:schemeClr val="accent1">
+                      <a:alpha val="0"/>
+                    </a:schemeClr>
+                  </a:gs>
+                </a:gsLst>
+                <a:path path="circle">
+                  <a:fillToRect r="100000" b="100000"/>
+                </a:path>
+                <a:tileRect l="-100000" t="-100000"/>
+              </a:gradFill>
+              <a:ln w="12700" cap="flat" cmpd="sng" algn="ctr">
+                <a:noFill/>
+                <a:prstDash val="solid"/>
+                <a:miter lim="800000"/>
+              </a:ln>
+              <a:effectLst/>
+            </p:spPr>
+            <p:style>
+              <a:lnRef idx="2">
+                <a:schemeClr val="accent1">
+                  <a:shade val="50000"/>
+                </a:schemeClr>
+              </a:lnRef>
+              <a:fillRef idx="1">
+                <a:schemeClr val="accent1"/>
+              </a:fillRef>
+              <a:effectRef idx="0">
+                <a:schemeClr val="accent1"/>
+              </a:effectRef>
+              <a:fontRef idx="minor">
+                <a:schemeClr val="lt1"/>
+              </a:fontRef>
+            </p:style>
+            <p:txBody>
+              <a:bodyPr rtlCol="0" anchor="ctr"/>
+              <a:lstStyle/>
+              <a:p>
+                <a:pPr algn="ctr"/>
+                <a:endParaRPr lang="en-US"/>
+              </a:p>
+            </p:txBody>
+          </p:sp>
+          <p:sp>
+            <p:nvSpPr>
+              <p:cNvPr id="23" name="Rectangle 22">
+                <a:extLst>
+                  <a:ext uri="{FF2B5EF4-FFF2-40B4-BE49-F238E27FC236}">
+                    <a16:creationId xmlns:a16="http://schemas.microsoft.com/office/drawing/2014/main" id="{75967788-298A-4B75-B02F-0625E5F84835}"/>
+                  </a:ext>
+                  <a:ext uri="{C183D7F6-B498-43B3-948B-1728B52AA6E4}">
+                    <adec:decorative xmlns:adec="http://schemas.microsoft.com/office/drawing/2017/decorative" val="1"/>
+                  </a:ext>
+                </a:extLst>
+              </p:cNvPr>
+              <p:cNvSpPr/>
+              <p:nvPr>
+                <p:extLst>
+                  <p:ext uri="{386F3935-93C4-4BCD-93E2-E3B085C9AB24}">
+                    <p16:designElem xmlns:p16="http://schemas.microsoft.com/office/powerpoint/2015/main" val="1"/>
+                  </p:ext>
+                </p:extLst>
+              </p:nvPr>
+            </p:nvSpPr>
+            <p:spPr>
+              <a:xfrm flipH="1">
+                <a:off x="2328000" y="0"/>
+                <a:ext cx="1440000" cy="1440000"/>
+              </a:xfrm>
+              <a:prstGeom prst="rect">
+                <a:avLst/>
+              </a:prstGeom>
+              <a:gradFill flip="none" rotWithShape="1">
+                <a:gsLst>
+                  <a:gs pos="0">
+                    <a:schemeClr val="accent1"/>
+                  </a:gs>
+                  <a:gs pos="60000">
+                    <a:schemeClr val="accent1">
+                      <a:alpha val="0"/>
+                    </a:schemeClr>
+                  </a:gs>
+                </a:gsLst>
+                <a:path path="circle">
+                  <a:fillToRect r="100000" b="100000"/>
+                </a:path>
+                <a:tileRect l="-100000" t="-100000"/>
+              </a:gradFill>
+              <a:ln w="12700" cap="flat" cmpd="sng" algn="ctr">
+                <a:noFill/>
+                <a:prstDash val="solid"/>
+                <a:miter lim="800000"/>
+              </a:ln>
+              <a:effectLst/>
+            </p:spPr>
+            <p:style>
+              <a:lnRef idx="2">
+                <a:schemeClr val="accent1">
+                  <a:shade val="50000"/>
+                </a:schemeClr>
+              </a:lnRef>
+              <a:fillRef idx="1">
+                <a:schemeClr val="accent1"/>
+              </a:fillRef>
+              <a:effectRef idx="0">
+                <a:schemeClr val="accent1"/>
+              </a:effectRef>
+              <a:fontRef idx="minor">
+                <a:schemeClr val="lt1"/>
+              </a:fontRef>
+            </p:style>
+            <p:txBody>
+              <a:bodyPr rtlCol="0" anchor="ctr"/>
+              <a:lstStyle/>
+              <a:p>
+                <a:pPr algn="ctr"/>
+                <a:endParaRPr lang="en-US"/>
+              </a:p>
+            </p:txBody>
+          </p:sp>
+        </p:grpSp>
+        <p:grpSp>
+          <p:nvGrpSpPr>
+            <p:cNvPr id="39" name="Group 38">
+              <a:extLst>
+                <a:ext uri="{FF2B5EF4-FFF2-40B4-BE49-F238E27FC236}">
+                  <a16:creationId xmlns:a16="http://schemas.microsoft.com/office/drawing/2014/main" id="{8D0FB4E1-29BE-427B-9999-B25351A07CB1}"/>
+                </a:ext>
+                <a:ext uri="{C183D7F6-B498-43B3-948B-1728B52AA6E4}">
+                  <adec:decorative xmlns:adec="http://schemas.microsoft.com/office/drawing/2017/decorative" val="1"/>
+                </a:ext>
+              </a:extLst>
+            </p:cNvPr>
+            <p:cNvGrpSpPr>
+              <a:grpSpLocks noChangeAspect="1"/>
+            </p:cNvGrpSpPr>
+            <p:nvPr>
+              <p:extLst>
+                <p:ext uri="{386F3935-93C4-4BCD-93E2-E3B085C9AB24}">
+                  <p16:designElem xmlns:p16="http://schemas.microsoft.com/office/powerpoint/2015/main" val="1"/>
+                </p:ext>
+              </p:extLst>
+            </p:nvPr>
+          </p:nvGrpSpPr>
+          <p:grpSpPr>
+            <a:xfrm rot="5400000">
+              <a:off x="7048499" y="1714500"/>
+              <a:ext cx="6858000" cy="3429000"/>
+              <a:chOff x="0" y="0"/>
+              <a:chExt cx="2880000" cy="1440000"/>
+            </a:xfrm>
+          </p:grpSpPr>
+          <p:sp>
+            <p:nvSpPr>
+              <p:cNvPr id="20" name="Rectangle 19">
+                <a:extLst>
+                  <a:ext uri="{FF2B5EF4-FFF2-40B4-BE49-F238E27FC236}">
+                    <a16:creationId xmlns:a16="http://schemas.microsoft.com/office/drawing/2014/main" id="{39914662-C165-4AD1-89C0-F6C47C109031}"/>
+                  </a:ext>
+                  <a:ext uri="{C183D7F6-B498-43B3-948B-1728B52AA6E4}">
+                    <adec:decorative xmlns:adec="http://schemas.microsoft.com/office/drawing/2017/decorative" val="1"/>
+                  </a:ext>
+                </a:extLst>
+              </p:cNvPr>
+              <p:cNvSpPr/>
+              <p:nvPr>
+                <p:extLst>
+                  <p:ext uri="{386F3935-93C4-4BCD-93E2-E3B085C9AB24}">
+                    <p16:designElem xmlns:p16="http://schemas.microsoft.com/office/powerpoint/2015/main" val="1"/>
+                  </p:ext>
+                </p:extLst>
+              </p:nvPr>
+            </p:nvSpPr>
+            <p:spPr>
+              <a:xfrm>
+                <a:off x="1440000" y="0"/>
+                <a:ext cx="1440000" cy="1440000"/>
+              </a:xfrm>
+              <a:prstGeom prst="rect">
+                <a:avLst/>
+              </a:prstGeom>
+              <a:gradFill flip="none" rotWithShape="1">
+                <a:gsLst>
+                  <a:gs pos="0">
+                    <a:schemeClr val="accent2"/>
+                  </a:gs>
+                  <a:gs pos="60000">
+                    <a:schemeClr val="accent2">
+                      <a:alpha val="0"/>
+                    </a:schemeClr>
+                  </a:gs>
+                </a:gsLst>
+                <a:path path="circle">
+                  <a:fillToRect r="100000" b="100000"/>
+                </a:path>
+                <a:tileRect l="-100000" t="-100000"/>
+              </a:gradFill>
+              <a:ln w="12700" cap="flat" cmpd="sng" algn="ctr">
+                <a:noFill/>
+                <a:prstDash val="solid"/>
+                <a:miter lim="800000"/>
+              </a:ln>
+              <a:effectLst/>
+            </p:spPr>
+            <p:style>
+              <a:lnRef idx="2">
+                <a:schemeClr val="accent1">
+                  <a:shade val="50000"/>
+                </a:schemeClr>
+              </a:lnRef>
+              <a:fillRef idx="1">
+                <a:schemeClr val="accent1"/>
+              </a:fillRef>
+              <a:effectRef idx="0">
+                <a:schemeClr val="accent1"/>
+              </a:effectRef>
+              <a:fontRef idx="minor">
+                <a:schemeClr val="lt1"/>
+              </a:fontRef>
+            </p:style>
+            <p:txBody>
+              <a:bodyPr rtlCol="0" anchor="ctr"/>
+              <a:lstStyle/>
+              <a:p>
+                <a:pPr algn="ctr"/>
+                <a:endParaRPr lang="en-US"/>
+              </a:p>
+            </p:txBody>
+          </p:sp>
+          <p:sp>
+            <p:nvSpPr>
+              <p:cNvPr id="21" name="Rectangle 20">
+                <a:extLst>
+                  <a:ext uri="{FF2B5EF4-FFF2-40B4-BE49-F238E27FC236}">
+                    <a16:creationId xmlns:a16="http://schemas.microsoft.com/office/drawing/2014/main" id="{384C8199-BC83-4D02-8937-CF9AB0F4CF1E}"/>
+                  </a:ext>
+                  <a:ext uri="{C183D7F6-B498-43B3-948B-1728B52AA6E4}">
+                    <adec:decorative xmlns:adec="http://schemas.microsoft.com/office/drawing/2017/decorative" val="1"/>
+                  </a:ext>
+                </a:extLst>
+              </p:cNvPr>
+              <p:cNvSpPr/>
+              <p:nvPr>
+                <p:extLst>
+                  <p:ext uri="{386F3935-93C4-4BCD-93E2-E3B085C9AB24}">
+                    <p16:designElem xmlns:p16="http://schemas.microsoft.com/office/powerpoint/2015/main" val="1"/>
+                  </p:ext>
+                </p:extLst>
+              </p:nvPr>
+            </p:nvSpPr>
+            <p:spPr>
+              <a:xfrm flipH="1">
+                <a:off x="0" y="0"/>
+                <a:ext cx="1440000" cy="1440000"/>
+              </a:xfrm>
+              <a:prstGeom prst="rect">
+                <a:avLst/>
+              </a:prstGeom>
+              <a:gradFill flip="none" rotWithShape="1">
+                <a:gsLst>
+                  <a:gs pos="0">
+                    <a:schemeClr val="accent2"/>
+                  </a:gs>
+                  <a:gs pos="60000">
+                    <a:schemeClr val="accent2">
+                      <a:alpha val="0"/>
+                    </a:schemeClr>
+                  </a:gs>
+                </a:gsLst>
+                <a:path path="circle">
+                  <a:fillToRect r="100000" b="100000"/>
+                </a:path>
+                <a:tileRect l="-100000" t="-100000"/>
+              </a:gradFill>
+              <a:ln w="12700" cap="flat" cmpd="sng" algn="ctr">
+                <a:noFill/>
+                <a:prstDash val="solid"/>
+                <a:miter lim="800000"/>
+              </a:ln>
+              <a:effectLst/>
+            </p:spPr>
+            <p:style>
+              <a:lnRef idx="2">
+                <a:schemeClr val="accent1">
+                  <a:shade val="50000"/>
+                </a:schemeClr>
+              </a:lnRef>
+              <a:fillRef idx="1">
+                <a:schemeClr val="accent1"/>
+              </a:fillRef>
+              <a:effectRef idx="0">
+                <a:schemeClr val="accent1"/>
+              </a:effectRef>
+              <a:fontRef idx="minor">
+                <a:schemeClr val="lt1"/>
+              </a:fontRef>
+            </p:style>
+            <p:txBody>
+              <a:bodyPr rtlCol="0" anchor="ctr"/>
+              <a:lstStyle/>
+              <a:p>
+                <a:pPr algn="ctr"/>
+                <a:endParaRPr lang="en-US"/>
+              </a:p>
+            </p:txBody>
+          </p:sp>
+        </p:grpSp>
+        <p:sp>
+          <p:nvSpPr>
+            <p:cNvPr id="19" name="Rectangle 18">
+              <a:extLst>
+                <a:ext uri="{FF2B5EF4-FFF2-40B4-BE49-F238E27FC236}">
+                  <a16:creationId xmlns:a16="http://schemas.microsoft.com/office/drawing/2014/main" id="{4A28F3F3-1D22-45C2-8627-C7E4E74BDD00}"/>
+                </a:ext>
+                <a:ext uri="{C183D7F6-B498-43B3-948B-1728B52AA6E4}">
+                  <adec:decorative xmlns:adec="http://schemas.microsoft.com/office/drawing/2017/decorative" val="1"/>
+                </a:ext>
+              </a:extLst>
+            </p:cNvPr>
+            <p:cNvSpPr>
+              <a:spLocks noChangeAspect="1"/>
+            </p:cNvSpPr>
+            <p:nvPr>
+              <p:extLst>
+                <p:ext uri="{386F3935-93C4-4BCD-93E2-E3B085C9AB24}">
+                  <p16:designElem xmlns:p16="http://schemas.microsoft.com/office/powerpoint/2015/main" val="1"/>
+                </p:ext>
+              </p:extLst>
+            </p:nvPr>
+          </p:nvSpPr>
+          <p:spPr>
+            <a:xfrm rot="10800000">
+              <a:off x="5602287" y="271887"/>
+              <a:ext cx="6589713" cy="6589713"/>
+            </a:xfrm>
+            <a:prstGeom prst="rect">
+              <a:avLst/>
+            </a:prstGeom>
+            <a:gradFill flip="none" rotWithShape="1">
+              <a:gsLst>
+                <a:gs pos="0">
+                  <a:schemeClr val="accent3"/>
+                </a:gs>
+                <a:gs pos="60000">
+                  <a:schemeClr val="accent3">
+                    <a:alpha val="0"/>
+                  </a:schemeClr>
+                </a:gs>
+              </a:gsLst>
+              <a:path path="circle">
+                <a:fillToRect r="100000" b="100000"/>
+              </a:path>
+              <a:tileRect l="-100000" t="-100000"/>
+            </a:gradFill>
+            <a:ln w="12700" cap="flat" cmpd="sng" algn="ctr">
+              <a:noFill/>
+              <a:prstDash val="solid"/>
+              <a:miter lim="800000"/>
+            </a:ln>
+            <a:effectLst/>
+          </p:spPr>
+          <p:style>
+            <a:lnRef idx="2">
+              <a:schemeClr val="accent1">
+                <a:shade val="50000"/>
+              </a:schemeClr>
+            </a:lnRef>
+            <a:fillRef idx="1">
+              <a:schemeClr val="accent1"/>
+            </a:fillRef>
+            <a:effectRef idx="0">
+              <a:schemeClr val="accent1"/>
+            </a:effectRef>
+            <a:fontRef idx="minor">
+              <a:schemeClr val="lt1"/>
+            </a:fontRef>
+          </p:style>
+          <p:txBody>
+            <a:bodyPr rtlCol="0" anchor="ctr"/>
+            <a:lstStyle/>
+            <a:p>
+              <a:pPr algn="ctr"/>
+              <a:endParaRPr lang="en-US"/>
+            </a:p>
+          </p:txBody>
+        </p:sp>
+      </p:grpSp>
+      <p:sp>
+        <p:nvSpPr>
+          <p:cNvPr id="25" name="Rectangle 24">
+            <a:extLst>
+              <a:ext uri="{FF2B5EF4-FFF2-40B4-BE49-F238E27FC236}">
+                <a16:creationId xmlns:a16="http://schemas.microsoft.com/office/drawing/2014/main" id="{9D8267F7-1115-4F9A-BEF5-BB6664BCF0DB}"/>
+              </a:ext>
+              <a:ext uri="{C183D7F6-B498-43B3-948B-1728B52AA6E4}">
+                <adec:decorative xmlns:adec="http://schemas.microsoft.com/office/drawing/2017/decorative" val="1"/>
+              </a:ext>
+            </a:extLst>
+          </p:cNvPr>
+          <p:cNvSpPr>
+            <a:spLocks noGrp="1" noRot="1" noChangeAspect="1" noMove="1" noResize="1" noEditPoints="1" noAdjustHandles="1" noChangeArrowheads="1" noChangeShapeType="1" noTextEdit="1"/>
+          </p:cNvSpPr>
+          <p:nvPr>
+            <p:extLst>
+              <p:ext uri="{386F3935-93C4-4BCD-93E2-E3B085C9AB24}">
+                <p16:designElem xmlns:p16="http://schemas.microsoft.com/office/powerpoint/2015/main" val="1"/>
+              </p:ext>
+            </p:extLst>
+          </p:nvPr>
+        </p:nvSpPr>
+        <p:spPr>
+          <a:xfrm flipH="1">
+            <a:off x="0" y="0"/>
+            <a:ext cx="12192000" cy="6858000"/>
+          </a:xfrm>
+          <a:prstGeom prst="rect">
+            <a:avLst/>
+          </a:prstGeom>
+          <a:gradFill>
+            <a:gsLst>
+              <a:gs pos="0">
+                <a:schemeClr val="bg2">
+                  <a:alpha val="40000"/>
+                </a:schemeClr>
+              </a:gs>
+              <a:gs pos="100000">
+                <a:schemeClr val="bg2">
+                  <a:alpha val="80000"/>
+                </a:schemeClr>
+              </a:gs>
+            </a:gsLst>
+            <a:lin ang="0" scaled="1"/>
+          </a:gradFill>
+          <a:ln w="12700" cap="flat" cmpd="sng" algn="ctr">
+            <a:noFill/>
+            <a:prstDash val="solid"/>
+            <a:miter lim="800000"/>
+          </a:ln>
+          <a:effectLst/>
+        </p:spPr>
+        <p:style>
+          <a:lnRef idx="2">
+            <a:schemeClr val="accent1">
+              <a:shade val="50000"/>
+            </a:schemeClr>
+          </a:lnRef>
+          <a:fillRef idx="1">
+            <a:schemeClr val="accent1"/>
+          </a:fillRef>
+          <a:effectRef idx="0">
+            <a:schemeClr val="accent1"/>
+          </a:effectRef>
+          <a:fontRef idx="minor">
+            <a:schemeClr val="lt1"/>
+          </a:fontRef>
+        </p:style>
+        <p:txBody>
+          <a:bodyPr rtlCol="0" anchor="ctr"/>
+          <a:lstStyle/>
+          <a:p>
+            <a:endParaRPr lang="en-US" dirty="0"/>
+          </a:p>
+        </p:txBody>
+      </p:sp>
+      <p:sp>
+        <p:nvSpPr>
+          <p:cNvPr id="2" name="Title 1">
+            <a:extLst>
+              <a:ext uri="{FF2B5EF4-FFF2-40B4-BE49-F238E27FC236}">
+                <a16:creationId xmlns:a16="http://schemas.microsoft.com/office/drawing/2014/main" id="{9B6116ED-0A14-4199-2E96-810501979308}"/>
+              </a:ext>
+            </a:extLst>
+          </p:cNvPr>
+          <p:cNvSpPr>
+            <a:spLocks noGrp="1"/>
+          </p:cNvSpPr>
+          <p:nvPr>
+            <p:ph type="title"/>
+          </p:nvPr>
+        </p:nvSpPr>
+        <p:spPr>
+          <a:xfrm>
+            <a:off x="7086315" y="545126"/>
+            <a:ext cx="4554821" cy="2186096"/>
+          </a:xfrm>
+        </p:spPr>
+        <p:txBody>
+          <a:bodyPr vert="horz" lIns="91440" tIns="45720" rIns="91440" bIns="45720" rtlCol="0" anchor="t">
+            <a:normAutofit/>
+          </a:bodyPr>
+          <a:lstStyle/>
+          <a:p>
+            <a:r>
+              <a:rPr lang="en-US"/>
+              <a:t>Duration</a:t>
+            </a:r>
+            <a:endParaRPr lang="en-US" dirty="0"/>
+          </a:p>
+        </p:txBody>
+      </p:sp>
+      <p:pic>
+        <p:nvPicPr>
+          <p:cNvPr id="5" name="Content Placeholder 4" descr="A graph with different colored bars&#10;&#10;Description automatically generated with medium confidence">
+            <a:extLst>
+              <a:ext uri="{FF2B5EF4-FFF2-40B4-BE49-F238E27FC236}">
+                <a16:creationId xmlns:a16="http://schemas.microsoft.com/office/drawing/2014/main" id="{5B53CE39-C451-ADBF-D2AA-0C7A6D661628}"/>
+              </a:ext>
+            </a:extLst>
+          </p:cNvPr>
+          <p:cNvPicPr>
+            <a:picLocks noGrp="1" noChangeAspect="1"/>
+          </p:cNvPicPr>
+          <p:nvPr>
+            <p:ph idx="1"/>
+          </p:nvPr>
+        </p:nvPicPr>
+        <p:blipFill>
+          <a:blip r:embed="rId2"/>
+          <a:stretch>
+            <a:fillRect/>
+          </a:stretch>
+        </p:blipFill>
+        <p:spPr>
+          <a:xfrm>
+            <a:off x="540000" y="1435519"/>
+            <a:ext cx="6049714" cy="3977686"/>
+          </a:xfrm>
+          <a:prstGeom prst="rect">
+            <a:avLst/>
+          </a:prstGeom>
+        </p:spPr>
+      </p:pic>
+      <p:sp>
+        <p:nvSpPr>
+          <p:cNvPr id="6" name="TextBox 5">
+            <a:extLst>
+              <a:ext uri="{FF2B5EF4-FFF2-40B4-BE49-F238E27FC236}">
+                <a16:creationId xmlns:a16="http://schemas.microsoft.com/office/drawing/2014/main" id="{4DF72875-7620-E683-F2AD-C27E4CBE9BB3}"/>
+              </a:ext>
+            </a:extLst>
+          </p:cNvPr>
+          <p:cNvSpPr txBox="1"/>
+          <p:nvPr/>
+        </p:nvSpPr>
+        <p:spPr>
+          <a:xfrm>
+            <a:off x="7104063" y="2947121"/>
+            <a:ext cx="4537073" cy="3361604"/>
+          </a:xfrm>
+          <a:prstGeom prst="rect">
+            <a:avLst/>
+          </a:prstGeom>
+        </p:spPr>
+        <p:txBody>
+          <a:bodyPr vert="horz" lIns="91440" tIns="45720" rIns="91440" bIns="45720" rtlCol="0" anchor="t">
+            <a:normAutofit/>
+          </a:bodyPr>
+          <a:lstStyle/>
+          <a:p>
+            <a:pPr indent="-270000" defTabSz="914400">
+              <a:lnSpc>
+                <a:spcPct val="125000"/>
+              </a:lnSpc>
+              <a:spcAft>
+                <a:spcPts val="600"/>
+              </a:spcAft>
+              <a:buFont typeface="Arial" panose="020B0604020202020204" pitchFamily="34" charset="0"/>
+              <a:buChar char="•"/>
+            </a:pPr>
+            <a:r>
+              <a:rPr lang="en-US" spc="50"/>
+              <a:t>The 35 – 50 age group shows the highest duration for keeping a subscription</a:t>
+            </a:r>
+          </a:p>
+        </p:txBody>
+      </p:sp>
+    </p:spTree>
+    <p:extLst>
+      <p:ext uri="{BB962C8B-B14F-4D97-AF65-F5344CB8AC3E}">
+        <p14:creationId xmlns:p14="http://schemas.microsoft.com/office/powerpoint/2010/main" val="3607728684"/>
+      </p:ext>
+    </p:extLst>
+  </p:cSld>
+  <p:clrMapOvr>
+    <a:masterClrMapping/>
+  </p:clrMapOvr>
+</p:sld>
+</file>
+
+<file path=ppt/slides/slide11.xml><?xml version="1.0" encoding="utf-8"?>
+<p:sld xmlns:a="http://schemas.openxmlformats.org/drawingml/2006/main" xmlns:r="http://schemas.openxmlformats.org/officeDocument/2006/relationships" xmlns:p="http://schemas.openxmlformats.org/presentationml/2006/main">
+  <p:cSld>
+    <p:bg>
+      <p:bgPr>
+        <a:solidFill>
+          <a:schemeClr val="bg1"/>
+        </a:solidFill>
+        <a:effectLst/>
+      </p:bgPr>
+    </p:bg>
+    <p:spTree>
+      <p:nvGrpSpPr>
+        <p:cNvPr id="1" name=""/>
+        <p:cNvGrpSpPr/>
+        <p:nvPr/>
+      </p:nvGrpSpPr>
+      <p:grpSpPr>
+        <a:xfrm>
+          <a:off x="0" y="0"/>
+          <a:ext cx="0" cy="0"/>
+          <a:chOff x="0" y="0"/>
+          <a:chExt cx="0" cy="0"/>
+        </a:xfrm>
+      </p:grpSpPr>
+      <p:sp useBgFill="1">
+        <p:nvSpPr>
+          <p:cNvPr id="14" name="Rectangle 13">
+            <a:extLst>
+              <a:ext uri="{FF2B5EF4-FFF2-40B4-BE49-F238E27FC236}">
+                <a16:creationId xmlns:a16="http://schemas.microsoft.com/office/drawing/2014/main" id="{C5EFAD76-6928-46F5-8800-C1AF27C59B42}"/>
+              </a:ext>
+              <a:ext uri="{C183D7F6-B498-43B3-948B-1728B52AA6E4}">
+                <adec:decorative xmlns:adec="http://schemas.microsoft.com/office/drawing/2017/decorative" val="1"/>
+              </a:ext>
+            </a:extLst>
+          </p:cNvPr>
+          <p:cNvSpPr>
+            <a:spLocks noGrp="1" noRot="1" noChangeAspect="1" noMove="1" noResize="1" noEditPoints="1" noAdjustHandles="1" noChangeArrowheads="1" noChangeShapeType="1" noTextEdit="1"/>
+          </p:cNvSpPr>
+          <p:nvPr>
+            <p:extLst>
+              <p:ext uri="{386F3935-93C4-4BCD-93E2-E3B085C9AB24}">
+                <p16:designElem xmlns:p16="http://schemas.microsoft.com/office/powerpoint/2015/main" val="1"/>
+              </p:ext>
+            </p:extLst>
+          </p:nvPr>
+        </p:nvSpPr>
+        <p:spPr>
+          <a:xfrm>
+            <a:off x="0" y="0"/>
+            <a:ext cx="12192000" cy="6858000"/>
+          </a:xfrm>
+          <a:prstGeom prst="rect">
+            <a:avLst/>
+          </a:prstGeom>
+          <a:ln w="12700" cap="flat" cmpd="sng" algn="ctr">
+            <a:noFill/>
+            <a:prstDash val="solid"/>
+            <a:miter lim="800000"/>
+          </a:ln>
+          <a:effectLst/>
+          <a:extLst>
+            <a:ext uri="{91240B29-F687-4F45-9708-019B960494DF}">
+              <a14:hiddenLine xmlns:a14="http://schemas.microsoft.com/office/drawing/2010/main" w="12700" cap="flat" cmpd="sng" algn="ctr">
+                <a:solidFill>
+                  <a:schemeClr val="accent1">
+                    <a:shade val="50000"/>
+                  </a:schemeClr>
+                </a:solidFill>
+                <a:prstDash val="solid"/>
+                <a:miter lim="800000"/>
+              </a14:hiddenLine>
+            </a:ext>
+          </a:extLst>
+        </p:spPr>
+        <p:style>
+          <a:lnRef idx="2">
+            <a:schemeClr val="accent1">
+              <a:shade val="50000"/>
+            </a:schemeClr>
+          </a:lnRef>
+          <a:fillRef idx="1">
+            <a:schemeClr val="accent1"/>
+          </a:fillRef>
+          <a:effectRef idx="0">
+            <a:schemeClr val="accent1"/>
+          </a:effectRef>
+          <a:fontRef idx="minor">
+            <a:schemeClr val="lt1"/>
+          </a:fontRef>
+        </p:style>
+        <p:txBody>
+          <a:bodyPr rtlCol="0" anchor="ctr"/>
+          <a:lstStyle/>
+          <a:p>
+            <a:pPr algn="ctr"/>
+            <a:endParaRPr lang="en-US"/>
+          </a:p>
+        </p:txBody>
+      </p:sp>
+      <p:sp>
+        <p:nvSpPr>
+          <p:cNvPr id="2" name="Title 1">
+            <a:extLst>
+              <a:ext uri="{FF2B5EF4-FFF2-40B4-BE49-F238E27FC236}">
+                <a16:creationId xmlns:a16="http://schemas.microsoft.com/office/drawing/2014/main" id="{652B0A85-EBFD-A51D-825D-5D9956E6DF42}"/>
+              </a:ext>
+            </a:extLst>
+          </p:cNvPr>
+          <p:cNvSpPr>
+            <a:spLocks noGrp="1"/>
+          </p:cNvSpPr>
+          <p:nvPr>
+            <p:ph type="title"/>
+          </p:nvPr>
+        </p:nvSpPr>
+        <p:spPr>
+          <a:xfrm>
+            <a:off x="540000" y="4508499"/>
+            <a:ext cx="4500561" cy="1953501"/>
+          </a:xfrm>
+        </p:spPr>
+        <p:txBody>
+          <a:bodyPr anchor="b">
+            <a:normAutofit/>
+          </a:bodyPr>
+          <a:lstStyle/>
+          <a:p>
+            <a:r>
+              <a:rPr lang="en-US" sz="4200" dirty="0">
+                <a:effectLst/>
+                <a:latin typeface=".SF NS"/>
+              </a:rPr>
+              <a:t>Pricing Trends in Streaming Services</a:t>
+            </a:r>
+            <a:br>
+              <a:rPr lang="en-US" sz="4200" dirty="0">
+                <a:effectLst/>
+                <a:latin typeface=".SF NS"/>
+              </a:rPr>
+            </a:br>
+            <a:endParaRPr lang="en-US" sz="4200" dirty="0"/>
+          </a:p>
+        </p:txBody>
+      </p:sp>
+      <p:pic>
+        <p:nvPicPr>
+          <p:cNvPr id="7" name="Picture 6" descr="A graph of a number of different colored bars&#10;&#10;Description automatically generated with medium confidence">
+            <a:extLst>
+              <a:ext uri="{FF2B5EF4-FFF2-40B4-BE49-F238E27FC236}">
+                <a16:creationId xmlns:a16="http://schemas.microsoft.com/office/drawing/2014/main" id="{9B90A498-5213-3965-2DFF-3F036A788E35}"/>
+              </a:ext>
+            </a:extLst>
+          </p:cNvPr>
+          <p:cNvPicPr>
+            <a:picLocks noChangeAspect="1"/>
+          </p:cNvPicPr>
+          <p:nvPr/>
+        </p:nvPicPr>
+        <p:blipFill>
+          <a:blip r:embed="rId2"/>
+          <a:stretch>
+            <a:fillRect/>
+          </a:stretch>
+        </p:blipFill>
+        <p:spPr>
+          <a:xfrm>
+            <a:off x="540000" y="562122"/>
+            <a:ext cx="5460568" cy="3754140"/>
+          </a:xfrm>
+          <a:prstGeom prst="rect">
+            <a:avLst/>
+          </a:prstGeom>
+        </p:spPr>
+      </p:pic>
+      <p:pic>
+        <p:nvPicPr>
+          <p:cNvPr id="5" name="Content Placeholder 4" descr="A graph showing a number of subscriptions&#10;&#10;Description automatically generated">
+            <a:extLst>
+              <a:ext uri="{FF2B5EF4-FFF2-40B4-BE49-F238E27FC236}">
+                <a16:creationId xmlns:a16="http://schemas.microsoft.com/office/drawing/2014/main" id="{83CE5369-F450-632B-1013-704E5BEF77B4}"/>
+              </a:ext>
+            </a:extLst>
+          </p:cNvPr>
+          <p:cNvPicPr>
+            <a:picLocks noChangeAspect="1"/>
+          </p:cNvPicPr>
+          <p:nvPr/>
+        </p:nvPicPr>
+        <p:blipFill>
+          <a:blip r:embed="rId3"/>
+          <a:stretch>
+            <a:fillRect/>
+          </a:stretch>
+        </p:blipFill>
+        <p:spPr>
+          <a:xfrm>
+            <a:off x="6180567" y="944362"/>
+            <a:ext cx="5460568" cy="2989660"/>
+          </a:xfrm>
+          <a:prstGeom prst="rect">
+            <a:avLst/>
+          </a:prstGeom>
+        </p:spPr>
+      </p:pic>
+      <p:sp>
+        <p:nvSpPr>
+          <p:cNvPr id="11" name="Content Placeholder 10">
+            <a:extLst>
+              <a:ext uri="{FF2B5EF4-FFF2-40B4-BE49-F238E27FC236}">
+                <a16:creationId xmlns:a16="http://schemas.microsoft.com/office/drawing/2014/main" id="{20732831-B499-2836-B2C6-8D84AB291646}"/>
+              </a:ext>
+            </a:extLst>
+          </p:cNvPr>
+          <p:cNvSpPr>
+            <a:spLocks noGrp="1"/>
+          </p:cNvSpPr>
+          <p:nvPr>
+            <p:ph idx="1"/>
+          </p:nvPr>
+        </p:nvSpPr>
+        <p:spPr>
+          <a:xfrm>
+            <a:off x="5411911" y="3795283"/>
+            <a:ext cx="6408738" cy="1791847"/>
+          </a:xfrm>
+        </p:spPr>
+        <p:txBody>
+          <a:bodyPr anchor="b">
+            <a:normAutofit/>
+          </a:bodyPr>
+          <a:lstStyle/>
+          <a:p>
+            <a:pPr algn="ctr"/>
+            <a:r>
+              <a:rPr lang="en-US" dirty="0"/>
+              <a:t>Price has been showing a steady increase, especially since COVID times</a:t>
+            </a:r>
+          </a:p>
+        </p:txBody>
+      </p:sp>
+    </p:spTree>
+    <p:extLst>
+      <p:ext uri="{BB962C8B-B14F-4D97-AF65-F5344CB8AC3E}">
+        <p14:creationId xmlns:p14="http://schemas.microsoft.com/office/powerpoint/2010/main" val="1675973369"/>
+      </p:ext>
+    </p:extLst>
+  </p:cSld>
+  <p:clrMapOvr>
+    <a:masterClrMapping/>
+  </p:clrMapOvr>
+</p:sld>
+</file>
+
+<file path=ppt/slides/slide12.xml><?xml version="1.0" encoding="utf-8"?>
+<p:sld xmlns:a="http://schemas.openxmlformats.org/drawingml/2006/main" xmlns:r="http://schemas.openxmlformats.org/officeDocument/2006/relationships" xmlns:p="http://schemas.openxmlformats.org/presentationml/2006/main">
+  <p:cSld>
+    <p:bg>
+      <p:bgPr>
+        <a:solidFill>
+          <a:schemeClr val="bg1"/>
+        </a:solidFill>
+        <a:effectLst/>
+      </p:bgPr>
+    </p:bg>
+    <p:spTree>
+      <p:nvGrpSpPr>
+        <p:cNvPr id="1" name=""/>
+        <p:cNvGrpSpPr/>
+        <p:nvPr/>
+      </p:nvGrpSpPr>
+      <p:grpSpPr>
+        <a:xfrm>
+          <a:off x="0" y="0"/>
+          <a:ext cx="0" cy="0"/>
+          <a:chOff x="0" y="0"/>
+          <a:chExt cx="0" cy="0"/>
+        </a:xfrm>
+      </p:grpSpPr>
+      <p:sp useBgFill="1">
+        <p:nvSpPr>
+          <p:cNvPr id="10" name="Rectangle 9">
+            <a:extLst>
+              <a:ext uri="{FF2B5EF4-FFF2-40B4-BE49-F238E27FC236}">
+                <a16:creationId xmlns:a16="http://schemas.microsoft.com/office/drawing/2014/main" id="{81C8C0F4-5C44-4C3F-B321-5CB3E2BABC2C}"/>
+              </a:ext>
+              <a:ext uri="{C183D7F6-B498-43B3-948B-1728B52AA6E4}">
+                <adec:decorative xmlns:adec="http://schemas.microsoft.com/office/drawing/2017/decorative" val="1"/>
+              </a:ext>
+            </a:extLst>
+          </p:cNvPr>
+          <p:cNvSpPr>
+            <a:spLocks noGrp="1" noRot="1" noChangeAspect="1" noMove="1" noResize="1" noEditPoints="1" noAdjustHandles="1" noChangeArrowheads="1" noChangeShapeType="1" noTextEdit="1"/>
+          </p:cNvSpPr>
+          <p:nvPr>
+            <p:extLst>
+              <p:ext uri="{386F3935-93C4-4BCD-93E2-E3B085C9AB24}">
+                <p16:designElem xmlns:p16="http://schemas.microsoft.com/office/powerpoint/2015/main" val="1"/>
+              </p:ext>
+            </p:extLst>
+          </p:nvPr>
+        </p:nvSpPr>
+        <p:spPr>
+          <a:xfrm>
+            <a:off x="0" y="0"/>
+            <a:ext cx="12192000" cy="6858000"/>
+          </a:xfrm>
+          <a:prstGeom prst="rect">
+            <a:avLst/>
+          </a:prstGeom>
+          <a:ln w="12700" cap="flat" cmpd="sng" algn="ctr">
+            <a:noFill/>
+            <a:prstDash val="solid"/>
+            <a:miter lim="800000"/>
+          </a:ln>
+          <a:effectLst/>
+          <a:extLst>
+            <a:ext uri="{91240B29-F687-4F45-9708-019B960494DF}">
+              <a14:hiddenLine xmlns:a14="http://schemas.microsoft.com/office/drawing/2010/main" w="12700" cap="flat" cmpd="sng" algn="ctr">
+                <a:solidFill>
+                  <a:schemeClr val="accent1">
+                    <a:shade val="50000"/>
+                  </a:schemeClr>
+                </a:solidFill>
+                <a:prstDash val="solid"/>
+                <a:miter lim="800000"/>
+              </a14:hiddenLine>
+            </a:ext>
+          </a:extLst>
+        </p:spPr>
+        <p:style>
+          <a:lnRef idx="2">
+            <a:schemeClr val="accent1">
+              <a:shade val="50000"/>
+            </a:schemeClr>
+          </a:lnRef>
+          <a:fillRef idx="1">
+            <a:schemeClr val="accent1"/>
+          </a:fillRef>
+          <a:effectRef idx="0">
+            <a:schemeClr val="accent1"/>
+          </a:effectRef>
+          <a:fontRef idx="minor">
+            <a:schemeClr val="lt1"/>
+          </a:fontRef>
+        </p:style>
+        <p:txBody>
+          <a:bodyPr rtlCol="0" anchor="ctr"/>
+          <a:lstStyle/>
+          <a:p>
+            <a:pPr algn="ctr"/>
+            <a:endParaRPr lang="en-US"/>
+          </a:p>
+        </p:txBody>
+      </p:sp>
+      <p:grpSp>
+        <p:nvGrpSpPr>
+          <p:cNvPr id="12" name="Group 11">
+            <a:extLst>
+              <a:ext uri="{FF2B5EF4-FFF2-40B4-BE49-F238E27FC236}">
+                <a16:creationId xmlns:a16="http://schemas.microsoft.com/office/drawing/2014/main" id="{987A62DB-71D7-497D-BE1C-933ECB515A68}"/>
+              </a:ext>
+              <a:ext uri="{C183D7F6-B498-43B3-948B-1728B52AA6E4}">
+                <adec:decorative xmlns:adec="http://schemas.microsoft.com/office/drawing/2017/decorative" val="1"/>
+              </a:ext>
+            </a:extLst>
+          </p:cNvPr>
+          <p:cNvGrpSpPr>
+            <a:grpSpLocks noGrp="1" noUngrp="1" noRot="1" noChangeAspect="1" noMove="1" noResize="1"/>
+          </p:cNvGrpSpPr>
+          <p:nvPr>
+            <p:extLst>
+              <p:ext uri="{386F3935-93C4-4BCD-93E2-E3B085C9AB24}">
+                <p16:designElem xmlns:p16="http://schemas.microsoft.com/office/powerpoint/2015/main" val="1"/>
+              </p:ext>
+            </p:extLst>
+          </p:nvPr>
+        </p:nvGrpSpPr>
+        <p:grpSpPr>
+          <a:xfrm>
+            <a:off x="4925125" y="3600"/>
+            <a:ext cx="7266875" cy="6854400"/>
+            <a:chOff x="4925125" y="3600"/>
+            <a:chExt cx="7266875" cy="6854400"/>
+          </a:xfrm>
+        </p:grpSpPr>
+        <p:sp>
+          <p:nvSpPr>
+            <p:cNvPr id="13" name="Oval 12">
+              <a:extLst>
+                <a:ext uri="{FF2B5EF4-FFF2-40B4-BE49-F238E27FC236}">
+                  <a16:creationId xmlns:a16="http://schemas.microsoft.com/office/drawing/2014/main" id="{FDAC2767-A7E3-4697-90F6-443A58314030}"/>
+                </a:ext>
+                <a:ext uri="{C183D7F6-B498-43B3-948B-1728B52AA6E4}">
+                  <adec:decorative xmlns:adec="http://schemas.microsoft.com/office/drawing/2017/decorative" val="1"/>
+                </a:ext>
+              </a:extLst>
+            </p:cNvPr>
+            <p:cNvSpPr>
+              <a:spLocks noChangeAspect="1"/>
+            </p:cNvSpPr>
+            <p:nvPr>
+              <p:extLst>
+                <p:ext uri="{386F3935-93C4-4BCD-93E2-E3B085C9AB24}">
+                  <p16:designElem xmlns:p16="http://schemas.microsoft.com/office/powerpoint/2015/main" val="1"/>
+                </p:ext>
+              </p:extLst>
+            </p:nvPr>
+          </p:nvSpPr>
+          <p:spPr>
+            <a:xfrm>
+              <a:off x="4925125" y="1098000"/>
+              <a:ext cx="5760000" cy="5760000"/>
+            </a:xfrm>
+            <a:prstGeom prst="ellipse">
+              <a:avLst/>
+            </a:prstGeom>
+            <a:solidFill>
+              <a:schemeClr val="accent1">
+                <a:alpha val="80000"/>
+              </a:schemeClr>
+            </a:solidFill>
+            <a:ln>
+              <a:noFill/>
+            </a:ln>
+            <a:effectLst>
+              <a:softEdge rad="1016000"/>
+            </a:effectLst>
+          </p:spPr>
+          <p:style>
+            <a:lnRef idx="2">
+              <a:schemeClr val="accent1">
+                <a:shade val="50000"/>
+              </a:schemeClr>
+            </a:lnRef>
+            <a:fillRef idx="1">
+              <a:schemeClr val="accent1"/>
+            </a:fillRef>
+            <a:effectRef idx="0">
+              <a:schemeClr val="accent1"/>
+            </a:effectRef>
+            <a:fontRef idx="minor">
+              <a:schemeClr val="lt1"/>
+            </a:fontRef>
+          </p:style>
+          <p:txBody>
+            <a:bodyPr rtlCol="0" anchor="ctr"/>
+            <a:lstStyle/>
+            <a:p>
+              <a:pPr algn="ctr"/>
+              <a:endParaRPr lang="en-US"/>
+            </a:p>
+          </p:txBody>
+        </p:sp>
+        <p:sp>
+          <p:nvSpPr>
+            <p:cNvPr id="14" name="Oval 13">
+              <a:extLst>
+                <a:ext uri="{FF2B5EF4-FFF2-40B4-BE49-F238E27FC236}">
+                  <a16:creationId xmlns:a16="http://schemas.microsoft.com/office/drawing/2014/main" id="{AB23E396-A746-411A-8709-32ABC4DDEAAC}"/>
+                </a:ext>
+                <a:ext uri="{C183D7F6-B498-43B3-948B-1728B52AA6E4}">
+                  <adec:decorative xmlns:adec="http://schemas.microsoft.com/office/drawing/2017/decorative" val="1"/>
+                </a:ext>
+              </a:extLst>
+            </p:cNvPr>
+            <p:cNvSpPr>
+              <a:spLocks noChangeAspect="1"/>
+            </p:cNvSpPr>
+            <p:nvPr>
+              <p:extLst>
+                <p:ext uri="{386F3935-93C4-4BCD-93E2-E3B085C9AB24}">
+                  <p16:designElem xmlns:p16="http://schemas.microsoft.com/office/powerpoint/2015/main" val="1"/>
+                </p:ext>
+              </p:extLst>
+            </p:nvPr>
+          </p:nvSpPr>
+          <p:spPr>
+            <a:xfrm>
+              <a:off x="5105686" y="65314"/>
+              <a:ext cx="4320000" cy="4320000"/>
+            </a:xfrm>
+            <a:prstGeom prst="ellipse">
+              <a:avLst/>
+            </a:prstGeom>
+            <a:solidFill>
+              <a:schemeClr val="accent3"/>
+            </a:solidFill>
+            <a:ln>
+              <a:noFill/>
+            </a:ln>
+            <a:effectLst>
+              <a:softEdge rad="1016000"/>
+            </a:effectLst>
+          </p:spPr>
+          <p:style>
+            <a:lnRef idx="2">
+              <a:schemeClr val="accent1">
+                <a:shade val="50000"/>
+              </a:schemeClr>
+            </a:lnRef>
+            <a:fillRef idx="1">
+              <a:schemeClr val="accent1"/>
+            </a:fillRef>
+            <a:effectRef idx="0">
+              <a:schemeClr val="accent1"/>
+            </a:effectRef>
+            <a:fontRef idx="minor">
+              <a:schemeClr val="lt1"/>
+            </a:fontRef>
+          </p:style>
+          <p:txBody>
+            <a:bodyPr rtlCol="0" anchor="ctr"/>
+            <a:lstStyle/>
+            <a:p>
+              <a:pPr algn="ctr"/>
+              <a:endParaRPr lang="en-US"/>
+            </a:p>
+          </p:txBody>
+        </p:sp>
+        <p:sp>
+          <p:nvSpPr>
+            <p:cNvPr id="15" name="Oval 14">
+              <a:extLst>
+                <a:ext uri="{FF2B5EF4-FFF2-40B4-BE49-F238E27FC236}">
+                  <a16:creationId xmlns:a16="http://schemas.microsoft.com/office/drawing/2014/main" id="{D135C986-CB82-4211-A910-D232B9BCA1E0}"/>
+                </a:ext>
+                <a:ext uri="{C183D7F6-B498-43B3-948B-1728B52AA6E4}">
+                  <adec:decorative xmlns:adec="http://schemas.microsoft.com/office/drawing/2017/decorative" val="1"/>
+                </a:ext>
+              </a:extLst>
+            </p:cNvPr>
+            <p:cNvSpPr>
+              <a:spLocks noChangeAspect="1"/>
+            </p:cNvSpPr>
+            <p:nvPr>
+              <p:extLst>
+                <p:ext uri="{386F3935-93C4-4BCD-93E2-E3B085C9AB24}">
+                  <p16:designElem xmlns:p16="http://schemas.microsoft.com/office/powerpoint/2015/main" val="1"/>
+                </p:ext>
+              </p:extLst>
+            </p:nvPr>
+          </p:nvSpPr>
+          <p:spPr>
+            <a:xfrm>
+              <a:off x="5337600" y="3600"/>
+              <a:ext cx="6854400" cy="6854400"/>
+            </a:xfrm>
+            <a:prstGeom prst="ellipse">
+              <a:avLst/>
+            </a:prstGeom>
+            <a:solidFill>
+              <a:schemeClr val="accent2">
+                <a:alpha val="60000"/>
+              </a:schemeClr>
+            </a:solidFill>
+            <a:ln>
+              <a:noFill/>
+            </a:ln>
+            <a:effectLst>
+              <a:softEdge rad="1270000"/>
+            </a:effectLst>
+          </p:spPr>
+          <p:style>
+            <a:lnRef idx="2">
+              <a:schemeClr val="accent1">
+                <a:shade val="50000"/>
+              </a:schemeClr>
+            </a:lnRef>
+            <a:fillRef idx="1">
+              <a:schemeClr val="accent1"/>
+            </a:fillRef>
+            <a:effectRef idx="0">
+              <a:schemeClr val="accent1"/>
+            </a:effectRef>
+            <a:fontRef idx="minor">
+              <a:schemeClr val="lt1"/>
+            </a:fontRef>
+          </p:style>
+          <p:txBody>
+            <a:bodyPr rtlCol="0" anchor="ctr"/>
+            <a:lstStyle/>
+            <a:p>
+              <a:pPr algn="ctr"/>
+              <a:endParaRPr lang="en-US" dirty="0"/>
+            </a:p>
+          </p:txBody>
+        </p:sp>
+      </p:grpSp>
+      <p:sp useBgFill="1">
+        <p:nvSpPr>
+          <p:cNvPr id="17" name="Freeform: Shape 16">
+            <a:extLst>
+              <a:ext uri="{FF2B5EF4-FFF2-40B4-BE49-F238E27FC236}">
+                <a16:creationId xmlns:a16="http://schemas.microsoft.com/office/drawing/2014/main" id="{837F2C8F-CC11-4A18-AA7E-AE8C022CDCC8}"/>
+              </a:ext>
+              <a:ext uri="{C183D7F6-B498-43B3-948B-1728B52AA6E4}">
+                <adec:decorative xmlns:adec="http://schemas.microsoft.com/office/drawing/2017/decorative" val="1"/>
+              </a:ext>
+            </a:extLst>
+          </p:cNvPr>
+          <p:cNvSpPr>
+            <a:spLocks noGrp="1" noRot="1" noChangeAspect="1" noMove="1" noResize="1" noEditPoints="1" noAdjustHandles="1" noChangeArrowheads="1" noChangeShapeType="1" noTextEdit="1"/>
+          </p:cNvSpPr>
+          <p:nvPr>
+            <p:extLst>
+              <p:ext uri="{386F3935-93C4-4BCD-93E2-E3B085C9AB24}">
+                <p16:designElem xmlns:p16="http://schemas.microsoft.com/office/powerpoint/2015/main" val="1"/>
+              </p:ext>
+            </p:extLst>
+          </p:nvPr>
+        </p:nvSpPr>
+        <p:spPr>
+          <a:xfrm>
+            <a:off x="4896000" y="1"/>
+            <a:ext cx="6858000" cy="6857999"/>
+          </a:xfrm>
+          <a:custGeom>
+            <a:avLst/>
+            <a:gdLst>
+              <a:gd name="connsiteX0" fmla="*/ 3428961 w 6858000"/>
+              <a:gd name="connsiteY0" fmla="*/ 0 h 6857999"/>
+              <a:gd name="connsiteX1" fmla="*/ 3429042 w 6858000"/>
+              <a:gd name="connsiteY1" fmla="*/ 0 h 6857999"/>
+              <a:gd name="connsiteX2" fmla="*/ 3605457 w 6858000"/>
+              <a:gd name="connsiteY2" fmla="*/ 4461 h 6857999"/>
+              <a:gd name="connsiteX3" fmla="*/ 6858000 w 6858000"/>
+              <a:gd name="connsiteY3" fmla="*/ 3429000 h 6857999"/>
+              <a:gd name="connsiteX4" fmla="*/ 3429001 w 6858000"/>
+              <a:gd name="connsiteY4" fmla="*/ 6857999 h 6857999"/>
+              <a:gd name="connsiteX5" fmla="*/ 0 w 6858000"/>
+              <a:gd name="connsiteY5" fmla="*/ 3429000 h 6857999"/>
+              <a:gd name="connsiteX6" fmla="*/ 3252545 w 6858000"/>
+              <a:gd name="connsiteY6" fmla="*/ 4461 h 6857999"/>
+            </a:gdLst>
+            <a:ahLst/>
+            <a:cxnLst>
+              <a:cxn ang="0">
+                <a:pos x="connsiteX0" y="connsiteY0"/>
+              </a:cxn>
+              <a:cxn ang="0">
+                <a:pos x="connsiteX1" y="connsiteY1"/>
+              </a:cxn>
+              <a:cxn ang="0">
+                <a:pos x="connsiteX2" y="connsiteY2"/>
+              </a:cxn>
+              <a:cxn ang="0">
+                <a:pos x="connsiteX3" y="connsiteY3"/>
+              </a:cxn>
+              <a:cxn ang="0">
+                <a:pos x="connsiteX4" y="connsiteY4"/>
+              </a:cxn>
+              <a:cxn ang="0">
+                <a:pos x="connsiteX5" y="connsiteY5"/>
+              </a:cxn>
+              <a:cxn ang="0">
+                <a:pos x="connsiteX6" y="connsiteY6"/>
+              </a:cxn>
+            </a:cxnLst>
+            <a:rect l="l" t="t" r="r" b="b"/>
+            <a:pathLst>
+              <a:path w="6858000" h="6857999">
+                <a:moveTo>
+                  <a:pt x="3428961" y="0"/>
+                </a:moveTo>
+                <a:lnTo>
+                  <a:pt x="3429042" y="0"/>
+                </a:lnTo>
+                <a:lnTo>
+                  <a:pt x="3605457" y="4461"/>
+                </a:lnTo>
+                <a:cubicBezTo>
+                  <a:pt x="5417236" y="96300"/>
+                  <a:pt x="6858000" y="1594396"/>
+                  <a:pt x="6858000" y="3429000"/>
+                </a:cubicBezTo>
+                <a:cubicBezTo>
+                  <a:pt x="6858000" y="5322784"/>
+                  <a:pt x="5322784" y="6857999"/>
+                  <a:pt x="3429001" y="6857999"/>
+                </a:cubicBezTo>
+                <a:cubicBezTo>
+                  <a:pt x="1535216" y="6857999"/>
+                  <a:pt x="0" y="5322784"/>
+                  <a:pt x="0" y="3429000"/>
+                </a:cubicBezTo>
+                <a:cubicBezTo>
+                  <a:pt x="0" y="1594396"/>
+                  <a:pt x="1440765" y="96300"/>
+                  <a:pt x="3252545" y="4461"/>
+                </a:cubicBezTo>
+                <a:close/>
+              </a:path>
+            </a:pathLst>
+          </a:custGeom>
+          <a:effectLst>
+            <a:softEdge rad="1016000"/>
+          </a:effectLst>
+        </p:spPr>
+        <p:style>
+          <a:lnRef idx="2">
+            <a:schemeClr val="accent1">
+              <a:shade val="50000"/>
+            </a:schemeClr>
+          </a:lnRef>
+          <a:fillRef idx="1">
+            <a:schemeClr val="accent1"/>
+          </a:fillRef>
+          <a:effectRef idx="0">
+            <a:schemeClr val="accent1"/>
+          </a:effectRef>
+          <a:fontRef idx="minor">
+            <a:schemeClr val="lt1"/>
+          </a:fontRef>
+        </p:style>
+        <p:txBody>
+          <a:bodyPr wrap="square" rtlCol="0" anchor="ctr">
+            <a:noAutofit/>
+          </a:bodyPr>
+          <a:lstStyle/>
+          <a:p>
+            <a:pPr algn="ctr"/>
+            <a:endParaRPr lang="en-US"/>
+          </a:p>
+        </p:txBody>
+      </p:sp>
+      <p:sp>
+        <p:nvSpPr>
+          <p:cNvPr id="2" name="Title 1">
+            <a:extLst>
+              <a:ext uri="{FF2B5EF4-FFF2-40B4-BE49-F238E27FC236}">
+                <a16:creationId xmlns:a16="http://schemas.microsoft.com/office/drawing/2014/main" id="{A2DE4540-F315-1DDB-6ED4-CBF44BB01F1A}"/>
+              </a:ext>
+            </a:extLst>
+          </p:cNvPr>
+          <p:cNvSpPr>
+            <a:spLocks noGrp="1"/>
+          </p:cNvSpPr>
+          <p:nvPr>
+            <p:ph type="title"/>
+          </p:nvPr>
+        </p:nvSpPr>
+        <p:spPr>
+          <a:xfrm>
+            <a:off x="540000" y="540000"/>
+            <a:ext cx="4500561" cy="2181946"/>
+          </a:xfrm>
+        </p:spPr>
+        <p:txBody>
+          <a:bodyPr anchor="t">
+            <a:normAutofit/>
+          </a:bodyPr>
+          <a:lstStyle/>
+          <a:p>
+            <a:r>
+              <a:rPr lang="en-US" dirty="0"/>
+              <a:t>Rapid Change</a:t>
+            </a:r>
+          </a:p>
+        </p:txBody>
+      </p:sp>
+      <p:sp>
+        <p:nvSpPr>
+          <p:cNvPr id="3" name="Content Placeholder 2">
+            <a:extLst>
+              <a:ext uri="{FF2B5EF4-FFF2-40B4-BE49-F238E27FC236}">
+                <a16:creationId xmlns:a16="http://schemas.microsoft.com/office/drawing/2014/main" id="{EE0D30AA-AB82-E3D4-3B6E-22F725F434E3}"/>
+              </a:ext>
+            </a:extLst>
+          </p:cNvPr>
+          <p:cNvSpPr>
+            <a:spLocks noGrp="1"/>
+          </p:cNvSpPr>
+          <p:nvPr>
+            <p:ph idx="1"/>
+          </p:nvPr>
+        </p:nvSpPr>
+        <p:spPr>
+          <a:xfrm>
+            <a:off x="550863" y="2947121"/>
+            <a:ext cx="4500562" cy="3361604"/>
+          </a:xfrm>
+        </p:spPr>
+        <p:txBody>
+          <a:bodyPr anchor="t">
+            <a:normAutofit/>
+          </a:bodyPr>
+          <a:lstStyle/>
+          <a:p>
+            <a:pPr marL="0" indent="0">
+              <a:buNone/>
+            </a:pPr>
+            <a:r>
+              <a:rPr lang="en-US" dirty="0">
+                <a:effectLst/>
+                <a:latin typeface=".SF NS"/>
+              </a:rPr>
+              <a:t>the media landscape is undergoing a profound transformation, with streaming platforms leading the charge in redefining how we consume content. By offering high-quality, diverse, and on-demand experiences tailored to user preferences, these platforms are rapidly surpassing traditional cable TV</a:t>
+            </a:r>
+          </a:p>
+          <a:p>
+            <a:endParaRPr lang="en-US" dirty="0"/>
+          </a:p>
+        </p:txBody>
+      </p:sp>
+      <p:pic>
+        <p:nvPicPr>
+          <p:cNvPr id="7" name="Graphic 6" descr="Film reel">
+            <a:extLst>
+              <a:ext uri="{FF2B5EF4-FFF2-40B4-BE49-F238E27FC236}">
+                <a16:creationId xmlns:a16="http://schemas.microsoft.com/office/drawing/2014/main" id="{A32B7254-1BEC-F8A6-1693-3FA68BF2E777}"/>
+              </a:ext>
+            </a:extLst>
+          </p:cNvPr>
+          <p:cNvPicPr>
+            <a:picLocks noChangeAspect="1"/>
+          </p:cNvPicPr>
+          <p:nvPr/>
+        </p:nvPicPr>
+        <p:blipFill>
+          <a:blip r:embed="rId2">
+            <a:extLst>
+              <a:ext uri="{28A0092B-C50C-407E-A947-70E740481C1C}">
+                <a14:useLocalDpi xmlns:a14="http://schemas.microsoft.com/office/drawing/2010/main" val="0"/>
+              </a:ext>
+              <a:ext uri="{96DAC541-7B7A-43D3-8B79-37D633B846F1}">
+                <asvg:svgBlip xmlns:asvg="http://schemas.microsoft.com/office/drawing/2016/SVG/main" r:embed="rId3"/>
+              </a:ext>
+            </a:extLst>
+          </a:blip>
+          <a:stretch>
+            <a:fillRect/>
+          </a:stretch>
+        </p:blipFill>
+        <p:spPr>
+          <a:xfrm>
+            <a:off x="6525000" y="1629000"/>
+            <a:ext cx="3600000" cy="3600000"/>
+          </a:xfrm>
+          <a:prstGeom prst="rect">
+            <a:avLst/>
+          </a:prstGeom>
+        </p:spPr>
+      </p:pic>
+    </p:spTree>
+    <p:extLst>
+      <p:ext uri="{BB962C8B-B14F-4D97-AF65-F5344CB8AC3E}">
+        <p14:creationId xmlns:p14="http://schemas.microsoft.com/office/powerpoint/2010/main" val="3426862809"/>
       </p:ext>
     </p:extLst>
   </p:cSld>
@@ -18812,6 +20739,14 @@
 <file path=ppt/slides/slide4.xml><?xml version="1.0" encoding="utf-8"?>
 <p:sld xmlns:a="http://schemas.openxmlformats.org/drawingml/2006/main" xmlns:r="http://schemas.openxmlformats.org/officeDocument/2006/relationships" xmlns:p="http://schemas.openxmlformats.org/presentationml/2006/main">
   <p:cSld>
+    <p:bg>
+      <p:bgPr>
+        <a:solidFill>
+          <a:schemeClr val="bg1"/>
+        </a:solidFill>
+        <a:effectLst/>
+      </p:bgPr>
+    </p:bg>
     <p:spTree>
       <p:nvGrpSpPr>
         <p:cNvPr id="1" name=""/>
@@ -18826,6 +20761,453 @@
           <a:chExt cx="0" cy="0"/>
         </a:xfrm>
       </p:grpSpPr>
+      <p:sp useBgFill="1">
+        <p:nvSpPr>
+          <p:cNvPr id="10" name="Rectangle 9">
+            <a:extLst>
+              <a:ext uri="{FF2B5EF4-FFF2-40B4-BE49-F238E27FC236}">
+                <a16:creationId xmlns:a16="http://schemas.microsoft.com/office/drawing/2014/main" id="{81C8C0F4-5C44-4C3F-B321-5CB3E2BABC2C}"/>
+              </a:ext>
+              <a:ext uri="{C183D7F6-B498-43B3-948B-1728B52AA6E4}">
+                <adec:decorative xmlns:adec="http://schemas.microsoft.com/office/drawing/2017/decorative" val="1"/>
+              </a:ext>
+            </a:extLst>
+          </p:cNvPr>
+          <p:cNvSpPr>
+            <a:spLocks noGrp="1" noRot="1" noChangeAspect="1" noMove="1" noResize="1" noEditPoints="1" noAdjustHandles="1" noChangeArrowheads="1" noChangeShapeType="1" noTextEdit="1"/>
+          </p:cNvSpPr>
+          <p:nvPr>
+            <p:extLst>
+              <p:ext uri="{386F3935-93C4-4BCD-93E2-E3B085C9AB24}">
+                <p16:designElem xmlns:p16="http://schemas.microsoft.com/office/powerpoint/2015/main" val="1"/>
+              </p:ext>
+            </p:extLst>
+          </p:nvPr>
+        </p:nvSpPr>
+        <p:spPr>
+          <a:xfrm>
+            <a:off x="0" y="0"/>
+            <a:ext cx="12192000" cy="6858000"/>
+          </a:xfrm>
+          <a:prstGeom prst="rect">
+            <a:avLst/>
+          </a:prstGeom>
+          <a:ln w="12700" cap="flat" cmpd="sng" algn="ctr">
+            <a:noFill/>
+            <a:prstDash val="solid"/>
+            <a:miter lim="800000"/>
+          </a:ln>
+          <a:effectLst/>
+          <a:extLst>
+            <a:ext uri="{91240B29-F687-4F45-9708-019B960494DF}">
+              <a14:hiddenLine xmlns:a14="http://schemas.microsoft.com/office/drawing/2010/main" w="12700" cap="flat" cmpd="sng" algn="ctr">
+                <a:solidFill>
+                  <a:schemeClr val="accent1">
+                    <a:shade val="50000"/>
+                  </a:schemeClr>
+                </a:solidFill>
+                <a:prstDash val="solid"/>
+                <a:miter lim="800000"/>
+              </a14:hiddenLine>
+            </a:ext>
+          </a:extLst>
+        </p:spPr>
+        <p:style>
+          <a:lnRef idx="2">
+            <a:schemeClr val="accent1">
+              <a:shade val="50000"/>
+            </a:schemeClr>
+          </a:lnRef>
+          <a:fillRef idx="1">
+            <a:schemeClr val="accent1"/>
+          </a:fillRef>
+          <a:effectRef idx="0">
+            <a:schemeClr val="accent1"/>
+          </a:effectRef>
+          <a:fontRef idx="minor">
+            <a:schemeClr val="lt1"/>
+          </a:fontRef>
+        </p:style>
+        <p:txBody>
+          <a:bodyPr rtlCol="0" anchor="ctr"/>
+          <a:lstStyle/>
+          <a:p>
+            <a:pPr algn="ctr"/>
+            <a:endParaRPr lang="en-US"/>
+          </a:p>
+        </p:txBody>
+      </p:sp>
+      <p:grpSp>
+        <p:nvGrpSpPr>
+          <p:cNvPr id="12" name="Group 11">
+            <a:extLst>
+              <a:ext uri="{FF2B5EF4-FFF2-40B4-BE49-F238E27FC236}">
+                <a16:creationId xmlns:a16="http://schemas.microsoft.com/office/drawing/2014/main" id="{987A62DB-71D7-497D-BE1C-933ECB515A68}"/>
+              </a:ext>
+              <a:ext uri="{C183D7F6-B498-43B3-948B-1728B52AA6E4}">
+                <adec:decorative xmlns:adec="http://schemas.microsoft.com/office/drawing/2017/decorative" val="1"/>
+              </a:ext>
+            </a:extLst>
+          </p:cNvPr>
+          <p:cNvGrpSpPr>
+            <a:grpSpLocks noGrp="1" noUngrp="1" noRot="1" noChangeAspect="1" noMove="1" noResize="1"/>
+          </p:cNvGrpSpPr>
+          <p:nvPr>
+            <p:extLst>
+              <p:ext uri="{386F3935-93C4-4BCD-93E2-E3B085C9AB24}">
+                <p16:designElem xmlns:p16="http://schemas.microsoft.com/office/powerpoint/2015/main" val="1"/>
+              </p:ext>
+            </p:extLst>
+          </p:nvPr>
+        </p:nvGrpSpPr>
+        <p:grpSpPr>
+          <a:xfrm>
+            <a:off x="4925125" y="3600"/>
+            <a:ext cx="7266875" cy="6854400"/>
+            <a:chOff x="4925125" y="3600"/>
+            <a:chExt cx="7266875" cy="6854400"/>
+          </a:xfrm>
+        </p:grpSpPr>
+        <p:sp>
+          <p:nvSpPr>
+            <p:cNvPr id="13" name="Oval 12">
+              <a:extLst>
+                <a:ext uri="{FF2B5EF4-FFF2-40B4-BE49-F238E27FC236}">
+                  <a16:creationId xmlns:a16="http://schemas.microsoft.com/office/drawing/2014/main" id="{FDAC2767-A7E3-4697-90F6-443A58314030}"/>
+                </a:ext>
+                <a:ext uri="{C183D7F6-B498-43B3-948B-1728B52AA6E4}">
+                  <adec:decorative xmlns:adec="http://schemas.microsoft.com/office/drawing/2017/decorative" val="1"/>
+                </a:ext>
+              </a:extLst>
+            </p:cNvPr>
+            <p:cNvSpPr>
+              <a:spLocks noChangeAspect="1"/>
+            </p:cNvSpPr>
+            <p:nvPr>
+              <p:extLst>
+                <p:ext uri="{386F3935-93C4-4BCD-93E2-E3B085C9AB24}">
+                  <p16:designElem xmlns:p16="http://schemas.microsoft.com/office/powerpoint/2015/main" val="1"/>
+                </p:ext>
+              </p:extLst>
+            </p:nvPr>
+          </p:nvSpPr>
+          <p:spPr>
+            <a:xfrm>
+              <a:off x="4925125" y="1098000"/>
+              <a:ext cx="5760000" cy="5760000"/>
+            </a:xfrm>
+            <a:prstGeom prst="ellipse">
+              <a:avLst/>
+            </a:prstGeom>
+            <a:solidFill>
+              <a:schemeClr val="accent1">
+                <a:alpha val="80000"/>
+              </a:schemeClr>
+            </a:solidFill>
+            <a:ln>
+              <a:noFill/>
+            </a:ln>
+            <a:effectLst>
+              <a:softEdge rad="1016000"/>
+            </a:effectLst>
+          </p:spPr>
+          <p:style>
+            <a:lnRef idx="2">
+              <a:schemeClr val="accent1">
+                <a:shade val="50000"/>
+              </a:schemeClr>
+            </a:lnRef>
+            <a:fillRef idx="1">
+              <a:schemeClr val="accent1"/>
+            </a:fillRef>
+            <a:effectRef idx="0">
+              <a:schemeClr val="accent1"/>
+            </a:effectRef>
+            <a:fontRef idx="minor">
+              <a:schemeClr val="lt1"/>
+            </a:fontRef>
+          </p:style>
+          <p:txBody>
+            <a:bodyPr rtlCol="0" anchor="ctr"/>
+            <a:lstStyle/>
+            <a:p>
+              <a:pPr algn="ctr"/>
+              <a:endParaRPr lang="en-US"/>
+            </a:p>
+          </p:txBody>
+        </p:sp>
+        <p:sp>
+          <p:nvSpPr>
+            <p:cNvPr id="14" name="Oval 13">
+              <a:extLst>
+                <a:ext uri="{FF2B5EF4-FFF2-40B4-BE49-F238E27FC236}">
+                  <a16:creationId xmlns:a16="http://schemas.microsoft.com/office/drawing/2014/main" id="{AB23E396-A746-411A-8709-32ABC4DDEAAC}"/>
+                </a:ext>
+                <a:ext uri="{C183D7F6-B498-43B3-948B-1728B52AA6E4}">
+                  <adec:decorative xmlns:adec="http://schemas.microsoft.com/office/drawing/2017/decorative" val="1"/>
+                </a:ext>
+              </a:extLst>
+            </p:cNvPr>
+            <p:cNvSpPr>
+              <a:spLocks noChangeAspect="1"/>
+            </p:cNvSpPr>
+            <p:nvPr>
+              <p:extLst>
+                <p:ext uri="{386F3935-93C4-4BCD-93E2-E3B085C9AB24}">
+                  <p16:designElem xmlns:p16="http://schemas.microsoft.com/office/powerpoint/2015/main" val="1"/>
+                </p:ext>
+              </p:extLst>
+            </p:nvPr>
+          </p:nvSpPr>
+          <p:spPr>
+            <a:xfrm>
+              <a:off x="5105686" y="65314"/>
+              <a:ext cx="4320000" cy="4320000"/>
+            </a:xfrm>
+            <a:prstGeom prst="ellipse">
+              <a:avLst/>
+            </a:prstGeom>
+            <a:solidFill>
+              <a:schemeClr val="accent3"/>
+            </a:solidFill>
+            <a:ln>
+              <a:noFill/>
+            </a:ln>
+            <a:effectLst>
+              <a:softEdge rad="1016000"/>
+            </a:effectLst>
+          </p:spPr>
+          <p:style>
+            <a:lnRef idx="2">
+              <a:schemeClr val="accent1">
+                <a:shade val="50000"/>
+              </a:schemeClr>
+            </a:lnRef>
+            <a:fillRef idx="1">
+              <a:schemeClr val="accent1"/>
+            </a:fillRef>
+            <a:effectRef idx="0">
+              <a:schemeClr val="accent1"/>
+            </a:effectRef>
+            <a:fontRef idx="minor">
+              <a:schemeClr val="lt1"/>
+            </a:fontRef>
+          </p:style>
+          <p:txBody>
+            <a:bodyPr rtlCol="0" anchor="ctr"/>
+            <a:lstStyle/>
+            <a:p>
+              <a:pPr algn="ctr"/>
+              <a:endParaRPr lang="en-US"/>
+            </a:p>
+          </p:txBody>
+        </p:sp>
+        <p:sp>
+          <p:nvSpPr>
+            <p:cNvPr id="15" name="Oval 14">
+              <a:extLst>
+                <a:ext uri="{FF2B5EF4-FFF2-40B4-BE49-F238E27FC236}">
+                  <a16:creationId xmlns:a16="http://schemas.microsoft.com/office/drawing/2014/main" id="{D135C986-CB82-4211-A910-D232B9BCA1E0}"/>
+                </a:ext>
+                <a:ext uri="{C183D7F6-B498-43B3-948B-1728B52AA6E4}">
+                  <adec:decorative xmlns:adec="http://schemas.microsoft.com/office/drawing/2017/decorative" val="1"/>
+                </a:ext>
+              </a:extLst>
+            </p:cNvPr>
+            <p:cNvSpPr>
+              <a:spLocks noChangeAspect="1"/>
+            </p:cNvSpPr>
+            <p:nvPr>
+              <p:extLst>
+                <p:ext uri="{386F3935-93C4-4BCD-93E2-E3B085C9AB24}">
+                  <p16:designElem xmlns:p16="http://schemas.microsoft.com/office/powerpoint/2015/main" val="1"/>
+                </p:ext>
+              </p:extLst>
+            </p:nvPr>
+          </p:nvSpPr>
+          <p:spPr>
+            <a:xfrm>
+              <a:off x="5337600" y="3600"/>
+              <a:ext cx="6854400" cy="6854400"/>
+            </a:xfrm>
+            <a:prstGeom prst="ellipse">
+              <a:avLst/>
+            </a:prstGeom>
+            <a:solidFill>
+              <a:schemeClr val="accent2">
+                <a:alpha val="60000"/>
+              </a:schemeClr>
+            </a:solidFill>
+            <a:ln>
+              <a:noFill/>
+            </a:ln>
+            <a:effectLst>
+              <a:softEdge rad="1270000"/>
+            </a:effectLst>
+          </p:spPr>
+          <p:style>
+            <a:lnRef idx="2">
+              <a:schemeClr val="accent1">
+                <a:shade val="50000"/>
+              </a:schemeClr>
+            </a:lnRef>
+            <a:fillRef idx="1">
+              <a:schemeClr val="accent1"/>
+            </a:fillRef>
+            <a:effectRef idx="0">
+              <a:schemeClr val="accent1"/>
+            </a:effectRef>
+            <a:fontRef idx="minor">
+              <a:schemeClr val="lt1"/>
+            </a:fontRef>
+          </p:style>
+          <p:txBody>
+            <a:bodyPr rtlCol="0" anchor="ctr"/>
+            <a:lstStyle/>
+            <a:p>
+              <a:pPr algn="ctr"/>
+              <a:endParaRPr lang="en-US" dirty="0"/>
+            </a:p>
+          </p:txBody>
+        </p:sp>
+      </p:grpSp>
+      <p:sp useBgFill="1">
+        <p:nvSpPr>
+          <p:cNvPr id="17" name="Freeform: Shape 16">
+            <a:extLst>
+              <a:ext uri="{FF2B5EF4-FFF2-40B4-BE49-F238E27FC236}">
+                <a16:creationId xmlns:a16="http://schemas.microsoft.com/office/drawing/2014/main" id="{837F2C8F-CC11-4A18-AA7E-AE8C022CDCC8}"/>
+              </a:ext>
+              <a:ext uri="{C183D7F6-B498-43B3-948B-1728B52AA6E4}">
+                <adec:decorative xmlns:adec="http://schemas.microsoft.com/office/drawing/2017/decorative" val="1"/>
+              </a:ext>
+            </a:extLst>
+          </p:cNvPr>
+          <p:cNvSpPr>
+            <a:spLocks noGrp="1" noRot="1" noChangeAspect="1" noMove="1" noResize="1" noEditPoints="1" noAdjustHandles="1" noChangeArrowheads="1" noChangeShapeType="1" noTextEdit="1"/>
+          </p:cNvSpPr>
+          <p:nvPr>
+            <p:extLst>
+              <p:ext uri="{386F3935-93C4-4BCD-93E2-E3B085C9AB24}">
+                <p16:designElem xmlns:p16="http://schemas.microsoft.com/office/powerpoint/2015/main" val="1"/>
+              </p:ext>
+            </p:extLst>
+          </p:nvPr>
+        </p:nvSpPr>
+        <p:spPr>
+          <a:xfrm>
+            <a:off x="4896000" y="1"/>
+            <a:ext cx="6858000" cy="6857999"/>
+          </a:xfrm>
+          <a:custGeom>
+            <a:avLst/>
+            <a:gdLst>
+              <a:gd name="connsiteX0" fmla="*/ 3428961 w 6858000"/>
+              <a:gd name="connsiteY0" fmla="*/ 0 h 6857999"/>
+              <a:gd name="connsiteX1" fmla="*/ 3429042 w 6858000"/>
+              <a:gd name="connsiteY1" fmla="*/ 0 h 6857999"/>
+              <a:gd name="connsiteX2" fmla="*/ 3605457 w 6858000"/>
+              <a:gd name="connsiteY2" fmla="*/ 4461 h 6857999"/>
+              <a:gd name="connsiteX3" fmla="*/ 6858000 w 6858000"/>
+              <a:gd name="connsiteY3" fmla="*/ 3429000 h 6857999"/>
+              <a:gd name="connsiteX4" fmla="*/ 3429001 w 6858000"/>
+              <a:gd name="connsiteY4" fmla="*/ 6857999 h 6857999"/>
+              <a:gd name="connsiteX5" fmla="*/ 0 w 6858000"/>
+              <a:gd name="connsiteY5" fmla="*/ 3429000 h 6857999"/>
+              <a:gd name="connsiteX6" fmla="*/ 3252545 w 6858000"/>
+              <a:gd name="connsiteY6" fmla="*/ 4461 h 6857999"/>
+            </a:gdLst>
+            <a:ahLst/>
+            <a:cxnLst>
+              <a:cxn ang="0">
+                <a:pos x="connsiteX0" y="connsiteY0"/>
+              </a:cxn>
+              <a:cxn ang="0">
+                <a:pos x="connsiteX1" y="connsiteY1"/>
+              </a:cxn>
+              <a:cxn ang="0">
+                <a:pos x="connsiteX2" y="connsiteY2"/>
+              </a:cxn>
+              <a:cxn ang="0">
+                <a:pos x="connsiteX3" y="connsiteY3"/>
+              </a:cxn>
+              <a:cxn ang="0">
+                <a:pos x="connsiteX4" y="connsiteY4"/>
+              </a:cxn>
+              <a:cxn ang="0">
+                <a:pos x="connsiteX5" y="connsiteY5"/>
+              </a:cxn>
+              <a:cxn ang="0">
+                <a:pos x="connsiteX6" y="connsiteY6"/>
+              </a:cxn>
+            </a:cxnLst>
+            <a:rect l="l" t="t" r="r" b="b"/>
+            <a:pathLst>
+              <a:path w="6858000" h="6857999">
+                <a:moveTo>
+                  <a:pt x="3428961" y="0"/>
+                </a:moveTo>
+                <a:lnTo>
+                  <a:pt x="3429042" y="0"/>
+                </a:lnTo>
+                <a:lnTo>
+                  <a:pt x="3605457" y="4461"/>
+                </a:lnTo>
+                <a:cubicBezTo>
+                  <a:pt x="5417236" y="96300"/>
+                  <a:pt x="6858000" y="1594396"/>
+                  <a:pt x="6858000" y="3429000"/>
+                </a:cubicBezTo>
+                <a:cubicBezTo>
+                  <a:pt x="6858000" y="5322784"/>
+                  <a:pt x="5322784" y="6857999"/>
+                  <a:pt x="3429001" y="6857999"/>
+                </a:cubicBezTo>
+                <a:cubicBezTo>
+                  <a:pt x="1535216" y="6857999"/>
+                  <a:pt x="0" y="5322784"/>
+                  <a:pt x="0" y="3429000"/>
+                </a:cubicBezTo>
+                <a:cubicBezTo>
+                  <a:pt x="0" y="1594396"/>
+                  <a:pt x="1440765" y="96300"/>
+                  <a:pt x="3252545" y="4461"/>
+                </a:cubicBezTo>
+                <a:close/>
+              </a:path>
+            </a:pathLst>
+          </a:custGeom>
+          <a:effectLst>
+            <a:softEdge rad="1016000"/>
+          </a:effectLst>
+        </p:spPr>
+        <p:style>
+          <a:lnRef idx="2">
+            <a:schemeClr val="accent1">
+              <a:shade val="50000"/>
+            </a:schemeClr>
+          </a:lnRef>
+          <a:fillRef idx="1">
+            <a:schemeClr val="accent1"/>
+          </a:fillRef>
+          <a:effectRef idx="0">
+            <a:schemeClr val="accent1"/>
+          </a:effectRef>
+          <a:fontRef idx="minor">
+            <a:schemeClr val="lt1"/>
+          </a:fontRef>
+        </p:style>
+        <p:txBody>
+          <a:bodyPr wrap="square" rtlCol="0" anchor="ctr">
+            <a:noAutofit/>
+          </a:bodyPr>
+          <a:lstStyle/>
+          <a:p>
+            <a:pPr algn="ctr"/>
+            <a:endParaRPr lang="en-US"/>
+          </a:p>
+        </p:txBody>
+      </p:sp>
       <p:sp>
         <p:nvSpPr>
           <p:cNvPr id="2" name="Title 1">
@@ -18842,12 +21224,22 @@
             <p:ph type="title"/>
           </p:nvPr>
         </p:nvSpPr>
-        <p:spPr/>
+        <p:spPr>
+          <a:xfrm>
+            <a:off x="540000" y="540000"/>
+            <a:ext cx="4500561" cy="933200"/>
+          </a:xfrm>
+        </p:spPr>
         <p:txBody>
-          <a:bodyPr/>
+          <a:bodyPr anchor="t">
+            <a:normAutofit/>
+          </a:bodyPr>
           <a:lstStyle/>
           <a:p>
-            <a:endParaRPr lang="en-US"/>
+            <a:r>
+              <a:rPr lang="en-US" dirty="0"/>
+              <a:t>Cable TV</a:t>
+            </a:r>
           </a:p>
         </p:txBody>
       </p:sp>
@@ -18867,19 +21259,5656 @@
             <p:ph idx="1"/>
           </p:nvPr>
         </p:nvSpPr>
-        <p:spPr/>
+        <p:spPr>
+          <a:xfrm>
+            <a:off x="438000" y="1752601"/>
+            <a:ext cx="4613425" cy="3797300"/>
+          </a:xfrm>
+        </p:spPr>
         <p:txBody>
-          <a:bodyPr/>
+          <a:bodyPr anchor="t">
+            <a:normAutofit/>
+          </a:bodyPr>
           <a:lstStyle/>
           <a:p>
+            <a:pPr>
+              <a:lnSpc>
+                <a:spcPct val="115000"/>
+              </a:lnSpc>
+            </a:pPr>
+            <a:r>
+              <a:rPr lang="en-US" b="1" dirty="0">
+                <a:effectLst/>
+                <a:latin typeface=".SF NS"/>
+              </a:rPr>
+              <a:t>72.2 million</a:t>
+            </a:r>
+            <a:r>
+              <a:rPr lang="en-US" dirty="0">
+                <a:effectLst/>
+                <a:latin typeface=".SF NS"/>
+              </a:rPr>
+              <a:t>: Number of US households subscribing to cable TV.</a:t>
+            </a:r>
+          </a:p>
+          <a:p>
+            <a:pPr>
+              <a:lnSpc>
+                <a:spcPct val="115000"/>
+              </a:lnSpc>
+            </a:pPr>
+            <a:r>
+              <a:rPr lang="en-US" dirty="0">
+                <a:latin typeface=".SF NS"/>
+              </a:rPr>
+              <a:t>N</a:t>
+            </a:r>
+            <a:r>
+              <a:rPr lang="en-US" dirty="0">
+                <a:effectLst/>
+                <a:latin typeface=".SF NS"/>
+              </a:rPr>
+              <a:t>oted drop of </a:t>
+            </a:r>
+            <a:r>
+              <a:rPr lang="en-US" b="1" dirty="0">
+                <a:effectLst/>
+                <a:latin typeface=".SF NS"/>
+              </a:rPr>
+              <a:t>2 million </a:t>
+            </a:r>
+            <a:r>
+              <a:rPr lang="en-US" dirty="0">
+                <a:effectLst/>
+                <a:latin typeface=".SF NS"/>
+              </a:rPr>
+              <a:t>subscribers a year.</a:t>
+            </a:r>
+          </a:p>
+          <a:p>
+            <a:pPr>
+              <a:lnSpc>
+                <a:spcPct val="115000"/>
+              </a:lnSpc>
+            </a:pPr>
+            <a:r>
+              <a:rPr lang="en-US" dirty="0">
+                <a:effectLst/>
+                <a:latin typeface=".SF NS"/>
+              </a:rPr>
+              <a:t>• </a:t>
+            </a:r>
+            <a:r>
+              <a:rPr lang="en-US" b="1" dirty="0">
+                <a:effectLst/>
+                <a:latin typeface=".SF NS"/>
+              </a:rPr>
+              <a:t>$184.99 billion</a:t>
+            </a:r>
+            <a:r>
+              <a:rPr lang="en-US" dirty="0">
+                <a:effectLst/>
+                <a:latin typeface=".SF NS"/>
+              </a:rPr>
+              <a:t>: Projected advertising revenue for TV in 2022.</a:t>
+            </a:r>
+          </a:p>
+          <a:p>
+            <a:pPr>
+              <a:lnSpc>
+                <a:spcPct val="115000"/>
+              </a:lnSpc>
+            </a:pPr>
+            <a:r>
+              <a:rPr lang="en-US" dirty="0">
+                <a:effectLst/>
+                <a:latin typeface=".SF NS"/>
+              </a:rPr>
+              <a:t>• </a:t>
+            </a:r>
+            <a:r>
+              <a:rPr lang="en-US" b="1" dirty="0">
+                <a:effectLst/>
+                <a:latin typeface=".SF NS"/>
+              </a:rPr>
+              <a:t>1,775 TV stations</a:t>
+            </a:r>
+            <a:r>
+              <a:rPr lang="en-US" dirty="0">
+                <a:effectLst/>
+                <a:latin typeface=".SF NS"/>
+              </a:rPr>
+              <a:t>: Current operational TV stations in the US.</a:t>
+            </a:r>
+          </a:p>
+          <a:p>
+            <a:pPr>
+              <a:lnSpc>
+                <a:spcPct val="115000"/>
+              </a:lnSpc>
+            </a:pPr>
+            <a:endParaRPr lang="en-US" dirty="0"/>
+          </a:p>
+        </p:txBody>
+      </p:sp>
+      <p:pic>
+        <p:nvPicPr>
+          <p:cNvPr id="7" name="Graphic 6" descr="Television">
+            <a:extLst>
+              <a:ext uri="{FF2B5EF4-FFF2-40B4-BE49-F238E27FC236}">
+                <a16:creationId xmlns:a16="http://schemas.microsoft.com/office/drawing/2014/main" id="{AC6078DD-23F5-9C4A-94E5-A265D633CAF4}"/>
+              </a:ext>
+            </a:extLst>
+          </p:cNvPr>
+          <p:cNvPicPr>
+            <a:picLocks noChangeAspect="1"/>
+          </p:cNvPicPr>
+          <p:nvPr/>
+        </p:nvPicPr>
+        <p:blipFill>
+          <a:blip r:embed="rId2">
+            <a:extLst>
+              <a:ext uri="{28A0092B-C50C-407E-A947-70E740481C1C}">
+                <a14:useLocalDpi xmlns:a14="http://schemas.microsoft.com/office/drawing/2010/main" val="0"/>
+              </a:ext>
+              <a:ext uri="{96DAC541-7B7A-43D3-8B79-37D633B846F1}">
+                <asvg:svgBlip xmlns:asvg="http://schemas.microsoft.com/office/drawing/2016/SVG/main" r:embed="rId3"/>
+              </a:ext>
+            </a:extLst>
+          </a:blip>
+          <a:stretch>
+            <a:fillRect/>
+          </a:stretch>
+        </p:blipFill>
+        <p:spPr>
+          <a:xfrm>
+            <a:off x="6525000" y="1629000"/>
+            <a:ext cx="3600000" cy="3600000"/>
+          </a:xfrm>
+          <a:prstGeom prst="rect">
+            <a:avLst/>
+          </a:prstGeom>
+        </p:spPr>
+      </p:pic>
+      <p:pic>
+        <p:nvPicPr>
+          <p:cNvPr id="4" name="Picture 3">
+            <a:extLst>
+              <a:ext uri="{FF2B5EF4-FFF2-40B4-BE49-F238E27FC236}">
+                <a16:creationId xmlns:a16="http://schemas.microsoft.com/office/drawing/2014/main" id="{DDC59D4F-8648-03A0-C84E-EC882D66801A}"/>
+              </a:ext>
+            </a:extLst>
+          </p:cNvPr>
+          <p:cNvPicPr>
+            <a:picLocks noChangeAspect="1"/>
+          </p:cNvPicPr>
+          <p:nvPr/>
+        </p:nvPicPr>
+        <p:blipFill>
+          <a:blip r:embed="rId4"/>
+          <a:stretch>
+            <a:fillRect/>
+          </a:stretch>
+        </p:blipFill>
+        <p:spPr>
+          <a:xfrm>
+            <a:off x="7559824" y="2489200"/>
+            <a:ext cx="1495276" cy="1495276"/>
+          </a:xfrm>
+          <a:prstGeom prst="rect">
+            <a:avLst/>
+          </a:prstGeom>
+        </p:spPr>
+      </p:pic>
+    </p:spTree>
+    <p:extLst>
+      <p:ext uri="{BB962C8B-B14F-4D97-AF65-F5344CB8AC3E}">
+        <p14:creationId xmlns:p14="http://schemas.microsoft.com/office/powerpoint/2010/main" val="408054163"/>
+      </p:ext>
+    </p:extLst>
+  </p:cSld>
+  <p:clrMapOvr>
+    <a:masterClrMapping/>
+  </p:clrMapOvr>
+</p:sld>
+</file>
+
+<file path=ppt/slides/slide5.xml><?xml version="1.0" encoding="utf-8"?>
+<p:sld xmlns:a="http://schemas.openxmlformats.org/drawingml/2006/main" xmlns:r="http://schemas.openxmlformats.org/officeDocument/2006/relationships" xmlns:p="http://schemas.openxmlformats.org/presentationml/2006/main">
+  <p:cSld>
+    <p:bg>
+      <p:bgPr>
+        <a:solidFill>
+          <a:schemeClr val="bg1"/>
+        </a:solidFill>
+        <a:effectLst/>
+      </p:bgPr>
+    </p:bg>
+    <p:spTree>
+      <p:nvGrpSpPr>
+        <p:cNvPr id="1" name=""/>
+        <p:cNvGrpSpPr/>
+        <p:nvPr/>
+      </p:nvGrpSpPr>
+      <p:grpSpPr>
+        <a:xfrm>
+          <a:off x="0" y="0"/>
+          <a:ext cx="0" cy="0"/>
+          <a:chOff x="0" y="0"/>
+          <a:chExt cx="0" cy="0"/>
+        </a:xfrm>
+      </p:grpSpPr>
+      <p:sp useBgFill="1">
+        <p:nvSpPr>
+          <p:cNvPr id="10" name="Rectangle 9">
+            <a:extLst>
+              <a:ext uri="{FF2B5EF4-FFF2-40B4-BE49-F238E27FC236}">
+                <a16:creationId xmlns:a16="http://schemas.microsoft.com/office/drawing/2014/main" id="{81C8C0F4-5C44-4C3F-B321-5CB3E2BABC2C}"/>
+              </a:ext>
+              <a:ext uri="{C183D7F6-B498-43B3-948B-1728B52AA6E4}">
+                <adec:decorative xmlns:adec="http://schemas.microsoft.com/office/drawing/2017/decorative" val="1"/>
+              </a:ext>
+            </a:extLst>
+          </p:cNvPr>
+          <p:cNvSpPr>
+            <a:spLocks noGrp="1" noRot="1" noChangeAspect="1" noMove="1" noResize="1" noEditPoints="1" noAdjustHandles="1" noChangeArrowheads="1" noChangeShapeType="1" noTextEdit="1"/>
+          </p:cNvSpPr>
+          <p:nvPr>
+            <p:extLst>
+              <p:ext uri="{386F3935-93C4-4BCD-93E2-E3B085C9AB24}">
+                <p16:designElem xmlns:p16="http://schemas.microsoft.com/office/powerpoint/2015/main" val="1"/>
+              </p:ext>
+            </p:extLst>
+          </p:nvPr>
+        </p:nvSpPr>
+        <p:spPr>
+          <a:xfrm>
+            <a:off x="0" y="0"/>
+            <a:ext cx="12192000" cy="6858000"/>
+          </a:xfrm>
+          <a:prstGeom prst="rect">
+            <a:avLst/>
+          </a:prstGeom>
+          <a:ln w="12700" cap="flat" cmpd="sng" algn="ctr">
+            <a:noFill/>
+            <a:prstDash val="solid"/>
+            <a:miter lim="800000"/>
+          </a:ln>
+          <a:effectLst/>
+          <a:extLst>
+            <a:ext uri="{91240B29-F687-4F45-9708-019B960494DF}">
+              <a14:hiddenLine xmlns:a14="http://schemas.microsoft.com/office/drawing/2010/main" w="12700" cap="flat" cmpd="sng" algn="ctr">
+                <a:solidFill>
+                  <a:schemeClr val="accent1">
+                    <a:shade val="50000"/>
+                  </a:schemeClr>
+                </a:solidFill>
+                <a:prstDash val="solid"/>
+                <a:miter lim="800000"/>
+              </a14:hiddenLine>
+            </a:ext>
+          </a:extLst>
+        </p:spPr>
+        <p:style>
+          <a:lnRef idx="2">
+            <a:schemeClr val="accent1">
+              <a:shade val="50000"/>
+            </a:schemeClr>
+          </a:lnRef>
+          <a:fillRef idx="1">
+            <a:schemeClr val="accent1"/>
+          </a:fillRef>
+          <a:effectRef idx="0">
+            <a:schemeClr val="accent1"/>
+          </a:effectRef>
+          <a:fontRef idx="minor">
+            <a:schemeClr val="lt1"/>
+          </a:fontRef>
+        </p:style>
+        <p:txBody>
+          <a:bodyPr rtlCol="0" anchor="ctr"/>
+          <a:lstStyle/>
+          <a:p>
+            <a:pPr algn="ctr"/>
             <a:endParaRPr lang="en-US"/>
           </a:p>
         </p:txBody>
       </p:sp>
+      <p:grpSp>
+        <p:nvGrpSpPr>
+          <p:cNvPr id="12" name="Group 11">
+            <a:extLst>
+              <a:ext uri="{FF2B5EF4-FFF2-40B4-BE49-F238E27FC236}">
+                <a16:creationId xmlns:a16="http://schemas.microsoft.com/office/drawing/2014/main" id="{987A62DB-71D7-497D-BE1C-933ECB515A68}"/>
+              </a:ext>
+              <a:ext uri="{C183D7F6-B498-43B3-948B-1728B52AA6E4}">
+                <adec:decorative xmlns:adec="http://schemas.microsoft.com/office/drawing/2017/decorative" val="1"/>
+              </a:ext>
+            </a:extLst>
+          </p:cNvPr>
+          <p:cNvGrpSpPr>
+            <a:grpSpLocks noGrp="1" noUngrp="1" noRot="1" noChangeAspect="1" noMove="1" noResize="1"/>
+          </p:cNvGrpSpPr>
+          <p:nvPr>
+            <p:extLst>
+              <p:ext uri="{386F3935-93C4-4BCD-93E2-E3B085C9AB24}">
+                <p16:designElem xmlns:p16="http://schemas.microsoft.com/office/powerpoint/2015/main" val="1"/>
+              </p:ext>
+            </p:extLst>
+          </p:nvPr>
+        </p:nvGrpSpPr>
+        <p:grpSpPr>
+          <a:xfrm>
+            <a:off x="4925125" y="3600"/>
+            <a:ext cx="7266875" cy="6854400"/>
+            <a:chOff x="4925125" y="3600"/>
+            <a:chExt cx="7266875" cy="6854400"/>
+          </a:xfrm>
+        </p:grpSpPr>
+        <p:sp>
+          <p:nvSpPr>
+            <p:cNvPr id="13" name="Oval 12">
+              <a:extLst>
+                <a:ext uri="{FF2B5EF4-FFF2-40B4-BE49-F238E27FC236}">
+                  <a16:creationId xmlns:a16="http://schemas.microsoft.com/office/drawing/2014/main" id="{FDAC2767-A7E3-4697-90F6-443A58314030}"/>
+                </a:ext>
+                <a:ext uri="{C183D7F6-B498-43B3-948B-1728B52AA6E4}">
+                  <adec:decorative xmlns:adec="http://schemas.microsoft.com/office/drawing/2017/decorative" val="1"/>
+                </a:ext>
+              </a:extLst>
+            </p:cNvPr>
+            <p:cNvSpPr>
+              <a:spLocks noChangeAspect="1"/>
+            </p:cNvSpPr>
+            <p:nvPr>
+              <p:extLst>
+                <p:ext uri="{386F3935-93C4-4BCD-93E2-E3B085C9AB24}">
+                  <p16:designElem xmlns:p16="http://schemas.microsoft.com/office/powerpoint/2015/main" val="1"/>
+                </p:ext>
+              </p:extLst>
+            </p:nvPr>
+          </p:nvSpPr>
+          <p:spPr>
+            <a:xfrm>
+              <a:off x="4925125" y="1098000"/>
+              <a:ext cx="5760000" cy="5760000"/>
+            </a:xfrm>
+            <a:prstGeom prst="ellipse">
+              <a:avLst/>
+            </a:prstGeom>
+            <a:solidFill>
+              <a:schemeClr val="accent1">
+                <a:alpha val="80000"/>
+              </a:schemeClr>
+            </a:solidFill>
+            <a:ln>
+              <a:noFill/>
+            </a:ln>
+            <a:effectLst>
+              <a:softEdge rad="1016000"/>
+            </a:effectLst>
+          </p:spPr>
+          <p:style>
+            <a:lnRef idx="2">
+              <a:schemeClr val="accent1">
+                <a:shade val="50000"/>
+              </a:schemeClr>
+            </a:lnRef>
+            <a:fillRef idx="1">
+              <a:schemeClr val="accent1"/>
+            </a:fillRef>
+            <a:effectRef idx="0">
+              <a:schemeClr val="accent1"/>
+            </a:effectRef>
+            <a:fontRef idx="minor">
+              <a:schemeClr val="lt1"/>
+            </a:fontRef>
+          </p:style>
+          <p:txBody>
+            <a:bodyPr rtlCol="0" anchor="ctr"/>
+            <a:lstStyle/>
+            <a:p>
+              <a:pPr algn="ctr"/>
+              <a:endParaRPr lang="en-US"/>
+            </a:p>
+          </p:txBody>
+        </p:sp>
+        <p:sp>
+          <p:nvSpPr>
+            <p:cNvPr id="14" name="Oval 13">
+              <a:extLst>
+                <a:ext uri="{FF2B5EF4-FFF2-40B4-BE49-F238E27FC236}">
+                  <a16:creationId xmlns:a16="http://schemas.microsoft.com/office/drawing/2014/main" id="{AB23E396-A746-411A-8709-32ABC4DDEAAC}"/>
+                </a:ext>
+                <a:ext uri="{C183D7F6-B498-43B3-948B-1728B52AA6E4}">
+                  <adec:decorative xmlns:adec="http://schemas.microsoft.com/office/drawing/2017/decorative" val="1"/>
+                </a:ext>
+              </a:extLst>
+            </p:cNvPr>
+            <p:cNvSpPr>
+              <a:spLocks noChangeAspect="1"/>
+            </p:cNvSpPr>
+            <p:nvPr>
+              <p:extLst>
+                <p:ext uri="{386F3935-93C4-4BCD-93E2-E3B085C9AB24}">
+                  <p16:designElem xmlns:p16="http://schemas.microsoft.com/office/powerpoint/2015/main" val="1"/>
+                </p:ext>
+              </p:extLst>
+            </p:nvPr>
+          </p:nvSpPr>
+          <p:spPr>
+            <a:xfrm>
+              <a:off x="5105686" y="65314"/>
+              <a:ext cx="4320000" cy="4320000"/>
+            </a:xfrm>
+            <a:prstGeom prst="ellipse">
+              <a:avLst/>
+            </a:prstGeom>
+            <a:solidFill>
+              <a:schemeClr val="accent3"/>
+            </a:solidFill>
+            <a:ln>
+              <a:noFill/>
+            </a:ln>
+            <a:effectLst>
+              <a:softEdge rad="1016000"/>
+            </a:effectLst>
+          </p:spPr>
+          <p:style>
+            <a:lnRef idx="2">
+              <a:schemeClr val="accent1">
+                <a:shade val="50000"/>
+              </a:schemeClr>
+            </a:lnRef>
+            <a:fillRef idx="1">
+              <a:schemeClr val="accent1"/>
+            </a:fillRef>
+            <a:effectRef idx="0">
+              <a:schemeClr val="accent1"/>
+            </a:effectRef>
+            <a:fontRef idx="minor">
+              <a:schemeClr val="lt1"/>
+            </a:fontRef>
+          </p:style>
+          <p:txBody>
+            <a:bodyPr rtlCol="0" anchor="ctr"/>
+            <a:lstStyle/>
+            <a:p>
+              <a:pPr algn="ctr"/>
+              <a:endParaRPr lang="en-US"/>
+            </a:p>
+          </p:txBody>
+        </p:sp>
+        <p:sp>
+          <p:nvSpPr>
+            <p:cNvPr id="15" name="Oval 14">
+              <a:extLst>
+                <a:ext uri="{FF2B5EF4-FFF2-40B4-BE49-F238E27FC236}">
+                  <a16:creationId xmlns:a16="http://schemas.microsoft.com/office/drawing/2014/main" id="{D135C986-CB82-4211-A910-D232B9BCA1E0}"/>
+                </a:ext>
+                <a:ext uri="{C183D7F6-B498-43B3-948B-1728B52AA6E4}">
+                  <adec:decorative xmlns:adec="http://schemas.microsoft.com/office/drawing/2017/decorative" val="1"/>
+                </a:ext>
+              </a:extLst>
+            </p:cNvPr>
+            <p:cNvSpPr>
+              <a:spLocks noChangeAspect="1"/>
+            </p:cNvSpPr>
+            <p:nvPr>
+              <p:extLst>
+                <p:ext uri="{386F3935-93C4-4BCD-93E2-E3B085C9AB24}">
+                  <p16:designElem xmlns:p16="http://schemas.microsoft.com/office/powerpoint/2015/main" val="1"/>
+                </p:ext>
+              </p:extLst>
+            </p:nvPr>
+          </p:nvSpPr>
+          <p:spPr>
+            <a:xfrm>
+              <a:off x="5337600" y="3600"/>
+              <a:ext cx="6854400" cy="6854400"/>
+            </a:xfrm>
+            <a:prstGeom prst="ellipse">
+              <a:avLst/>
+            </a:prstGeom>
+            <a:solidFill>
+              <a:schemeClr val="accent2">
+                <a:alpha val="60000"/>
+              </a:schemeClr>
+            </a:solidFill>
+            <a:ln>
+              <a:noFill/>
+            </a:ln>
+            <a:effectLst>
+              <a:softEdge rad="1270000"/>
+            </a:effectLst>
+          </p:spPr>
+          <p:style>
+            <a:lnRef idx="2">
+              <a:schemeClr val="accent1">
+                <a:shade val="50000"/>
+              </a:schemeClr>
+            </a:lnRef>
+            <a:fillRef idx="1">
+              <a:schemeClr val="accent1"/>
+            </a:fillRef>
+            <a:effectRef idx="0">
+              <a:schemeClr val="accent1"/>
+            </a:effectRef>
+            <a:fontRef idx="minor">
+              <a:schemeClr val="lt1"/>
+            </a:fontRef>
+          </p:style>
+          <p:txBody>
+            <a:bodyPr rtlCol="0" anchor="ctr"/>
+            <a:lstStyle/>
+            <a:p>
+              <a:pPr algn="ctr"/>
+              <a:endParaRPr lang="en-US" dirty="0"/>
+            </a:p>
+          </p:txBody>
+        </p:sp>
+      </p:grpSp>
+      <p:sp useBgFill="1">
+        <p:nvSpPr>
+          <p:cNvPr id="17" name="Freeform: Shape 16">
+            <a:extLst>
+              <a:ext uri="{FF2B5EF4-FFF2-40B4-BE49-F238E27FC236}">
+                <a16:creationId xmlns:a16="http://schemas.microsoft.com/office/drawing/2014/main" id="{837F2C8F-CC11-4A18-AA7E-AE8C022CDCC8}"/>
+              </a:ext>
+              <a:ext uri="{C183D7F6-B498-43B3-948B-1728B52AA6E4}">
+                <adec:decorative xmlns:adec="http://schemas.microsoft.com/office/drawing/2017/decorative" val="1"/>
+              </a:ext>
+            </a:extLst>
+          </p:cNvPr>
+          <p:cNvSpPr>
+            <a:spLocks noGrp="1" noRot="1" noChangeAspect="1" noMove="1" noResize="1" noEditPoints="1" noAdjustHandles="1" noChangeArrowheads="1" noChangeShapeType="1" noTextEdit="1"/>
+          </p:cNvSpPr>
+          <p:nvPr>
+            <p:extLst>
+              <p:ext uri="{386F3935-93C4-4BCD-93E2-E3B085C9AB24}">
+                <p16:designElem xmlns:p16="http://schemas.microsoft.com/office/powerpoint/2015/main" val="1"/>
+              </p:ext>
+            </p:extLst>
+          </p:nvPr>
+        </p:nvSpPr>
+        <p:spPr>
+          <a:xfrm>
+            <a:off x="4896000" y="1"/>
+            <a:ext cx="6858000" cy="6857999"/>
+          </a:xfrm>
+          <a:custGeom>
+            <a:avLst/>
+            <a:gdLst>
+              <a:gd name="connsiteX0" fmla="*/ 3428961 w 6858000"/>
+              <a:gd name="connsiteY0" fmla="*/ 0 h 6857999"/>
+              <a:gd name="connsiteX1" fmla="*/ 3429042 w 6858000"/>
+              <a:gd name="connsiteY1" fmla="*/ 0 h 6857999"/>
+              <a:gd name="connsiteX2" fmla="*/ 3605457 w 6858000"/>
+              <a:gd name="connsiteY2" fmla="*/ 4461 h 6857999"/>
+              <a:gd name="connsiteX3" fmla="*/ 6858000 w 6858000"/>
+              <a:gd name="connsiteY3" fmla="*/ 3429000 h 6857999"/>
+              <a:gd name="connsiteX4" fmla="*/ 3429001 w 6858000"/>
+              <a:gd name="connsiteY4" fmla="*/ 6857999 h 6857999"/>
+              <a:gd name="connsiteX5" fmla="*/ 0 w 6858000"/>
+              <a:gd name="connsiteY5" fmla="*/ 3429000 h 6857999"/>
+              <a:gd name="connsiteX6" fmla="*/ 3252545 w 6858000"/>
+              <a:gd name="connsiteY6" fmla="*/ 4461 h 6857999"/>
+            </a:gdLst>
+            <a:ahLst/>
+            <a:cxnLst>
+              <a:cxn ang="0">
+                <a:pos x="connsiteX0" y="connsiteY0"/>
+              </a:cxn>
+              <a:cxn ang="0">
+                <a:pos x="connsiteX1" y="connsiteY1"/>
+              </a:cxn>
+              <a:cxn ang="0">
+                <a:pos x="connsiteX2" y="connsiteY2"/>
+              </a:cxn>
+              <a:cxn ang="0">
+                <a:pos x="connsiteX3" y="connsiteY3"/>
+              </a:cxn>
+              <a:cxn ang="0">
+                <a:pos x="connsiteX4" y="connsiteY4"/>
+              </a:cxn>
+              <a:cxn ang="0">
+                <a:pos x="connsiteX5" y="connsiteY5"/>
+              </a:cxn>
+              <a:cxn ang="0">
+                <a:pos x="connsiteX6" y="connsiteY6"/>
+              </a:cxn>
+            </a:cxnLst>
+            <a:rect l="l" t="t" r="r" b="b"/>
+            <a:pathLst>
+              <a:path w="6858000" h="6857999">
+                <a:moveTo>
+                  <a:pt x="3428961" y="0"/>
+                </a:moveTo>
+                <a:lnTo>
+                  <a:pt x="3429042" y="0"/>
+                </a:lnTo>
+                <a:lnTo>
+                  <a:pt x="3605457" y="4461"/>
+                </a:lnTo>
+                <a:cubicBezTo>
+                  <a:pt x="5417236" y="96300"/>
+                  <a:pt x="6858000" y="1594396"/>
+                  <a:pt x="6858000" y="3429000"/>
+                </a:cubicBezTo>
+                <a:cubicBezTo>
+                  <a:pt x="6858000" y="5322784"/>
+                  <a:pt x="5322784" y="6857999"/>
+                  <a:pt x="3429001" y="6857999"/>
+                </a:cubicBezTo>
+                <a:cubicBezTo>
+                  <a:pt x="1535216" y="6857999"/>
+                  <a:pt x="0" y="5322784"/>
+                  <a:pt x="0" y="3429000"/>
+                </a:cubicBezTo>
+                <a:cubicBezTo>
+                  <a:pt x="0" y="1594396"/>
+                  <a:pt x="1440765" y="96300"/>
+                  <a:pt x="3252545" y="4461"/>
+                </a:cubicBezTo>
+                <a:close/>
+              </a:path>
+            </a:pathLst>
+          </a:custGeom>
+          <a:effectLst>
+            <a:softEdge rad="1016000"/>
+          </a:effectLst>
+        </p:spPr>
+        <p:style>
+          <a:lnRef idx="2">
+            <a:schemeClr val="accent1">
+              <a:shade val="50000"/>
+            </a:schemeClr>
+          </a:lnRef>
+          <a:fillRef idx="1">
+            <a:schemeClr val="accent1"/>
+          </a:fillRef>
+          <a:effectRef idx="0">
+            <a:schemeClr val="accent1"/>
+          </a:effectRef>
+          <a:fontRef idx="minor">
+            <a:schemeClr val="lt1"/>
+          </a:fontRef>
+        </p:style>
+        <p:txBody>
+          <a:bodyPr wrap="square" rtlCol="0" anchor="ctr">
+            <a:noAutofit/>
+          </a:bodyPr>
+          <a:lstStyle/>
+          <a:p>
+            <a:pPr algn="ctr"/>
+            <a:endParaRPr lang="en-US"/>
+          </a:p>
+        </p:txBody>
+      </p:sp>
+      <p:sp>
+        <p:nvSpPr>
+          <p:cNvPr id="2" name="Title 1">
+            <a:extLst>
+              <a:ext uri="{FF2B5EF4-FFF2-40B4-BE49-F238E27FC236}">
+                <a16:creationId xmlns:a16="http://schemas.microsoft.com/office/drawing/2014/main" id="{D43419EE-E967-4481-5F62-57634E2CBF70}"/>
+              </a:ext>
+            </a:extLst>
+          </p:cNvPr>
+          <p:cNvSpPr>
+            <a:spLocks noGrp="1"/>
+          </p:cNvSpPr>
+          <p:nvPr>
+            <p:ph type="title"/>
+          </p:nvPr>
+        </p:nvSpPr>
+        <p:spPr>
+          <a:xfrm>
+            <a:off x="540000" y="540000"/>
+            <a:ext cx="4500561" cy="2181946"/>
+          </a:xfrm>
+        </p:spPr>
+        <p:txBody>
+          <a:bodyPr anchor="t">
+            <a:normAutofit/>
+          </a:bodyPr>
+          <a:lstStyle/>
+          <a:p>
+            <a:r>
+              <a:rPr lang="en-US" sz="3800">
+                <a:effectLst/>
+                <a:latin typeface=".SF NS"/>
+              </a:rPr>
+              <a:t>The Rise of Streaming Platforms</a:t>
+            </a:r>
+            <a:br>
+              <a:rPr lang="en-US" sz="3800">
+                <a:effectLst/>
+                <a:latin typeface=".SF NS"/>
+              </a:rPr>
+            </a:br>
+            <a:endParaRPr lang="en-US" sz="3800"/>
+          </a:p>
+        </p:txBody>
+      </p:sp>
+      <p:sp>
+        <p:nvSpPr>
+          <p:cNvPr id="3" name="Content Placeholder 2">
+            <a:extLst>
+              <a:ext uri="{FF2B5EF4-FFF2-40B4-BE49-F238E27FC236}">
+                <a16:creationId xmlns:a16="http://schemas.microsoft.com/office/drawing/2014/main" id="{D9D2C14C-9842-62FE-3CFF-98386511E71E}"/>
+              </a:ext>
+            </a:extLst>
+          </p:cNvPr>
+          <p:cNvSpPr>
+            <a:spLocks noGrp="1"/>
+          </p:cNvSpPr>
+          <p:nvPr>
+            <p:ph idx="1"/>
+          </p:nvPr>
+        </p:nvSpPr>
+        <p:spPr>
+          <a:xfrm>
+            <a:off x="550863" y="2947121"/>
+            <a:ext cx="4500562" cy="3361604"/>
+          </a:xfrm>
+        </p:spPr>
+        <p:txBody>
+          <a:bodyPr anchor="t">
+            <a:normAutofit/>
+          </a:bodyPr>
+          <a:lstStyle/>
+          <a:p>
+            <a:r>
+              <a:rPr lang="en-US" dirty="0">
+                <a:effectLst/>
+                <a:latin typeface=".SF NS"/>
+              </a:rPr>
+              <a:t>Streaming platforms have seen exponential growth, offering viewers a convenient and diverse array of content. This growth is reflected in the rapid increase in user adoption and platform diversity</a:t>
+            </a:r>
+          </a:p>
+          <a:p>
+            <a:r>
+              <a:rPr lang="en-US" dirty="0">
+                <a:highlight>
+                  <a:srgbClr val="FF0000"/>
+                </a:highlight>
+              </a:rPr>
+              <a:t>Growth chart</a:t>
+            </a:r>
+          </a:p>
+        </p:txBody>
+      </p:sp>
+      <p:pic>
+        <p:nvPicPr>
+          <p:cNvPr id="7" name="Graphic 6" descr="Stream">
+            <a:extLst>
+              <a:ext uri="{FF2B5EF4-FFF2-40B4-BE49-F238E27FC236}">
+                <a16:creationId xmlns:a16="http://schemas.microsoft.com/office/drawing/2014/main" id="{C42C8F11-14DC-B0E6-2E15-F051C962FEE1}"/>
+              </a:ext>
+            </a:extLst>
+          </p:cNvPr>
+          <p:cNvPicPr>
+            <a:picLocks noChangeAspect="1"/>
+          </p:cNvPicPr>
+          <p:nvPr/>
+        </p:nvPicPr>
+        <p:blipFill>
+          <a:blip r:embed="rId2">
+            <a:extLst>
+              <a:ext uri="{28A0092B-C50C-407E-A947-70E740481C1C}">
+                <a14:useLocalDpi xmlns:a14="http://schemas.microsoft.com/office/drawing/2010/main" val="0"/>
+              </a:ext>
+              <a:ext uri="{96DAC541-7B7A-43D3-8B79-37D633B846F1}">
+                <asvg:svgBlip xmlns:asvg="http://schemas.microsoft.com/office/drawing/2016/SVG/main" r:embed="rId3"/>
+              </a:ext>
+            </a:extLst>
+          </a:blip>
+          <a:stretch>
+            <a:fillRect/>
+          </a:stretch>
+        </p:blipFill>
+        <p:spPr>
+          <a:xfrm>
+            <a:off x="6525000" y="1629000"/>
+            <a:ext cx="3600000" cy="3600000"/>
+          </a:xfrm>
+          <a:prstGeom prst="rect">
+            <a:avLst/>
+          </a:prstGeom>
+        </p:spPr>
+      </p:pic>
     </p:spTree>
     <p:extLst>
       <p:ext uri="{BB962C8B-B14F-4D97-AF65-F5344CB8AC3E}">
-        <p14:creationId xmlns:p14="http://schemas.microsoft.com/office/powerpoint/2010/main" val="408054163"/>
+        <p14:creationId xmlns:p14="http://schemas.microsoft.com/office/powerpoint/2010/main" val="3983638053"/>
+      </p:ext>
+    </p:extLst>
+  </p:cSld>
+  <p:clrMapOvr>
+    <a:masterClrMapping/>
+  </p:clrMapOvr>
+</p:sld>
+</file>
+
+<file path=ppt/slides/slide6.xml><?xml version="1.0" encoding="utf-8"?>
+<p:sld xmlns:a="http://schemas.openxmlformats.org/drawingml/2006/main" xmlns:r="http://schemas.openxmlformats.org/officeDocument/2006/relationships" xmlns:p="http://schemas.openxmlformats.org/presentationml/2006/main">
+  <p:cSld>
+    <p:bg>
+      <p:bgPr>
+        <a:solidFill>
+          <a:schemeClr val="bg1"/>
+        </a:solidFill>
+        <a:effectLst/>
+      </p:bgPr>
+    </p:bg>
+    <p:spTree>
+      <p:nvGrpSpPr>
+        <p:cNvPr id="1" name=""/>
+        <p:cNvGrpSpPr/>
+        <p:nvPr/>
+      </p:nvGrpSpPr>
+      <p:grpSpPr>
+        <a:xfrm>
+          <a:off x="0" y="0"/>
+          <a:ext cx="0" cy="0"/>
+          <a:chOff x="0" y="0"/>
+          <a:chExt cx="0" cy="0"/>
+        </a:xfrm>
+      </p:grpSpPr>
+      <p:sp useBgFill="1">
+        <p:nvSpPr>
+          <p:cNvPr id="18" name="Rectangle 17">
+            <a:extLst>
+              <a:ext uri="{FF2B5EF4-FFF2-40B4-BE49-F238E27FC236}">
+                <a16:creationId xmlns:a16="http://schemas.microsoft.com/office/drawing/2014/main" id="{A37F6730-8F76-4239-8CBA-B914B02A75AB}"/>
+              </a:ext>
+              <a:ext uri="{C183D7F6-B498-43B3-948B-1728B52AA6E4}">
+                <adec:decorative xmlns:adec="http://schemas.microsoft.com/office/drawing/2017/decorative" val="1"/>
+              </a:ext>
+            </a:extLst>
+          </p:cNvPr>
+          <p:cNvSpPr>
+            <a:spLocks noGrp="1" noRot="1" noChangeAspect="1" noMove="1" noResize="1" noEditPoints="1" noAdjustHandles="1" noChangeArrowheads="1" noChangeShapeType="1" noTextEdit="1"/>
+          </p:cNvSpPr>
+          <p:nvPr>
+            <p:extLst>
+              <p:ext uri="{386F3935-93C4-4BCD-93E2-E3B085C9AB24}">
+                <p16:designElem xmlns:p16="http://schemas.microsoft.com/office/powerpoint/2015/main" val="1"/>
+              </p:ext>
+            </p:extLst>
+          </p:nvPr>
+        </p:nvSpPr>
+        <p:spPr>
+          <a:xfrm>
+            <a:off x="0" y="0"/>
+            <a:ext cx="12192000" cy="6858000"/>
+          </a:xfrm>
+          <a:prstGeom prst="rect">
+            <a:avLst/>
+          </a:prstGeom>
+          <a:ln w="12700" cap="flat" cmpd="sng" algn="ctr">
+            <a:noFill/>
+            <a:prstDash val="solid"/>
+            <a:miter lim="800000"/>
+          </a:ln>
+          <a:effectLst/>
+          <a:extLst>
+            <a:ext uri="{91240B29-F687-4F45-9708-019B960494DF}">
+              <a14:hiddenLine xmlns:a14="http://schemas.microsoft.com/office/drawing/2010/main" w="12700" cap="flat" cmpd="sng" algn="ctr">
+                <a:solidFill>
+                  <a:schemeClr val="accent1">
+                    <a:shade val="50000"/>
+                  </a:schemeClr>
+                </a:solidFill>
+                <a:prstDash val="solid"/>
+                <a:miter lim="800000"/>
+              </a14:hiddenLine>
+            </a:ext>
+          </a:extLst>
+        </p:spPr>
+        <p:style>
+          <a:lnRef idx="2">
+            <a:schemeClr val="accent1">
+              <a:shade val="50000"/>
+            </a:schemeClr>
+          </a:lnRef>
+          <a:fillRef idx="1">
+            <a:schemeClr val="accent1"/>
+          </a:fillRef>
+          <a:effectRef idx="0">
+            <a:schemeClr val="accent1"/>
+          </a:effectRef>
+          <a:fontRef idx="minor">
+            <a:schemeClr val="lt1"/>
+          </a:fontRef>
+        </p:style>
+        <p:txBody>
+          <a:bodyPr rtlCol="0" anchor="ctr"/>
+          <a:lstStyle/>
+          <a:p>
+            <a:pPr algn="ctr"/>
+            <a:endParaRPr lang="en-US"/>
+          </a:p>
+        </p:txBody>
+      </p:sp>
+      <p:grpSp>
+        <p:nvGrpSpPr>
+          <p:cNvPr id="20" name="Group 19">
+            <a:extLst>
+              <a:ext uri="{FF2B5EF4-FFF2-40B4-BE49-F238E27FC236}">
+                <a16:creationId xmlns:a16="http://schemas.microsoft.com/office/drawing/2014/main" id="{DE11E5CC-3C1F-4093-97B6-6433FBF9A9C4}"/>
+              </a:ext>
+              <a:ext uri="{C183D7F6-B498-43B3-948B-1728B52AA6E4}">
+                <adec:decorative xmlns:adec="http://schemas.microsoft.com/office/drawing/2017/decorative" val="1"/>
+              </a:ext>
+            </a:extLst>
+          </p:cNvPr>
+          <p:cNvGrpSpPr>
+            <a:grpSpLocks noGrp="1" noUngrp="1" noRot="1" noChangeAspect="1" noMove="1" noResize="1"/>
+          </p:cNvGrpSpPr>
+          <p:nvPr>
+            <p:extLst>
+              <p:ext uri="{386F3935-93C4-4BCD-93E2-E3B085C9AB24}">
+                <p16:designElem xmlns:p16="http://schemas.microsoft.com/office/powerpoint/2015/main" val="1"/>
+              </p:ext>
+            </p:extLst>
+          </p:nvPr>
+        </p:nvGrpSpPr>
+        <p:grpSpPr>
+          <a:xfrm>
+            <a:off x="1" y="0"/>
+            <a:ext cx="12191999" cy="6861600"/>
+            <a:chOff x="1" y="0"/>
+            <a:chExt cx="12191999" cy="6861600"/>
+          </a:xfrm>
+        </p:grpSpPr>
+        <p:sp>
+          <p:nvSpPr>
+            <p:cNvPr id="21" name="Rectangle 20">
+              <a:extLst>
+                <a:ext uri="{FF2B5EF4-FFF2-40B4-BE49-F238E27FC236}">
+                  <a16:creationId xmlns:a16="http://schemas.microsoft.com/office/drawing/2014/main" id="{28D720AE-B07F-482D-B526-4A9C632DA767}"/>
+                </a:ext>
+                <a:ext uri="{C183D7F6-B498-43B3-948B-1728B52AA6E4}">
+                  <adec:decorative xmlns:adec="http://schemas.microsoft.com/office/drawing/2017/decorative" val="1"/>
+                </a:ext>
+              </a:extLst>
+            </p:cNvPr>
+            <p:cNvSpPr>
+              <a:spLocks noChangeAspect="1"/>
+            </p:cNvSpPr>
+            <p:nvPr>
+              <p:extLst>
+                <p:ext uri="{386F3935-93C4-4BCD-93E2-E3B085C9AB24}">
+                  <p16:designElem xmlns:p16="http://schemas.microsoft.com/office/powerpoint/2015/main" val="1"/>
+                </p:ext>
+              </p:extLst>
+            </p:nvPr>
+          </p:nvSpPr>
+          <p:spPr>
+            <a:xfrm rot="16200000">
+              <a:off x="1" y="1640114"/>
+              <a:ext cx="5217886" cy="5217886"/>
+            </a:xfrm>
+            <a:prstGeom prst="rect">
+              <a:avLst/>
+            </a:prstGeom>
+            <a:gradFill flip="none" rotWithShape="1">
+              <a:gsLst>
+                <a:gs pos="0">
+                  <a:schemeClr val="accent2">
+                    <a:alpha val="60000"/>
+                  </a:schemeClr>
+                </a:gs>
+                <a:gs pos="60000">
+                  <a:schemeClr val="accent2">
+                    <a:alpha val="0"/>
+                  </a:schemeClr>
+                </a:gs>
+              </a:gsLst>
+              <a:path path="circle">
+                <a:fillToRect r="100000" b="100000"/>
+              </a:path>
+              <a:tileRect l="-100000" t="-100000"/>
+            </a:gradFill>
+            <a:ln w="12700" cap="flat" cmpd="sng" algn="ctr">
+              <a:noFill/>
+              <a:prstDash val="solid"/>
+              <a:miter lim="800000"/>
+            </a:ln>
+            <a:effectLst/>
+          </p:spPr>
+          <p:style>
+            <a:lnRef idx="2">
+              <a:schemeClr val="accent1">
+                <a:shade val="50000"/>
+              </a:schemeClr>
+            </a:lnRef>
+            <a:fillRef idx="1">
+              <a:schemeClr val="accent1"/>
+            </a:fillRef>
+            <a:effectRef idx="0">
+              <a:schemeClr val="accent1"/>
+            </a:effectRef>
+            <a:fontRef idx="minor">
+              <a:schemeClr val="lt1"/>
+            </a:fontRef>
+          </p:style>
+          <p:txBody>
+            <a:bodyPr rtlCol="0" anchor="ctr"/>
+            <a:lstStyle/>
+            <a:p>
+              <a:pPr algn="ctr"/>
+              <a:endParaRPr lang="en-US"/>
+            </a:p>
+          </p:txBody>
+        </p:sp>
+        <p:sp>
+          <p:nvSpPr>
+            <p:cNvPr id="22" name="Oval 21">
+              <a:extLst>
+                <a:ext uri="{FF2B5EF4-FFF2-40B4-BE49-F238E27FC236}">
+                  <a16:creationId xmlns:a16="http://schemas.microsoft.com/office/drawing/2014/main" id="{076F0BCA-E2AA-4AED-9091-1E820FF25B54}"/>
+                </a:ext>
+                <a:ext uri="{C183D7F6-B498-43B3-948B-1728B52AA6E4}">
+                  <adec:decorative xmlns:adec="http://schemas.microsoft.com/office/drawing/2017/decorative" val="1"/>
+                </a:ext>
+              </a:extLst>
+            </p:cNvPr>
+            <p:cNvSpPr>
+              <a:spLocks noChangeAspect="1"/>
+            </p:cNvSpPr>
+            <p:nvPr>
+              <p:extLst>
+                <p:ext uri="{386F3935-93C4-4BCD-93E2-E3B085C9AB24}">
+                  <p16:designElem xmlns:p16="http://schemas.microsoft.com/office/powerpoint/2015/main" val="1"/>
+                </p:ext>
+              </p:extLst>
+            </p:nvPr>
+          </p:nvSpPr>
+          <p:spPr>
+            <a:xfrm>
+              <a:off x="6384514" y="0"/>
+              <a:ext cx="4320000" cy="4320000"/>
+            </a:xfrm>
+            <a:prstGeom prst="ellipse">
+              <a:avLst/>
+            </a:prstGeom>
+            <a:solidFill>
+              <a:schemeClr val="accent3">
+                <a:alpha val="96000"/>
+              </a:schemeClr>
+            </a:solidFill>
+            <a:ln>
+              <a:noFill/>
+            </a:ln>
+            <a:effectLst>
+              <a:softEdge rad="1016000"/>
+            </a:effectLst>
+          </p:spPr>
+          <p:style>
+            <a:lnRef idx="2">
+              <a:schemeClr val="accent1">
+                <a:shade val="50000"/>
+              </a:schemeClr>
+            </a:lnRef>
+            <a:fillRef idx="1">
+              <a:schemeClr val="accent1"/>
+            </a:fillRef>
+            <a:effectRef idx="0">
+              <a:schemeClr val="accent1"/>
+            </a:effectRef>
+            <a:fontRef idx="minor">
+              <a:schemeClr val="lt1"/>
+            </a:fontRef>
+          </p:style>
+          <p:txBody>
+            <a:bodyPr rtlCol="0" anchor="ctr"/>
+            <a:lstStyle/>
+            <a:p>
+              <a:pPr algn="ctr"/>
+              <a:endParaRPr lang="en-US"/>
+            </a:p>
+          </p:txBody>
+        </p:sp>
+        <p:sp>
+          <p:nvSpPr>
+            <p:cNvPr id="23" name="Oval 22">
+              <a:extLst>
+                <a:ext uri="{FF2B5EF4-FFF2-40B4-BE49-F238E27FC236}">
+                  <a16:creationId xmlns:a16="http://schemas.microsoft.com/office/drawing/2014/main" id="{571D2B33-982E-4EC0-9252-B8A7383C9655}"/>
+                </a:ext>
+                <a:ext uri="{C183D7F6-B498-43B3-948B-1728B52AA6E4}">
+                  <adec:decorative xmlns:adec="http://schemas.microsoft.com/office/drawing/2017/decorative" val="1"/>
+                </a:ext>
+              </a:extLst>
+            </p:cNvPr>
+            <p:cNvSpPr>
+              <a:spLocks noChangeAspect="1"/>
+            </p:cNvSpPr>
+            <p:nvPr>
+              <p:extLst>
+                <p:ext uri="{386F3935-93C4-4BCD-93E2-E3B085C9AB24}">
+                  <p16:designElem xmlns:p16="http://schemas.microsoft.com/office/powerpoint/2015/main" val="1"/>
+                </p:ext>
+              </p:extLst>
+            </p:nvPr>
+          </p:nvSpPr>
+          <p:spPr>
+            <a:xfrm>
+              <a:off x="6119057" y="1230054"/>
+              <a:ext cx="5506886" cy="5506886"/>
+            </a:xfrm>
+            <a:prstGeom prst="ellipse">
+              <a:avLst/>
+            </a:prstGeom>
+            <a:solidFill>
+              <a:schemeClr val="accent2">
+                <a:alpha val="60000"/>
+              </a:schemeClr>
+            </a:solidFill>
+            <a:ln>
+              <a:noFill/>
+            </a:ln>
+            <a:effectLst>
+              <a:softEdge rad="1270000"/>
+            </a:effectLst>
+          </p:spPr>
+          <p:style>
+            <a:lnRef idx="2">
+              <a:schemeClr val="accent1">
+                <a:shade val="50000"/>
+              </a:schemeClr>
+            </a:lnRef>
+            <a:fillRef idx="1">
+              <a:schemeClr val="accent1"/>
+            </a:fillRef>
+            <a:effectRef idx="0">
+              <a:schemeClr val="accent1"/>
+            </a:effectRef>
+            <a:fontRef idx="minor">
+              <a:schemeClr val="lt1"/>
+            </a:fontRef>
+          </p:style>
+          <p:txBody>
+            <a:bodyPr rtlCol="0" anchor="ctr"/>
+            <a:lstStyle/>
+            <a:p>
+              <a:pPr algn="ctr"/>
+              <a:endParaRPr lang="en-US" dirty="0"/>
+            </a:p>
+          </p:txBody>
+        </p:sp>
+        <p:grpSp>
+          <p:nvGrpSpPr>
+            <p:cNvPr id="36" name="Group 35">
+              <a:extLst>
+                <a:ext uri="{FF2B5EF4-FFF2-40B4-BE49-F238E27FC236}">
+                  <a16:creationId xmlns:a16="http://schemas.microsoft.com/office/drawing/2014/main" id="{9250D86D-299E-4837-B82C-B97DACC97546}"/>
+                </a:ext>
+                <a:ext uri="{C183D7F6-B498-43B3-948B-1728B52AA6E4}">
+                  <adec:decorative xmlns:adec="http://schemas.microsoft.com/office/drawing/2017/decorative" val="1"/>
+                </a:ext>
+              </a:extLst>
+            </p:cNvPr>
+            <p:cNvGrpSpPr>
+              <a:grpSpLocks noChangeAspect="1"/>
+            </p:cNvGrpSpPr>
+            <p:nvPr>
+              <p:extLst>
+                <p:ext uri="{386F3935-93C4-4BCD-93E2-E3B085C9AB24}">
+                  <p16:designElem xmlns:p16="http://schemas.microsoft.com/office/powerpoint/2015/main" val="1"/>
+                </p:ext>
+              </p:extLst>
+            </p:nvPr>
+          </p:nvGrpSpPr>
+          <p:grpSpPr>
+            <a:xfrm>
+              <a:off x="690092" y="0"/>
+              <a:ext cx="10800000" cy="6858000"/>
+              <a:chOff x="2328000" y="0"/>
+              <a:chExt cx="2880000" cy="1440000"/>
+            </a:xfrm>
+          </p:grpSpPr>
+          <p:sp>
+            <p:nvSpPr>
+              <p:cNvPr id="37" name="Rectangle 36">
+                <a:extLst>
+                  <a:ext uri="{FF2B5EF4-FFF2-40B4-BE49-F238E27FC236}">
+                    <a16:creationId xmlns:a16="http://schemas.microsoft.com/office/drawing/2014/main" id="{F74EFAF9-4DE5-4C1F-BF17-0A5930FFFAE3}"/>
+                  </a:ext>
+                  <a:ext uri="{C183D7F6-B498-43B3-948B-1728B52AA6E4}">
+                    <adec:decorative xmlns:adec="http://schemas.microsoft.com/office/drawing/2017/decorative" val="1"/>
+                  </a:ext>
+                </a:extLst>
+              </p:cNvPr>
+              <p:cNvSpPr/>
+              <p:nvPr>
+                <p:extLst>
+                  <p:ext uri="{386F3935-93C4-4BCD-93E2-E3B085C9AB24}">
+                    <p16:designElem xmlns:p16="http://schemas.microsoft.com/office/powerpoint/2015/main" val="1"/>
+                  </p:ext>
+                </p:extLst>
+              </p:nvPr>
+            </p:nvSpPr>
+            <p:spPr>
+              <a:xfrm>
+                <a:off x="3768000" y="0"/>
+                <a:ext cx="1440000" cy="1440000"/>
+              </a:xfrm>
+              <a:prstGeom prst="rect">
+                <a:avLst/>
+              </a:prstGeom>
+              <a:gradFill flip="none" rotWithShape="1">
+                <a:gsLst>
+                  <a:gs pos="0">
+                    <a:schemeClr val="accent1"/>
+                  </a:gs>
+                  <a:gs pos="60000">
+                    <a:schemeClr val="accent1">
+                      <a:alpha val="0"/>
+                    </a:schemeClr>
+                  </a:gs>
+                </a:gsLst>
+                <a:path path="circle">
+                  <a:fillToRect r="100000" b="100000"/>
+                </a:path>
+                <a:tileRect l="-100000" t="-100000"/>
+              </a:gradFill>
+              <a:ln w="12700" cap="flat" cmpd="sng" algn="ctr">
+                <a:noFill/>
+                <a:prstDash val="solid"/>
+                <a:miter lim="800000"/>
+              </a:ln>
+              <a:effectLst/>
+            </p:spPr>
+            <p:style>
+              <a:lnRef idx="2">
+                <a:schemeClr val="accent1">
+                  <a:shade val="50000"/>
+                </a:schemeClr>
+              </a:lnRef>
+              <a:fillRef idx="1">
+                <a:schemeClr val="accent1"/>
+              </a:fillRef>
+              <a:effectRef idx="0">
+                <a:schemeClr val="accent1"/>
+              </a:effectRef>
+              <a:fontRef idx="minor">
+                <a:schemeClr val="lt1"/>
+              </a:fontRef>
+            </p:style>
+            <p:txBody>
+              <a:bodyPr rtlCol="0" anchor="ctr"/>
+              <a:lstStyle/>
+              <a:p>
+                <a:pPr algn="ctr"/>
+                <a:endParaRPr lang="en-US"/>
+              </a:p>
+            </p:txBody>
+          </p:sp>
+          <p:sp>
+            <p:nvSpPr>
+              <p:cNvPr id="38" name="Rectangle 37">
+                <a:extLst>
+                  <a:ext uri="{FF2B5EF4-FFF2-40B4-BE49-F238E27FC236}">
+                    <a16:creationId xmlns:a16="http://schemas.microsoft.com/office/drawing/2014/main" id="{A857D782-AB09-4CB1-A94A-54F935E70985}"/>
+                  </a:ext>
+                  <a:ext uri="{C183D7F6-B498-43B3-948B-1728B52AA6E4}">
+                    <adec:decorative xmlns:adec="http://schemas.microsoft.com/office/drawing/2017/decorative" val="1"/>
+                  </a:ext>
+                </a:extLst>
+              </p:cNvPr>
+              <p:cNvSpPr/>
+              <p:nvPr>
+                <p:extLst>
+                  <p:ext uri="{386F3935-93C4-4BCD-93E2-E3B085C9AB24}">
+                    <p16:designElem xmlns:p16="http://schemas.microsoft.com/office/powerpoint/2015/main" val="1"/>
+                  </p:ext>
+                </p:extLst>
+              </p:nvPr>
+            </p:nvSpPr>
+            <p:spPr>
+              <a:xfrm flipH="1">
+                <a:off x="2328000" y="0"/>
+                <a:ext cx="1440000" cy="1440000"/>
+              </a:xfrm>
+              <a:prstGeom prst="rect">
+                <a:avLst/>
+              </a:prstGeom>
+              <a:gradFill flip="none" rotWithShape="1">
+                <a:gsLst>
+                  <a:gs pos="0">
+                    <a:schemeClr val="accent1"/>
+                  </a:gs>
+                  <a:gs pos="60000">
+                    <a:schemeClr val="accent1">
+                      <a:alpha val="0"/>
+                    </a:schemeClr>
+                  </a:gs>
+                </a:gsLst>
+                <a:path path="circle">
+                  <a:fillToRect r="100000" b="100000"/>
+                </a:path>
+                <a:tileRect l="-100000" t="-100000"/>
+              </a:gradFill>
+              <a:ln w="12700" cap="flat" cmpd="sng" algn="ctr">
+                <a:noFill/>
+                <a:prstDash val="solid"/>
+                <a:miter lim="800000"/>
+              </a:ln>
+              <a:effectLst/>
+            </p:spPr>
+            <p:style>
+              <a:lnRef idx="2">
+                <a:schemeClr val="accent1">
+                  <a:shade val="50000"/>
+                </a:schemeClr>
+              </a:lnRef>
+              <a:fillRef idx="1">
+                <a:schemeClr val="accent1"/>
+              </a:fillRef>
+              <a:effectRef idx="0">
+                <a:schemeClr val="accent1"/>
+              </a:effectRef>
+              <a:fontRef idx="minor">
+                <a:schemeClr val="lt1"/>
+              </a:fontRef>
+            </p:style>
+            <p:txBody>
+              <a:bodyPr rtlCol="0" anchor="ctr"/>
+              <a:lstStyle/>
+              <a:p>
+                <a:pPr algn="ctr"/>
+                <a:endParaRPr lang="en-US"/>
+              </a:p>
+            </p:txBody>
+          </p:sp>
+        </p:grpSp>
+        <p:grpSp>
+          <p:nvGrpSpPr>
+            <p:cNvPr id="39" name="Group 38">
+              <a:extLst>
+                <a:ext uri="{FF2B5EF4-FFF2-40B4-BE49-F238E27FC236}">
+                  <a16:creationId xmlns:a16="http://schemas.microsoft.com/office/drawing/2014/main" id="{94E95A3B-E29B-40AA-B9DD-FF0BA512FD73}"/>
+                </a:ext>
+                <a:ext uri="{C183D7F6-B498-43B3-948B-1728B52AA6E4}">
+                  <adec:decorative xmlns:adec="http://schemas.microsoft.com/office/drawing/2017/decorative" val="1"/>
+                </a:ext>
+              </a:extLst>
+            </p:cNvPr>
+            <p:cNvGrpSpPr>
+              <a:grpSpLocks noChangeAspect="1"/>
+            </p:cNvGrpSpPr>
+            <p:nvPr>
+              <p:extLst>
+                <p:ext uri="{386F3935-93C4-4BCD-93E2-E3B085C9AB24}">
+                  <p16:designElem xmlns:p16="http://schemas.microsoft.com/office/powerpoint/2015/main" val="1"/>
+                </p:ext>
+              </p:extLst>
+            </p:nvPr>
+          </p:nvGrpSpPr>
+          <p:grpSpPr>
+            <a:xfrm rot="5400000">
+              <a:off x="7048499" y="1714500"/>
+              <a:ext cx="6858000" cy="3429000"/>
+              <a:chOff x="0" y="0"/>
+              <a:chExt cx="2880000" cy="1440000"/>
+            </a:xfrm>
+          </p:grpSpPr>
+          <p:sp>
+            <p:nvSpPr>
+              <p:cNvPr id="40" name="Rectangle 39">
+                <a:extLst>
+                  <a:ext uri="{FF2B5EF4-FFF2-40B4-BE49-F238E27FC236}">
+                    <a16:creationId xmlns:a16="http://schemas.microsoft.com/office/drawing/2014/main" id="{1A71F79C-8170-4729-A592-753969B849B4}"/>
+                  </a:ext>
+                  <a:ext uri="{C183D7F6-B498-43B3-948B-1728B52AA6E4}">
+                    <adec:decorative xmlns:adec="http://schemas.microsoft.com/office/drawing/2017/decorative" val="1"/>
+                  </a:ext>
+                </a:extLst>
+              </p:cNvPr>
+              <p:cNvSpPr/>
+              <p:nvPr>
+                <p:extLst>
+                  <p:ext uri="{386F3935-93C4-4BCD-93E2-E3B085C9AB24}">
+                    <p16:designElem xmlns:p16="http://schemas.microsoft.com/office/powerpoint/2015/main" val="1"/>
+                  </p:ext>
+                </p:extLst>
+              </p:nvPr>
+            </p:nvSpPr>
+            <p:spPr>
+              <a:xfrm>
+                <a:off x="1440000" y="0"/>
+                <a:ext cx="1440000" cy="1440000"/>
+              </a:xfrm>
+              <a:prstGeom prst="rect">
+                <a:avLst/>
+              </a:prstGeom>
+              <a:gradFill flip="none" rotWithShape="1">
+                <a:gsLst>
+                  <a:gs pos="0">
+                    <a:schemeClr val="accent2"/>
+                  </a:gs>
+                  <a:gs pos="60000">
+                    <a:schemeClr val="accent2">
+                      <a:alpha val="0"/>
+                    </a:schemeClr>
+                  </a:gs>
+                </a:gsLst>
+                <a:path path="circle">
+                  <a:fillToRect r="100000" b="100000"/>
+                </a:path>
+                <a:tileRect l="-100000" t="-100000"/>
+              </a:gradFill>
+              <a:ln w="12700" cap="flat" cmpd="sng" algn="ctr">
+                <a:noFill/>
+                <a:prstDash val="solid"/>
+                <a:miter lim="800000"/>
+              </a:ln>
+              <a:effectLst/>
+            </p:spPr>
+            <p:style>
+              <a:lnRef idx="2">
+                <a:schemeClr val="accent1">
+                  <a:shade val="50000"/>
+                </a:schemeClr>
+              </a:lnRef>
+              <a:fillRef idx="1">
+                <a:schemeClr val="accent1"/>
+              </a:fillRef>
+              <a:effectRef idx="0">
+                <a:schemeClr val="accent1"/>
+              </a:effectRef>
+              <a:fontRef idx="minor">
+                <a:schemeClr val="lt1"/>
+              </a:fontRef>
+            </p:style>
+            <p:txBody>
+              <a:bodyPr rtlCol="0" anchor="ctr"/>
+              <a:lstStyle/>
+              <a:p>
+                <a:pPr algn="ctr"/>
+                <a:endParaRPr lang="en-US"/>
+              </a:p>
+            </p:txBody>
+          </p:sp>
+          <p:sp>
+            <p:nvSpPr>
+              <p:cNvPr id="41" name="Rectangle 40">
+                <a:extLst>
+                  <a:ext uri="{FF2B5EF4-FFF2-40B4-BE49-F238E27FC236}">
+                    <a16:creationId xmlns:a16="http://schemas.microsoft.com/office/drawing/2014/main" id="{8AE5C556-02CA-4512-9F5F-7088484CF763}"/>
+                  </a:ext>
+                  <a:ext uri="{C183D7F6-B498-43B3-948B-1728B52AA6E4}">
+                    <adec:decorative xmlns:adec="http://schemas.microsoft.com/office/drawing/2017/decorative" val="1"/>
+                  </a:ext>
+                </a:extLst>
+              </p:cNvPr>
+              <p:cNvSpPr/>
+              <p:nvPr>
+                <p:extLst>
+                  <p:ext uri="{386F3935-93C4-4BCD-93E2-E3B085C9AB24}">
+                    <p16:designElem xmlns:p16="http://schemas.microsoft.com/office/powerpoint/2015/main" val="1"/>
+                  </p:ext>
+                </p:extLst>
+              </p:nvPr>
+            </p:nvSpPr>
+            <p:spPr>
+              <a:xfrm flipH="1">
+                <a:off x="0" y="0"/>
+                <a:ext cx="1440000" cy="1440000"/>
+              </a:xfrm>
+              <a:prstGeom prst="rect">
+                <a:avLst/>
+              </a:prstGeom>
+              <a:gradFill flip="none" rotWithShape="1">
+                <a:gsLst>
+                  <a:gs pos="0">
+                    <a:schemeClr val="accent2"/>
+                  </a:gs>
+                  <a:gs pos="60000">
+                    <a:schemeClr val="accent2">
+                      <a:alpha val="0"/>
+                    </a:schemeClr>
+                  </a:gs>
+                </a:gsLst>
+                <a:path path="circle">
+                  <a:fillToRect r="100000" b="100000"/>
+                </a:path>
+                <a:tileRect l="-100000" t="-100000"/>
+              </a:gradFill>
+              <a:ln w="12700" cap="flat" cmpd="sng" algn="ctr">
+                <a:noFill/>
+                <a:prstDash val="solid"/>
+                <a:miter lim="800000"/>
+              </a:ln>
+              <a:effectLst/>
+            </p:spPr>
+            <p:style>
+              <a:lnRef idx="2">
+                <a:schemeClr val="accent1">
+                  <a:shade val="50000"/>
+                </a:schemeClr>
+              </a:lnRef>
+              <a:fillRef idx="1">
+                <a:schemeClr val="accent1"/>
+              </a:fillRef>
+              <a:effectRef idx="0">
+                <a:schemeClr val="accent1"/>
+              </a:effectRef>
+              <a:fontRef idx="minor">
+                <a:schemeClr val="lt1"/>
+              </a:fontRef>
+            </p:style>
+            <p:txBody>
+              <a:bodyPr rtlCol="0" anchor="ctr"/>
+              <a:lstStyle/>
+              <a:p>
+                <a:pPr algn="ctr"/>
+                <a:endParaRPr lang="en-US"/>
+              </a:p>
+            </p:txBody>
+          </p:sp>
+        </p:grpSp>
+        <p:sp>
+          <p:nvSpPr>
+            <p:cNvPr id="42" name="Rectangle 41">
+              <a:extLst>
+                <a:ext uri="{FF2B5EF4-FFF2-40B4-BE49-F238E27FC236}">
+                  <a16:creationId xmlns:a16="http://schemas.microsoft.com/office/drawing/2014/main" id="{B75FD132-C2ED-4807-B2DA-D428F9C449E2}"/>
+                </a:ext>
+                <a:ext uri="{C183D7F6-B498-43B3-948B-1728B52AA6E4}">
+                  <adec:decorative xmlns:adec="http://schemas.microsoft.com/office/drawing/2017/decorative" val="1"/>
+                </a:ext>
+              </a:extLst>
+            </p:cNvPr>
+            <p:cNvSpPr>
+              <a:spLocks noChangeAspect="1"/>
+            </p:cNvSpPr>
+            <p:nvPr>
+              <p:extLst>
+                <p:ext uri="{386F3935-93C4-4BCD-93E2-E3B085C9AB24}">
+                  <p16:designElem xmlns:p16="http://schemas.microsoft.com/office/powerpoint/2015/main" val="1"/>
+                </p:ext>
+              </p:extLst>
+            </p:nvPr>
+          </p:nvSpPr>
+          <p:spPr>
+            <a:xfrm rot="10800000">
+              <a:off x="5602287" y="271887"/>
+              <a:ext cx="6589713" cy="6589713"/>
+            </a:xfrm>
+            <a:prstGeom prst="rect">
+              <a:avLst/>
+            </a:prstGeom>
+            <a:gradFill flip="none" rotWithShape="1">
+              <a:gsLst>
+                <a:gs pos="0">
+                  <a:schemeClr val="accent3"/>
+                </a:gs>
+                <a:gs pos="60000">
+                  <a:schemeClr val="accent3">
+                    <a:alpha val="0"/>
+                  </a:schemeClr>
+                </a:gs>
+              </a:gsLst>
+              <a:path path="circle">
+                <a:fillToRect r="100000" b="100000"/>
+              </a:path>
+              <a:tileRect l="-100000" t="-100000"/>
+            </a:gradFill>
+            <a:ln w="12700" cap="flat" cmpd="sng" algn="ctr">
+              <a:noFill/>
+              <a:prstDash val="solid"/>
+              <a:miter lim="800000"/>
+            </a:ln>
+            <a:effectLst/>
+          </p:spPr>
+          <p:style>
+            <a:lnRef idx="2">
+              <a:schemeClr val="accent1">
+                <a:shade val="50000"/>
+              </a:schemeClr>
+            </a:lnRef>
+            <a:fillRef idx="1">
+              <a:schemeClr val="accent1"/>
+            </a:fillRef>
+            <a:effectRef idx="0">
+              <a:schemeClr val="accent1"/>
+            </a:effectRef>
+            <a:fontRef idx="minor">
+              <a:schemeClr val="lt1"/>
+            </a:fontRef>
+          </p:style>
+          <p:txBody>
+            <a:bodyPr rtlCol="0" anchor="ctr"/>
+            <a:lstStyle/>
+            <a:p>
+              <a:pPr algn="ctr"/>
+              <a:endParaRPr lang="en-US"/>
+            </a:p>
+          </p:txBody>
+        </p:sp>
+      </p:grpSp>
+      <p:sp>
+        <p:nvSpPr>
+          <p:cNvPr id="43" name="Rectangle 42">
+            <a:extLst>
+              <a:ext uri="{FF2B5EF4-FFF2-40B4-BE49-F238E27FC236}">
+                <a16:creationId xmlns:a16="http://schemas.microsoft.com/office/drawing/2014/main" id="{71967F12-B0C4-4D31-8D63-89945DCD29D0}"/>
+              </a:ext>
+              <a:ext uri="{C183D7F6-B498-43B3-948B-1728B52AA6E4}">
+                <adec:decorative xmlns:adec="http://schemas.microsoft.com/office/drawing/2017/decorative" val="1"/>
+              </a:ext>
+            </a:extLst>
+          </p:cNvPr>
+          <p:cNvSpPr>
+            <a:spLocks noGrp="1" noRot="1" noChangeAspect="1" noMove="1" noResize="1" noEditPoints="1" noAdjustHandles="1" noChangeArrowheads="1" noChangeShapeType="1" noTextEdit="1"/>
+          </p:cNvSpPr>
+          <p:nvPr>
+            <p:extLst>
+              <p:ext uri="{386F3935-93C4-4BCD-93E2-E3B085C9AB24}">
+                <p16:designElem xmlns:p16="http://schemas.microsoft.com/office/powerpoint/2015/main" val="1"/>
+              </p:ext>
+            </p:extLst>
+          </p:nvPr>
+        </p:nvSpPr>
+        <p:spPr>
+          <a:xfrm>
+            <a:off x="0" y="0"/>
+            <a:ext cx="12192000" cy="6858000"/>
+          </a:xfrm>
+          <a:prstGeom prst="rect">
+            <a:avLst/>
+          </a:prstGeom>
+          <a:gradFill>
+            <a:gsLst>
+              <a:gs pos="0">
+                <a:schemeClr val="bg2">
+                  <a:alpha val="40000"/>
+                </a:schemeClr>
+              </a:gs>
+              <a:gs pos="100000">
+                <a:schemeClr val="bg2">
+                  <a:alpha val="80000"/>
+                </a:schemeClr>
+              </a:gs>
+            </a:gsLst>
+            <a:lin ang="0" scaled="1"/>
+          </a:gradFill>
+          <a:ln w="12700" cap="flat" cmpd="sng" algn="ctr">
+            <a:noFill/>
+            <a:prstDash val="solid"/>
+            <a:miter lim="800000"/>
+          </a:ln>
+          <a:effectLst/>
+        </p:spPr>
+        <p:style>
+          <a:lnRef idx="2">
+            <a:schemeClr val="accent1">
+              <a:shade val="50000"/>
+            </a:schemeClr>
+          </a:lnRef>
+          <a:fillRef idx="1">
+            <a:schemeClr val="accent1"/>
+          </a:fillRef>
+          <a:effectRef idx="0">
+            <a:schemeClr val="accent1"/>
+          </a:effectRef>
+          <a:fontRef idx="minor">
+            <a:schemeClr val="lt1"/>
+          </a:fontRef>
+        </p:style>
+        <p:txBody>
+          <a:bodyPr rtlCol="0" anchor="ctr"/>
+          <a:lstStyle/>
+          <a:p>
+            <a:endParaRPr lang="en-US" dirty="0"/>
+          </a:p>
+        </p:txBody>
+      </p:sp>
+      <p:sp>
+        <p:nvSpPr>
+          <p:cNvPr id="2" name="Title 1">
+            <a:extLst>
+              <a:ext uri="{FF2B5EF4-FFF2-40B4-BE49-F238E27FC236}">
+                <a16:creationId xmlns:a16="http://schemas.microsoft.com/office/drawing/2014/main" id="{6EC36918-87F8-6FBE-B30C-00A54C5C9830}"/>
+              </a:ext>
+            </a:extLst>
+          </p:cNvPr>
+          <p:cNvSpPr>
+            <a:spLocks noGrp="1"/>
+          </p:cNvSpPr>
+          <p:nvPr>
+            <p:ph type="title"/>
+          </p:nvPr>
+        </p:nvSpPr>
+        <p:spPr>
+          <a:xfrm>
+            <a:off x="540000" y="4136400"/>
+            <a:ext cx="4500561" cy="2181946"/>
+          </a:xfrm>
+        </p:spPr>
+        <p:txBody>
+          <a:bodyPr anchor="b">
+            <a:normAutofit/>
+          </a:bodyPr>
+          <a:lstStyle/>
+          <a:p>
+            <a:r>
+              <a:rPr lang="en-US" sz="4700">
+                <a:effectLst/>
+                <a:latin typeface=".SF NS"/>
+              </a:rPr>
+              <a:t>Content Quality Across Platforms</a:t>
+            </a:r>
+            <a:br>
+              <a:rPr lang="en-US" sz="4700">
+                <a:effectLst/>
+                <a:latin typeface=".SF NS"/>
+              </a:rPr>
+            </a:br>
+            <a:endParaRPr lang="en-US" sz="4700"/>
+          </a:p>
+        </p:txBody>
+      </p:sp>
+      <p:sp>
+        <p:nvSpPr>
+          <p:cNvPr id="3" name="Content Placeholder 2">
+            <a:extLst>
+              <a:ext uri="{FF2B5EF4-FFF2-40B4-BE49-F238E27FC236}">
+                <a16:creationId xmlns:a16="http://schemas.microsoft.com/office/drawing/2014/main" id="{12630EF7-E03A-14B2-525E-4448E4426CA9}"/>
+              </a:ext>
+            </a:extLst>
+          </p:cNvPr>
+          <p:cNvSpPr>
+            <a:spLocks noGrp="1"/>
+          </p:cNvSpPr>
+          <p:nvPr>
+            <p:ph idx="1"/>
+          </p:nvPr>
+        </p:nvSpPr>
+        <p:spPr>
+          <a:xfrm>
+            <a:off x="540000" y="540000"/>
+            <a:ext cx="4500562" cy="3361604"/>
+          </a:xfrm>
+        </p:spPr>
+        <p:txBody>
+          <a:bodyPr anchor="t">
+            <a:normAutofit/>
+          </a:bodyPr>
+          <a:lstStyle/>
+          <a:p>
+            <a:r>
+              <a:rPr lang="en-US" dirty="0">
+                <a:effectLst/>
+                <a:latin typeface=".SF NS"/>
+              </a:rPr>
+              <a:t>Content quality is a key driver of platform success. Our analysis reveals how platforms like Netflix and Amazon Prime consistently offer highly-rated content, attracting diverse audiences</a:t>
+            </a:r>
+          </a:p>
+          <a:p>
+            <a:endParaRPr lang="en-US" dirty="0"/>
+          </a:p>
+        </p:txBody>
+      </p:sp>
+      <p:pic>
+        <p:nvPicPr>
+          <p:cNvPr id="6" name="Picture 5" descr="A graph of a bar chart&#10;&#10;Description automatically generated with medium confidence">
+            <a:extLst>
+              <a:ext uri="{FF2B5EF4-FFF2-40B4-BE49-F238E27FC236}">
+                <a16:creationId xmlns:a16="http://schemas.microsoft.com/office/drawing/2014/main" id="{362A410D-A002-0D8E-01C2-2DFD81407A7E}"/>
+              </a:ext>
+            </a:extLst>
+          </p:cNvPr>
+          <p:cNvPicPr>
+            <a:picLocks noChangeAspect="1"/>
+          </p:cNvPicPr>
+          <p:nvPr/>
+        </p:nvPicPr>
+        <p:blipFill>
+          <a:blip r:embed="rId2"/>
+          <a:stretch>
+            <a:fillRect/>
+          </a:stretch>
+        </p:blipFill>
+        <p:spPr>
+          <a:xfrm>
+            <a:off x="5591422" y="1405271"/>
+            <a:ext cx="6049714" cy="4038183"/>
+          </a:xfrm>
+          <a:prstGeom prst="rect">
+            <a:avLst/>
+          </a:prstGeom>
+        </p:spPr>
+      </p:pic>
+    </p:spTree>
+    <p:extLst>
+      <p:ext uri="{BB962C8B-B14F-4D97-AF65-F5344CB8AC3E}">
+        <p14:creationId xmlns:p14="http://schemas.microsoft.com/office/powerpoint/2010/main" val="4192417701"/>
+      </p:ext>
+    </p:extLst>
+  </p:cSld>
+  <p:clrMapOvr>
+    <a:masterClrMapping/>
+  </p:clrMapOvr>
+</p:sld>
+</file>
+
+<file path=ppt/slides/slide7.xml><?xml version="1.0" encoding="utf-8"?>
+<p:sld xmlns:a="http://schemas.openxmlformats.org/drawingml/2006/main" xmlns:r="http://schemas.openxmlformats.org/officeDocument/2006/relationships" xmlns:p="http://schemas.openxmlformats.org/presentationml/2006/main">
+  <p:cSld>
+    <p:bg>
+      <p:bgPr>
+        <a:solidFill>
+          <a:schemeClr val="bg1"/>
+        </a:solidFill>
+        <a:effectLst/>
+      </p:bgPr>
+    </p:bg>
+    <p:spTree>
+      <p:nvGrpSpPr>
+        <p:cNvPr id="1" name=""/>
+        <p:cNvGrpSpPr/>
+        <p:nvPr/>
+      </p:nvGrpSpPr>
+      <p:grpSpPr>
+        <a:xfrm>
+          <a:off x="0" y="0"/>
+          <a:ext cx="0" cy="0"/>
+          <a:chOff x="0" y="0"/>
+          <a:chExt cx="0" cy="0"/>
+        </a:xfrm>
+      </p:grpSpPr>
+      <p:sp useBgFill="1">
+        <p:nvSpPr>
+          <p:cNvPr id="28" name="Rectangle 27">
+            <a:extLst>
+              <a:ext uri="{FF2B5EF4-FFF2-40B4-BE49-F238E27FC236}">
+                <a16:creationId xmlns:a16="http://schemas.microsoft.com/office/drawing/2014/main" id="{B807C163-87AF-4BC4-ADE2-4E5EAFEEE8CE}"/>
+              </a:ext>
+              <a:ext uri="{C183D7F6-B498-43B3-948B-1728B52AA6E4}">
+                <adec:decorative xmlns:adec="http://schemas.microsoft.com/office/drawing/2017/decorative" val="1"/>
+              </a:ext>
+            </a:extLst>
+          </p:cNvPr>
+          <p:cNvSpPr>
+            <a:spLocks noGrp="1" noRot="1" noChangeAspect="1" noMove="1" noResize="1" noEditPoints="1" noAdjustHandles="1" noChangeArrowheads="1" noChangeShapeType="1" noTextEdit="1"/>
+          </p:cNvSpPr>
+          <p:nvPr>
+            <p:extLst>
+              <p:ext uri="{386F3935-93C4-4BCD-93E2-E3B085C9AB24}">
+                <p16:designElem xmlns:p16="http://schemas.microsoft.com/office/powerpoint/2015/main" val="1"/>
+              </p:ext>
+            </p:extLst>
+          </p:nvPr>
+        </p:nvSpPr>
+        <p:spPr>
+          <a:xfrm>
+            <a:off x="0" y="0"/>
+            <a:ext cx="12192000" cy="6858000"/>
+          </a:xfrm>
+          <a:prstGeom prst="rect">
+            <a:avLst/>
+          </a:prstGeom>
+          <a:ln w="12700" cap="flat" cmpd="sng" algn="ctr">
+            <a:noFill/>
+            <a:prstDash val="solid"/>
+            <a:miter lim="800000"/>
+          </a:ln>
+          <a:effectLst/>
+          <a:extLst>
+            <a:ext uri="{91240B29-F687-4F45-9708-019B960494DF}">
+              <a14:hiddenLine xmlns:a14="http://schemas.microsoft.com/office/drawing/2010/main" w="12700" cap="flat" cmpd="sng" algn="ctr">
+                <a:solidFill>
+                  <a:schemeClr val="accent1">
+                    <a:shade val="50000"/>
+                  </a:schemeClr>
+                </a:solidFill>
+                <a:prstDash val="solid"/>
+                <a:miter lim="800000"/>
+              </a14:hiddenLine>
+            </a:ext>
+          </a:extLst>
+        </p:spPr>
+        <p:style>
+          <a:lnRef idx="2">
+            <a:schemeClr val="accent1">
+              <a:shade val="50000"/>
+            </a:schemeClr>
+          </a:lnRef>
+          <a:fillRef idx="1">
+            <a:schemeClr val="accent1"/>
+          </a:fillRef>
+          <a:effectRef idx="0">
+            <a:schemeClr val="accent1"/>
+          </a:effectRef>
+          <a:fontRef idx="minor">
+            <a:schemeClr val="lt1"/>
+          </a:fontRef>
+        </p:style>
+        <p:txBody>
+          <a:bodyPr rtlCol="0" anchor="ctr"/>
+          <a:lstStyle/>
+          <a:p>
+            <a:pPr algn="ctr"/>
+            <a:endParaRPr lang="en-US"/>
+          </a:p>
+        </p:txBody>
+      </p:sp>
+      <p:grpSp>
+        <p:nvGrpSpPr>
+          <p:cNvPr id="17" name="Group 16">
+            <a:extLst>
+              <a:ext uri="{FF2B5EF4-FFF2-40B4-BE49-F238E27FC236}">
+                <a16:creationId xmlns:a16="http://schemas.microsoft.com/office/drawing/2014/main" id="{3F696E8E-5A50-4F12-9E0B-502F85061599}"/>
+              </a:ext>
+              <a:ext uri="{C183D7F6-B498-43B3-948B-1728B52AA6E4}">
+                <adec:decorative xmlns:adec="http://schemas.microsoft.com/office/drawing/2017/decorative" val="1"/>
+              </a:ext>
+            </a:extLst>
+          </p:cNvPr>
+          <p:cNvGrpSpPr>
+            <a:grpSpLocks noGrp="1" noUngrp="1" noRot="1" noChangeAspect="1" noMove="1" noResize="1"/>
+          </p:cNvGrpSpPr>
+          <p:nvPr>
+            <p:extLst>
+              <p:ext uri="{386F3935-93C4-4BCD-93E2-E3B085C9AB24}">
+                <p16:designElem xmlns:p16="http://schemas.microsoft.com/office/powerpoint/2015/main" val="1"/>
+              </p:ext>
+            </p:extLst>
+          </p:nvPr>
+        </p:nvGrpSpPr>
+        <p:grpSpPr>
+          <a:xfrm>
+            <a:off x="1" y="0"/>
+            <a:ext cx="12191999" cy="6861600"/>
+            <a:chOff x="1" y="0"/>
+            <a:chExt cx="12191999" cy="6861600"/>
+          </a:xfrm>
+        </p:grpSpPr>
+        <p:sp>
+          <p:nvSpPr>
+            <p:cNvPr id="18" name="Rectangle 17">
+              <a:extLst>
+                <a:ext uri="{FF2B5EF4-FFF2-40B4-BE49-F238E27FC236}">
+                  <a16:creationId xmlns:a16="http://schemas.microsoft.com/office/drawing/2014/main" id="{AB8A07F7-656D-4B06-860B-4290325213C6}"/>
+                </a:ext>
+                <a:ext uri="{C183D7F6-B498-43B3-948B-1728B52AA6E4}">
+                  <adec:decorative xmlns:adec="http://schemas.microsoft.com/office/drawing/2017/decorative" val="1"/>
+                </a:ext>
+              </a:extLst>
+            </p:cNvPr>
+            <p:cNvSpPr>
+              <a:spLocks noChangeAspect="1"/>
+            </p:cNvSpPr>
+            <p:nvPr>
+              <p:extLst>
+                <p:ext uri="{386F3935-93C4-4BCD-93E2-E3B085C9AB24}">
+                  <p16:designElem xmlns:p16="http://schemas.microsoft.com/office/powerpoint/2015/main" val="1"/>
+                </p:ext>
+              </p:extLst>
+            </p:nvPr>
+          </p:nvSpPr>
+          <p:spPr>
+            <a:xfrm rot="16200000">
+              <a:off x="1" y="1640114"/>
+              <a:ext cx="5217886" cy="5217886"/>
+            </a:xfrm>
+            <a:prstGeom prst="rect">
+              <a:avLst/>
+            </a:prstGeom>
+            <a:gradFill flip="none" rotWithShape="1">
+              <a:gsLst>
+                <a:gs pos="0">
+                  <a:schemeClr val="accent2">
+                    <a:alpha val="60000"/>
+                  </a:schemeClr>
+                </a:gs>
+                <a:gs pos="60000">
+                  <a:schemeClr val="accent2">
+                    <a:alpha val="0"/>
+                  </a:schemeClr>
+                </a:gs>
+              </a:gsLst>
+              <a:path path="circle">
+                <a:fillToRect r="100000" b="100000"/>
+              </a:path>
+              <a:tileRect l="-100000" t="-100000"/>
+            </a:gradFill>
+            <a:ln w="12700" cap="flat" cmpd="sng" algn="ctr">
+              <a:noFill/>
+              <a:prstDash val="solid"/>
+              <a:miter lim="800000"/>
+            </a:ln>
+            <a:effectLst/>
+          </p:spPr>
+          <p:style>
+            <a:lnRef idx="2">
+              <a:schemeClr val="accent1">
+                <a:shade val="50000"/>
+              </a:schemeClr>
+            </a:lnRef>
+            <a:fillRef idx="1">
+              <a:schemeClr val="accent1"/>
+            </a:fillRef>
+            <a:effectRef idx="0">
+              <a:schemeClr val="accent1"/>
+            </a:effectRef>
+            <a:fontRef idx="minor">
+              <a:schemeClr val="lt1"/>
+            </a:fontRef>
+          </p:style>
+          <p:txBody>
+            <a:bodyPr rtlCol="0" anchor="ctr"/>
+            <a:lstStyle/>
+            <a:p>
+              <a:pPr algn="ctr"/>
+              <a:endParaRPr lang="en-US"/>
+            </a:p>
+          </p:txBody>
+        </p:sp>
+        <p:sp>
+          <p:nvSpPr>
+            <p:cNvPr id="19" name="Oval 18">
+              <a:extLst>
+                <a:ext uri="{FF2B5EF4-FFF2-40B4-BE49-F238E27FC236}">
+                  <a16:creationId xmlns:a16="http://schemas.microsoft.com/office/drawing/2014/main" id="{5D932A44-B2F8-4EA5-A529-D1EF350CB6F7}"/>
+                </a:ext>
+                <a:ext uri="{C183D7F6-B498-43B3-948B-1728B52AA6E4}">
+                  <adec:decorative xmlns:adec="http://schemas.microsoft.com/office/drawing/2017/decorative" val="1"/>
+                </a:ext>
+              </a:extLst>
+            </p:cNvPr>
+            <p:cNvSpPr>
+              <a:spLocks noChangeAspect="1"/>
+            </p:cNvSpPr>
+            <p:nvPr>
+              <p:extLst>
+                <p:ext uri="{386F3935-93C4-4BCD-93E2-E3B085C9AB24}">
+                  <p16:designElem xmlns:p16="http://schemas.microsoft.com/office/powerpoint/2015/main" val="1"/>
+                </p:ext>
+              </p:extLst>
+            </p:nvPr>
+          </p:nvSpPr>
+          <p:spPr>
+            <a:xfrm>
+              <a:off x="6384514" y="0"/>
+              <a:ext cx="4320000" cy="4320000"/>
+            </a:xfrm>
+            <a:prstGeom prst="ellipse">
+              <a:avLst/>
+            </a:prstGeom>
+            <a:solidFill>
+              <a:schemeClr val="accent3">
+                <a:alpha val="96000"/>
+              </a:schemeClr>
+            </a:solidFill>
+            <a:ln>
+              <a:noFill/>
+            </a:ln>
+            <a:effectLst>
+              <a:softEdge rad="1016000"/>
+            </a:effectLst>
+          </p:spPr>
+          <p:style>
+            <a:lnRef idx="2">
+              <a:schemeClr val="accent1">
+                <a:shade val="50000"/>
+              </a:schemeClr>
+            </a:lnRef>
+            <a:fillRef idx="1">
+              <a:schemeClr val="accent1"/>
+            </a:fillRef>
+            <a:effectRef idx="0">
+              <a:schemeClr val="accent1"/>
+            </a:effectRef>
+            <a:fontRef idx="minor">
+              <a:schemeClr val="lt1"/>
+            </a:fontRef>
+          </p:style>
+          <p:txBody>
+            <a:bodyPr rtlCol="0" anchor="ctr"/>
+            <a:lstStyle/>
+            <a:p>
+              <a:pPr algn="ctr"/>
+              <a:endParaRPr lang="en-US"/>
+            </a:p>
+          </p:txBody>
+        </p:sp>
+        <p:sp>
+          <p:nvSpPr>
+            <p:cNvPr id="20" name="Oval 19">
+              <a:extLst>
+                <a:ext uri="{FF2B5EF4-FFF2-40B4-BE49-F238E27FC236}">
+                  <a16:creationId xmlns:a16="http://schemas.microsoft.com/office/drawing/2014/main" id="{A4211287-5AF6-4DE8-9550-CE2475D625B3}"/>
+                </a:ext>
+                <a:ext uri="{C183D7F6-B498-43B3-948B-1728B52AA6E4}">
+                  <adec:decorative xmlns:adec="http://schemas.microsoft.com/office/drawing/2017/decorative" val="1"/>
+                </a:ext>
+              </a:extLst>
+            </p:cNvPr>
+            <p:cNvSpPr>
+              <a:spLocks noChangeAspect="1"/>
+            </p:cNvSpPr>
+            <p:nvPr>
+              <p:extLst>
+                <p:ext uri="{386F3935-93C4-4BCD-93E2-E3B085C9AB24}">
+                  <p16:designElem xmlns:p16="http://schemas.microsoft.com/office/powerpoint/2015/main" val="1"/>
+                </p:ext>
+              </p:extLst>
+            </p:nvPr>
+          </p:nvSpPr>
+          <p:spPr>
+            <a:xfrm>
+              <a:off x="6119057" y="1230054"/>
+              <a:ext cx="5506886" cy="5506886"/>
+            </a:xfrm>
+            <a:prstGeom prst="ellipse">
+              <a:avLst/>
+            </a:prstGeom>
+            <a:solidFill>
+              <a:schemeClr val="accent2">
+                <a:alpha val="60000"/>
+              </a:schemeClr>
+            </a:solidFill>
+            <a:ln>
+              <a:noFill/>
+            </a:ln>
+            <a:effectLst>
+              <a:softEdge rad="1270000"/>
+            </a:effectLst>
+          </p:spPr>
+          <p:style>
+            <a:lnRef idx="2">
+              <a:schemeClr val="accent1">
+                <a:shade val="50000"/>
+              </a:schemeClr>
+            </a:lnRef>
+            <a:fillRef idx="1">
+              <a:schemeClr val="accent1"/>
+            </a:fillRef>
+            <a:effectRef idx="0">
+              <a:schemeClr val="accent1"/>
+            </a:effectRef>
+            <a:fontRef idx="minor">
+              <a:schemeClr val="lt1"/>
+            </a:fontRef>
+          </p:style>
+          <p:txBody>
+            <a:bodyPr rtlCol="0" anchor="ctr"/>
+            <a:lstStyle/>
+            <a:p>
+              <a:pPr algn="ctr"/>
+              <a:endParaRPr lang="en-US" dirty="0"/>
+            </a:p>
+          </p:txBody>
+        </p:sp>
+        <p:grpSp>
+          <p:nvGrpSpPr>
+            <p:cNvPr id="21" name="Group 20">
+              <a:extLst>
+                <a:ext uri="{FF2B5EF4-FFF2-40B4-BE49-F238E27FC236}">
+                  <a16:creationId xmlns:a16="http://schemas.microsoft.com/office/drawing/2014/main" id="{935D3D5B-2BDE-4FFA-AD19-2A6FA11B44F9}"/>
+                </a:ext>
+                <a:ext uri="{C183D7F6-B498-43B3-948B-1728B52AA6E4}">
+                  <adec:decorative xmlns:adec="http://schemas.microsoft.com/office/drawing/2017/decorative" val="1"/>
+                </a:ext>
+              </a:extLst>
+            </p:cNvPr>
+            <p:cNvGrpSpPr>
+              <a:grpSpLocks noChangeAspect="1"/>
+            </p:cNvGrpSpPr>
+            <p:nvPr>
+              <p:extLst>
+                <p:ext uri="{386F3935-93C4-4BCD-93E2-E3B085C9AB24}">
+                  <p16:designElem xmlns:p16="http://schemas.microsoft.com/office/powerpoint/2015/main" val="1"/>
+                </p:ext>
+              </p:extLst>
+            </p:nvPr>
+          </p:nvGrpSpPr>
+          <p:grpSpPr>
+            <a:xfrm>
+              <a:off x="690092" y="0"/>
+              <a:ext cx="10800000" cy="6858000"/>
+              <a:chOff x="2328000" y="0"/>
+              <a:chExt cx="2880000" cy="1440000"/>
+            </a:xfrm>
+          </p:grpSpPr>
+          <p:sp>
+            <p:nvSpPr>
+              <p:cNvPr id="26" name="Rectangle 25">
+                <a:extLst>
+                  <a:ext uri="{FF2B5EF4-FFF2-40B4-BE49-F238E27FC236}">
+                    <a16:creationId xmlns:a16="http://schemas.microsoft.com/office/drawing/2014/main" id="{65141913-6183-49C2-BACE-61AF5018171D}"/>
+                  </a:ext>
+                  <a:ext uri="{C183D7F6-B498-43B3-948B-1728B52AA6E4}">
+                    <adec:decorative xmlns:adec="http://schemas.microsoft.com/office/drawing/2017/decorative" val="1"/>
+                  </a:ext>
+                </a:extLst>
+              </p:cNvPr>
+              <p:cNvSpPr/>
+              <p:nvPr>
+                <p:extLst>
+                  <p:ext uri="{386F3935-93C4-4BCD-93E2-E3B085C9AB24}">
+                    <p16:designElem xmlns:p16="http://schemas.microsoft.com/office/powerpoint/2015/main" val="1"/>
+                  </p:ext>
+                </p:extLst>
+              </p:nvPr>
+            </p:nvSpPr>
+            <p:spPr>
+              <a:xfrm>
+                <a:off x="3768000" y="0"/>
+                <a:ext cx="1440000" cy="1440000"/>
+              </a:xfrm>
+              <a:prstGeom prst="rect">
+                <a:avLst/>
+              </a:prstGeom>
+              <a:gradFill flip="none" rotWithShape="1">
+                <a:gsLst>
+                  <a:gs pos="0">
+                    <a:schemeClr val="accent1"/>
+                  </a:gs>
+                  <a:gs pos="60000">
+                    <a:schemeClr val="accent1">
+                      <a:alpha val="0"/>
+                    </a:schemeClr>
+                  </a:gs>
+                </a:gsLst>
+                <a:path path="circle">
+                  <a:fillToRect r="100000" b="100000"/>
+                </a:path>
+                <a:tileRect l="-100000" t="-100000"/>
+              </a:gradFill>
+              <a:ln w="12700" cap="flat" cmpd="sng" algn="ctr">
+                <a:noFill/>
+                <a:prstDash val="solid"/>
+                <a:miter lim="800000"/>
+              </a:ln>
+              <a:effectLst/>
+            </p:spPr>
+            <p:style>
+              <a:lnRef idx="2">
+                <a:schemeClr val="accent1">
+                  <a:shade val="50000"/>
+                </a:schemeClr>
+              </a:lnRef>
+              <a:fillRef idx="1">
+                <a:schemeClr val="accent1"/>
+              </a:fillRef>
+              <a:effectRef idx="0">
+                <a:schemeClr val="accent1"/>
+              </a:effectRef>
+              <a:fontRef idx="minor">
+                <a:schemeClr val="lt1"/>
+              </a:fontRef>
+            </p:style>
+            <p:txBody>
+              <a:bodyPr rtlCol="0" anchor="ctr"/>
+              <a:lstStyle/>
+              <a:p>
+                <a:pPr algn="ctr"/>
+                <a:endParaRPr lang="en-US"/>
+              </a:p>
+            </p:txBody>
+          </p:sp>
+          <p:sp>
+            <p:nvSpPr>
+              <p:cNvPr id="27" name="Rectangle 26">
+                <a:extLst>
+                  <a:ext uri="{FF2B5EF4-FFF2-40B4-BE49-F238E27FC236}">
+                    <a16:creationId xmlns:a16="http://schemas.microsoft.com/office/drawing/2014/main" id="{6CBF2F32-98FF-4601-8322-C5E0724D9DE1}"/>
+                  </a:ext>
+                  <a:ext uri="{C183D7F6-B498-43B3-948B-1728B52AA6E4}">
+                    <adec:decorative xmlns:adec="http://schemas.microsoft.com/office/drawing/2017/decorative" val="1"/>
+                  </a:ext>
+                </a:extLst>
+              </p:cNvPr>
+              <p:cNvSpPr/>
+              <p:nvPr>
+                <p:extLst>
+                  <p:ext uri="{386F3935-93C4-4BCD-93E2-E3B085C9AB24}">
+                    <p16:designElem xmlns:p16="http://schemas.microsoft.com/office/powerpoint/2015/main" val="1"/>
+                  </p:ext>
+                </p:extLst>
+              </p:nvPr>
+            </p:nvSpPr>
+            <p:spPr>
+              <a:xfrm flipH="1">
+                <a:off x="2328000" y="0"/>
+                <a:ext cx="1440000" cy="1440000"/>
+              </a:xfrm>
+              <a:prstGeom prst="rect">
+                <a:avLst/>
+              </a:prstGeom>
+              <a:gradFill flip="none" rotWithShape="1">
+                <a:gsLst>
+                  <a:gs pos="0">
+                    <a:schemeClr val="accent1"/>
+                  </a:gs>
+                  <a:gs pos="60000">
+                    <a:schemeClr val="accent1">
+                      <a:alpha val="0"/>
+                    </a:schemeClr>
+                  </a:gs>
+                </a:gsLst>
+                <a:path path="circle">
+                  <a:fillToRect r="100000" b="100000"/>
+                </a:path>
+                <a:tileRect l="-100000" t="-100000"/>
+              </a:gradFill>
+              <a:ln w="12700" cap="flat" cmpd="sng" algn="ctr">
+                <a:noFill/>
+                <a:prstDash val="solid"/>
+                <a:miter lim="800000"/>
+              </a:ln>
+              <a:effectLst/>
+            </p:spPr>
+            <p:style>
+              <a:lnRef idx="2">
+                <a:schemeClr val="accent1">
+                  <a:shade val="50000"/>
+                </a:schemeClr>
+              </a:lnRef>
+              <a:fillRef idx="1">
+                <a:schemeClr val="accent1"/>
+              </a:fillRef>
+              <a:effectRef idx="0">
+                <a:schemeClr val="accent1"/>
+              </a:effectRef>
+              <a:fontRef idx="minor">
+                <a:schemeClr val="lt1"/>
+              </a:fontRef>
+            </p:style>
+            <p:txBody>
+              <a:bodyPr rtlCol="0" anchor="ctr"/>
+              <a:lstStyle/>
+              <a:p>
+                <a:pPr algn="ctr"/>
+                <a:endParaRPr lang="en-US"/>
+              </a:p>
+            </p:txBody>
+          </p:sp>
+        </p:grpSp>
+        <p:grpSp>
+          <p:nvGrpSpPr>
+            <p:cNvPr id="22" name="Group 21">
+              <a:extLst>
+                <a:ext uri="{FF2B5EF4-FFF2-40B4-BE49-F238E27FC236}">
+                  <a16:creationId xmlns:a16="http://schemas.microsoft.com/office/drawing/2014/main" id="{1AF3E2D8-35DA-4B2D-891A-A1594F7DB5D8}"/>
+                </a:ext>
+                <a:ext uri="{C183D7F6-B498-43B3-948B-1728B52AA6E4}">
+                  <adec:decorative xmlns:adec="http://schemas.microsoft.com/office/drawing/2017/decorative" val="1"/>
+                </a:ext>
+              </a:extLst>
+            </p:cNvPr>
+            <p:cNvGrpSpPr>
+              <a:grpSpLocks noChangeAspect="1"/>
+            </p:cNvGrpSpPr>
+            <p:nvPr>
+              <p:extLst>
+                <p:ext uri="{386F3935-93C4-4BCD-93E2-E3B085C9AB24}">
+                  <p16:designElem xmlns:p16="http://schemas.microsoft.com/office/powerpoint/2015/main" val="1"/>
+                </p:ext>
+              </p:extLst>
+            </p:nvPr>
+          </p:nvGrpSpPr>
+          <p:grpSpPr>
+            <a:xfrm rot="5400000">
+              <a:off x="7048499" y="1714500"/>
+              <a:ext cx="6858000" cy="3429000"/>
+              <a:chOff x="0" y="0"/>
+              <a:chExt cx="2880000" cy="1440000"/>
+            </a:xfrm>
+          </p:grpSpPr>
+          <p:sp>
+            <p:nvSpPr>
+              <p:cNvPr id="24" name="Rectangle 23">
+                <a:extLst>
+                  <a:ext uri="{FF2B5EF4-FFF2-40B4-BE49-F238E27FC236}">
+                    <a16:creationId xmlns:a16="http://schemas.microsoft.com/office/drawing/2014/main" id="{4543934E-E678-45FF-8C62-1EF71BABE750}"/>
+                  </a:ext>
+                  <a:ext uri="{C183D7F6-B498-43B3-948B-1728B52AA6E4}">
+                    <adec:decorative xmlns:adec="http://schemas.microsoft.com/office/drawing/2017/decorative" val="1"/>
+                  </a:ext>
+                </a:extLst>
+              </p:cNvPr>
+              <p:cNvSpPr/>
+              <p:nvPr>
+                <p:extLst>
+                  <p:ext uri="{386F3935-93C4-4BCD-93E2-E3B085C9AB24}">
+                    <p16:designElem xmlns:p16="http://schemas.microsoft.com/office/powerpoint/2015/main" val="1"/>
+                  </p:ext>
+                </p:extLst>
+              </p:nvPr>
+            </p:nvSpPr>
+            <p:spPr>
+              <a:xfrm>
+                <a:off x="1440000" y="0"/>
+                <a:ext cx="1440000" cy="1440000"/>
+              </a:xfrm>
+              <a:prstGeom prst="rect">
+                <a:avLst/>
+              </a:prstGeom>
+              <a:gradFill flip="none" rotWithShape="1">
+                <a:gsLst>
+                  <a:gs pos="0">
+                    <a:schemeClr val="accent2"/>
+                  </a:gs>
+                  <a:gs pos="60000">
+                    <a:schemeClr val="accent2">
+                      <a:alpha val="0"/>
+                    </a:schemeClr>
+                  </a:gs>
+                </a:gsLst>
+                <a:path path="circle">
+                  <a:fillToRect r="100000" b="100000"/>
+                </a:path>
+                <a:tileRect l="-100000" t="-100000"/>
+              </a:gradFill>
+              <a:ln w="12700" cap="flat" cmpd="sng" algn="ctr">
+                <a:noFill/>
+                <a:prstDash val="solid"/>
+                <a:miter lim="800000"/>
+              </a:ln>
+              <a:effectLst/>
+            </p:spPr>
+            <p:style>
+              <a:lnRef idx="2">
+                <a:schemeClr val="accent1">
+                  <a:shade val="50000"/>
+                </a:schemeClr>
+              </a:lnRef>
+              <a:fillRef idx="1">
+                <a:schemeClr val="accent1"/>
+              </a:fillRef>
+              <a:effectRef idx="0">
+                <a:schemeClr val="accent1"/>
+              </a:effectRef>
+              <a:fontRef idx="minor">
+                <a:schemeClr val="lt1"/>
+              </a:fontRef>
+            </p:style>
+            <p:txBody>
+              <a:bodyPr rtlCol="0" anchor="ctr"/>
+              <a:lstStyle/>
+              <a:p>
+                <a:pPr algn="ctr"/>
+                <a:endParaRPr lang="en-US"/>
+              </a:p>
+            </p:txBody>
+          </p:sp>
+          <p:sp>
+            <p:nvSpPr>
+              <p:cNvPr id="25" name="Rectangle 24">
+                <a:extLst>
+                  <a:ext uri="{FF2B5EF4-FFF2-40B4-BE49-F238E27FC236}">
+                    <a16:creationId xmlns:a16="http://schemas.microsoft.com/office/drawing/2014/main" id="{59B54ED7-1C7F-4C59-B1CB-84D3D9C21C86}"/>
+                  </a:ext>
+                  <a:ext uri="{C183D7F6-B498-43B3-948B-1728B52AA6E4}">
+                    <adec:decorative xmlns:adec="http://schemas.microsoft.com/office/drawing/2017/decorative" val="1"/>
+                  </a:ext>
+                </a:extLst>
+              </p:cNvPr>
+              <p:cNvSpPr/>
+              <p:nvPr>
+                <p:extLst>
+                  <p:ext uri="{386F3935-93C4-4BCD-93E2-E3B085C9AB24}">
+                    <p16:designElem xmlns:p16="http://schemas.microsoft.com/office/powerpoint/2015/main" val="1"/>
+                  </p:ext>
+                </p:extLst>
+              </p:nvPr>
+            </p:nvSpPr>
+            <p:spPr>
+              <a:xfrm flipH="1">
+                <a:off x="0" y="0"/>
+                <a:ext cx="1440000" cy="1440000"/>
+              </a:xfrm>
+              <a:prstGeom prst="rect">
+                <a:avLst/>
+              </a:prstGeom>
+              <a:gradFill flip="none" rotWithShape="1">
+                <a:gsLst>
+                  <a:gs pos="0">
+                    <a:schemeClr val="accent2"/>
+                  </a:gs>
+                  <a:gs pos="60000">
+                    <a:schemeClr val="accent2">
+                      <a:alpha val="0"/>
+                    </a:schemeClr>
+                  </a:gs>
+                </a:gsLst>
+                <a:path path="circle">
+                  <a:fillToRect r="100000" b="100000"/>
+                </a:path>
+                <a:tileRect l="-100000" t="-100000"/>
+              </a:gradFill>
+              <a:ln w="12700" cap="flat" cmpd="sng" algn="ctr">
+                <a:noFill/>
+                <a:prstDash val="solid"/>
+                <a:miter lim="800000"/>
+              </a:ln>
+              <a:effectLst/>
+            </p:spPr>
+            <p:style>
+              <a:lnRef idx="2">
+                <a:schemeClr val="accent1">
+                  <a:shade val="50000"/>
+                </a:schemeClr>
+              </a:lnRef>
+              <a:fillRef idx="1">
+                <a:schemeClr val="accent1"/>
+              </a:fillRef>
+              <a:effectRef idx="0">
+                <a:schemeClr val="accent1"/>
+              </a:effectRef>
+              <a:fontRef idx="minor">
+                <a:schemeClr val="lt1"/>
+              </a:fontRef>
+            </p:style>
+            <p:txBody>
+              <a:bodyPr rtlCol="0" anchor="ctr"/>
+              <a:lstStyle/>
+              <a:p>
+                <a:pPr algn="ctr"/>
+                <a:endParaRPr lang="en-US"/>
+              </a:p>
+            </p:txBody>
+          </p:sp>
+        </p:grpSp>
+        <p:sp>
+          <p:nvSpPr>
+            <p:cNvPr id="23" name="Rectangle 22">
+              <a:extLst>
+                <a:ext uri="{FF2B5EF4-FFF2-40B4-BE49-F238E27FC236}">
+                  <a16:creationId xmlns:a16="http://schemas.microsoft.com/office/drawing/2014/main" id="{6ABFC7E0-9992-4076-88C6-3354EB12EBAD}"/>
+                </a:ext>
+                <a:ext uri="{C183D7F6-B498-43B3-948B-1728B52AA6E4}">
+                  <adec:decorative xmlns:adec="http://schemas.microsoft.com/office/drawing/2017/decorative" val="1"/>
+                </a:ext>
+              </a:extLst>
+            </p:cNvPr>
+            <p:cNvSpPr>
+              <a:spLocks noChangeAspect="1"/>
+            </p:cNvSpPr>
+            <p:nvPr>
+              <p:extLst>
+                <p:ext uri="{386F3935-93C4-4BCD-93E2-E3B085C9AB24}">
+                  <p16:designElem xmlns:p16="http://schemas.microsoft.com/office/powerpoint/2015/main" val="1"/>
+                </p:ext>
+              </p:extLst>
+            </p:nvPr>
+          </p:nvSpPr>
+          <p:spPr>
+            <a:xfrm rot="10800000">
+              <a:off x="5602287" y="271887"/>
+              <a:ext cx="6589713" cy="6589713"/>
+            </a:xfrm>
+            <a:prstGeom prst="rect">
+              <a:avLst/>
+            </a:prstGeom>
+            <a:gradFill flip="none" rotWithShape="1">
+              <a:gsLst>
+                <a:gs pos="0">
+                  <a:schemeClr val="accent3"/>
+                </a:gs>
+                <a:gs pos="60000">
+                  <a:schemeClr val="accent3">
+                    <a:alpha val="0"/>
+                  </a:schemeClr>
+                </a:gs>
+              </a:gsLst>
+              <a:path path="circle">
+                <a:fillToRect r="100000" b="100000"/>
+              </a:path>
+              <a:tileRect l="-100000" t="-100000"/>
+            </a:gradFill>
+            <a:ln w="12700" cap="flat" cmpd="sng" algn="ctr">
+              <a:noFill/>
+              <a:prstDash val="solid"/>
+              <a:miter lim="800000"/>
+            </a:ln>
+            <a:effectLst/>
+          </p:spPr>
+          <p:style>
+            <a:lnRef idx="2">
+              <a:schemeClr val="accent1">
+                <a:shade val="50000"/>
+              </a:schemeClr>
+            </a:lnRef>
+            <a:fillRef idx="1">
+              <a:schemeClr val="accent1"/>
+            </a:fillRef>
+            <a:effectRef idx="0">
+              <a:schemeClr val="accent1"/>
+            </a:effectRef>
+            <a:fontRef idx="minor">
+              <a:schemeClr val="lt1"/>
+            </a:fontRef>
+          </p:style>
+          <p:txBody>
+            <a:bodyPr rtlCol="0" anchor="ctr"/>
+            <a:lstStyle/>
+            <a:p>
+              <a:pPr algn="ctr"/>
+              <a:endParaRPr lang="en-US"/>
+            </a:p>
+          </p:txBody>
+        </p:sp>
+      </p:grpSp>
+      <p:sp>
+        <p:nvSpPr>
+          <p:cNvPr id="29" name="Rectangle 28">
+            <a:extLst>
+              <a:ext uri="{FF2B5EF4-FFF2-40B4-BE49-F238E27FC236}">
+                <a16:creationId xmlns:a16="http://schemas.microsoft.com/office/drawing/2014/main" id="{19C03209-5BD8-4B0B-847E-430FFF592586}"/>
+              </a:ext>
+              <a:ext uri="{C183D7F6-B498-43B3-948B-1728B52AA6E4}">
+                <adec:decorative xmlns:adec="http://schemas.microsoft.com/office/drawing/2017/decorative" val="1"/>
+              </a:ext>
+            </a:extLst>
+          </p:cNvPr>
+          <p:cNvSpPr>
+            <a:spLocks noGrp="1" noRot="1" noChangeAspect="1" noMove="1" noResize="1" noEditPoints="1" noAdjustHandles="1" noChangeArrowheads="1" noChangeShapeType="1" noTextEdit="1"/>
+          </p:cNvSpPr>
+          <p:nvPr>
+            <p:extLst>
+              <p:ext uri="{386F3935-93C4-4BCD-93E2-E3B085C9AB24}">
+                <p16:designElem xmlns:p16="http://schemas.microsoft.com/office/powerpoint/2015/main" val="1"/>
+              </p:ext>
+            </p:extLst>
+          </p:nvPr>
+        </p:nvSpPr>
+        <p:spPr>
+          <a:xfrm>
+            <a:off x="0" y="0"/>
+            <a:ext cx="12192000" cy="6858000"/>
+          </a:xfrm>
+          <a:prstGeom prst="rect">
+            <a:avLst/>
+          </a:prstGeom>
+          <a:gradFill flip="none" rotWithShape="1">
+            <a:gsLst>
+              <a:gs pos="0">
+                <a:schemeClr val="bg2">
+                  <a:alpha val="40000"/>
+                </a:schemeClr>
+              </a:gs>
+              <a:gs pos="100000">
+                <a:schemeClr val="bg2">
+                  <a:alpha val="80000"/>
+                </a:schemeClr>
+              </a:gs>
+            </a:gsLst>
+            <a:lin ang="16200000" scaled="1"/>
+            <a:tileRect/>
+          </a:gradFill>
+          <a:ln w="12700" cap="flat" cmpd="sng" algn="ctr">
+            <a:noFill/>
+            <a:prstDash val="solid"/>
+            <a:miter lim="800000"/>
+          </a:ln>
+          <a:effectLst/>
+        </p:spPr>
+        <p:style>
+          <a:lnRef idx="2">
+            <a:schemeClr val="accent1">
+              <a:shade val="50000"/>
+            </a:schemeClr>
+          </a:lnRef>
+          <a:fillRef idx="1">
+            <a:schemeClr val="accent1"/>
+          </a:fillRef>
+          <a:effectRef idx="0">
+            <a:schemeClr val="accent1"/>
+          </a:effectRef>
+          <a:fontRef idx="minor">
+            <a:schemeClr val="lt1"/>
+          </a:fontRef>
+        </p:style>
+        <p:txBody>
+          <a:bodyPr rtlCol="0" anchor="ctr"/>
+          <a:lstStyle/>
+          <a:p>
+            <a:endParaRPr lang="en-US" dirty="0"/>
+          </a:p>
+        </p:txBody>
+      </p:sp>
+      <p:sp>
+        <p:nvSpPr>
+          <p:cNvPr id="2" name="Title 1">
+            <a:extLst>
+              <a:ext uri="{FF2B5EF4-FFF2-40B4-BE49-F238E27FC236}">
+                <a16:creationId xmlns:a16="http://schemas.microsoft.com/office/drawing/2014/main" id="{61A2F54E-3B58-3F63-0D79-415BD0703AB9}"/>
+              </a:ext>
+            </a:extLst>
+          </p:cNvPr>
+          <p:cNvSpPr>
+            <a:spLocks noGrp="1"/>
+          </p:cNvSpPr>
+          <p:nvPr>
+            <p:ph type="title"/>
+          </p:nvPr>
+        </p:nvSpPr>
+        <p:spPr>
+          <a:xfrm>
+            <a:off x="550863" y="540000"/>
+            <a:ext cx="4500561" cy="1953501"/>
+          </a:xfrm>
+        </p:spPr>
+        <p:txBody>
+          <a:bodyPr anchor="t">
+            <a:normAutofit/>
+          </a:bodyPr>
+          <a:lstStyle/>
+          <a:p>
+            <a:r>
+              <a:rPr lang="en-US" sz="4200">
+                <a:effectLst/>
+                <a:latin typeface=".SF NS"/>
+              </a:rPr>
+              <a:t>Exploring Genre Diversity</a:t>
+            </a:r>
+            <a:br>
+              <a:rPr lang="en-US" sz="4200">
+                <a:effectLst/>
+                <a:latin typeface=".SF NS"/>
+              </a:rPr>
+            </a:br>
+            <a:endParaRPr lang="en-US" sz="4200"/>
+          </a:p>
+        </p:txBody>
+      </p:sp>
+      <p:sp>
+        <p:nvSpPr>
+          <p:cNvPr id="3" name="Content Placeholder 2">
+            <a:extLst>
+              <a:ext uri="{FF2B5EF4-FFF2-40B4-BE49-F238E27FC236}">
+                <a16:creationId xmlns:a16="http://schemas.microsoft.com/office/drawing/2014/main" id="{CF255D1E-281C-63F5-C9E4-3FDC17F1D76E}"/>
+              </a:ext>
+            </a:extLst>
+          </p:cNvPr>
+          <p:cNvSpPr>
+            <a:spLocks noGrp="1"/>
+          </p:cNvSpPr>
+          <p:nvPr>
+            <p:ph idx="1"/>
+          </p:nvPr>
+        </p:nvSpPr>
+        <p:spPr>
+          <a:xfrm>
+            <a:off x="5232400" y="540000"/>
+            <a:ext cx="6408738" cy="1791847"/>
+          </a:xfrm>
+        </p:spPr>
+        <p:txBody>
+          <a:bodyPr anchor="t">
+            <a:normAutofit/>
+          </a:bodyPr>
+          <a:lstStyle/>
+          <a:p>
+            <a:r>
+              <a:rPr lang="en-US">
+                <a:effectLst/>
+                <a:latin typeface=".SF NS"/>
+              </a:rPr>
+              <a:t>Genre diversity plays a crucial role in attracting and retaining viewers. Our analysis of the IMDb dataset reveals a rich variety of genres, catering to diverse viewer preferences</a:t>
+            </a:r>
+          </a:p>
+          <a:p>
+            <a:endParaRPr lang="en-US" dirty="0"/>
+          </a:p>
+        </p:txBody>
+      </p:sp>
+      <p:pic>
+        <p:nvPicPr>
+          <p:cNvPr id="7" name="Picture 6" descr="A graph of a number of titles available on streaming platforms&#10;&#10;Description automatically generated">
+            <a:extLst>
+              <a:ext uri="{FF2B5EF4-FFF2-40B4-BE49-F238E27FC236}">
+                <a16:creationId xmlns:a16="http://schemas.microsoft.com/office/drawing/2014/main" id="{5998C883-AE54-5260-27E2-F7CE327CA94A}"/>
+              </a:ext>
+            </a:extLst>
+          </p:cNvPr>
+          <p:cNvPicPr>
+            <a:picLocks noChangeAspect="1"/>
+          </p:cNvPicPr>
+          <p:nvPr/>
+        </p:nvPicPr>
+        <p:blipFill>
+          <a:blip r:embed="rId2"/>
+          <a:stretch>
+            <a:fillRect/>
+          </a:stretch>
+        </p:blipFill>
+        <p:spPr>
+          <a:xfrm>
+            <a:off x="746210" y="2871847"/>
+            <a:ext cx="5048148" cy="3445362"/>
+          </a:xfrm>
+          <a:prstGeom prst="rect">
+            <a:avLst/>
+          </a:prstGeom>
+        </p:spPr>
+      </p:pic>
+      <p:pic>
+        <p:nvPicPr>
+          <p:cNvPr id="5" name="Picture 4" descr="A graph of different colored lines&#10;&#10;Description automatically generated">
+            <a:extLst>
+              <a:ext uri="{FF2B5EF4-FFF2-40B4-BE49-F238E27FC236}">
+                <a16:creationId xmlns:a16="http://schemas.microsoft.com/office/drawing/2014/main" id="{36C006A7-6F13-BFC0-9E1B-32942AEFB19A}"/>
+              </a:ext>
+            </a:extLst>
+          </p:cNvPr>
+          <p:cNvPicPr>
+            <a:picLocks noChangeAspect="1"/>
+          </p:cNvPicPr>
+          <p:nvPr/>
+        </p:nvPicPr>
+        <p:blipFill>
+          <a:blip r:embed="rId3"/>
+          <a:stretch>
+            <a:fillRect/>
+          </a:stretch>
+        </p:blipFill>
+        <p:spPr>
+          <a:xfrm>
+            <a:off x="6180567" y="3215735"/>
+            <a:ext cx="5460568" cy="2757586"/>
+          </a:xfrm>
+          <a:prstGeom prst="rect">
+            <a:avLst/>
+          </a:prstGeom>
+        </p:spPr>
+      </p:pic>
+    </p:spTree>
+    <p:extLst>
+      <p:ext uri="{BB962C8B-B14F-4D97-AF65-F5344CB8AC3E}">
+        <p14:creationId xmlns:p14="http://schemas.microsoft.com/office/powerpoint/2010/main" val="1812472526"/>
+      </p:ext>
+    </p:extLst>
+  </p:cSld>
+  <p:clrMapOvr>
+    <a:masterClrMapping/>
+  </p:clrMapOvr>
+</p:sld>
+</file>
+
+<file path=ppt/slides/slide8.xml><?xml version="1.0" encoding="utf-8"?>
+<p:sld xmlns:a="http://schemas.openxmlformats.org/drawingml/2006/main" xmlns:r="http://schemas.openxmlformats.org/officeDocument/2006/relationships" xmlns:p="http://schemas.openxmlformats.org/presentationml/2006/main">
+  <p:cSld>
+    <p:bg>
+      <p:bgPr>
+        <a:solidFill>
+          <a:schemeClr val="bg1"/>
+        </a:solidFill>
+        <a:effectLst/>
+      </p:bgPr>
+    </p:bg>
+    <p:spTree>
+      <p:nvGrpSpPr>
+        <p:cNvPr id="1" name=""/>
+        <p:cNvGrpSpPr/>
+        <p:nvPr/>
+      </p:nvGrpSpPr>
+      <p:grpSpPr>
+        <a:xfrm>
+          <a:off x="0" y="0"/>
+          <a:ext cx="0" cy="0"/>
+          <a:chOff x="0" y="0"/>
+          <a:chExt cx="0" cy="0"/>
+        </a:xfrm>
+      </p:grpSpPr>
+      <p:sp useBgFill="1">
+        <p:nvSpPr>
+          <p:cNvPr id="42" name="Rectangle 41">
+            <a:extLst>
+              <a:ext uri="{FF2B5EF4-FFF2-40B4-BE49-F238E27FC236}">
+                <a16:creationId xmlns:a16="http://schemas.microsoft.com/office/drawing/2014/main" id="{A37F6730-8F76-4239-8CBA-B914B02A75AB}"/>
+              </a:ext>
+              <a:ext uri="{C183D7F6-B498-43B3-948B-1728B52AA6E4}">
+                <adec:decorative xmlns:adec="http://schemas.microsoft.com/office/drawing/2017/decorative" val="1"/>
+              </a:ext>
+            </a:extLst>
+          </p:cNvPr>
+          <p:cNvSpPr>
+            <a:spLocks noGrp="1" noRot="1" noChangeAspect="1" noMove="1" noResize="1" noEditPoints="1" noAdjustHandles="1" noChangeArrowheads="1" noChangeShapeType="1" noTextEdit="1"/>
+          </p:cNvSpPr>
+          <p:nvPr>
+            <p:extLst>
+              <p:ext uri="{386F3935-93C4-4BCD-93E2-E3B085C9AB24}">
+                <p16:designElem xmlns:p16="http://schemas.microsoft.com/office/powerpoint/2015/main" val="1"/>
+              </p:ext>
+            </p:extLst>
+          </p:nvPr>
+        </p:nvSpPr>
+        <p:spPr>
+          <a:xfrm>
+            <a:off x="0" y="0"/>
+            <a:ext cx="12192000" cy="6858000"/>
+          </a:xfrm>
+          <a:prstGeom prst="rect">
+            <a:avLst/>
+          </a:prstGeom>
+          <a:ln w="12700" cap="flat" cmpd="sng" algn="ctr">
+            <a:noFill/>
+            <a:prstDash val="solid"/>
+            <a:miter lim="800000"/>
+          </a:ln>
+          <a:effectLst/>
+          <a:extLst>
+            <a:ext uri="{91240B29-F687-4F45-9708-019B960494DF}">
+              <a14:hiddenLine xmlns:a14="http://schemas.microsoft.com/office/drawing/2010/main" w="12700" cap="flat" cmpd="sng" algn="ctr">
+                <a:solidFill>
+                  <a:schemeClr val="accent1">
+                    <a:shade val="50000"/>
+                  </a:schemeClr>
+                </a:solidFill>
+                <a:prstDash val="solid"/>
+                <a:miter lim="800000"/>
+              </a14:hiddenLine>
+            </a:ext>
+          </a:extLst>
+        </p:spPr>
+        <p:style>
+          <a:lnRef idx="2">
+            <a:schemeClr val="accent1">
+              <a:shade val="50000"/>
+            </a:schemeClr>
+          </a:lnRef>
+          <a:fillRef idx="1">
+            <a:schemeClr val="accent1"/>
+          </a:fillRef>
+          <a:effectRef idx="0">
+            <a:schemeClr val="accent1"/>
+          </a:effectRef>
+          <a:fontRef idx="minor">
+            <a:schemeClr val="lt1"/>
+          </a:fontRef>
+        </p:style>
+        <p:txBody>
+          <a:bodyPr rtlCol="0" anchor="ctr"/>
+          <a:lstStyle/>
+          <a:p>
+            <a:pPr algn="ctr"/>
+            <a:endParaRPr lang="en-US"/>
+          </a:p>
+        </p:txBody>
+      </p:sp>
+      <p:grpSp>
+        <p:nvGrpSpPr>
+          <p:cNvPr id="44" name="Group 43">
+            <a:extLst>
+              <a:ext uri="{FF2B5EF4-FFF2-40B4-BE49-F238E27FC236}">
+                <a16:creationId xmlns:a16="http://schemas.microsoft.com/office/drawing/2014/main" id="{DE11E5CC-3C1F-4093-97B6-6433FBF9A9C4}"/>
+              </a:ext>
+              <a:ext uri="{C183D7F6-B498-43B3-948B-1728B52AA6E4}">
+                <adec:decorative xmlns:adec="http://schemas.microsoft.com/office/drawing/2017/decorative" val="1"/>
+              </a:ext>
+            </a:extLst>
+          </p:cNvPr>
+          <p:cNvGrpSpPr>
+            <a:grpSpLocks noGrp="1" noUngrp="1" noRot="1" noChangeAspect="1" noMove="1" noResize="1"/>
+          </p:cNvGrpSpPr>
+          <p:nvPr>
+            <p:extLst>
+              <p:ext uri="{386F3935-93C4-4BCD-93E2-E3B085C9AB24}">
+                <p16:designElem xmlns:p16="http://schemas.microsoft.com/office/powerpoint/2015/main" val="1"/>
+              </p:ext>
+            </p:extLst>
+          </p:nvPr>
+        </p:nvGrpSpPr>
+        <p:grpSpPr>
+          <a:xfrm>
+            <a:off x="1" y="0"/>
+            <a:ext cx="12191999" cy="6861600"/>
+            <a:chOff x="1" y="0"/>
+            <a:chExt cx="12191999" cy="6861600"/>
+          </a:xfrm>
+        </p:grpSpPr>
+        <p:sp>
+          <p:nvSpPr>
+            <p:cNvPr id="45" name="Rectangle 44">
+              <a:extLst>
+                <a:ext uri="{FF2B5EF4-FFF2-40B4-BE49-F238E27FC236}">
+                  <a16:creationId xmlns:a16="http://schemas.microsoft.com/office/drawing/2014/main" id="{28D720AE-B07F-482D-B526-4A9C632DA767}"/>
+                </a:ext>
+                <a:ext uri="{C183D7F6-B498-43B3-948B-1728B52AA6E4}">
+                  <adec:decorative xmlns:adec="http://schemas.microsoft.com/office/drawing/2017/decorative" val="1"/>
+                </a:ext>
+              </a:extLst>
+            </p:cNvPr>
+            <p:cNvSpPr>
+              <a:spLocks noChangeAspect="1"/>
+            </p:cNvSpPr>
+            <p:nvPr>
+              <p:extLst>
+                <p:ext uri="{386F3935-93C4-4BCD-93E2-E3B085C9AB24}">
+                  <p16:designElem xmlns:p16="http://schemas.microsoft.com/office/powerpoint/2015/main" val="1"/>
+                </p:ext>
+              </p:extLst>
+            </p:nvPr>
+          </p:nvSpPr>
+          <p:spPr>
+            <a:xfrm rot="16200000">
+              <a:off x="1" y="1640114"/>
+              <a:ext cx="5217886" cy="5217886"/>
+            </a:xfrm>
+            <a:prstGeom prst="rect">
+              <a:avLst/>
+            </a:prstGeom>
+            <a:gradFill flip="none" rotWithShape="1">
+              <a:gsLst>
+                <a:gs pos="0">
+                  <a:schemeClr val="accent2">
+                    <a:alpha val="60000"/>
+                  </a:schemeClr>
+                </a:gs>
+                <a:gs pos="60000">
+                  <a:schemeClr val="accent2">
+                    <a:alpha val="0"/>
+                  </a:schemeClr>
+                </a:gs>
+              </a:gsLst>
+              <a:path path="circle">
+                <a:fillToRect r="100000" b="100000"/>
+              </a:path>
+              <a:tileRect l="-100000" t="-100000"/>
+            </a:gradFill>
+            <a:ln w="12700" cap="flat" cmpd="sng" algn="ctr">
+              <a:noFill/>
+              <a:prstDash val="solid"/>
+              <a:miter lim="800000"/>
+            </a:ln>
+            <a:effectLst/>
+          </p:spPr>
+          <p:style>
+            <a:lnRef idx="2">
+              <a:schemeClr val="accent1">
+                <a:shade val="50000"/>
+              </a:schemeClr>
+            </a:lnRef>
+            <a:fillRef idx="1">
+              <a:schemeClr val="accent1"/>
+            </a:fillRef>
+            <a:effectRef idx="0">
+              <a:schemeClr val="accent1"/>
+            </a:effectRef>
+            <a:fontRef idx="minor">
+              <a:schemeClr val="lt1"/>
+            </a:fontRef>
+          </p:style>
+          <p:txBody>
+            <a:bodyPr rtlCol="0" anchor="ctr"/>
+            <a:lstStyle/>
+            <a:p>
+              <a:pPr algn="ctr"/>
+              <a:endParaRPr lang="en-US"/>
+            </a:p>
+          </p:txBody>
+        </p:sp>
+        <p:sp>
+          <p:nvSpPr>
+            <p:cNvPr id="46" name="Oval 45">
+              <a:extLst>
+                <a:ext uri="{FF2B5EF4-FFF2-40B4-BE49-F238E27FC236}">
+                  <a16:creationId xmlns:a16="http://schemas.microsoft.com/office/drawing/2014/main" id="{076F0BCA-E2AA-4AED-9091-1E820FF25B54}"/>
+                </a:ext>
+                <a:ext uri="{C183D7F6-B498-43B3-948B-1728B52AA6E4}">
+                  <adec:decorative xmlns:adec="http://schemas.microsoft.com/office/drawing/2017/decorative" val="1"/>
+                </a:ext>
+              </a:extLst>
+            </p:cNvPr>
+            <p:cNvSpPr>
+              <a:spLocks noChangeAspect="1"/>
+            </p:cNvSpPr>
+            <p:nvPr>
+              <p:extLst>
+                <p:ext uri="{386F3935-93C4-4BCD-93E2-E3B085C9AB24}">
+                  <p16:designElem xmlns:p16="http://schemas.microsoft.com/office/powerpoint/2015/main" val="1"/>
+                </p:ext>
+              </p:extLst>
+            </p:nvPr>
+          </p:nvSpPr>
+          <p:spPr>
+            <a:xfrm>
+              <a:off x="6384514" y="0"/>
+              <a:ext cx="4320000" cy="4320000"/>
+            </a:xfrm>
+            <a:prstGeom prst="ellipse">
+              <a:avLst/>
+            </a:prstGeom>
+            <a:solidFill>
+              <a:schemeClr val="accent3">
+                <a:alpha val="96000"/>
+              </a:schemeClr>
+            </a:solidFill>
+            <a:ln>
+              <a:noFill/>
+            </a:ln>
+            <a:effectLst>
+              <a:softEdge rad="1016000"/>
+            </a:effectLst>
+          </p:spPr>
+          <p:style>
+            <a:lnRef idx="2">
+              <a:schemeClr val="accent1">
+                <a:shade val="50000"/>
+              </a:schemeClr>
+            </a:lnRef>
+            <a:fillRef idx="1">
+              <a:schemeClr val="accent1"/>
+            </a:fillRef>
+            <a:effectRef idx="0">
+              <a:schemeClr val="accent1"/>
+            </a:effectRef>
+            <a:fontRef idx="minor">
+              <a:schemeClr val="lt1"/>
+            </a:fontRef>
+          </p:style>
+          <p:txBody>
+            <a:bodyPr rtlCol="0" anchor="ctr"/>
+            <a:lstStyle/>
+            <a:p>
+              <a:pPr algn="ctr"/>
+              <a:endParaRPr lang="en-US"/>
+            </a:p>
+          </p:txBody>
+        </p:sp>
+        <p:sp>
+          <p:nvSpPr>
+            <p:cNvPr id="47" name="Oval 46">
+              <a:extLst>
+                <a:ext uri="{FF2B5EF4-FFF2-40B4-BE49-F238E27FC236}">
+                  <a16:creationId xmlns:a16="http://schemas.microsoft.com/office/drawing/2014/main" id="{571D2B33-982E-4EC0-9252-B8A7383C9655}"/>
+                </a:ext>
+                <a:ext uri="{C183D7F6-B498-43B3-948B-1728B52AA6E4}">
+                  <adec:decorative xmlns:adec="http://schemas.microsoft.com/office/drawing/2017/decorative" val="1"/>
+                </a:ext>
+              </a:extLst>
+            </p:cNvPr>
+            <p:cNvSpPr>
+              <a:spLocks noChangeAspect="1"/>
+            </p:cNvSpPr>
+            <p:nvPr>
+              <p:extLst>
+                <p:ext uri="{386F3935-93C4-4BCD-93E2-E3B085C9AB24}">
+                  <p16:designElem xmlns:p16="http://schemas.microsoft.com/office/powerpoint/2015/main" val="1"/>
+                </p:ext>
+              </p:extLst>
+            </p:nvPr>
+          </p:nvSpPr>
+          <p:spPr>
+            <a:xfrm>
+              <a:off x="6119057" y="1230054"/>
+              <a:ext cx="5506886" cy="5506886"/>
+            </a:xfrm>
+            <a:prstGeom prst="ellipse">
+              <a:avLst/>
+            </a:prstGeom>
+            <a:solidFill>
+              <a:schemeClr val="accent2">
+                <a:alpha val="60000"/>
+              </a:schemeClr>
+            </a:solidFill>
+            <a:ln>
+              <a:noFill/>
+            </a:ln>
+            <a:effectLst>
+              <a:softEdge rad="1270000"/>
+            </a:effectLst>
+          </p:spPr>
+          <p:style>
+            <a:lnRef idx="2">
+              <a:schemeClr val="accent1">
+                <a:shade val="50000"/>
+              </a:schemeClr>
+            </a:lnRef>
+            <a:fillRef idx="1">
+              <a:schemeClr val="accent1"/>
+            </a:fillRef>
+            <a:effectRef idx="0">
+              <a:schemeClr val="accent1"/>
+            </a:effectRef>
+            <a:fontRef idx="minor">
+              <a:schemeClr val="lt1"/>
+            </a:fontRef>
+          </p:style>
+          <p:txBody>
+            <a:bodyPr rtlCol="0" anchor="ctr"/>
+            <a:lstStyle/>
+            <a:p>
+              <a:pPr algn="ctr"/>
+              <a:endParaRPr lang="en-US" dirty="0"/>
+            </a:p>
+          </p:txBody>
+        </p:sp>
+        <p:grpSp>
+          <p:nvGrpSpPr>
+            <p:cNvPr id="48" name="Group 47">
+              <a:extLst>
+                <a:ext uri="{FF2B5EF4-FFF2-40B4-BE49-F238E27FC236}">
+                  <a16:creationId xmlns:a16="http://schemas.microsoft.com/office/drawing/2014/main" id="{9250D86D-299E-4837-B82C-B97DACC97546}"/>
+                </a:ext>
+                <a:ext uri="{C183D7F6-B498-43B3-948B-1728B52AA6E4}">
+                  <adec:decorative xmlns:adec="http://schemas.microsoft.com/office/drawing/2017/decorative" val="1"/>
+                </a:ext>
+              </a:extLst>
+            </p:cNvPr>
+            <p:cNvGrpSpPr>
+              <a:grpSpLocks noChangeAspect="1"/>
+            </p:cNvGrpSpPr>
+            <p:nvPr>
+              <p:extLst>
+                <p:ext uri="{386F3935-93C4-4BCD-93E2-E3B085C9AB24}">
+                  <p16:designElem xmlns:p16="http://schemas.microsoft.com/office/powerpoint/2015/main" val="1"/>
+                </p:ext>
+              </p:extLst>
+            </p:nvPr>
+          </p:nvGrpSpPr>
+          <p:grpSpPr>
+            <a:xfrm>
+              <a:off x="690092" y="0"/>
+              <a:ext cx="10800000" cy="6858000"/>
+              <a:chOff x="2328000" y="0"/>
+              <a:chExt cx="2880000" cy="1440000"/>
+            </a:xfrm>
+          </p:grpSpPr>
+          <p:sp>
+            <p:nvSpPr>
+              <p:cNvPr id="53" name="Rectangle 52">
+                <a:extLst>
+                  <a:ext uri="{FF2B5EF4-FFF2-40B4-BE49-F238E27FC236}">
+                    <a16:creationId xmlns:a16="http://schemas.microsoft.com/office/drawing/2014/main" id="{F74EFAF9-4DE5-4C1F-BF17-0A5930FFFAE3}"/>
+                  </a:ext>
+                  <a:ext uri="{C183D7F6-B498-43B3-948B-1728B52AA6E4}">
+                    <adec:decorative xmlns:adec="http://schemas.microsoft.com/office/drawing/2017/decorative" val="1"/>
+                  </a:ext>
+                </a:extLst>
+              </p:cNvPr>
+              <p:cNvSpPr/>
+              <p:nvPr>
+                <p:extLst>
+                  <p:ext uri="{386F3935-93C4-4BCD-93E2-E3B085C9AB24}">
+                    <p16:designElem xmlns:p16="http://schemas.microsoft.com/office/powerpoint/2015/main" val="1"/>
+                  </p:ext>
+                </p:extLst>
+              </p:nvPr>
+            </p:nvSpPr>
+            <p:spPr>
+              <a:xfrm>
+                <a:off x="3768000" y="0"/>
+                <a:ext cx="1440000" cy="1440000"/>
+              </a:xfrm>
+              <a:prstGeom prst="rect">
+                <a:avLst/>
+              </a:prstGeom>
+              <a:gradFill flip="none" rotWithShape="1">
+                <a:gsLst>
+                  <a:gs pos="0">
+                    <a:schemeClr val="accent1"/>
+                  </a:gs>
+                  <a:gs pos="60000">
+                    <a:schemeClr val="accent1">
+                      <a:alpha val="0"/>
+                    </a:schemeClr>
+                  </a:gs>
+                </a:gsLst>
+                <a:path path="circle">
+                  <a:fillToRect r="100000" b="100000"/>
+                </a:path>
+                <a:tileRect l="-100000" t="-100000"/>
+              </a:gradFill>
+              <a:ln w="12700" cap="flat" cmpd="sng" algn="ctr">
+                <a:noFill/>
+                <a:prstDash val="solid"/>
+                <a:miter lim="800000"/>
+              </a:ln>
+              <a:effectLst/>
+            </p:spPr>
+            <p:style>
+              <a:lnRef idx="2">
+                <a:schemeClr val="accent1">
+                  <a:shade val="50000"/>
+                </a:schemeClr>
+              </a:lnRef>
+              <a:fillRef idx="1">
+                <a:schemeClr val="accent1"/>
+              </a:fillRef>
+              <a:effectRef idx="0">
+                <a:schemeClr val="accent1"/>
+              </a:effectRef>
+              <a:fontRef idx="minor">
+                <a:schemeClr val="lt1"/>
+              </a:fontRef>
+            </p:style>
+            <p:txBody>
+              <a:bodyPr rtlCol="0" anchor="ctr"/>
+              <a:lstStyle/>
+              <a:p>
+                <a:pPr algn="ctr"/>
+                <a:endParaRPr lang="en-US"/>
+              </a:p>
+            </p:txBody>
+          </p:sp>
+          <p:sp>
+            <p:nvSpPr>
+              <p:cNvPr id="54" name="Rectangle 53">
+                <a:extLst>
+                  <a:ext uri="{FF2B5EF4-FFF2-40B4-BE49-F238E27FC236}">
+                    <a16:creationId xmlns:a16="http://schemas.microsoft.com/office/drawing/2014/main" id="{A857D782-AB09-4CB1-A94A-54F935E70985}"/>
+                  </a:ext>
+                  <a:ext uri="{C183D7F6-B498-43B3-948B-1728B52AA6E4}">
+                    <adec:decorative xmlns:adec="http://schemas.microsoft.com/office/drawing/2017/decorative" val="1"/>
+                  </a:ext>
+                </a:extLst>
+              </p:cNvPr>
+              <p:cNvSpPr/>
+              <p:nvPr>
+                <p:extLst>
+                  <p:ext uri="{386F3935-93C4-4BCD-93E2-E3B085C9AB24}">
+                    <p16:designElem xmlns:p16="http://schemas.microsoft.com/office/powerpoint/2015/main" val="1"/>
+                  </p:ext>
+                </p:extLst>
+              </p:nvPr>
+            </p:nvSpPr>
+            <p:spPr>
+              <a:xfrm flipH="1">
+                <a:off x="2328000" y="0"/>
+                <a:ext cx="1440000" cy="1440000"/>
+              </a:xfrm>
+              <a:prstGeom prst="rect">
+                <a:avLst/>
+              </a:prstGeom>
+              <a:gradFill flip="none" rotWithShape="1">
+                <a:gsLst>
+                  <a:gs pos="0">
+                    <a:schemeClr val="accent1"/>
+                  </a:gs>
+                  <a:gs pos="60000">
+                    <a:schemeClr val="accent1">
+                      <a:alpha val="0"/>
+                    </a:schemeClr>
+                  </a:gs>
+                </a:gsLst>
+                <a:path path="circle">
+                  <a:fillToRect r="100000" b="100000"/>
+                </a:path>
+                <a:tileRect l="-100000" t="-100000"/>
+              </a:gradFill>
+              <a:ln w="12700" cap="flat" cmpd="sng" algn="ctr">
+                <a:noFill/>
+                <a:prstDash val="solid"/>
+                <a:miter lim="800000"/>
+              </a:ln>
+              <a:effectLst/>
+            </p:spPr>
+            <p:style>
+              <a:lnRef idx="2">
+                <a:schemeClr val="accent1">
+                  <a:shade val="50000"/>
+                </a:schemeClr>
+              </a:lnRef>
+              <a:fillRef idx="1">
+                <a:schemeClr val="accent1"/>
+              </a:fillRef>
+              <a:effectRef idx="0">
+                <a:schemeClr val="accent1"/>
+              </a:effectRef>
+              <a:fontRef idx="minor">
+                <a:schemeClr val="lt1"/>
+              </a:fontRef>
+            </p:style>
+            <p:txBody>
+              <a:bodyPr rtlCol="0" anchor="ctr"/>
+              <a:lstStyle/>
+              <a:p>
+                <a:pPr algn="ctr"/>
+                <a:endParaRPr lang="en-US"/>
+              </a:p>
+            </p:txBody>
+          </p:sp>
+        </p:grpSp>
+        <p:grpSp>
+          <p:nvGrpSpPr>
+            <p:cNvPr id="68" name="Group 67">
+              <a:extLst>
+                <a:ext uri="{FF2B5EF4-FFF2-40B4-BE49-F238E27FC236}">
+                  <a16:creationId xmlns:a16="http://schemas.microsoft.com/office/drawing/2014/main" id="{94E95A3B-E29B-40AA-B9DD-FF0BA512FD73}"/>
+                </a:ext>
+                <a:ext uri="{C183D7F6-B498-43B3-948B-1728B52AA6E4}">
+                  <adec:decorative xmlns:adec="http://schemas.microsoft.com/office/drawing/2017/decorative" val="1"/>
+                </a:ext>
+              </a:extLst>
+            </p:cNvPr>
+            <p:cNvGrpSpPr>
+              <a:grpSpLocks noChangeAspect="1"/>
+            </p:cNvGrpSpPr>
+            <p:nvPr>
+              <p:extLst>
+                <p:ext uri="{386F3935-93C4-4BCD-93E2-E3B085C9AB24}">
+                  <p16:designElem xmlns:p16="http://schemas.microsoft.com/office/powerpoint/2015/main" val="1"/>
+                </p:ext>
+              </p:extLst>
+            </p:nvPr>
+          </p:nvGrpSpPr>
+          <p:grpSpPr>
+            <a:xfrm rot="5400000">
+              <a:off x="7048499" y="1714500"/>
+              <a:ext cx="6858000" cy="3429000"/>
+              <a:chOff x="0" y="0"/>
+              <a:chExt cx="2880000" cy="1440000"/>
+            </a:xfrm>
+          </p:grpSpPr>
+          <p:sp>
+            <p:nvSpPr>
+              <p:cNvPr id="51" name="Rectangle 50">
+                <a:extLst>
+                  <a:ext uri="{FF2B5EF4-FFF2-40B4-BE49-F238E27FC236}">
+                    <a16:creationId xmlns:a16="http://schemas.microsoft.com/office/drawing/2014/main" id="{1A71F79C-8170-4729-A592-753969B849B4}"/>
+                  </a:ext>
+                  <a:ext uri="{C183D7F6-B498-43B3-948B-1728B52AA6E4}">
+                    <adec:decorative xmlns:adec="http://schemas.microsoft.com/office/drawing/2017/decorative" val="1"/>
+                  </a:ext>
+                </a:extLst>
+              </p:cNvPr>
+              <p:cNvSpPr/>
+              <p:nvPr>
+                <p:extLst>
+                  <p:ext uri="{386F3935-93C4-4BCD-93E2-E3B085C9AB24}">
+                    <p16:designElem xmlns:p16="http://schemas.microsoft.com/office/powerpoint/2015/main" val="1"/>
+                  </p:ext>
+                </p:extLst>
+              </p:nvPr>
+            </p:nvSpPr>
+            <p:spPr>
+              <a:xfrm>
+                <a:off x="1440000" y="0"/>
+                <a:ext cx="1440000" cy="1440000"/>
+              </a:xfrm>
+              <a:prstGeom prst="rect">
+                <a:avLst/>
+              </a:prstGeom>
+              <a:gradFill flip="none" rotWithShape="1">
+                <a:gsLst>
+                  <a:gs pos="0">
+                    <a:schemeClr val="accent2"/>
+                  </a:gs>
+                  <a:gs pos="60000">
+                    <a:schemeClr val="accent2">
+                      <a:alpha val="0"/>
+                    </a:schemeClr>
+                  </a:gs>
+                </a:gsLst>
+                <a:path path="circle">
+                  <a:fillToRect r="100000" b="100000"/>
+                </a:path>
+                <a:tileRect l="-100000" t="-100000"/>
+              </a:gradFill>
+              <a:ln w="12700" cap="flat" cmpd="sng" algn="ctr">
+                <a:noFill/>
+                <a:prstDash val="solid"/>
+                <a:miter lim="800000"/>
+              </a:ln>
+              <a:effectLst/>
+            </p:spPr>
+            <p:style>
+              <a:lnRef idx="2">
+                <a:schemeClr val="accent1">
+                  <a:shade val="50000"/>
+                </a:schemeClr>
+              </a:lnRef>
+              <a:fillRef idx="1">
+                <a:schemeClr val="accent1"/>
+              </a:fillRef>
+              <a:effectRef idx="0">
+                <a:schemeClr val="accent1"/>
+              </a:effectRef>
+              <a:fontRef idx="minor">
+                <a:schemeClr val="lt1"/>
+              </a:fontRef>
+            </p:style>
+            <p:txBody>
+              <a:bodyPr rtlCol="0" anchor="ctr"/>
+              <a:lstStyle/>
+              <a:p>
+                <a:pPr algn="ctr"/>
+                <a:endParaRPr lang="en-US"/>
+              </a:p>
+            </p:txBody>
+          </p:sp>
+          <p:sp>
+            <p:nvSpPr>
+              <p:cNvPr id="52" name="Rectangle 51">
+                <a:extLst>
+                  <a:ext uri="{FF2B5EF4-FFF2-40B4-BE49-F238E27FC236}">
+                    <a16:creationId xmlns:a16="http://schemas.microsoft.com/office/drawing/2014/main" id="{8AE5C556-02CA-4512-9F5F-7088484CF763}"/>
+                  </a:ext>
+                  <a:ext uri="{C183D7F6-B498-43B3-948B-1728B52AA6E4}">
+                    <adec:decorative xmlns:adec="http://schemas.microsoft.com/office/drawing/2017/decorative" val="1"/>
+                  </a:ext>
+                </a:extLst>
+              </p:cNvPr>
+              <p:cNvSpPr/>
+              <p:nvPr>
+                <p:extLst>
+                  <p:ext uri="{386F3935-93C4-4BCD-93E2-E3B085C9AB24}">
+                    <p16:designElem xmlns:p16="http://schemas.microsoft.com/office/powerpoint/2015/main" val="1"/>
+                  </p:ext>
+                </p:extLst>
+              </p:nvPr>
+            </p:nvSpPr>
+            <p:spPr>
+              <a:xfrm flipH="1">
+                <a:off x="0" y="0"/>
+                <a:ext cx="1440000" cy="1440000"/>
+              </a:xfrm>
+              <a:prstGeom prst="rect">
+                <a:avLst/>
+              </a:prstGeom>
+              <a:gradFill flip="none" rotWithShape="1">
+                <a:gsLst>
+                  <a:gs pos="0">
+                    <a:schemeClr val="accent2"/>
+                  </a:gs>
+                  <a:gs pos="60000">
+                    <a:schemeClr val="accent2">
+                      <a:alpha val="0"/>
+                    </a:schemeClr>
+                  </a:gs>
+                </a:gsLst>
+                <a:path path="circle">
+                  <a:fillToRect r="100000" b="100000"/>
+                </a:path>
+                <a:tileRect l="-100000" t="-100000"/>
+              </a:gradFill>
+              <a:ln w="12700" cap="flat" cmpd="sng" algn="ctr">
+                <a:noFill/>
+                <a:prstDash val="solid"/>
+                <a:miter lim="800000"/>
+              </a:ln>
+              <a:effectLst/>
+            </p:spPr>
+            <p:style>
+              <a:lnRef idx="2">
+                <a:schemeClr val="accent1">
+                  <a:shade val="50000"/>
+                </a:schemeClr>
+              </a:lnRef>
+              <a:fillRef idx="1">
+                <a:schemeClr val="accent1"/>
+              </a:fillRef>
+              <a:effectRef idx="0">
+                <a:schemeClr val="accent1"/>
+              </a:effectRef>
+              <a:fontRef idx="minor">
+                <a:schemeClr val="lt1"/>
+              </a:fontRef>
+            </p:style>
+            <p:txBody>
+              <a:bodyPr rtlCol="0" anchor="ctr"/>
+              <a:lstStyle/>
+              <a:p>
+                <a:pPr algn="ctr"/>
+                <a:endParaRPr lang="en-US"/>
+              </a:p>
+            </p:txBody>
+          </p:sp>
+        </p:grpSp>
+        <p:sp>
+          <p:nvSpPr>
+            <p:cNvPr id="50" name="Rectangle 49">
+              <a:extLst>
+                <a:ext uri="{FF2B5EF4-FFF2-40B4-BE49-F238E27FC236}">
+                  <a16:creationId xmlns:a16="http://schemas.microsoft.com/office/drawing/2014/main" id="{B75FD132-C2ED-4807-B2DA-D428F9C449E2}"/>
+                </a:ext>
+                <a:ext uri="{C183D7F6-B498-43B3-948B-1728B52AA6E4}">
+                  <adec:decorative xmlns:adec="http://schemas.microsoft.com/office/drawing/2017/decorative" val="1"/>
+                </a:ext>
+              </a:extLst>
+            </p:cNvPr>
+            <p:cNvSpPr>
+              <a:spLocks noChangeAspect="1"/>
+            </p:cNvSpPr>
+            <p:nvPr>
+              <p:extLst>
+                <p:ext uri="{386F3935-93C4-4BCD-93E2-E3B085C9AB24}">
+                  <p16:designElem xmlns:p16="http://schemas.microsoft.com/office/powerpoint/2015/main" val="1"/>
+                </p:ext>
+              </p:extLst>
+            </p:nvPr>
+          </p:nvSpPr>
+          <p:spPr>
+            <a:xfrm rot="10800000">
+              <a:off x="5602287" y="271887"/>
+              <a:ext cx="6589713" cy="6589713"/>
+            </a:xfrm>
+            <a:prstGeom prst="rect">
+              <a:avLst/>
+            </a:prstGeom>
+            <a:gradFill flip="none" rotWithShape="1">
+              <a:gsLst>
+                <a:gs pos="0">
+                  <a:schemeClr val="accent3"/>
+                </a:gs>
+                <a:gs pos="60000">
+                  <a:schemeClr val="accent3">
+                    <a:alpha val="0"/>
+                  </a:schemeClr>
+                </a:gs>
+              </a:gsLst>
+              <a:path path="circle">
+                <a:fillToRect r="100000" b="100000"/>
+              </a:path>
+              <a:tileRect l="-100000" t="-100000"/>
+            </a:gradFill>
+            <a:ln w="12700" cap="flat" cmpd="sng" algn="ctr">
+              <a:noFill/>
+              <a:prstDash val="solid"/>
+              <a:miter lim="800000"/>
+            </a:ln>
+            <a:effectLst/>
+          </p:spPr>
+          <p:style>
+            <a:lnRef idx="2">
+              <a:schemeClr val="accent1">
+                <a:shade val="50000"/>
+              </a:schemeClr>
+            </a:lnRef>
+            <a:fillRef idx="1">
+              <a:schemeClr val="accent1"/>
+            </a:fillRef>
+            <a:effectRef idx="0">
+              <a:schemeClr val="accent1"/>
+            </a:effectRef>
+            <a:fontRef idx="minor">
+              <a:schemeClr val="lt1"/>
+            </a:fontRef>
+          </p:style>
+          <p:txBody>
+            <a:bodyPr rtlCol="0" anchor="ctr"/>
+            <a:lstStyle/>
+            <a:p>
+              <a:pPr algn="ctr"/>
+              <a:endParaRPr lang="en-US"/>
+            </a:p>
+          </p:txBody>
+        </p:sp>
+      </p:grpSp>
+      <p:sp>
+        <p:nvSpPr>
+          <p:cNvPr id="56" name="Rectangle 55">
+            <a:extLst>
+              <a:ext uri="{FF2B5EF4-FFF2-40B4-BE49-F238E27FC236}">
+                <a16:creationId xmlns:a16="http://schemas.microsoft.com/office/drawing/2014/main" id="{71967F12-B0C4-4D31-8D63-89945DCD29D0}"/>
+              </a:ext>
+              <a:ext uri="{C183D7F6-B498-43B3-948B-1728B52AA6E4}">
+                <adec:decorative xmlns:adec="http://schemas.microsoft.com/office/drawing/2017/decorative" val="1"/>
+              </a:ext>
+            </a:extLst>
+          </p:cNvPr>
+          <p:cNvSpPr>
+            <a:spLocks noGrp="1" noRot="1" noChangeAspect="1" noMove="1" noResize="1" noEditPoints="1" noAdjustHandles="1" noChangeArrowheads="1" noChangeShapeType="1" noTextEdit="1"/>
+          </p:cNvSpPr>
+          <p:nvPr>
+            <p:extLst>
+              <p:ext uri="{386F3935-93C4-4BCD-93E2-E3B085C9AB24}">
+                <p16:designElem xmlns:p16="http://schemas.microsoft.com/office/powerpoint/2015/main" val="1"/>
+              </p:ext>
+            </p:extLst>
+          </p:nvPr>
+        </p:nvSpPr>
+        <p:spPr>
+          <a:xfrm>
+            <a:off x="0" y="0"/>
+            <a:ext cx="12192000" cy="6858000"/>
+          </a:xfrm>
+          <a:prstGeom prst="rect">
+            <a:avLst/>
+          </a:prstGeom>
+          <a:gradFill>
+            <a:gsLst>
+              <a:gs pos="0">
+                <a:schemeClr val="bg2">
+                  <a:alpha val="40000"/>
+                </a:schemeClr>
+              </a:gs>
+              <a:gs pos="100000">
+                <a:schemeClr val="bg2">
+                  <a:alpha val="80000"/>
+                </a:schemeClr>
+              </a:gs>
+            </a:gsLst>
+            <a:lin ang="0" scaled="1"/>
+          </a:gradFill>
+          <a:ln w="12700" cap="flat" cmpd="sng" algn="ctr">
+            <a:noFill/>
+            <a:prstDash val="solid"/>
+            <a:miter lim="800000"/>
+          </a:ln>
+          <a:effectLst/>
+        </p:spPr>
+        <p:style>
+          <a:lnRef idx="2">
+            <a:schemeClr val="accent1">
+              <a:shade val="50000"/>
+            </a:schemeClr>
+          </a:lnRef>
+          <a:fillRef idx="1">
+            <a:schemeClr val="accent1"/>
+          </a:fillRef>
+          <a:effectRef idx="0">
+            <a:schemeClr val="accent1"/>
+          </a:effectRef>
+          <a:fontRef idx="minor">
+            <a:schemeClr val="lt1"/>
+          </a:fontRef>
+        </p:style>
+        <p:txBody>
+          <a:bodyPr rtlCol="0" anchor="ctr"/>
+          <a:lstStyle/>
+          <a:p>
+            <a:endParaRPr lang="en-US" dirty="0"/>
+          </a:p>
+        </p:txBody>
+      </p:sp>
+      <p:sp>
+        <p:nvSpPr>
+          <p:cNvPr id="2" name="Title 1">
+            <a:extLst>
+              <a:ext uri="{FF2B5EF4-FFF2-40B4-BE49-F238E27FC236}">
+                <a16:creationId xmlns:a16="http://schemas.microsoft.com/office/drawing/2014/main" id="{65449E0E-F70F-5B72-F493-593C826DA422}"/>
+              </a:ext>
+            </a:extLst>
+          </p:cNvPr>
+          <p:cNvSpPr>
+            <a:spLocks noGrp="1"/>
+          </p:cNvSpPr>
+          <p:nvPr>
+            <p:ph type="title"/>
+          </p:nvPr>
+        </p:nvSpPr>
+        <p:spPr>
+          <a:xfrm>
+            <a:off x="550863" y="4136400"/>
+            <a:ext cx="4500561" cy="2181946"/>
+          </a:xfrm>
+        </p:spPr>
+        <p:txBody>
+          <a:bodyPr anchor="b">
+            <a:normAutofit/>
+          </a:bodyPr>
+          <a:lstStyle/>
+          <a:p>
+            <a:r>
+              <a:rPr lang="en-US" sz="4700">
+                <a:effectLst/>
+                <a:latin typeface=".SF NS"/>
+              </a:rPr>
+              <a:t>Understanding Viewer Behavior</a:t>
+            </a:r>
+            <a:br>
+              <a:rPr lang="en-US" sz="4700">
+                <a:effectLst/>
+                <a:latin typeface=".SF NS"/>
+              </a:rPr>
+            </a:br>
+            <a:endParaRPr lang="en-US" sz="4700"/>
+          </a:p>
+        </p:txBody>
+      </p:sp>
+      <p:sp>
+        <p:nvSpPr>
+          <p:cNvPr id="3" name="Content Placeholder 2">
+            <a:extLst>
+              <a:ext uri="{FF2B5EF4-FFF2-40B4-BE49-F238E27FC236}">
+                <a16:creationId xmlns:a16="http://schemas.microsoft.com/office/drawing/2014/main" id="{B03F4FB5-CF96-1DA8-91B5-2418D56D1767}"/>
+              </a:ext>
+            </a:extLst>
+          </p:cNvPr>
+          <p:cNvSpPr>
+            <a:spLocks noGrp="1"/>
+          </p:cNvSpPr>
+          <p:nvPr>
+            <p:ph idx="1"/>
+          </p:nvPr>
+        </p:nvSpPr>
+        <p:spPr>
+          <a:xfrm>
+            <a:off x="540000" y="540000"/>
+            <a:ext cx="4500562" cy="3361604"/>
+          </a:xfrm>
+        </p:spPr>
+        <p:txBody>
+          <a:bodyPr anchor="t">
+            <a:normAutofit/>
+          </a:bodyPr>
+          <a:lstStyle/>
+          <a:p>
+            <a:r>
+              <a:rPr lang="en-US">
+                <a:effectLst/>
+                <a:latin typeface=".SF NS"/>
+              </a:rPr>
+              <a:t>Viewer behavior varies significantly, with a range of subscription models catering to different demographics. This breakdown illustrates the popularity of various subscription tiers</a:t>
+            </a:r>
+          </a:p>
+          <a:p>
+            <a:endParaRPr lang="en-US" dirty="0"/>
+          </a:p>
+        </p:txBody>
+      </p:sp>
+      <p:pic>
+        <p:nvPicPr>
+          <p:cNvPr id="5" name="Picture 4" descr="A pie chart with a number of different colors&#10;&#10;Description automatically generated">
+            <a:extLst>
+              <a:ext uri="{FF2B5EF4-FFF2-40B4-BE49-F238E27FC236}">
+                <a16:creationId xmlns:a16="http://schemas.microsoft.com/office/drawing/2014/main" id="{CA5C9BD8-FE6F-2D3C-D49E-41FDD529A1EA}"/>
+              </a:ext>
+            </a:extLst>
+          </p:cNvPr>
+          <p:cNvPicPr>
+            <a:picLocks noChangeAspect="1"/>
+          </p:cNvPicPr>
+          <p:nvPr/>
+        </p:nvPicPr>
+        <p:blipFill>
+          <a:blip r:embed="rId2"/>
+          <a:stretch>
+            <a:fillRect/>
+          </a:stretch>
+        </p:blipFill>
+        <p:spPr>
+          <a:xfrm>
+            <a:off x="6621002" y="549274"/>
+            <a:ext cx="4012283" cy="2791525"/>
+          </a:xfrm>
+          <a:prstGeom prst="rect">
+            <a:avLst/>
+          </a:prstGeom>
+        </p:spPr>
+      </p:pic>
+      <p:pic>
+        <p:nvPicPr>
+          <p:cNvPr id="7" name="Picture 6" descr="A graph of different colored rectangular shapes&#10;&#10;Description automatically generated with medium confidence">
+            <a:extLst>
+              <a:ext uri="{FF2B5EF4-FFF2-40B4-BE49-F238E27FC236}">
+                <a16:creationId xmlns:a16="http://schemas.microsoft.com/office/drawing/2014/main" id="{C1679229-C76E-CDCB-19F0-E08CF70AB9A8}"/>
+              </a:ext>
+            </a:extLst>
+          </p:cNvPr>
+          <p:cNvPicPr>
+            <a:picLocks noChangeAspect="1"/>
+          </p:cNvPicPr>
+          <p:nvPr/>
+        </p:nvPicPr>
+        <p:blipFill>
+          <a:blip r:embed="rId3"/>
+          <a:stretch>
+            <a:fillRect/>
+          </a:stretch>
+        </p:blipFill>
+        <p:spPr>
+          <a:xfrm>
+            <a:off x="6599561" y="3520800"/>
+            <a:ext cx="4055164" cy="2787925"/>
+          </a:xfrm>
+          <a:prstGeom prst="rect">
+            <a:avLst/>
+          </a:prstGeom>
+        </p:spPr>
+      </p:pic>
+    </p:spTree>
+    <p:extLst>
+      <p:ext uri="{BB962C8B-B14F-4D97-AF65-F5344CB8AC3E}">
+        <p14:creationId xmlns:p14="http://schemas.microsoft.com/office/powerpoint/2010/main" val="1612003444"/>
+      </p:ext>
+    </p:extLst>
+  </p:cSld>
+  <p:clrMapOvr>
+    <a:masterClrMapping/>
+  </p:clrMapOvr>
+</p:sld>
+</file>
+
+<file path=ppt/slides/slide9.xml><?xml version="1.0" encoding="utf-8"?>
+<p:sld xmlns:a="http://schemas.openxmlformats.org/drawingml/2006/main" xmlns:r="http://schemas.openxmlformats.org/officeDocument/2006/relationships" xmlns:p="http://schemas.openxmlformats.org/presentationml/2006/main">
+  <p:cSld>
+    <p:bg>
+      <p:bgPr>
+        <a:solidFill>
+          <a:schemeClr val="bg1"/>
+        </a:solidFill>
+        <a:effectLst/>
+      </p:bgPr>
+    </p:bg>
+    <p:spTree>
+      <p:nvGrpSpPr>
+        <p:cNvPr id="1" name=""/>
+        <p:cNvGrpSpPr/>
+        <p:nvPr/>
+      </p:nvGrpSpPr>
+      <p:grpSpPr>
+        <a:xfrm>
+          <a:off x="0" y="0"/>
+          <a:ext cx="0" cy="0"/>
+          <a:chOff x="0" y="0"/>
+          <a:chExt cx="0" cy="0"/>
+        </a:xfrm>
+      </p:grpSpPr>
+      <p:grpSp>
+        <p:nvGrpSpPr>
+          <p:cNvPr id="58" name="Group 57">
+            <a:extLst>
+              <a:ext uri="{FF2B5EF4-FFF2-40B4-BE49-F238E27FC236}">
+                <a16:creationId xmlns:a16="http://schemas.microsoft.com/office/drawing/2014/main" id="{BF4E480B-94D6-46F9-A2B6-B98D311FDC19}"/>
+              </a:ext>
+              <a:ext uri="{C183D7F6-B498-43B3-948B-1728B52AA6E4}">
+                <adec:decorative xmlns:adec="http://schemas.microsoft.com/office/drawing/2017/decorative" val="1"/>
+              </a:ext>
+            </a:extLst>
+          </p:cNvPr>
+          <p:cNvGrpSpPr>
+            <a:grpSpLocks noGrp="1" noUngrp="1" noRot="1" noChangeAspect="1" noMove="1" noResize="1"/>
+          </p:cNvGrpSpPr>
+          <p:nvPr>
+            <p:extLst>
+              <p:ext uri="{386F3935-93C4-4BCD-93E2-E3B085C9AB24}">
+                <p16:designElem xmlns:p16="http://schemas.microsoft.com/office/powerpoint/2015/main" val="1"/>
+              </p:ext>
+            </p:extLst>
+          </p:nvPr>
+        </p:nvGrpSpPr>
+        <p:grpSpPr>
+          <a:xfrm>
+            <a:off x="0" y="0"/>
+            <a:ext cx="12191999" cy="6861600"/>
+            <a:chOff x="1" y="0"/>
+            <a:chExt cx="12191999" cy="6861600"/>
+          </a:xfrm>
+        </p:grpSpPr>
+        <p:sp>
+          <p:nvSpPr>
+            <p:cNvPr id="60" name="Rectangle 59">
+              <a:extLst>
+                <a:ext uri="{FF2B5EF4-FFF2-40B4-BE49-F238E27FC236}">
+                  <a16:creationId xmlns:a16="http://schemas.microsoft.com/office/drawing/2014/main" id="{07183CDE-91A1-40C3-8E80-66F89E1C2D53}"/>
+                </a:ext>
+                <a:ext uri="{C183D7F6-B498-43B3-948B-1728B52AA6E4}">
+                  <adec:decorative xmlns:adec="http://schemas.microsoft.com/office/drawing/2017/decorative" val="1"/>
+                </a:ext>
+              </a:extLst>
+            </p:cNvPr>
+            <p:cNvSpPr>
+              <a:spLocks noChangeAspect="1"/>
+            </p:cNvSpPr>
+            <p:nvPr>
+              <p:extLst>
+                <p:ext uri="{386F3935-93C4-4BCD-93E2-E3B085C9AB24}">
+                  <p16:designElem xmlns:p16="http://schemas.microsoft.com/office/powerpoint/2015/main" val="1"/>
+                </p:ext>
+              </p:extLst>
+            </p:nvPr>
+          </p:nvSpPr>
+          <p:spPr>
+            <a:xfrm rot="16200000">
+              <a:off x="1" y="1640114"/>
+              <a:ext cx="5217886" cy="5217886"/>
+            </a:xfrm>
+            <a:prstGeom prst="rect">
+              <a:avLst/>
+            </a:prstGeom>
+            <a:gradFill flip="none" rotWithShape="1">
+              <a:gsLst>
+                <a:gs pos="0">
+                  <a:schemeClr val="accent2">
+                    <a:alpha val="60000"/>
+                  </a:schemeClr>
+                </a:gs>
+                <a:gs pos="60000">
+                  <a:schemeClr val="accent2">
+                    <a:alpha val="0"/>
+                  </a:schemeClr>
+                </a:gs>
+              </a:gsLst>
+              <a:path path="circle">
+                <a:fillToRect r="100000" b="100000"/>
+              </a:path>
+              <a:tileRect l="-100000" t="-100000"/>
+            </a:gradFill>
+            <a:ln w="12700" cap="flat" cmpd="sng" algn="ctr">
+              <a:noFill/>
+              <a:prstDash val="solid"/>
+              <a:miter lim="800000"/>
+            </a:ln>
+            <a:effectLst/>
+          </p:spPr>
+          <p:style>
+            <a:lnRef idx="2">
+              <a:schemeClr val="accent1">
+                <a:shade val="50000"/>
+              </a:schemeClr>
+            </a:lnRef>
+            <a:fillRef idx="1">
+              <a:schemeClr val="accent1"/>
+            </a:fillRef>
+            <a:effectRef idx="0">
+              <a:schemeClr val="accent1"/>
+            </a:effectRef>
+            <a:fontRef idx="minor">
+              <a:schemeClr val="lt1"/>
+            </a:fontRef>
+          </p:style>
+          <p:txBody>
+            <a:bodyPr rtlCol="0" anchor="ctr"/>
+            <a:lstStyle/>
+            <a:p>
+              <a:pPr algn="r"/>
+              <a:endParaRPr lang="en-US"/>
+            </a:p>
+          </p:txBody>
+        </p:sp>
+        <p:sp>
+          <p:nvSpPr>
+            <p:cNvPr id="61" name="Oval 60">
+              <a:extLst>
+                <a:ext uri="{FF2B5EF4-FFF2-40B4-BE49-F238E27FC236}">
+                  <a16:creationId xmlns:a16="http://schemas.microsoft.com/office/drawing/2014/main" id="{A6756515-F9AA-46BD-8DD2-AA15BA492AC0}"/>
+                </a:ext>
+                <a:ext uri="{C183D7F6-B498-43B3-948B-1728B52AA6E4}">
+                  <adec:decorative xmlns:adec="http://schemas.microsoft.com/office/drawing/2017/decorative" val="1"/>
+                </a:ext>
+              </a:extLst>
+            </p:cNvPr>
+            <p:cNvSpPr>
+              <a:spLocks noChangeAspect="1"/>
+            </p:cNvSpPr>
+            <p:nvPr>
+              <p:extLst>
+                <p:ext uri="{386F3935-93C4-4BCD-93E2-E3B085C9AB24}">
+                  <p16:designElem xmlns:p16="http://schemas.microsoft.com/office/powerpoint/2015/main" val="1"/>
+                </p:ext>
+              </p:extLst>
+            </p:nvPr>
+          </p:nvSpPr>
+          <p:spPr>
+            <a:xfrm>
+              <a:off x="6384514" y="0"/>
+              <a:ext cx="4320000" cy="4320000"/>
+            </a:xfrm>
+            <a:prstGeom prst="ellipse">
+              <a:avLst/>
+            </a:prstGeom>
+            <a:solidFill>
+              <a:schemeClr val="accent3">
+                <a:alpha val="96000"/>
+              </a:schemeClr>
+            </a:solidFill>
+            <a:ln>
+              <a:noFill/>
+            </a:ln>
+            <a:effectLst>
+              <a:softEdge rad="1016000"/>
+            </a:effectLst>
+          </p:spPr>
+          <p:style>
+            <a:lnRef idx="2">
+              <a:schemeClr val="accent1">
+                <a:shade val="50000"/>
+              </a:schemeClr>
+            </a:lnRef>
+            <a:fillRef idx="1">
+              <a:schemeClr val="accent1"/>
+            </a:fillRef>
+            <a:effectRef idx="0">
+              <a:schemeClr val="accent1"/>
+            </a:effectRef>
+            <a:fontRef idx="minor">
+              <a:schemeClr val="lt1"/>
+            </a:fontRef>
+          </p:style>
+          <p:txBody>
+            <a:bodyPr rtlCol="0" anchor="ctr"/>
+            <a:lstStyle/>
+            <a:p>
+              <a:pPr algn="r"/>
+              <a:endParaRPr lang="en-US"/>
+            </a:p>
+          </p:txBody>
+        </p:sp>
+        <p:sp>
+          <p:nvSpPr>
+            <p:cNvPr id="62" name="Oval 61">
+              <a:extLst>
+                <a:ext uri="{FF2B5EF4-FFF2-40B4-BE49-F238E27FC236}">
+                  <a16:creationId xmlns:a16="http://schemas.microsoft.com/office/drawing/2014/main" id="{ABA365E2-8B71-408B-9092-0104216AC7AC}"/>
+                </a:ext>
+                <a:ext uri="{C183D7F6-B498-43B3-948B-1728B52AA6E4}">
+                  <adec:decorative xmlns:adec="http://schemas.microsoft.com/office/drawing/2017/decorative" val="1"/>
+                </a:ext>
+              </a:extLst>
+            </p:cNvPr>
+            <p:cNvSpPr>
+              <a:spLocks noChangeAspect="1"/>
+            </p:cNvSpPr>
+            <p:nvPr>
+              <p:extLst>
+                <p:ext uri="{386F3935-93C4-4BCD-93E2-E3B085C9AB24}">
+                  <p16:designElem xmlns:p16="http://schemas.microsoft.com/office/powerpoint/2015/main" val="1"/>
+                </p:ext>
+              </p:extLst>
+            </p:nvPr>
+          </p:nvSpPr>
+          <p:spPr>
+            <a:xfrm>
+              <a:off x="6119057" y="1230054"/>
+              <a:ext cx="5506886" cy="5506886"/>
+            </a:xfrm>
+            <a:prstGeom prst="ellipse">
+              <a:avLst/>
+            </a:prstGeom>
+            <a:solidFill>
+              <a:schemeClr val="accent2">
+                <a:alpha val="60000"/>
+              </a:schemeClr>
+            </a:solidFill>
+            <a:ln>
+              <a:noFill/>
+            </a:ln>
+            <a:effectLst>
+              <a:softEdge rad="1270000"/>
+            </a:effectLst>
+          </p:spPr>
+          <p:style>
+            <a:lnRef idx="2">
+              <a:schemeClr val="accent1">
+                <a:shade val="50000"/>
+              </a:schemeClr>
+            </a:lnRef>
+            <a:fillRef idx="1">
+              <a:schemeClr val="accent1"/>
+            </a:fillRef>
+            <a:effectRef idx="0">
+              <a:schemeClr val="accent1"/>
+            </a:effectRef>
+            <a:fontRef idx="minor">
+              <a:schemeClr val="lt1"/>
+            </a:fontRef>
+          </p:style>
+          <p:txBody>
+            <a:bodyPr rtlCol="0" anchor="ctr"/>
+            <a:lstStyle/>
+            <a:p>
+              <a:pPr algn="r"/>
+              <a:endParaRPr lang="en-US" dirty="0"/>
+            </a:p>
+          </p:txBody>
+        </p:sp>
+        <p:grpSp>
+          <p:nvGrpSpPr>
+            <p:cNvPr id="35" name="Group 34">
+              <a:extLst>
+                <a:ext uri="{FF2B5EF4-FFF2-40B4-BE49-F238E27FC236}">
+                  <a16:creationId xmlns:a16="http://schemas.microsoft.com/office/drawing/2014/main" id="{BEDB8D7A-1BF6-4CDB-B93A-7736955F5043}"/>
+                </a:ext>
+                <a:ext uri="{C183D7F6-B498-43B3-948B-1728B52AA6E4}">
+                  <adec:decorative xmlns:adec="http://schemas.microsoft.com/office/drawing/2017/decorative" val="1"/>
+                </a:ext>
+              </a:extLst>
+            </p:cNvPr>
+            <p:cNvGrpSpPr>
+              <a:grpSpLocks noChangeAspect="1"/>
+            </p:cNvGrpSpPr>
+            <p:nvPr>
+              <p:extLst>
+                <p:ext uri="{386F3935-93C4-4BCD-93E2-E3B085C9AB24}">
+                  <p16:designElem xmlns:p16="http://schemas.microsoft.com/office/powerpoint/2015/main" val="1"/>
+                </p:ext>
+              </p:extLst>
+            </p:nvPr>
+          </p:nvGrpSpPr>
+          <p:grpSpPr>
+            <a:xfrm>
+              <a:off x="690092" y="0"/>
+              <a:ext cx="10800000" cy="6858000"/>
+              <a:chOff x="2328000" y="0"/>
+              <a:chExt cx="2880000" cy="1440000"/>
+            </a:xfrm>
+          </p:grpSpPr>
+          <p:sp>
+            <p:nvSpPr>
+              <p:cNvPr id="63" name="Rectangle 62">
+                <a:extLst>
+                  <a:ext uri="{FF2B5EF4-FFF2-40B4-BE49-F238E27FC236}">
+                    <a16:creationId xmlns:a16="http://schemas.microsoft.com/office/drawing/2014/main" id="{5AACD774-5167-46C7-8A62-6E2FE4BE9469}"/>
+                  </a:ext>
+                  <a:ext uri="{C183D7F6-B498-43B3-948B-1728B52AA6E4}">
+                    <adec:decorative xmlns:adec="http://schemas.microsoft.com/office/drawing/2017/decorative" val="1"/>
+                  </a:ext>
+                </a:extLst>
+              </p:cNvPr>
+              <p:cNvSpPr/>
+              <p:nvPr>
+                <p:extLst>
+                  <p:ext uri="{386F3935-93C4-4BCD-93E2-E3B085C9AB24}">
+                    <p16:designElem xmlns:p16="http://schemas.microsoft.com/office/powerpoint/2015/main" val="1"/>
+                  </p:ext>
+                </p:extLst>
+              </p:nvPr>
+            </p:nvSpPr>
+            <p:spPr>
+              <a:xfrm>
+                <a:off x="3768000" y="0"/>
+                <a:ext cx="1440000" cy="1440000"/>
+              </a:xfrm>
+              <a:prstGeom prst="rect">
+                <a:avLst/>
+              </a:prstGeom>
+              <a:gradFill flip="none" rotWithShape="1">
+                <a:gsLst>
+                  <a:gs pos="0">
+                    <a:schemeClr val="accent1"/>
+                  </a:gs>
+                  <a:gs pos="60000">
+                    <a:schemeClr val="accent1">
+                      <a:alpha val="0"/>
+                    </a:schemeClr>
+                  </a:gs>
+                </a:gsLst>
+                <a:path path="circle">
+                  <a:fillToRect r="100000" b="100000"/>
+                </a:path>
+                <a:tileRect l="-100000" t="-100000"/>
+              </a:gradFill>
+              <a:ln w="12700" cap="flat" cmpd="sng" algn="ctr">
+                <a:noFill/>
+                <a:prstDash val="solid"/>
+                <a:miter lim="800000"/>
+              </a:ln>
+              <a:effectLst/>
+            </p:spPr>
+            <p:style>
+              <a:lnRef idx="2">
+                <a:schemeClr val="accent1">
+                  <a:shade val="50000"/>
+                </a:schemeClr>
+              </a:lnRef>
+              <a:fillRef idx="1">
+                <a:schemeClr val="accent1"/>
+              </a:fillRef>
+              <a:effectRef idx="0">
+                <a:schemeClr val="accent1"/>
+              </a:effectRef>
+              <a:fontRef idx="minor">
+                <a:schemeClr val="lt1"/>
+              </a:fontRef>
+            </p:style>
+            <p:txBody>
+              <a:bodyPr rtlCol="0" anchor="ctr"/>
+              <a:lstStyle/>
+              <a:p>
+                <a:pPr algn="r"/>
+                <a:endParaRPr lang="en-US"/>
+              </a:p>
+            </p:txBody>
+          </p:sp>
+          <p:sp>
+            <p:nvSpPr>
+              <p:cNvPr id="64" name="Rectangle 63">
+                <a:extLst>
+                  <a:ext uri="{FF2B5EF4-FFF2-40B4-BE49-F238E27FC236}">
+                    <a16:creationId xmlns:a16="http://schemas.microsoft.com/office/drawing/2014/main" id="{06E0F2D8-452E-48F9-9912-C47EAEAE1802}"/>
+                  </a:ext>
+                  <a:ext uri="{C183D7F6-B498-43B3-948B-1728B52AA6E4}">
+                    <adec:decorative xmlns:adec="http://schemas.microsoft.com/office/drawing/2017/decorative" val="1"/>
+                  </a:ext>
+                </a:extLst>
+              </p:cNvPr>
+              <p:cNvSpPr/>
+              <p:nvPr>
+                <p:extLst>
+                  <p:ext uri="{386F3935-93C4-4BCD-93E2-E3B085C9AB24}">
+                    <p16:designElem xmlns:p16="http://schemas.microsoft.com/office/powerpoint/2015/main" val="1"/>
+                  </p:ext>
+                </p:extLst>
+              </p:nvPr>
+            </p:nvSpPr>
+            <p:spPr>
+              <a:xfrm flipH="1">
+                <a:off x="2328000" y="0"/>
+                <a:ext cx="1440000" cy="1440000"/>
+              </a:xfrm>
+              <a:prstGeom prst="rect">
+                <a:avLst/>
+              </a:prstGeom>
+              <a:gradFill flip="none" rotWithShape="1">
+                <a:gsLst>
+                  <a:gs pos="0">
+                    <a:schemeClr val="accent1"/>
+                  </a:gs>
+                  <a:gs pos="60000">
+                    <a:schemeClr val="accent1">
+                      <a:alpha val="0"/>
+                    </a:schemeClr>
+                  </a:gs>
+                </a:gsLst>
+                <a:path path="circle">
+                  <a:fillToRect r="100000" b="100000"/>
+                </a:path>
+                <a:tileRect l="-100000" t="-100000"/>
+              </a:gradFill>
+              <a:ln w="12700" cap="flat" cmpd="sng" algn="ctr">
+                <a:noFill/>
+                <a:prstDash val="solid"/>
+                <a:miter lim="800000"/>
+              </a:ln>
+              <a:effectLst/>
+            </p:spPr>
+            <p:style>
+              <a:lnRef idx="2">
+                <a:schemeClr val="accent1">
+                  <a:shade val="50000"/>
+                </a:schemeClr>
+              </a:lnRef>
+              <a:fillRef idx="1">
+                <a:schemeClr val="accent1"/>
+              </a:fillRef>
+              <a:effectRef idx="0">
+                <a:schemeClr val="accent1"/>
+              </a:effectRef>
+              <a:fontRef idx="minor">
+                <a:schemeClr val="lt1"/>
+              </a:fontRef>
+            </p:style>
+            <p:txBody>
+              <a:bodyPr rtlCol="0" anchor="ctr"/>
+              <a:lstStyle/>
+              <a:p>
+                <a:pPr algn="r"/>
+                <a:endParaRPr lang="en-US"/>
+              </a:p>
+            </p:txBody>
+          </p:sp>
+        </p:grpSp>
+        <p:grpSp>
+          <p:nvGrpSpPr>
+            <p:cNvPr id="36" name="Group 35">
+              <a:extLst>
+                <a:ext uri="{FF2B5EF4-FFF2-40B4-BE49-F238E27FC236}">
+                  <a16:creationId xmlns:a16="http://schemas.microsoft.com/office/drawing/2014/main" id="{91FBBF95-430B-427C-A6E8-DB899217FC00}"/>
+                </a:ext>
+                <a:ext uri="{C183D7F6-B498-43B3-948B-1728B52AA6E4}">
+                  <adec:decorative xmlns:adec="http://schemas.microsoft.com/office/drawing/2017/decorative" val="1"/>
+                </a:ext>
+              </a:extLst>
+            </p:cNvPr>
+            <p:cNvGrpSpPr>
+              <a:grpSpLocks noChangeAspect="1"/>
+            </p:cNvGrpSpPr>
+            <p:nvPr>
+              <p:extLst>
+                <p:ext uri="{386F3935-93C4-4BCD-93E2-E3B085C9AB24}">
+                  <p16:designElem xmlns:p16="http://schemas.microsoft.com/office/powerpoint/2015/main" val="1"/>
+                </p:ext>
+              </p:extLst>
+            </p:nvPr>
+          </p:nvGrpSpPr>
+          <p:grpSpPr>
+            <a:xfrm rot="5400000">
+              <a:off x="7048499" y="1714500"/>
+              <a:ext cx="6858000" cy="3429000"/>
+              <a:chOff x="0" y="0"/>
+              <a:chExt cx="2880000" cy="1440000"/>
+            </a:xfrm>
+          </p:grpSpPr>
+          <p:sp>
+            <p:nvSpPr>
+              <p:cNvPr id="65" name="Rectangle 64">
+                <a:extLst>
+                  <a:ext uri="{FF2B5EF4-FFF2-40B4-BE49-F238E27FC236}">
+                    <a16:creationId xmlns:a16="http://schemas.microsoft.com/office/drawing/2014/main" id="{BEE64698-3ED2-4395-B7FC-65248E437E0A}"/>
+                  </a:ext>
+                  <a:ext uri="{C183D7F6-B498-43B3-948B-1728B52AA6E4}">
+                    <adec:decorative xmlns:adec="http://schemas.microsoft.com/office/drawing/2017/decorative" val="1"/>
+                  </a:ext>
+                </a:extLst>
+              </p:cNvPr>
+              <p:cNvSpPr/>
+              <p:nvPr>
+                <p:extLst>
+                  <p:ext uri="{386F3935-93C4-4BCD-93E2-E3B085C9AB24}">
+                    <p16:designElem xmlns:p16="http://schemas.microsoft.com/office/powerpoint/2015/main" val="1"/>
+                  </p:ext>
+                </p:extLst>
+              </p:nvPr>
+            </p:nvSpPr>
+            <p:spPr>
+              <a:xfrm>
+                <a:off x="1440000" y="0"/>
+                <a:ext cx="1440000" cy="1440000"/>
+              </a:xfrm>
+              <a:prstGeom prst="rect">
+                <a:avLst/>
+              </a:prstGeom>
+              <a:gradFill flip="none" rotWithShape="1">
+                <a:gsLst>
+                  <a:gs pos="0">
+                    <a:schemeClr val="accent2"/>
+                  </a:gs>
+                  <a:gs pos="60000">
+                    <a:schemeClr val="accent2">
+                      <a:alpha val="0"/>
+                    </a:schemeClr>
+                  </a:gs>
+                </a:gsLst>
+                <a:path path="circle">
+                  <a:fillToRect r="100000" b="100000"/>
+                </a:path>
+                <a:tileRect l="-100000" t="-100000"/>
+              </a:gradFill>
+              <a:ln w="12700" cap="flat" cmpd="sng" algn="ctr">
+                <a:noFill/>
+                <a:prstDash val="solid"/>
+                <a:miter lim="800000"/>
+              </a:ln>
+              <a:effectLst/>
+            </p:spPr>
+            <p:style>
+              <a:lnRef idx="2">
+                <a:schemeClr val="accent1">
+                  <a:shade val="50000"/>
+                </a:schemeClr>
+              </a:lnRef>
+              <a:fillRef idx="1">
+                <a:schemeClr val="accent1"/>
+              </a:fillRef>
+              <a:effectRef idx="0">
+                <a:schemeClr val="accent1"/>
+              </a:effectRef>
+              <a:fontRef idx="minor">
+                <a:schemeClr val="lt1"/>
+              </a:fontRef>
+            </p:style>
+            <p:txBody>
+              <a:bodyPr rtlCol="0" anchor="ctr"/>
+              <a:lstStyle/>
+              <a:p>
+                <a:pPr algn="r"/>
+                <a:endParaRPr lang="en-US"/>
+              </a:p>
+            </p:txBody>
+          </p:sp>
+          <p:sp>
+            <p:nvSpPr>
+              <p:cNvPr id="66" name="Rectangle 65">
+                <a:extLst>
+                  <a:ext uri="{FF2B5EF4-FFF2-40B4-BE49-F238E27FC236}">
+                    <a16:creationId xmlns:a16="http://schemas.microsoft.com/office/drawing/2014/main" id="{FE20B1E1-CE09-4C2A-A3FB-DB8026C54E98}"/>
+                  </a:ext>
+                  <a:ext uri="{C183D7F6-B498-43B3-948B-1728B52AA6E4}">
+                    <adec:decorative xmlns:adec="http://schemas.microsoft.com/office/drawing/2017/decorative" val="1"/>
+                  </a:ext>
+                </a:extLst>
+              </p:cNvPr>
+              <p:cNvSpPr/>
+              <p:nvPr>
+                <p:extLst>
+                  <p:ext uri="{386F3935-93C4-4BCD-93E2-E3B085C9AB24}">
+                    <p16:designElem xmlns:p16="http://schemas.microsoft.com/office/powerpoint/2015/main" val="1"/>
+                  </p:ext>
+                </p:extLst>
+              </p:nvPr>
+            </p:nvSpPr>
+            <p:spPr>
+              <a:xfrm flipH="1">
+                <a:off x="0" y="0"/>
+                <a:ext cx="1440000" cy="1440000"/>
+              </a:xfrm>
+              <a:prstGeom prst="rect">
+                <a:avLst/>
+              </a:prstGeom>
+              <a:gradFill flip="none" rotWithShape="1">
+                <a:gsLst>
+                  <a:gs pos="0">
+                    <a:schemeClr val="accent2"/>
+                  </a:gs>
+                  <a:gs pos="60000">
+                    <a:schemeClr val="accent2">
+                      <a:alpha val="0"/>
+                    </a:schemeClr>
+                  </a:gs>
+                </a:gsLst>
+                <a:path path="circle">
+                  <a:fillToRect r="100000" b="100000"/>
+                </a:path>
+                <a:tileRect l="-100000" t="-100000"/>
+              </a:gradFill>
+              <a:ln w="12700" cap="flat" cmpd="sng" algn="ctr">
+                <a:noFill/>
+                <a:prstDash val="solid"/>
+                <a:miter lim="800000"/>
+              </a:ln>
+              <a:effectLst/>
+            </p:spPr>
+            <p:style>
+              <a:lnRef idx="2">
+                <a:schemeClr val="accent1">
+                  <a:shade val="50000"/>
+                </a:schemeClr>
+              </a:lnRef>
+              <a:fillRef idx="1">
+                <a:schemeClr val="accent1"/>
+              </a:fillRef>
+              <a:effectRef idx="0">
+                <a:schemeClr val="accent1"/>
+              </a:effectRef>
+              <a:fontRef idx="minor">
+                <a:schemeClr val="lt1"/>
+              </a:fontRef>
+            </p:style>
+            <p:txBody>
+              <a:bodyPr rtlCol="0" anchor="ctr"/>
+              <a:lstStyle/>
+              <a:p>
+                <a:pPr algn="r"/>
+                <a:endParaRPr lang="en-US"/>
+              </a:p>
+            </p:txBody>
+          </p:sp>
+        </p:grpSp>
+        <p:sp>
+          <p:nvSpPr>
+            <p:cNvPr id="67" name="Rectangle 66">
+              <a:extLst>
+                <a:ext uri="{FF2B5EF4-FFF2-40B4-BE49-F238E27FC236}">
+                  <a16:creationId xmlns:a16="http://schemas.microsoft.com/office/drawing/2014/main" id="{0CB2405B-A907-48B3-906A-FB3573C0B282}"/>
+                </a:ext>
+                <a:ext uri="{C183D7F6-B498-43B3-948B-1728B52AA6E4}">
+                  <adec:decorative xmlns:adec="http://schemas.microsoft.com/office/drawing/2017/decorative" val="1"/>
+                </a:ext>
+              </a:extLst>
+            </p:cNvPr>
+            <p:cNvSpPr>
+              <a:spLocks noChangeAspect="1"/>
+            </p:cNvSpPr>
+            <p:nvPr>
+              <p:extLst>
+                <p:ext uri="{386F3935-93C4-4BCD-93E2-E3B085C9AB24}">
+                  <p16:designElem xmlns:p16="http://schemas.microsoft.com/office/powerpoint/2015/main" val="1"/>
+                </p:ext>
+              </p:extLst>
+            </p:nvPr>
+          </p:nvSpPr>
+          <p:spPr>
+            <a:xfrm rot="10800000">
+              <a:off x="5602287" y="271887"/>
+              <a:ext cx="6589713" cy="6589713"/>
+            </a:xfrm>
+            <a:prstGeom prst="rect">
+              <a:avLst/>
+            </a:prstGeom>
+            <a:gradFill flip="none" rotWithShape="1">
+              <a:gsLst>
+                <a:gs pos="0">
+                  <a:schemeClr val="accent3"/>
+                </a:gs>
+                <a:gs pos="60000">
+                  <a:schemeClr val="accent3">
+                    <a:alpha val="0"/>
+                  </a:schemeClr>
+                </a:gs>
+              </a:gsLst>
+              <a:path path="circle">
+                <a:fillToRect r="100000" b="100000"/>
+              </a:path>
+              <a:tileRect l="-100000" t="-100000"/>
+            </a:gradFill>
+            <a:ln w="12700" cap="flat" cmpd="sng" algn="ctr">
+              <a:noFill/>
+              <a:prstDash val="solid"/>
+              <a:miter lim="800000"/>
+            </a:ln>
+            <a:effectLst/>
+          </p:spPr>
+          <p:style>
+            <a:lnRef idx="2">
+              <a:schemeClr val="accent1">
+                <a:shade val="50000"/>
+              </a:schemeClr>
+            </a:lnRef>
+            <a:fillRef idx="1">
+              <a:schemeClr val="accent1"/>
+            </a:fillRef>
+            <a:effectRef idx="0">
+              <a:schemeClr val="accent1"/>
+            </a:effectRef>
+            <a:fontRef idx="minor">
+              <a:schemeClr val="lt1"/>
+            </a:fontRef>
+          </p:style>
+          <p:txBody>
+            <a:bodyPr rtlCol="0" anchor="ctr"/>
+            <a:lstStyle/>
+            <a:p>
+              <a:pPr algn="r"/>
+              <a:endParaRPr lang="en-US"/>
+            </a:p>
+          </p:txBody>
+        </p:sp>
+      </p:grpSp>
+      <p:sp>
+        <p:nvSpPr>
+          <p:cNvPr id="68" name="Rectangle 67">
+            <a:extLst>
+              <a:ext uri="{FF2B5EF4-FFF2-40B4-BE49-F238E27FC236}">
+                <a16:creationId xmlns:a16="http://schemas.microsoft.com/office/drawing/2014/main" id="{6DC8E2D9-6729-4614-8667-C1016D3182E4}"/>
+              </a:ext>
+              <a:ext uri="{C183D7F6-B498-43B3-948B-1728B52AA6E4}">
+                <adec:decorative xmlns:adec="http://schemas.microsoft.com/office/drawing/2017/decorative" val="1"/>
+              </a:ext>
+            </a:extLst>
+          </p:cNvPr>
+          <p:cNvSpPr>
+            <a:spLocks noGrp="1" noRot="1" noChangeAspect="1" noMove="1" noResize="1" noEditPoints="1" noAdjustHandles="1" noChangeArrowheads="1" noChangeShapeType="1" noTextEdit="1"/>
+          </p:cNvSpPr>
+          <p:nvPr>
+            <p:extLst>
+              <p:ext uri="{386F3935-93C4-4BCD-93E2-E3B085C9AB24}">
+                <p16:designElem xmlns:p16="http://schemas.microsoft.com/office/powerpoint/2015/main" val="1"/>
+              </p:ext>
+            </p:extLst>
+          </p:nvPr>
+        </p:nvSpPr>
+        <p:spPr>
+          <a:xfrm>
+            <a:off x="0" y="0"/>
+            <a:ext cx="12192000" cy="6858000"/>
+          </a:xfrm>
+          <a:prstGeom prst="rect">
+            <a:avLst/>
+          </a:prstGeom>
+          <a:solidFill>
+            <a:schemeClr val="bg2">
+              <a:alpha val="40000"/>
+            </a:schemeClr>
+          </a:solidFill>
+          <a:ln w="12700" cap="flat" cmpd="sng" algn="ctr">
+            <a:noFill/>
+            <a:prstDash val="solid"/>
+            <a:miter lim="800000"/>
+          </a:ln>
+          <a:effectLst/>
+        </p:spPr>
+        <p:style>
+          <a:lnRef idx="2">
+            <a:schemeClr val="accent1">
+              <a:shade val="50000"/>
+            </a:schemeClr>
+          </a:lnRef>
+          <a:fillRef idx="1">
+            <a:schemeClr val="accent1"/>
+          </a:fillRef>
+          <a:effectRef idx="0">
+            <a:schemeClr val="accent1"/>
+          </a:effectRef>
+          <a:fontRef idx="minor">
+            <a:schemeClr val="lt1"/>
+          </a:fontRef>
+        </p:style>
+        <p:txBody>
+          <a:bodyPr rtlCol="0" anchor="ctr"/>
+          <a:lstStyle/>
+          <a:p>
+            <a:pPr algn="r"/>
+            <a:endParaRPr lang="en-US" dirty="0"/>
+          </a:p>
+        </p:txBody>
+      </p:sp>
+      <p:sp useBgFill="1">
+        <p:nvSpPr>
+          <p:cNvPr id="69" name="Rectangle 68">
+            <a:extLst>
+              <a:ext uri="{FF2B5EF4-FFF2-40B4-BE49-F238E27FC236}">
+                <a16:creationId xmlns:a16="http://schemas.microsoft.com/office/drawing/2014/main" id="{DE59CF68-BABE-4C2C-8CF4-65074F93B2CF}"/>
+              </a:ext>
+              <a:ext uri="{C183D7F6-B498-43B3-948B-1728B52AA6E4}">
+                <adec:decorative xmlns:adec="http://schemas.microsoft.com/office/drawing/2017/decorative" val="1"/>
+              </a:ext>
+            </a:extLst>
+          </p:cNvPr>
+          <p:cNvSpPr>
+            <a:spLocks noGrp="1" noRot="1" noChangeAspect="1" noMove="1" noResize="1" noEditPoints="1" noAdjustHandles="1" noChangeArrowheads="1" noChangeShapeType="1" noTextEdit="1"/>
+          </p:cNvSpPr>
+          <p:nvPr>
+            <p:extLst>
+              <p:ext uri="{386F3935-93C4-4BCD-93E2-E3B085C9AB24}">
+                <p16:designElem xmlns:p16="http://schemas.microsoft.com/office/powerpoint/2015/main" val="1"/>
+              </p:ext>
+            </p:extLst>
+          </p:nvPr>
+        </p:nvSpPr>
+        <p:spPr>
+          <a:xfrm>
+            <a:off x="0" y="0"/>
+            <a:ext cx="12192000" cy="6858000"/>
+          </a:xfrm>
+          <a:prstGeom prst="rect">
+            <a:avLst/>
+          </a:prstGeom>
+          <a:ln w="12700" cap="flat" cmpd="sng" algn="ctr">
+            <a:noFill/>
+            <a:prstDash val="solid"/>
+            <a:miter lim="800000"/>
+          </a:ln>
+          <a:effectLst/>
+        </p:spPr>
+        <p:style>
+          <a:lnRef idx="2">
+            <a:schemeClr val="accent1">
+              <a:shade val="50000"/>
+            </a:schemeClr>
+          </a:lnRef>
+          <a:fillRef idx="1">
+            <a:schemeClr val="accent1"/>
+          </a:fillRef>
+          <a:effectRef idx="0">
+            <a:schemeClr val="accent1"/>
+          </a:effectRef>
+          <a:fontRef idx="minor">
+            <a:schemeClr val="lt1"/>
+          </a:fontRef>
+        </p:style>
+        <p:txBody>
+          <a:bodyPr rtlCol="0" anchor="ctr"/>
+          <a:lstStyle/>
+          <a:p>
+            <a:pPr algn="ctr"/>
+            <a:endParaRPr lang="en-US"/>
+          </a:p>
+        </p:txBody>
+      </p:sp>
+      <p:grpSp>
+        <p:nvGrpSpPr>
+          <p:cNvPr id="47" name="Group 46">
+            <a:extLst>
+              <a:ext uri="{FF2B5EF4-FFF2-40B4-BE49-F238E27FC236}">
+                <a16:creationId xmlns:a16="http://schemas.microsoft.com/office/drawing/2014/main" id="{3E1D28A9-431E-4E55-ADE3-161D757A2DA7}"/>
+              </a:ext>
+              <a:ext uri="{C183D7F6-B498-43B3-948B-1728B52AA6E4}">
+                <adec:decorative xmlns:adec="http://schemas.microsoft.com/office/drawing/2017/decorative" val="1"/>
+              </a:ext>
+            </a:extLst>
+          </p:cNvPr>
+          <p:cNvGrpSpPr>
+            <a:grpSpLocks noGrp="1" noUngrp="1" noRot="1" noChangeAspect="1" noMove="1" noResize="1"/>
+          </p:cNvGrpSpPr>
+          <p:nvPr>
+            <p:extLst>
+              <p:ext uri="{386F3935-93C4-4BCD-93E2-E3B085C9AB24}">
+                <p16:designElem xmlns:p16="http://schemas.microsoft.com/office/powerpoint/2015/main" val="1"/>
+              </p:ext>
+            </p:extLst>
+          </p:nvPr>
+        </p:nvGrpSpPr>
+        <p:grpSpPr>
+          <a:xfrm>
+            <a:off x="1" y="0"/>
+            <a:ext cx="12191999" cy="6861600"/>
+            <a:chOff x="1" y="0"/>
+            <a:chExt cx="12191999" cy="6861600"/>
+          </a:xfrm>
+        </p:grpSpPr>
+        <p:sp>
+          <p:nvSpPr>
+            <p:cNvPr id="48" name="Rectangle 47">
+              <a:extLst>
+                <a:ext uri="{FF2B5EF4-FFF2-40B4-BE49-F238E27FC236}">
+                  <a16:creationId xmlns:a16="http://schemas.microsoft.com/office/drawing/2014/main" id="{72CEE02A-6F09-45F4-B9A5-7C18CC77D225}"/>
+                </a:ext>
+                <a:ext uri="{C183D7F6-B498-43B3-948B-1728B52AA6E4}">
+                  <adec:decorative xmlns:adec="http://schemas.microsoft.com/office/drawing/2017/decorative" val="1"/>
+                </a:ext>
+              </a:extLst>
+            </p:cNvPr>
+            <p:cNvSpPr>
+              <a:spLocks noChangeAspect="1"/>
+            </p:cNvSpPr>
+            <p:nvPr>
+              <p:extLst>
+                <p:ext uri="{386F3935-93C4-4BCD-93E2-E3B085C9AB24}">
+                  <p16:designElem xmlns:p16="http://schemas.microsoft.com/office/powerpoint/2015/main" val="1"/>
+                </p:ext>
+              </p:extLst>
+            </p:nvPr>
+          </p:nvSpPr>
+          <p:spPr>
+            <a:xfrm rot="16200000">
+              <a:off x="1" y="1640114"/>
+              <a:ext cx="5217886" cy="5217886"/>
+            </a:xfrm>
+            <a:prstGeom prst="rect">
+              <a:avLst/>
+            </a:prstGeom>
+            <a:gradFill flip="none" rotWithShape="1">
+              <a:gsLst>
+                <a:gs pos="0">
+                  <a:schemeClr val="accent2">
+                    <a:alpha val="60000"/>
+                  </a:schemeClr>
+                </a:gs>
+                <a:gs pos="60000">
+                  <a:schemeClr val="accent2">
+                    <a:alpha val="0"/>
+                  </a:schemeClr>
+                </a:gs>
+              </a:gsLst>
+              <a:path path="circle">
+                <a:fillToRect r="100000" b="100000"/>
+              </a:path>
+              <a:tileRect l="-100000" t="-100000"/>
+            </a:gradFill>
+            <a:ln w="12700" cap="flat" cmpd="sng" algn="ctr">
+              <a:noFill/>
+              <a:prstDash val="solid"/>
+              <a:miter lim="800000"/>
+            </a:ln>
+            <a:effectLst/>
+          </p:spPr>
+          <p:style>
+            <a:lnRef idx="2">
+              <a:schemeClr val="accent1">
+                <a:shade val="50000"/>
+              </a:schemeClr>
+            </a:lnRef>
+            <a:fillRef idx="1">
+              <a:schemeClr val="accent1"/>
+            </a:fillRef>
+            <a:effectRef idx="0">
+              <a:schemeClr val="accent1"/>
+            </a:effectRef>
+            <a:fontRef idx="minor">
+              <a:schemeClr val="lt1"/>
+            </a:fontRef>
+          </p:style>
+          <p:txBody>
+            <a:bodyPr rtlCol="0" anchor="ctr"/>
+            <a:lstStyle/>
+            <a:p>
+              <a:pPr algn="ctr"/>
+              <a:endParaRPr lang="en-US"/>
+            </a:p>
+          </p:txBody>
+        </p:sp>
+        <p:sp>
+          <p:nvSpPr>
+            <p:cNvPr id="49" name="Oval 48">
+              <a:extLst>
+                <a:ext uri="{FF2B5EF4-FFF2-40B4-BE49-F238E27FC236}">
+                  <a16:creationId xmlns:a16="http://schemas.microsoft.com/office/drawing/2014/main" id="{FE8156EC-CE46-48E4-9D85-95D9D8BEBC0B}"/>
+                </a:ext>
+                <a:ext uri="{C183D7F6-B498-43B3-948B-1728B52AA6E4}">
+                  <adec:decorative xmlns:adec="http://schemas.microsoft.com/office/drawing/2017/decorative" val="1"/>
+                </a:ext>
+              </a:extLst>
+            </p:cNvPr>
+            <p:cNvSpPr>
+              <a:spLocks noChangeAspect="1"/>
+            </p:cNvSpPr>
+            <p:nvPr>
+              <p:extLst>
+                <p:ext uri="{386F3935-93C4-4BCD-93E2-E3B085C9AB24}">
+                  <p16:designElem xmlns:p16="http://schemas.microsoft.com/office/powerpoint/2015/main" val="1"/>
+                </p:ext>
+              </p:extLst>
+            </p:nvPr>
+          </p:nvSpPr>
+          <p:spPr>
+            <a:xfrm>
+              <a:off x="6384514" y="0"/>
+              <a:ext cx="4320000" cy="4320000"/>
+            </a:xfrm>
+            <a:prstGeom prst="ellipse">
+              <a:avLst/>
+            </a:prstGeom>
+            <a:solidFill>
+              <a:schemeClr val="accent3">
+                <a:alpha val="96000"/>
+              </a:schemeClr>
+            </a:solidFill>
+            <a:ln>
+              <a:noFill/>
+            </a:ln>
+            <a:effectLst>
+              <a:softEdge rad="1016000"/>
+            </a:effectLst>
+          </p:spPr>
+          <p:style>
+            <a:lnRef idx="2">
+              <a:schemeClr val="accent1">
+                <a:shade val="50000"/>
+              </a:schemeClr>
+            </a:lnRef>
+            <a:fillRef idx="1">
+              <a:schemeClr val="accent1"/>
+            </a:fillRef>
+            <a:effectRef idx="0">
+              <a:schemeClr val="accent1"/>
+            </a:effectRef>
+            <a:fontRef idx="minor">
+              <a:schemeClr val="lt1"/>
+            </a:fontRef>
+          </p:style>
+          <p:txBody>
+            <a:bodyPr rtlCol="0" anchor="ctr"/>
+            <a:lstStyle/>
+            <a:p>
+              <a:pPr algn="ctr"/>
+              <a:endParaRPr lang="en-US"/>
+            </a:p>
+          </p:txBody>
+        </p:sp>
+        <p:sp>
+          <p:nvSpPr>
+            <p:cNvPr id="50" name="Oval 49">
+              <a:extLst>
+                <a:ext uri="{FF2B5EF4-FFF2-40B4-BE49-F238E27FC236}">
+                  <a16:creationId xmlns:a16="http://schemas.microsoft.com/office/drawing/2014/main" id="{BB9DDD85-3F41-4B1D-9372-0773066BAF8E}"/>
+                </a:ext>
+                <a:ext uri="{C183D7F6-B498-43B3-948B-1728B52AA6E4}">
+                  <adec:decorative xmlns:adec="http://schemas.microsoft.com/office/drawing/2017/decorative" val="1"/>
+                </a:ext>
+              </a:extLst>
+            </p:cNvPr>
+            <p:cNvSpPr>
+              <a:spLocks noChangeAspect="1"/>
+            </p:cNvSpPr>
+            <p:nvPr>
+              <p:extLst>
+                <p:ext uri="{386F3935-93C4-4BCD-93E2-E3B085C9AB24}">
+                  <p16:designElem xmlns:p16="http://schemas.microsoft.com/office/powerpoint/2015/main" val="1"/>
+                </p:ext>
+              </p:extLst>
+            </p:nvPr>
+          </p:nvSpPr>
+          <p:spPr>
+            <a:xfrm>
+              <a:off x="6119057" y="1230054"/>
+              <a:ext cx="5506886" cy="5506886"/>
+            </a:xfrm>
+            <a:prstGeom prst="ellipse">
+              <a:avLst/>
+            </a:prstGeom>
+            <a:solidFill>
+              <a:schemeClr val="accent2">
+                <a:alpha val="60000"/>
+              </a:schemeClr>
+            </a:solidFill>
+            <a:ln>
+              <a:noFill/>
+            </a:ln>
+            <a:effectLst>
+              <a:softEdge rad="1270000"/>
+            </a:effectLst>
+          </p:spPr>
+          <p:style>
+            <a:lnRef idx="2">
+              <a:schemeClr val="accent1">
+                <a:shade val="50000"/>
+              </a:schemeClr>
+            </a:lnRef>
+            <a:fillRef idx="1">
+              <a:schemeClr val="accent1"/>
+            </a:fillRef>
+            <a:effectRef idx="0">
+              <a:schemeClr val="accent1"/>
+            </a:effectRef>
+            <a:fontRef idx="minor">
+              <a:schemeClr val="lt1"/>
+            </a:fontRef>
+          </p:style>
+          <p:txBody>
+            <a:bodyPr rtlCol="0" anchor="ctr"/>
+            <a:lstStyle/>
+            <a:p>
+              <a:pPr algn="ctr"/>
+              <a:endParaRPr lang="en-US" dirty="0"/>
+            </a:p>
+          </p:txBody>
+        </p:sp>
+        <p:grpSp>
+          <p:nvGrpSpPr>
+            <p:cNvPr id="51" name="Group 50">
+              <a:extLst>
+                <a:ext uri="{FF2B5EF4-FFF2-40B4-BE49-F238E27FC236}">
+                  <a16:creationId xmlns:a16="http://schemas.microsoft.com/office/drawing/2014/main" id="{C1131344-09B5-4648-B3ED-C0DCDA5921EB}"/>
+                </a:ext>
+                <a:ext uri="{C183D7F6-B498-43B3-948B-1728B52AA6E4}">
+                  <adec:decorative xmlns:adec="http://schemas.microsoft.com/office/drawing/2017/decorative" val="1"/>
+                </a:ext>
+              </a:extLst>
+            </p:cNvPr>
+            <p:cNvGrpSpPr>
+              <a:grpSpLocks noChangeAspect="1"/>
+            </p:cNvGrpSpPr>
+            <p:nvPr>
+              <p:extLst>
+                <p:ext uri="{386F3935-93C4-4BCD-93E2-E3B085C9AB24}">
+                  <p16:designElem xmlns:p16="http://schemas.microsoft.com/office/powerpoint/2015/main" val="1"/>
+                </p:ext>
+              </p:extLst>
+            </p:nvPr>
+          </p:nvGrpSpPr>
+          <p:grpSpPr>
+            <a:xfrm>
+              <a:off x="690092" y="0"/>
+              <a:ext cx="10800000" cy="6858000"/>
+              <a:chOff x="2328000" y="0"/>
+              <a:chExt cx="2880000" cy="1440000"/>
+            </a:xfrm>
+          </p:grpSpPr>
+          <p:sp>
+            <p:nvSpPr>
+              <p:cNvPr id="56" name="Rectangle 55">
+                <a:extLst>
+                  <a:ext uri="{FF2B5EF4-FFF2-40B4-BE49-F238E27FC236}">
+                    <a16:creationId xmlns:a16="http://schemas.microsoft.com/office/drawing/2014/main" id="{883500BA-71FE-4DAF-BE27-C182514DC0A5}"/>
+                  </a:ext>
+                  <a:ext uri="{C183D7F6-B498-43B3-948B-1728B52AA6E4}">
+                    <adec:decorative xmlns:adec="http://schemas.microsoft.com/office/drawing/2017/decorative" val="1"/>
+                  </a:ext>
+                </a:extLst>
+              </p:cNvPr>
+              <p:cNvSpPr/>
+              <p:nvPr>
+                <p:extLst>
+                  <p:ext uri="{386F3935-93C4-4BCD-93E2-E3B085C9AB24}">
+                    <p16:designElem xmlns:p16="http://schemas.microsoft.com/office/powerpoint/2015/main" val="1"/>
+                  </p:ext>
+                </p:extLst>
+              </p:nvPr>
+            </p:nvSpPr>
+            <p:spPr>
+              <a:xfrm>
+                <a:off x="3768000" y="0"/>
+                <a:ext cx="1440000" cy="1440000"/>
+              </a:xfrm>
+              <a:prstGeom prst="rect">
+                <a:avLst/>
+              </a:prstGeom>
+              <a:gradFill flip="none" rotWithShape="1">
+                <a:gsLst>
+                  <a:gs pos="0">
+                    <a:schemeClr val="accent1"/>
+                  </a:gs>
+                  <a:gs pos="60000">
+                    <a:schemeClr val="accent1">
+                      <a:alpha val="0"/>
+                    </a:schemeClr>
+                  </a:gs>
+                </a:gsLst>
+                <a:path path="circle">
+                  <a:fillToRect r="100000" b="100000"/>
+                </a:path>
+                <a:tileRect l="-100000" t="-100000"/>
+              </a:gradFill>
+              <a:ln w="12700" cap="flat" cmpd="sng" algn="ctr">
+                <a:noFill/>
+                <a:prstDash val="solid"/>
+                <a:miter lim="800000"/>
+              </a:ln>
+              <a:effectLst/>
+            </p:spPr>
+            <p:style>
+              <a:lnRef idx="2">
+                <a:schemeClr val="accent1">
+                  <a:shade val="50000"/>
+                </a:schemeClr>
+              </a:lnRef>
+              <a:fillRef idx="1">
+                <a:schemeClr val="accent1"/>
+              </a:fillRef>
+              <a:effectRef idx="0">
+                <a:schemeClr val="accent1"/>
+              </a:effectRef>
+              <a:fontRef idx="minor">
+                <a:schemeClr val="lt1"/>
+              </a:fontRef>
+            </p:style>
+            <p:txBody>
+              <a:bodyPr rtlCol="0" anchor="ctr"/>
+              <a:lstStyle/>
+              <a:p>
+                <a:pPr algn="ctr"/>
+                <a:endParaRPr lang="en-US"/>
+              </a:p>
+            </p:txBody>
+          </p:sp>
+          <p:sp>
+            <p:nvSpPr>
+              <p:cNvPr id="57" name="Rectangle 56">
+                <a:extLst>
+                  <a:ext uri="{FF2B5EF4-FFF2-40B4-BE49-F238E27FC236}">
+                    <a16:creationId xmlns:a16="http://schemas.microsoft.com/office/drawing/2014/main" id="{EB5220F2-0C35-4C88-8E51-ECBD8A66D0F7}"/>
+                  </a:ext>
+                  <a:ext uri="{C183D7F6-B498-43B3-948B-1728B52AA6E4}">
+                    <adec:decorative xmlns:adec="http://schemas.microsoft.com/office/drawing/2017/decorative" val="1"/>
+                  </a:ext>
+                </a:extLst>
+              </p:cNvPr>
+              <p:cNvSpPr/>
+              <p:nvPr>
+                <p:extLst>
+                  <p:ext uri="{386F3935-93C4-4BCD-93E2-E3B085C9AB24}">
+                    <p16:designElem xmlns:p16="http://schemas.microsoft.com/office/powerpoint/2015/main" val="1"/>
+                  </p:ext>
+                </p:extLst>
+              </p:nvPr>
+            </p:nvSpPr>
+            <p:spPr>
+              <a:xfrm flipH="1">
+                <a:off x="2328000" y="0"/>
+                <a:ext cx="1440000" cy="1440000"/>
+              </a:xfrm>
+              <a:prstGeom prst="rect">
+                <a:avLst/>
+              </a:prstGeom>
+              <a:gradFill flip="none" rotWithShape="1">
+                <a:gsLst>
+                  <a:gs pos="0">
+                    <a:schemeClr val="accent1"/>
+                  </a:gs>
+                  <a:gs pos="60000">
+                    <a:schemeClr val="accent1">
+                      <a:alpha val="0"/>
+                    </a:schemeClr>
+                  </a:gs>
+                </a:gsLst>
+                <a:path path="circle">
+                  <a:fillToRect r="100000" b="100000"/>
+                </a:path>
+                <a:tileRect l="-100000" t="-100000"/>
+              </a:gradFill>
+              <a:ln w="12700" cap="flat" cmpd="sng" algn="ctr">
+                <a:noFill/>
+                <a:prstDash val="solid"/>
+                <a:miter lim="800000"/>
+              </a:ln>
+              <a:effectLst/>
+            </p:spPr>
+            <p:style>
+              <a:lnRef idx="2">
+                <a:schemeClr val="accent1">
+                  <a:shade val="50000"/>
+                </a:schemeClr>
+              </a:lnRef>
+              <a:fillRef idx="1">
+                <a:schemeClr val="accent1"/>
+              </a:fillRef>
+              <a:effectRef idx="0">
+                <a:schemeClr val="accent1"/>
+              </a:effectRef>
+              <a:fontRef idx="minor">
+                <a:schemeClr val="lt1"/>
+              </a:fontRef>
+            </p:style>
+            <p:txBody>
+              <a:bodyPr rtlCol="0" anchor="ctr"/>
+              <a:lstStyle/>
+              <a:p>
+                <a:pPr algn="ctr"/>
+                <a:endParaRPr lang="en-US"/>
+              </a:p>
+            </p:txBody>
+          </p:sp>
+        </p:grpSp>
+        <p:grpSp>
+          <p:nvGrpSpPr>
+            <p:cNvPr id="52" name="Group 51">
+              <a:extLst>
+                <a:ext uri="{FF2B5EF4-FFF2-40B4-BE49-F238E27FC236}">
+                  <a16:creationId xmlns:a16="http://schemas.microsoft.com/office/drawing/2014/main" id="{77B188C7-435E-43E1-92A9-8C3870670C89}"/>
+                </a:ext>
+                <a:ext uri="{C183D7F6-B498-43B3-948B-1728B52AA6E4}">
+                  <adec:decorative xmlns:adec="http://schemas.microsoft.com/office/drawing/2017/decorative" val="1"/>
+                </a:ext>
+              </a:extLst>
+            </p:cNvPr>
+            <p:cNvGrpSpPr>
+              <a:grpSpLocks noChangeAspect="1"/>
+            </p:cNvGrpSpPr>
+            <p:nvPr>
+              <p:extLst>
+                <p:ext uri="{386F3935-93C4-4BCD-93E2-E3B085C9AB24}">
+                  <p16:designElem xmlns:p16="http://schemas.microsoft.com/office/powerpoint/2015/main" val="1"/>
+                </p:ext>
+              </p:extLst>
+            </p:nvPr>
+          </p:nvGrpSpPr>
+          <p:grpSpPr>
+            <a:xfrm rot="5400000">
+              <a:off x="7048499" y="1714500"/>
+              <a:ext cx="6858000" cy="3429000"/>
+              <a:chOff x="0" y="0"/>
+              <a:chExt cx="2880000" cy="1440000"/>
+            </a:xfrm>
+          </p:grpSpPr>
+          <p:sp>
+            <p:nvSpPr>
+              <p:cNvPr id="54" name="Rectangle 53">
+                <a:extLst>
+                  <a:ext uri="{FF2B5EF4-FFF2-40B4-BE49-F238E27FC236}">
+                    <a16:creationId xmlns:a16="http://schemas.microsoft.com/office/drawing/2014/main" id="{CB3992E9-AE5B-4001-81F2-F0257DA37E49}"/>
+                  </a:ext>
+                  <a:ext uri="{C183D7F6-B498-43B3-948B-1728B52AA6E4}">
+                    <adec:decorative xmlns:adec="http://schemas.microsoft.com/office/drawing/2017/decorative" val="1"/>
+                  </a:ext>
+                </a:extLst>
+              </p:cNvPr>
+              <p:cNvSpPr/>
+              <p:nvPr>
+                <p:extLst>
+                  <p:ext uri="{386F3935-93C4-4BCD-93E2-E3B085C9AB24}">
+                    <p16:designElem xmlns:p16="http://schemas.microsoft.com/office/powerpoint/2015/main" val="1"/>
+                  </p:ext>
+                </p:extLst>
+              </p:nvPr>
+            </p:nvSpPr>
+            <p:spPr>
+              <a:xfrm>
+                <a:off x="1440000" y="0"/>
+                <a:ext cx="1440000" cy="1440000"/>
+              </a:xfrm>
+              <a:prstGeom prst="rect">
+                <a:avLst/>
+              </a:prstGeom>
+              <a:gradFill flip="none" rotWithShape="1">
+                <a:gsLst>
+                  <a:gs pos="0">
+                    <a:schemeClr val="accent2"/>
+                  </a:gs>
+                  <a:gs pos="60000">
+                    <a:schemeClr val="accent2">
+                      <a:alpha val="0"/>
+                    </a:schemeClr>
+                  </a:gs>
+                </a:gsLst>
+                <a:path path="circle">
+                  <a:fillToRect r="100000" b="100000"/>
+                </a:path>
+                <a:tileRect l="-100000" t="-100000"/>
+              </a:gradFill>
+              <a:ln w="12700" cap="flat" cmpd="sng" algn="ctr">
+                <a:noFill/>
+                <a:prstDash val="solid"/>
+                <a:miter lim="800000"/>
+              </a:ln>
+              <a:effectLst/>
+            </p:spPr>
+            <p:style>
+              <a:lnRef idx="2">
+                <a:schemeClr val="accent1">
+                  <a:shade val="50000"/>
+                </a:schemeClr>
+              </a:lnRef>
+              <a:fillRef idx="1">
+                <a:schemeClr val="accent1"/>
+              </a:fillRef>
+              <a:effectRef idx="0">
+                <a:schemeClr val="accent1"/>
+              </a:effectRef>
+              <a:fontRef idx="minor">
+                <a:schemeClr val="lt1"/>
+              </a:fontRef>
+            </p:style>
+            <p:txBody>
+              <a:bodyPr rtlCol="0" anchor="ctr"/>
+              <a:lstStyle/>
+              <a:p>
+                <a:pPr algn="ctr"/>
+                <a:endParaRPr lang="en-US"/>
+              </a:p>
+            </p:txBody>
+          </p:sp>
+          <p:sp>
+            <p:nvSpPr>
+              <p:cNvPr id="55" name="Rectangle 54">
+                <a:extLst>
+                  <a:ext uri="{FF2B5EF4-FFF2-40B4-BE49-F238E27FC236}">
+                    <a16:creationId xmlns:a16="http://schemas.microsoft.com/office/drawing/2014/main" id="{5A9B8F0F-31BC-431F-A85C-5BAA30B9F003}"/>
+                  </a:ext>
+                  <a:ext uri="{C183D7F6-B498-43B3-948B-1728B52AA6E4}">
+                    <adec:decorative xmlns:adec="http://schemas.microsoft.com/office/drawing/2017/decorative" val="1"/>
+                  </a:ext>
+                </a:extLst>
+              </p:cNvPr>
+              <p:cNvSpPr/>
+              <p:nvPr>
+                <p:extLst>
+                  <p:ext uri="{386F3935-93C4-4BCD-93E2-E3B085C9AB24}">
+                    <p16:designElem xmlns:p16="http://schemas.microsoft.com/office/powerpoint/2015/main" val="1"/>
+                  </p:ext>
+                </p:extLst>
+              </p:nvPr>
+            </p:nvSpPr>
+            <p:spPr>
+              <a:xfrm flipH="1">
+                <a:off x="0" y="0"/>
+                <a:ext cx="1440000" cy="1440000"/>
+              </a:xfrm>
+              <a:prstGeom prst="rect">
+                <a:avLst/>
+              </a:prstGeom>
+              <a:gradFill flip="none" rotWithShape="1">
+                <a:gsLst>
+                  <a:gs pos="0">
+                    <a:schemeClr val="accent2"/>
+                  </a:gs>
+                  <a:gs pos="60000">
+                    <a:schemeClr val="accent2">
+                      <a:alpha val="0"/>
+                    </a:schemeClr>
+                  </a:gs>
+                </a:gsLst>
+                <a:path path="circle">
+                  <a:fillToRect r="100000" b="100000"/>
+                </a:path>
+                <a:tileRect l="-100000" t="-100000"/>
+              </a:gradFill>
+              <a:ln w="12700" cap="flat" cmpd="sng" algn="ctr">
+                <a:noFill/>
+                <a:prstDash val="solid"/>
+                <a:miter lim="800000"/>
+              </a:ln>
+              <a:effectLst/>
+            </p:spPr>
+            <p:style>
+              <a:lnRef idx="2">
+                <a:schemeClr val="accent1">
+                  <a:shade val="50000"/>
+                </a:schemeClr>
+              </a:lnRef>
+              <a:fillRef idx="1">
+                <a:schemeClr val="accent1"/>
+              </a:fillRef>
+              <a:effectRef idx="0">
+                <a:schemeClr val="accent1"/>
+              </a:effectRef>
+              <a:fontRef idx="minor">
+                <a:schemeClr val="lt1"/>
+              </a:fontRef>
+            </p:style>
+            <p:txBody>
+              <a:bodyPr rtlCol="0" anchor="ctr"/>
+              <a:lstStyle/>
+              <a:p>
+                <a:pPr algn="ctr"/>
+                <a:endParaRPr lang="en-US"/>
+              </a:p>
+            </p:txBody>
+          </p:sp>
+        </p:grpSp>
+        <p:sp>
+          <p:nvSpPr>
+            <p:cNvPr id="53" name="Rectangle 52">
+              <a:extLst>
+                <a:ext uri="{FF2B5EF4-FFF2-40B4-BE49-F238E27FC236}">
+                  <a16:creationId xmlns:a16="http://schemas.microsoft.com/office/drawing/2014/main" id="{7A5E54EA-3C4C-4DAB-9DD7-8ADFC0CC18C4}"/>
+                </a:ext>
+                <a:ext uri="{C183D7F6-B498-43B3-948B-1728B52AA6E4}">
+                  <adec:decorative xmlns:adec="http://schemas.microsoft.com/office/drawing/2017/decorative" val="1"/>
+                </a:ext>
+              </a:extLst>
+            </p:cNvPr>
+            <p:cNvSpPr>
+              <a:spLocks noChangeAspect="1"/>
+            </p:cNvSpPr>
+            <p:nvPr>
+              <p:extLst>
+                <p:ext uri="{386F3935-93C4-4BCD-93E2-E3B085C9AB24}">
+                  <p16:designElem xmlns:p16="http://schemas.microsoft.com/office/powerpoint/2015/main" val="1"/>
+                </p:ext>
+              </p:extLst>
+            </p:nvPr>
+          </p:nvSpPr>
+          <p:spPr>
+            <a:xfrm rot="10800000">
+              <a:off x="5602287" y="271887"/>
+              <a:ext cx="6589713" cy="6589713"/>
+            </a:xfrm>
+            <a:prstGeom prst="rect">
+              <a:avLst/>
+            </a:prstGeom>
+            <a:gradFill flip="none" rotWithShape="1">
+              <a:gsLst>
+                <a:gs pos="0">
+                  <a:schemeClr val="accent3"/>
+                </a:gs>
+                <a:gs pos="60000">
+                  <a:schemeClr val="accent3">
+                    <a:alpha val="0"/>
+                  </a:schemeClr>
+                </a:gs>
+              </a:gsLst>
+              <a:path path="circle">
+                <a:fillToRect r="100000" b="100000"/>
+              </a:path>
+              <a:tileRect l="-100000" t="-100000"/>
+            </a:gradFill>
+            <a:ln w="12700" cap="flat" cmpd="sng" algn="ctr">
+              <a:noFill/>
+              <a:prstDash val="solid"/>
+              <a:miter lim="800000"/>
+            </a:ln>
+            <a:effectLst/>
+          </p:spPr>
+          <p:style>
+            <a:lnRef idx="2">
+              <a:schemeClr val="accent1">
+                <a:shade val="50000"/>
+              </a:schemeClr>
+            </a:lnRef>
+            <a:fillRef idx="1">
+              <a:schemeClr val="accent1"/>
+            </a:fillRef>
+            <a:effectRef idx="0">
+              <a:schemeClr val="accent1"/>
+            </a:effectRef>
+            <a:fontRef idx="minor">
+              <a:schemeClr val="lt1"/>
+            </a:fontRef>
+          </p:style>
+          <p:txBody>
+            <a:bodyPr rtlCol="0" anchor="ctr"/>
+            <a:lstStyle/>
+            <a:p>
+              <a:pPr algn="ctr"/>
+              <a:endParaRPr lang="en-US"/>
+            </a:p>
+          </p:txBody>
+        </p:sp>
+      </p:grpSp>
+      <p:sp>
+        <p:nvSpPr>
+          <p:cNvPr id="59" name="Rectangle 58">
+            <a:extLst>
+              <a:ext uri="{FF2B5EF4-FFF2-40B4-BE49-F238E27FC236}">
+                <a16:creationId xmlns:a16="http://schemas.microsoft.com/office/drawing/2014/main" id="{92723215-36CB-4E08-A75E-75D77CA52A70}"/>
+              </a:ext>
+              <a:ext uri="{C183D7F6-B498-43B3-948B-1728B52AA6E4}">
+                <adec:decorative xmlns:adec="http://schemas.microsoft.com/office/drawing/2017/decorative" val="1"/>
+              </a:ext>
+            </a:extLst>
+          </p:cNvPr>
+          <p:cNvSpPr>
+            <a:spLocks noGrp="1" noRot="1" noChangeAspect="1" noMove="1" noResize="1" noEditPoints="1" noAdjustHandles="1" noChangeArrowheads="1" noChangeShapeType="1" noTextEdit="1"/>
+          </p:cNvSpPr>
+          <p:nvPr>
+            <p:extLst>
+              <p:ext uri="{386F3935-93C4-4BCD-93E2-E3B085C9AB24}">
+                <p16:designElem xmlns:p16="http://schemas.microsoft.com/office/powerpoint/2015/main" val="1"/>
+              </p:ext>
+            </p:extLst>
+          </p:nvPr>
+        </p:nvSpPr>
+        <p:spPr>
+          <a:xfrm flipH="1">
+            <a:off x="0" y="0"/>
+            <a:ext cx="12192000" cy="6858000"/>
+          </a:xfrm>
+          <a:prstGeom prst="rect">
+            <a:avLst/>
+          </a:prstGeom>
+          <a:gradFill flip="none" rotWithShape="1">
+            <a:gsLst>
+              <a:gs pos="0">
+                <a:schemeClr val="bg2">
+                  <a:alpha val="40000"/>
+                </a:schemeClr>
+              </a:gs>
+              <a:gs pos="100000">
+                <a:schemeClr val="bg2">
+                  <a:alpha val="80000"/>
+                </a:schemeClr>
+              </a:gs>
+            </a:gsLst>
+            <a:lin ang="16200000" scaled="1"/>
+            <a:tileRect/>
+          </a:gradFill>
+          <a:ln w="12700" cap="flat" cmpd="sng" algn="ctr">
+            <a:noFill/>
+            <a:prstDash val="solid"/>
+            <a:miter lim="800000"/>
+          </a:ln>
+          <a:effectLst/>
+        </p:spPr>
+        <p:style>
+          <a:lnRef idx="2">
+            <a:schemeClr val="accent1">
+              <a:shade val="50000"/>
+            </a:schemeClr>
+          </a:lnRef>
+          <a:fillRef idx="1">
+            <a:schemeClr val="accent1"/>
+          </a:fillRef>
+          <a:effectRef idx="0">
+            <a:schemeClr val="accent1"/>
+          </a:effectRef>
+          <a:fontRef idx="minor">
+            <a:schemeClr val="lt1"/>
+          </a:fontRef>
+        </p:style>
+        <p:txBody>
+          <a:bodyPr rtlCol="0" anchor="ctr"/>
+          <a:lstStyle/>
+          <a:p>
+            <a:endParaRPr lang="en-US" dirty="0"/>
+          </a:p>
+        </p:txBody>
+      </p:sp>
+      <p:sp>
+        <p:nvSpPr>
+          <p:cNvPr id="2" name="Title 1">
+            <a:extLst>
+              <a:ext uri="{FF2B5EF4-FFF2-40B4-BE49-F238E27FC236}">
+                <a16:creationId xmlns:a16="http://schemas.microsoft.com/office/drawing/2014/main" id="{65110D55-7284-1167-7B38-82B970FA0912}"/>
+              </a:ext>
+            </a:extLst>
+          </p:cNvPr>
+          <p:cNvSpPr>
+            <a:spLocks noGrp="1"/>
+          </p:cNvSpPr>
+          <p:nvPr>
+            <p:ph type="title"/>
+          </p:nvPr>
+        </p:nvSpPr>
+        <p:spPr>
+          <a:xfrm>
+            <a:off x="1487487" y="3768810"/>
+            <a:ext cx="9217026" cy="1769459"/>
+          </a:xfrm>
+        </p:spPr>
+        <p:txBody>
+          <a:bodyPr vert="horz" lIns="91440" tIns="45720" rIns="91440" bIns="45720" rtlCol="0" anchor="b">
+            <a:normAutofit/>
+          </a:bodyPr>
+          <a:lstStyle/>
+          <a:p>
+            <a:pPr algn="ctr"/>
+            <a:r>
+              <a:rPr lang="en-US" dirty="0"/>
+              <a:t>Location</a:t>
+            </a:r>
+            <a:endParaRPr lang="en-US"/>
+          </a:p>
+        </p:txBody>
+      </p:sp>
+      <p:pic>
+        <p:nvPicPr>
+          <p:cNvPr id="7" name="Picture 6" descr="A graph of different colored objects&#10;&#10;Description automatically generated with medium confidence">
+            <a:extLst>
+              <a:ext uri="{FF2B5EF4-FFF2-40B4-BE49-F238E27FC236}">
+                <a16:creationId xmlns:a16="http://schemas.microsoft.com/office/drawing/2014/main" id="{C8A813C3-A692-3401-C5D3-68B24679C9EE}"/>
+              </a:ext>
+            </a:extLst>
+          </p:cNvPr>
+          <p:cNvPicPr>
+            <a:picLocks noChangeAspect="1"/>
+          </p:cNvPicPr>
+          <p:nvPr/>
+        </p:nvPicPr>
+        <p:blipFill>
+          <a:blip r:embed="rId2"/>
+          <a:stretch>
+            <a:fillRect/>
+          </a:stretch>
+        </p:blipFill>
+        <p:spPr>
+          <a:xfrm>
+            <a:off x="1083127" y="549274"/>
+            <a:ext cx="4374313" cy="3040148"/>
+          </a:xfrm>
+          <a:prstGeom prst="rect">
+            <a:avLst/>
+          </a:prstGeom>
+        </p:spPr>
+      </p:pic>
+      <p:pic>
+        <p:nvPicPr>
+          <p:cNvPr id="5" name="Content Placeholder 4" descr="A map of the world with blue dots&#10;&#10;Description automatically generated">
+            <a:extLst>
+              <a:ext uri="{FF2B5EF4-FFF2-40B4-BE49-F238E27FC236}">
+                <a16:creationId xmlns:a16="http://schemas.microsoft.com/office/drawing/2014/main" id="{5959B738-2A8E-2B2E-44E9-F8A243BF0B70}"/>
+              </a:ext>
+            </a:extLst>
+          </p:cNvPr>
+          <p:cNvPicPr>
+            <a:picLocks noGrp="1" noChangeAspect="1"/>
+          </p:cNvPicPr>
+          <p:nvPr>
+            <p:ph idx="1"/>
+          </p:nvPr>
+        </p:nvPicPr>
+        <p:blipFill>
+          <a:blip r:embed="rId3"/>
+          <a:stretch>
+            <a:fillRect/>
+          </a:stretch>
+        </p:blipFill>
+        <p:spPr>
+          <a:xfrm>
+            <a:off x="6180567" y="751986"/>
+            <a:ext cx="5460568" cy="2634724"/>
+          </a:xfrm>
+          <a:prstGeom prst="rect">
+            <a:avLst/>
+          </a:prstGeom>
+        </p:spPr>
+      </p:pic>
+    </p:spTree>
+    <p:extLst>
+      <p:ext uri="{BB962C8B-B14F-4D97-AF65-F5344CB8AC3E}">
+        <p14:creationId xmlns:p14="http://schemas.microsoft.com/office/powerpoint/2010/main" val="3022367190"/>
       </p:ext>
     </p:extLst>
   </p:cSld>

--- a/Presentation1.pptx
+++ b/Presentation1.pptx
@@ -13,9 +13,9 @@
     <p:sldId id="261" r:id="rId7"/>
     <p:sldId id="262" r:id="rId8"/>
     <p:sldId id="263" r:id="rId9"/>
-    <p:sldId id="267" r:id="rId10"/>
-    <p:sldId id="266" r:id="rId11"/>
-    <p:sldId id="264" r:id="rId12"/>
+    <p:sldId id="264" r:id="rId10"/>
+    <p:sldId id="267" r:id="rId11"/>
+    <p:sldId id="266" r:id="rId12"/>
     <p:sldId id="265" r:id="rId13"/>
   </p:sldIdLst>
   <p:sldSz cx="12192000" cy="6858000"/>
@@ -115,6 +115,11 @@
       </a:defRPr>
     </a:lvl9pPr>
   </p:defaultTextStyle>
+  <p:extLst>
+    <p:ext uri="{EFAFB233-063F-42B5-8137-9DF3F51BA10A}">
+      <p15:sldGuideLst xmlns:p15="http://schemas.microsoft.com/office/powerpoint/2012/main"/>
+    </p:ext>
+  </p:extLst>
 </p:presentation>
 </file>
 
@@ -18530,6 +18535,1752 @@
           <a:chExt cx="0" cy="0"/>
         </a:xfrm>
       </p:grpSpPr>
+      <p:grpSp>
+        <p:nvGrpSpPr>
+          <p:cNvPr id="58" name="Group 57">
+            <a:extLst>
+              <a:ext uri="{FF2B5EF4-FFF2-40B4-BE49-F238E27FC236}">
+                <a16:creationId xmlns:a16="http://schemas.microsoft.com/office/drawing/2014/main" id="{BF4E480B-94D6-46F9-A2B6-B98D311FDC19}"/>
+              </a:ext>
+              <a:ext uri="{C183D7F6-B498-43B3-948B-1728B52AA6E4}">
+                <adec:decorative xmlns:adec="http://schemas.microsoft.com/office/drawing/2017/decorative" val="1"/>
+              </a:ext>
+            </a:extLst>
+          </p:cNvPr>
+          <p:cNvGrpSpPr>
+            <a:grpSpLocks noGrp="1" noUngrp="1" noRot="1" noChangeAspect="1" noMove="1" noResize="1"/>
+          </p:cNvGrpSpPr>
+          <p:nvPr>
+            <p:extLst>
+              <p:ext uri="{386F3935-93C4-4BCD-93E2-E3B085C9AB24}">
+                <p16:designElem xmlns:p16="http://schemas.microsoft.com/office/powerpoint/2015/main" val="1"/>
+              </p:ext>
+            </p:extLst>
+          </p:nvPr>
+        </p:nvGrpSpPr>
+        <p:grpSpPr>
+          <a:xfrm>
+            <a:off x="0" y="0"/>
+            <a:ext cx="12191999" cy="6861600"/>
+            <a:chOff x="1" y="0"/>
+            <a:chExt cx="12191999" cy="6861600"/>
+          </a:xfrm>
+        </p:grpSpPr>
+        <p:sp>
+          <p:nvSpPr>
+            <p:cNvPr id="60" name="Rectangle 59">
+              <a:extLst>
+                <a:ext uri="{FF2B5EF4-FFF2-40B4-BE49-F238E27FC236}">
+                  <a16:creationId xmlns:a16="http://schemas.microsoft.com/office/drawing/2014/main" id="{07183CDE-91A1-40C3-8E80-66F89E1C2D53}"/>
+                </a:ext>
+                <a:ext uri="{C183D7F6-B498-43B3-948B-1728B52AA6E4}">
+                  <adec:decorative xmlns:adec="http://schemas.microsoft.com/office/drawing/2017/decorative" val="1"/>
+                </a:ext>
+              </a:extLst>
+            </p:cNvPr>
+            <p:cNvSpPr>
+              <a:spLocks noChangeAspect="1"/>
+            </p:cNvSpPr>
+            <p:nvPr>
+              <p:extLst>
+                <p:ext uri="{386F3935-93C4-4BCD-93E2-E3B085C9AB24}">
+                  <p16:designElem xmlns:p16="http://schemas.microsoft.com/office/powerpoint/2015/main" val="1"/>
+                </p:ext>
+              </p:extLst>
+            </p:nvPr>
+          </p:nvSpPr>
+          <p:spPr>
+            <a:xfrm rot="16200000">
+              <a:off x="1" y="1640114"/>
+              <a:ext cx="5217886" cy="5217886"/>
+            </a:xfrm>
+            <a:prstGeom prst="rect">
+              <a:avLst/>
+            </a:prstGeom>
+            <a:gradFill flip="none" rotWithShape="1">
+              <a:gsLst>
+                <a:gs pos="0">
+                  <a:schemeClr val="accent2">
+                    <a:alpha val="60000"/>
+                  </a:schemeClr>
+                </a:gs>
+                <a:gs pos="60000">
+                  <a:schemeClr val="accent2">
+                    <a:alpha val="0"/>
+                  </a:schemeClr>
+                </a:gs>
+              </a:gsLst>
+              <a:path path="circle">
+                <a:fillToRect r="100000" b="100000"/>
+              </a:path>
+              <a:tileRect l="-100000" t="-100000"/>
+            </a:gradFill>
+            <a:ln w="12700" cap="flat" cmpd="sng" algn="ctr">
+              <a:noFill/>
+              <a:prstDash val="solid"/>
+              <a:miter lim="800000"/>
+            </a:ln>
+            <a:effectLst/>
+          </p:spPr>
+          <p:style>
+            <a:lnRef idx="2">
+              <a:schemeClr val="accent1">
+                <a:shade val="50000"/>
+              </a:schemeClr>
+            </a:lnRef>
+            <a:fillRef idx="1">
+              <a:schemeClr val="accent1"/>
+            </a:fillRef>
+            <a:effectRef idx="0">
+              <a:schemeClr val="accent1"/>
+            </a:effectRef>
+            <a:fontRef idx="minor">
+              <a:schemeClr val="lt1"/>
+            </a:fontRef>
+          </p:style>
+          <p:txBody>
+            <a:bodyPr rtlCol="0" anchor="ctr"/>
+            <a:lstStyle/>
+            <a:p>
+              <a:pPr algn="r"/>
+              <a:endParaRPr lang="en-US"/>
+            </a:p>
+          </p:txBody>
+        </p:sp>
+        <p:sp>
+          <p:nvSpPr>
+            <p:cNvPr id="61" name="Oval 60">
+              <a:extLst>
+                <a:ext uri="{FF2B5EF4-FFF2-40B4-BE49-F238E27FC236}">
+                  <a16:creationId xmlns:a16="http://schemas.microsoft.com/office/drawing/2014/main" id="{A6756515-F9AA-46BD-8DD2-AA15BA492AC0}"/>
+                </a:ext>
+                <a:ext uri="{C183D7F6-B498-43B3-948B-1728B52AA6E4}">
+                  <adec:decorative xmlns:adec="http://schemas.microsoft.com/office/drawing/2017/decorative" val="1"/>
+                </a:ext>
+              </a:extLst>
+            </p:cNvPr>
+            <p:cNvSpPr>
+              <a:spLocks noChangeAspect="1"/>
+            </p:cNvSpPr>
+            <p:nvPr>
+              <p:extLst>
+                <p:ext uri="{386F3935-93C4-4BCD-93E2-E3B085C9AB24}">
+                  <p16:designElem xmlns:p16="http://schemas.microsoft.com/office/powerpoint/2015/main" val="1"/>
+                </p:ext>
+              </p:extLst>
+            </p:nvPr>
+          </p:nvSpPr>
+          <p:spPr>
+            <a:xfrm>
+              <a:off x="6384514" y="0"/>
+              <a:ext cx="4320000" cy="4320000"/>
+            </a:xfrm>
+            <a:prstGeom prst="ellipse">
+              <a:avLst/>
+            </a:prstGeom>
+            <a:solidFill>
+              <a:schemeClr val="accent3">
+                <a:alpha val="96000"/>
+              </a:schemeClr>
+            </a:solidFill>
+            <a:ln>
+              <a:noFill/>
+            </a:ln>
+            <a:effectLst>
+              <a:softEdge rad="1016000"/>
+            </a:effectLst>
+          </p:spPr>
+          <p:style>
+            <a:lnRef idx="2">
+              <a:schemeClr val="accent1">
+                <a:shade val="50000"/>
+              </a:schemeClr>
+            </a:lnRef>
+            <a:fillRef idx="1">
+              <a:schemeClr val="accent1"/>
+            </a:fillRef>
+            <a:effectRef idx="0">
+              <a:schemeClr val="accent1"/>
+            </a:effectRef>
+            <a:fontRef idx="minor">
+              <a:schemeClr val="lt1"/>
+            </a:fontRef>
+          </p:style>
+          <p:txBody>
+            <a:bodyPr rtlCol="0" anchor="ctr"/>
+            <a:lstStyle/>
+            <a:p>
+              <a:pPr algn="r"/>
+              <a:endParaRPr lang="en-US"/>
+            </a:p>
+          </p:txBody>
+        </p:sp>
+        <p:sp>
+          <p:nvSpPr>
+            <p:cNvPr id="62" name="Oval 61">
+              <a:extLst>
+                <a:ext uri="{FF2B5EF4-FFF2-40B4-BE49-F238E27FC236}">
+                  <a16:creationId xmlns:a16="http://schemas.microsoft.com/office/drawing/2014/main" id="{ABA365E2-8B71-408B-9092-0104216AC7AC}"/>
+                </a:ext>
+                <a:ext uri="{C183D7F6-B498-43B3-948B-1728B52AA6E4}">
+                  <adec:decorative xmlns:adec="http://schemas.microsoft.com/office/drawing/2017/decorative" val="1"/>
+                </a:ext>
+              </a:extLst>
+            </p:cNvPr>
+            <p:cNvSpPr>
+              <a:spLocks noChangeAspect="1"/>
+            </p:cNvSpPr>
+            <p:nvPr>
+              <p:extLst>
+                <p:ext uri="{386F3935-93C4-4BCD-93E2-E3B085C9AB24}">
+                  <p16:designElem xmlns:p16="http://schemas.microsoft.com/office/powerpoint/2015/main" val="1"/>
+                </p:ext>
+              </p:extLst>
+            </p:nvPr>
+          </p:nvSpPr>
+          <p:spPr>
+            <a:xfrm>
+              <a:off x="6119057" y="1230054"/>
+              <a:ext cx="5506886" cy="5506886"/>
+            </a:xfrm>
+            <a:prstGeom prst="ellipse">
+              <a:avLst/>
+            </a:prstGeom>
+            <a:solidFill>
+              <a:schemeClr val="accent2">
+                <a:alpha val="60000"/>
+              </a:schemeClr>
+            </a:solidFill>
+            <a:ln>
+              <a:noFill/>
+            </a:ln>
+            <a:effectLst>
+              <a:softEdge rad="1270000"/>
+            </a:effectLst>
+          </p:spPr>
+          <p:style>
+            <a:lnRef idx="2">
+              <a:schemeClr val="accent1">
+                <a:shade val="50000"/>
+              </a:schemeClr>
+            </a:lnRef>
+            <a:fillRef idx="1">
+              <a:schemeClr val="accent1"/>
+            </a:fillRef>
+            <a:effectRef idx="0">
+              <a:schemeClr val="accent1"/>
+            </a:effectRef>
+            <a:fontRef idx="minor">
+              <a:schemeClr val="lt1"/>
+            </a:fontRef>
+          </p:style>
+          <p:txBody>
+            <a:bodyPr rtlCol="0" anchor="ctr"/>
+            <a:lstStyle/>
+            <a:p>
+              <a:pPr algn="r"/>
+              <a:endParaRPr lang="en-US" dirty="0"/>
+            </a:p>
+          </p:txBody>
+        </p:sp>
+        <p:grpSp>
+          <p:nvGrpSpPr>
+            <p:cNvPr id="35" name="Group 34">
+              <a:extLst>
+                <a:ext uri="{FF2B5EF4-FFF2-40B4-BE49-F238E27FC236}">
+                  <a16:creationId xmlns:a16="http://schemas.microsoft.com/office/drawing/2014/main" id="{BEDB8D7A-1BF6-4CDB-B93A-7736955F5043}"/>
+                </a:ext>
+                <a:ext uri="{C183D7F6-B498-43B3-948B-1728B52AA6E4}">
+                  <adec:decorative xmlns:adec="http://schemas.microsoft.com/office/drawing/2017/decorative" val="1"/>
+                </a:ext>
+              </a:extLst>
+            </p:cNvPr>
+            <p:cNvGrpSpPr>
+              <a:grpSpLocks noChangeAspect="1"/>
+            </p:cNvGrpSpPr>
+            <p:nvPr>
+              <p:extLst>
+                <p:ext uri="{386F3935-93C4-4BCD-93E2-E3B085C9AB24}">
+                  <p16:designElem xmlns:p16="http://schemas.microsoft.com/office/powerpoint/2015/main" val="1"/>
+                </p:ext>
+              </p:extLst>
+            </p:nvPr>
+          </p:nvGrpSpPr>
+          <p:grpSpPr>
+            <a:xfrm>
+              <a:off x="690092" y="0"/>
+              <a:ext cx="10800000" cy="6858000"/>
+              <a:chOff x="2328000" y="0"/>
+              <a:chExt cx="2880000" cy="1440000"/>
+            </a:xfrm>
+          </p:grpSpPr>
+          <p:sp>
+            <p:nvSpPr>
+              <p:cNvPr id="63" name="Rectangle 62">
+                <a:extLst>
+                  <a:ext uri="{FF2B5EF4-FFF2-40B4-BE49-F238E27FC236}">
+                    <a16:creationId xmlns:a16="http://schemas.microsoft.com/office/drawing/2014/main" id="{5AACD774-5167-46C7-8A62-6E2FE4BE9469}"/>
+                  </a:ext>
+                  <a:ext uri="{C183D7F6-B498-43B3-948B-1728B52AA6E4}">
+                    <adec:decorative xmlns:adec="http://schemas.microsoft.com/office/drawing/2017/decorative" val="1"/>
+                  </a:ext>
+                </a:extLst>
+              </p:cNvPr>
+              <p:cNvSpPr/>
+              <p:nvPr>
+                <p:extLst>
+                  <p:ext uri="{386F3935-93C4-4BCD-93E2-E3B085C9AB24}">
+                    <p16:designElem xmlns:p16="http://schemas.microsoft.com/office/powerpoint/2015/main" val="1"/>
+                  </p:ext>
+                </p:extLst>
+              </p:nvPr>
+            </p:nvSpPr>
+            <p:spPr>
+              <a:xfrm>
+                <a:off x="3768000" y="0"/>
+                <a:ext cx="1440000" cy="1440000"/>
+              </a:xfrm>
+              <a:prstGeom prst="rect">
+                <a:avLst/>
+              </a:prstGeom>
+              <a:gradFill flip="none" rotWithShape="1">
+                <a:gsLst>
+                  <a:gs pos="0">
+                    <a:schemeClr val="accent1"/>
+                  </a:gs>
+                  <a:gs pos="60000">
+                    <a:schemeClr val="accent1">
+                      <a:alpha val="0"/>
+                    </a:schemeClr>
+                  </a:gs>
+                </a:gsLst>
+                <a:path path="circle">
+                  <a:fillToRect r="100000" b="100000"/>
+                </a:path>
+                <a:tileRect l="-100000" t="-100000"/>
+              </a:gradFill>
+              <a:ln w="12700" cap="flat" cmpd="sng" algn="ctr">
+                <a:noFill/>
+                <a:prstDash val="solid"/>
+                <a:miter lim="800000"/>
+              </a:ln>
+              <a:effectLst/>
+            </p:spPr>
+            <p:style>
+              <a:lnRef idx="2">
+                <a:schemeClr val="accent1">
+                  <a:shade val="50000"/>
+                </a:schemeClr>
+              </a:lnRef>
+              <a:fillRef idx="1">
+                <a:schemeClr val="accent1"/>
+              </a:fillRef>
+              <a:effectRef idx="0">
+                <a:schemeClr val="accent1"/>
+              </a:effectRef>
+              <a:fontRef idx="minor">
+                <a:schemeClr val="lt1"/>
+              </a:fontRef>
+            </p:style>
+            <p:txBody>
+              <a:bodyPr rtlCol="0" anchor="ctr"/>
+              <a:lstStyle/>
+              <a:p>
+                <a:pPr algn="r"/>
+                <a:endParaRPr lang="en-US"/>
+              </a:p>
+            </p:txBody>
+          </p:sp>
+          <p:sp>
+            <p:nvSpPr>
+              <p:cNvPr id="64" name="Rectangle 63">
+                <a:extLst>
+                  <a:ext uri="{FF2B5EF4-FFF2-40B4-BE49-F238E27FC236}">
+                    <a16:creationId xmlns:a16="http://schemas.microsoft.com/office/drawing/2014/main" id="{06E0F2D8-452E-48F9-9912-C47EAEAE1802}"/>
+                  </a:ext>
+                  <a:ext uri="{C183D7F6-B498-43B3-948B-1728B52AA6E4}">
+                    <adec:decorative xmlns:adec="http://schemas.microsoft.com/office/drawing/2017/decorative" val="1"/>
+                  </a:ext>
+                </a:extLst>
+              </p:cNvPr>
+              <p:cNvSpPr/>
+              <p:nvPr>
+                <p:extLst>
+                  <p:ext uri="{386F3935-93C4-4BCD-93E2-E3B085C9AB24}">
+                    <p16:designElem xmlns:p16="http://schemas.microsoft.com/office/powerpoint/2015/main" val="1"/>
+                  </p:ext>
+                </p:extLst>
+              </p:nvPr>
+            </p:nvSpPr>
+            <p:spPr>
+              <a:xfrm flipH="1">
+                <a:off x="2328000" y="0"/>
+                <a:ext cx="1440000" cy="1440000"/>
+              </a:xfrm>
+              <a:prstGeom prst="rect">
+                <a:avLst/>
+              </a:prstGeom>
+              <a:gradFill flip="none" rotWithShape="1">
+                <a:gsLst>
+                  <a:gs pos="0">
+                    <a:schemeClr val="accent1"/>
+                  </a:gs>
+                  <a:gs pos="60000">
+                    <a:schemeClr val="accent1">
+                      <a:alpha val="0"/>
+                    </a:schemeClr>
+                  </a:gs>
+                </a:gsLst>
+                <a:path path="circle">
+                  <a:fillToRect r="100000" b="100000"/>
+                </a:path>
+                <a:tileRect l="-100000" t="-100000"/>
+              </a:gradFill>
+              <a:ln w="12700" cap="flat" cmpd="sng" algn="ctr">
+                <a:noFill/>
+                <a:prstDash val="solid"/>
+                <a:miter lim="800000"/>
+              </a:ln>
+              <a:effectLst/>
+            </p:spPr>
+            <p:style>
+              <a:lnRef idx="2">
+                <a:schemeClr val="accent1">
+                  <a:shade val="50000"/>
+                </a:schemeClr>
+              </a:lnRef>
+              <a:fillRef idx="1">
+                <a:schemeClr val="accent1"/>
+              </a:fillRef>
+              <a:effectRef idx="0">
+                <a:schemeClr val="accent1"/>
+              </a:effectRef>
+              <a:fontRef idx="minor">
+                <a:schemeClr val="lt1"/>
+              </a:fontRef>
+            </p:style>
+            <p:txBody>
+              <a:bodyPr rtlCol="0" anchor="ctr"/>
+              <a:lstStyle/>
+              <a:p>
+                <a:pPr algn="r"/>
+                <a:endParaRPr lang="en-US"/>
+              </a:p>
+            </p:txBody>
+          </p:sp>
+        </p:grpSp>
+        <p:grpSp>
+          <p:nvGrpSpPr>
+            <p:cNvPr id="36" name="Group 35">
+              <a:extLst>
+                <a:ext uri="{FF2B5EF4-FFF2-40B4-BE49-F238E27FC236}">
+                  <a16:creationId xmlns:a16="http://schemas.microsoft.com/office/drawing/2014/main" id="{91FBBF95-430B-427C-A6E8-DB899217FC00}"/>
+                </a:ext>
+                <a:ext uri="{C183D7F6-B498-43B3-948B-1728B52AA6E4}">
+                  <adec:decorative xmlns:adec="http://schemas.microsoft.com/office/drawing/2017/decorative" val="1"/>
+                </a:ext>
+              </a:extLst>
+            </p:cNvPr>
+            <p:cNvGrpSpPr>
+              <a:grpSpLocks noChangeAspect="1"/>
+            </p:cNvGrpSpPr>
+            <p:nvPr>
+              <p:extLst>
+                <p:ext uri="{386F3935-93C4-4BCD-93E2-E3B085C9AB24}">
+                  <p16:designElem xmlns:p16="http://schemas.microsoft.com/office/powerpoint/2015/main" val="1"/>
+                </p:ext>
+              </p:extLst>
+            </p:nvPr>
+          </p:nvGrpSpPr>
+          <p:grpSpPr>
+            <a:xfrm rot="5400000">
+              <a:off x="7048499" y="1714500"/>
+              <a:ext cx="6858000" cy="3429000"/>
+              <a:chOff x="0" y="0"/>
+              <a:chExt cx="2880000" cy="1440000"/>
+            </a:xfrm>
+          </p:grpSpPr>
+          <p:sp>
+            <p:nvSpPr>
+              <p:cNvPr id="65" name="Rectangle 64">
+                <a:extLst>
+                  <a:ext uri="{FF2B5EF4-FFF2-40B4-BE49-F238E27FC236}">
+                    <a16:creationId xmlns:a16="http://schemas.microsoft.com/office/drawing/2014/main" id="{BEE64698-3ED2-4395-B7FC-65248E437E0A}"/>
+                  </a:ext>
+                  <a:ext uri="{C183D7F6-B498-43B3-948B-1728B52AA6E4}">
+                    <adec:decorative xmlns:adec="http://schemas.microsoft.com/office/drawing/2017/decorative" val="1"/>
+                  </a:ext>
+                </a:extLst>
+              </p:cNvPr>
+              <p:cNvSpPr/>
+              <p:nvPr>
+                <p:extLst>
+                  <p:ext uri="{386F3935-93C4-4BCD-93E2-E3B085C9AB24}">
+                    <p16:designElem xmlns:p16="http://schemas.microsoft.com/office/powerpoint/2015/main" val="1"/>
+                  </p:ext>
+                </p:extLst>
+              </p:nvPr>
+            </p:nvSpPr>
+            <p:spPr>
+              <a:xfrm>
+                <a:off x="1440000" y="0"/>
+                <a:ext cx="1440000" cy="1440000"/>
+              </a:xfrm>
+              <a:prstGeom prst="rect">
+                <a:avLst/>
+              </a:prstGeom>
+              <a:gradFill flip="none" rotWithShape="1">
+                <a:gsLst>
+                  <a:gs pos="0">
+                    <a:schemeClr val="accent2"/>
+                  </a:gs>
+                  <a:gs pos="60000">
+                    <a:schemeClr val="accent2">
+                      <a:alpha val="0"/>
+                    </a:schemeClr>
+                  </a:gs>
+                </a:gsLst>
+                <a:path path="circle">
+                  <a:fillToRect r="100000" b="100000"/>
+                </a:path>
+                <a:tileRect l="-100000" t="-100000"/>
+              </a:gradFill>
+              <a:ln w="12700" cap="flat" cmpd="sng" algn="ctr">
+                <a:noFill/>
+                <a:prstDash val="solid"/>
+                <a:miter lim="800000"/>
+              </a:ln>
+              <a:effectLst/>
+            </p:spPr>
+            <p:style>
+              <a:lnRef idx="2">
+                <a:schemeClr val="accent1">
+                  <a:shade val="50000"/>
+                </a:schemeClr>
+              </a:lnRef>
+              <a:fillRef idx="1">
+                <a:schemeClr val="accent1"/>
+              </a:fillRef>
+              <a:effectRef idx="0">
+                <a:schemeClr val="accent1"/>
+              </a:effectRef>
+              <a:fontRef idx="minor">
+                <a:schemeClr val="lt1"/>
+              </a:fontRef>
+            </p:style>
+            <p:txBody>
+              <a:bodyPr rtlCol="0" anchor="ctr"/>
+              <a:lstStyle/>
+              <a:p>
+                <a:pPr algn="r"/>
+                <a:endParaRPr lang="en-US"/>
+              </a:p>
+            </p:txBody>
+          </p:sp>
+          <p:sp>
+            <p:nvSpPr>
+              <p:cNvPr id="66" name="Rectangle 65">
+                <a:extLst>
+                  <a:ext uri="{FF2B5EF4-FFF2-40B4-BE49-F238E27FC236}">
+                    <a16:creationId xmlns:a16="http://schemas.microsoft.com/office/drawing/2014/main" id="{FE20B1E1-CE09-4C2A-A3FB-DB8026C54E98}"/>
+                  </a:ext>
+                  <a:ext uri="{C183D7F6-B498-43B3-948B-1728B52AA6E4}">
+                    <adec:decorative xmlns:adec="http://schemas.microsoft.com/office/drawing/2017/decorative" val="1"/>
+                  </a:ext>
+                </a:extLst>
+              </p:cNvPr>
+              <p:cNvSpPr/>
+              <p:nvPr>
+                <p:extLst>
+                  <p:ext uri="{386F3935-93C4-4BCD-93E2-E3B085C9AB24}">
+                    <p16:designElem xmlns:p16="http://schemas.microsoft.com/office/powerpoint/2015/main" val="1"/>
+                  </p:ext>
+                </p:extLst>
+              </p:nvPr>
+            </p:nvSpPr>
+            <p:spPr>
+              <a:xfrm flipH="1">
+                <a:off x="0" y="0"/>
+                <a:ext cx="1440000" cy="1440000"/>
+              </a:xfrm>
+              <a:prstGeom prst="rect">
+                <a:avLst/>
+              </a:prstGeom>
+              <a:gradFill flip="none" rotWithShape="1">
+                <a:gsLst>
+                  <a:gs pos="0">
+                    <a:schemeClr val="accent2"/>
+                  </a:gs>
+                  <a:gs pos="60000">
+                    <a:schemeClr val="accent2">
+                      <a:alpha val="0"/>
+                    </a:schemeClr>
+                  </a:gs>
+                </a:gsLst>
+                <a:path path="circle">
+                  <a:fillToRect r="100000" b="100000"/>
+                </a:path>
+                <a:tileRect l="-100000" t="-100000"/>
+              </a:gradFill>
+              <a:ln w="12700" cap="flat" cmpd="sng" algn="ctr">
+                <a:noFill/>
+                <a:prstDash val="solid"/>
+                <a:miter lim="800000"/>
+              </a:ln>
+              <a:effectLst/>
+            </p:spPr>
+            <p:style>
+              <a:lnRef idx="2">
+                <a:schemeClr val="accent1">
+                  <a:shade val="50000"/>
+                </a:schemeClr>
+              </a:lnRef>
+              <a:fillRef idx="1">
+                <a:schemeClr val="accent1"/>
+              </a:fillRef>
+              <a:effectRef idx="0">
+                <a:schemeClr val="accent1"/>
+              </a:effectRef>
+              <a:fontRef idx="minor">
+                <a:schemeClr val="lt1"/>
+              </a:fontRef>
+            </p:style>
+            <p:txBody>
+              <a:bodyPr rtlCol="0" anchor="ctr"/>
+              <a:lstStyle/>
+              <a:p>
+                <a:pPr algn="r"/>
+                <a:endParaRPr lang="en-US"/>
+              </a:p>
+            </p:txBody>
+          </p:sp>
+        </p:grpSp>
+        <p:sp>
+          <p:nvSpPr>
+            <p:cNvPr id="67" name="Rectangle 66">
+              <a:extLst>
+                <a:ext uri="{FF2B5EF4-FFF2-40B4-BE49-F238E27FC236}">
+                  <a16:creationId xmlns:a16="http://schemas.microsoft.com/office/drawing/2014/main" id="{0CB2405B-A907-48B3-906A-FB3573C0B282}"/>
+                </a:ext>
+                <a:ext uri="{C183D7F6-B498-43B3-948B-1728B52AA6E4}">
+                  <adec:decorative xmlns:adec="http://schemas.microsoft.com/office/drawing/2017/decorative" val="1"/>
+                </a:ext>
+              </a:extLst>
+            </p:cNvPr>
+            <p:cNvSpPr>
+              <a:spLocks noChangeAspect="1"/>
+            </p:cNvSpPr>
+            <p:nvPr>
+              <p:extLst>
+                <p:ext uri="{386F3935-93C4-4BCD-93E2-E3B085C9AB24}">
+                  <p16:designElem xmlns:p16="http://schemas.microsoft.com/office/powerpoint/2015/main" val="1"/>
+                </p:ext>
+              </p:extLst>
+            </p:nvPr>
+          </p:nvSpPr>
+          <p:spPr>
+            <a:xfrm rot="10800000">
+              <a:off x="5602287" y="271887"/>
+              <a:ext cx="6589713" cy="6589713"/>
+            </a:xfrm>
+            <a:prstGeom prst="rect">
+              <a:avLst/>
+            </a:prstGeom>
+            <a:gradFill flip="none" rotWithShape="1">
+              <a:gsLst>
+                <a:gs pos="0">
+                  <a:schemeClr val="accent3"/>
+                </a:gs>
+                <a:gs pos="60000">
+                  <a:schemeClr val="accent3">
+                    <a:alpha val="0"/>
+                  </a:schemeClr>
+                </a:gs>
+              </a:gsLst>
+              <a:path path="circle">
+                <a:fillToRect r="100000" b="100000"/>
+              </a:path>
+              <a:tileRect l="-100000" t="-100000"/>
+            </a:gradFill>
+            <a:ln w="12700" cap="flat" cmpd="sng" algn="ctr">
+              <a:noFill/>
+              <a:prstDash val="solid"/>
+              <a:miter lim="800000"/>
+            </a:ln>
+            <a:effectLst/>
+          </p:spPr>
+          <p:style>
+            <a:lnRef idx="2">
+              <a:schemeClr val="accent1">
+                <a:shade val="50000"/>
+              </a:schemeClr>
+            </a:lnRef>
+            <a:fillRef idx="1">
+              <a:schemeClr val="accent1"/>
+            </a:fillRef>
+            <a:effectRef idx="0">
+              <a:schemeClr val="accent1"/>
+            </a:effectRef>
+            <a:fontRef idx="minor">
+              <a:schemeClr val="lt1"/>
+            </a:fontRef>
+          </p:style>
+          <p:txBody>
+            <a:bodyPr rtlCol="0" anchor="ctr"/>
+            <a:lstStyle/>
+            <a:p>
+              <a:pPr algn="r"/>
+              <a:endParaRPr lang="en-US"/>
+            </a:p>
+          </p:txBody>
+        </p:sp>
+      </p:grpSp>
+      <p:sp>
+        <p:nvSpPr>
+          <p:cNvPr id="68" name="Rectangle 67">
+            <a:extLst>
+              <a:ext uri="{FF2B5EF4-FFF2-40B4-BE49-F238E27FC236}">
+                <a16:creationId xmlns:a16="http://schemas.microsoft.com/office/drawing/2014/main" id="{6DC8E2D9-6729-4614-8667-C1016D3182E4}"/>
+              </a:ext>
+              <a:ext uri="{C183D7F6-B498-43B3-948B-1728B52AA6E4}">
+                <adec:decorative xmlns:adec="http://schemas.microsoft.com/office/drawing/2017/decorative" val="1"/>
+              </a:ext>
+            </a:extLst>
+          </p:cNvPr>
+          <p:cNvSpPr>
+            <a:spLocks noGrp="1" noRot="1" noChangeAspect="1" noMove="1" noResize="1" noEditPoints="1" noAdjustHandles="1" noChangeArrowheads="1" noChangeShapeType="1" noTextEdit="1"/>
+          </p:cNvSpPr>
+          <p:nvPr>
+            <p:extLst>
+              <p:ext uri="{386F3935-93C4-4BCD-93E2-E3B085C9AB24}">
+                <p16:designElem xmlns:p16="http://schemas.microsoft.com/office/powerpoint/2015/main" val="1"/>
+              </p:ext>
+            </p:extLst>
+          </p:nvPr>
+        </p:nvSpPr>
+        <p:spPr>
+          <a:xfrm>
+            <a:off x="0" y="0"/>
+            <a:ext cx="12192000" cy="6858000"/>
+          </a:xfrm>
+          <a:prstGeom prst="rect">
+            <a:avLst/>
+          </a:prstGeom>
+          <a:solidFill>
+            <a:schemeClr val="bg2">
+              <a:alpha val="40000"/>
+            </a:schemeClr>
+          </a:solidFill>
+          <a:ln w="12700" cap="flat" cmpd="sng" algn="ctr">
+            <a:noFill/>
+            <a:prstDash val="solid"/>
+            <a:miter lim="800000"/>
+          </a:ln>
+          <a:effectLst/>
+        </p:spPr>
+        <p:style>
+          <a:lnRef idx="2">
+            <a:schemeClr val="accent1">
+              <a:shade val="50000"/>
+            </a:schemeClr>
+          </a:lnRef>
+          <a:fillRef idx="1">
+            <a:schemeClr val="accent1"/>
+          </a:fillRef>
+          <a:effectRef idx="0">
+            <a:schemeClr val="accent1"/>
+          </a:effectRef>
+          <a:fontRef idx="minor">
+            <a:schemeClr val="lt1"/>
+          </a:fontRef>
+        </p:style>
+        <p:txBody>
+          <a:bodyPr rtlCol="0" anchor="ctr"/>
+          <a:lstStyle/>
+          <a:p>
+            <a:pPr algn="r"/>
+            <a:endParaRPr lang="en-US" dirty="0"/>
+          </a:p>
+        </p:txBody>
+      </p:sp>
+      <p:sp useBgFill="1">
+        <p:nvSpPr>
+          <p:cNvPr id="69" name="Rectangle 68">
+            <a:extLst>
+              <a:ext uri="{FF2B5EF4-FFF2-40B4-BE49-F238E27FC236}">
+                <a16:creationId xmlns:a16="http://schemas.microsoft.com/office/drawing/2014/main" id="{DE59CF68-BABE-4C2C-8CF4-65074F93B2CF}"/>
+              </a:ext>
+              <a:ext uri="{C183D7F6-B498-43B3-948B-1728B52AA6E4}">
+                <adec:decorative xmlns:adec="http://schemas.microsoft.com/office/drawing/2017/decorative" val="1"/>
+              </a:ext>
+            </a:extLst>
+          </p:cNvPr>
+          <p:cNvSpPr>
+            <a:spLocks noGrp="1" noRot="1" noChangeAspect="1" noMove="1" noResize="1" noEditPoints="1" noAdjustHandles="1" noChangeArrowheads="1" noChangeShapeType="1" noTextEdit="1"/>
+          </p:cNvSpPr>
+          <p:nvPr>
+            <p:extLst>
+              <p:ext uri="{386F3935-93C4-4BCD-93E2-E3B085C9AB24}">
+                <p16:designElem xmlns:p16="http://schemas.microsoft.com/office/powerpoint/2015/main" val="1"/>
+              </p:ext>
+            </p:extLst>
+          </p:nvPr>
+        </p:nvSpPr>
+        <p:spPr>
+          <a:xfrm>
+            <a:off x="0" y="0"/>
+            <a:ext cx="12192000" cy="6858000"/>
+          </a:xfrm>
+          <a:prstGeom prst="rect">
+            <a:avLst/>
+          </a:prstGeom>
+          <a:ln w="12700" cap="flat" cmpd="sng" algn="ctr">
+            <a:noFill/>
+            <a:prstDash val="solid"/>
+            <a:miter lim="800000"/>
+          </a:ln>
+          <a:effectLst/>
+        </p:spPr>
+        <p:style>
+          <a:lnRef idx="2">
+            <a:schemeClr val="accent1">
+              <a:shade val="50000"/>
+            </a:schemeClr>
+          </a:lnRef>
+          <a:fillRef idx="1">
+            <a:schemeClr val="accent1"/>
+          </a:fillRef>
+          <a:effectRef idx="0">
+            <a:schemeClr val="accent1"/>
+          </a:effectRef>
+          <a:fontRef idx="minor">
+            <a:schemeClr val="lt1"/>
+          </a:fontRef>
+        </p:style>
+        <p:txBody>
+          <a:bodyPr rtlCol="0" anchor="ctr"/>
+          <a:lstStyle/>
+          <a:p>
+            <a:pPr algn="ctr"/>
+            <a:endParaRPr lang="en-US"/>
+          </a:p>
+        </p:txBody>
+      </p:sp>
+      <p:grpSp>
+        <p:nvGrpSpPr>
+          <p:cNvPr id="47" name="Group 46">
+            <a:extLst>
+              <a:ext uri="{FF2B5EF4-FFF2-40B4-BE49-F238E27FC236}">
+                <a16:creationId xmlns:a16="http://schemas.microsoft.com/office/drawing/2014/main" id="{3E1D28A9-431E-4E55-ADE3-161D757A2DA7}"/>
+              </a:ext>
+              <a:ext uri="{C183D7F6-B498-43B3-948B-1728B52AA6E4}">
+                <adec:decorative xmlns:adec="http://schemas.microsoft.com/office/drawing/2017/decorative" val="1"/>
+              </a:ext>
+            </a:extLst>
+          </p:cNvPr>
+          <p:cNvGrpSpPr>
+            <a:grpSpLocks noGrp="1" noUngrp="1" noRot="1" noChangeAspect="1" noMove="1" noResize="1"/>
+          </p:cNvGrpSpPr>
+          <p:nvPr>
+            <p:extLst>
+              <p:ext uri="{386F3935-93C4-4BCD-93E2-E3B085C9AB24}">
+                <p16:designElem xmlns:p16="http://schemas.microsoft.com/office/powerpoint/2015/main" val="1"/>
+              </p:ext>
+            </p:extLst>
+          </p:nvPr>
+        </p:nvGrpSpPr>
+        <p:grpSpPr>
+          <a:xfrm>
+            <a:off x="1" y="0"/>
+            <a:ext cx="12191999" cy="6861600"/>
+            <a:chOff x="1" y="0"/>
+            <a:chExt cx="12191999" cy="6861600"/>
+          </a:xfrm>
+        </p:grpSpPr>
+        <p:sp>
+          <p:nvSpPr>
+            <p:cNvPr id="48" name="Rectangle 47">
+              <a:extLst>
+                <a:ext uri="{FF2B5EF4-FFF2-40B4-BE49-F238E27FC236}">
+                  <a16:creationId xmlns:a16="http://schemas.microsoft.com/office/drawing/2014/main" id="{72CEE02A-6F09-45F4-B9A5-7C18CC77D225}"/>
+                </a:ext>
+                <a:ext uri="{C183D7F6-B498-43B3-948B-1728B52AA6E4}">
+                  <adec:decorative xmlns:adec="http://schemas.microsoft.com/office/drawing/2017/decorative" val="1"/>
+                </a:ext>
+              </a:extLst>
+            </p:cNvPr>
+            <p:cNvSpPr>
+              <a:spLocks noChangeAspect="1"/>
+            </p:cNvSpPr>
+            <p:nvPr>
+              <p:extLst>
+                <p:ext uri="{386F3935-93C4-4BCD-93E2-E3B085C9AB24}">
+                  <p16:designElem xmlns:p16="http://schemas.microsoft.com/office/powerpoint/2015/main" val="1"/>
+                </p:ext>
+              </p:extLst>
+            </p:nvPr>
+          </p:nvSpPr>
+          <p:spPr>
+            <a:xfrm rot="16200000">
+              <a:off x="1" y="1640114"/>
+              <a:ext cx="5217886" cy="5217886"/>
+            </a:xfrm>
+            <a:prstGeom prst="rect">
+              <a:avLst/>
+            </a:prstGeom>
+            <a:gradFill flip="none" rotWithShape="1">
+              <a:gsLst>
+                <a:gs pos="0">
+                  <a:schemeClr val="accent2">
+                    <a:alpha val="60000"/>
+                  </a:schemeClr>
+                </a:gs>
+                <a:gs pos="60000">
+                  <a:schemeClr val="accent2">
+                    <a:alpha val="0"/>
+                  </a:schemeClr>
+                </a:gs>
+              </a:gsLst>
+              <a:path path="circle">
+                <a:fillToRect r="100000" b="100000"/>
+              </a:path>
+              <a:tileRect l="-100000" t="-100000"/>
+            </a:gradFill>
+            <a:ln w="12700" cap="flat" cmpd="sng" algn="ctr">
+              <a:noFill/>
+              <a:prstDash val="solid"/>
+              <a:miter lim="800000"/>
+            </a:ln>
+            <a:effectLst/>
+          </p:spPr>
+          <p:style>
+            <a:lnRef idx="2">
+              <a:schemeClr val="accent1">
+                <a:shade val="50000"/>
+              </a:schemeClr>
+            </a:lnRef>
+            <a:fillRef idx="1">
+              <a:schemeClr val="accent1"/>
+            </a:fillRef>
+            <a:effectRef idx="0">
+              <a:schemeClr val="accent1"/>
+            </a:effectRef>
+            <a:fontRef idx="minor">
+              <a:schemeClr val="lt1"/>
+            </a:fontRef>
+          </p:style>
+          <p:txBody>
+            <a:bodyPr rtlCol="0" anchor="ctr"/>
+            <a:lstStyle/>
+            <a:p>
+              <a:pPr algn="ctr"/>
+              <a:endParaRPr lang="en-US"/>
+            </a:p>
+          </p:txBody>
+        </p:sp>
+        <p:sp>
+          <p:nvSpPr>
+            <p:cNvPr id="49" name="Oval 48">
+              <a:extLst>
+                <a:ext uri="{FF2B5EF4-FFF2-40B4-BE49-F238E27FC236}">
+                  <a16:creationId xmlns:a16="http://schemas.microsoft.com/office/drawing/2014/main" id="{FE8156EC-CE46-48E4-9D85-95D9D8BEBC0B}"/>
+                </a:ext>
+                <a:ext uri="{C183D7F6-B498-43B3-948B-1728B52AA6E4}">
+                  <adec:decorative xmlns:adec="http://schemas.microsoft.com/office/drawing/2017/decorative" val="1"/>
+                </a:ext>
+              </a:extLst>
+            </p:cNvPr>
+            <p:cNvSpPr>
+              <a:spLocks noChangeAspect="1"/>
+            </p:cNvSpPr>
+            <p:nvPr>
+              <p:extLst>
+                <p:ext uri="{386F3935-93C4-4BCD-93E2-E3B085C9AB24}">
+                  <p16:designElem xmlns:p16="http://schemas.microsoft.com/office/powerpoint/2015/main" val="1"/>
+                </p:ext>
+              </p:extLst>
+            </p:nvPr>
+          </p:nvSpPr>
+          <p:spPr>
+            <a:xfrm>
+              <a:off x="6384514" y="0"/>
+              <a:ext cx="4320000" cy="4320000"/>
+            </a:xfrm>
+            <a:prstGeom prst="ellipse">
+              <a:avLst/>
+            </a:prstGeom>
+            <a:solidFill>
+              <a:schemeClr val="accent3">
+                <a:alpha val="96000"/>
+              </a:schemeClr>
+            </a:solidFill>
+            <a:ln>
+              <a:noFill/>
+            </a:ln>
+            <a:effectLst>
+              <a:softEdge rad="1016000"/>
+            </a:effectLst>
+          </p:spPr>
+          <p:style>
+            <a:lnRef idx="2">
+              <a:schemeClr val="accent1">
+                <a:shade val="50000"/>
+              </a:schemeClr>
+            </a:lnRef>
+            <a:fillRef idx="1">
+              <a:schemeClr val="accent1"/>
+            </a:fillRef>
+            <a:effectRef idx="0">
+              <a:schemeClr val="accent1"/>
+            </a:effectRef>
+            <a:fontRef idx="minor">
+              <a:schemeClr val="lt1"/>
+            </a:fontRef>
+          </p:style>
+          <p:txBody>
+            <a:bodyPr rtlCol="0" anchor="ctr"/>
+            <a:lstStyle/>
+            <a:p>
+              <a:pPr algn="ctr"/>
+              <a:endParaRPr lang="en-US"/>
+            </a:p>
+          </p:txBody>
+        </p:sp>
+        <p:sp>
+          <p:nvSpPr>
+            <p:cNvPr id="50" name="Oval 49">
+              <a:extLst>
+                <a:ext uri="{FF2B5EF4-FFF2-40B4-BE49-F238E27FC236}">
+                  <a16:creationId xmlns:a16="http://schemas.microsoft.com/office/drawing/2014/main" id="{BB9DDD85-3F41-4B1D-9372-0773066BAF8E}"/>
+                </a:ext>
+                <a:ext uri="{C183D7F6-B498-43B3-948B-1728B52AA6E4}">
+                  <adec:decorative xmlns:adec="http://schemas.microsoft.com/office/drawing/2017/decorative" val="1"/>
+                </a:ext>
+              </a:extLst>
+            </p:cNvPr>
+            <p:cNvSpPr>
+              <a:spLocks noChangeAspect="1"/>
+            </p:cNvSpPr>
+            <p:nvPr>
+              <p:extLst>
+                <p:ext uri="{386F3935-93C4-4BCD-93E2-E3B085C9AB24}">
+                  <p16:designElem xmlns:p16="http://schemas.microsoft.com/office/powerpoint/2015/main" val="1"/>
+                </p:ext>
+              </p:extLst>
+            </p:nvPr>
+          </p:nvSpPr>
+          <p:spPr>
+            <a:xfrm>
+              <a:off x="6119057" y="1230054"/>
+              <a:ext cx="5506886" cy="5506886"/>
+            </a:xfrm>
+            <a:prstGeom prst="ellipse">
+              <a:avLst/>
+            </a:prstGeom>
+            <a:solidFill>
+              <a:schemeClr val="accent2">
+                <a:alpha val="60000"/>
+              </a:schemeClr>
+            </a:solidFill>
+            <a:ln>
+              <a:noFill/>
+            </a:ln>
+            <a:effectLst>
+              <a:softEdge rad="1270000"/>
+            </a:effectLst>
+          </p:spPr>
+          <p:style>
+            <a:lnRef idx="2">
+              <a:schemeClr val="accent1">
+                <a:shade val="50000"/>
+              </a:schemeClr>
+            </a:lnRef>
+            <a:fillRef idx="1">
+              <a:schemeClr val="accent1"/>
+            </a:fillRef>
+            <a:effectRef idx="0">
+              <a:schemeClr val="accent1"/>
+            </a:effectRef>
+            <a:fontRef idx="minor">
+              <a:schemeClr val="lt1"/>
+            </a:fontRef>
+          </p:style>
+          <p:txBody>
+            <a:bodyPr rtlCol="0" anchor="ctr"/>
+            <a:lstStyle/>
+            <a:p>
+              <a:pPr algn="ctr"/>
+              <a:endParaRPr lang="en-US" dirty="0"/>
+            </a:p>
+          </p:txBody>
+        </p:sp>
+        <p:grpSp>
+          <p:nvGrpSpPr>
+            <p:cNvPr id="51" name="Group 50">
+              <a:extLst>
+                <a:ext uri="{FF2B5EF4-FFF2-40B4-BE49-F238E27FC236}">
+                  <a16:creationId xmlns:a16="http://schemas.microsoft.com/office/drawing/2014/main" id="{C1131344-09B5-4648-B3ED-C0DCDA5921EB}"/>
+                </a:ext>
+                <a:ext uri="{C183D7F6-B498-43B3-948B-1728B52AA6E4}">
+                  <adec:decorative xmlns:adec="http://schemas.microsoft.com/office/drawing/2017/decorative" val="1"/>
+                </a:ext>
+              </a:extLst>
+            </p:cNvPr>
+            <p:cNvGrpSpPr>
+              <a:grpSpLocks noChangeAspect="1"/>
+            </p:cNvGrpSpPr>
+            <p:nvPr>
+              <p:extLst>
+                <p:ext uri="{386F3935-93C4-4BCD-93E2-E3B085C9AB24}">
+                  <p16:designElem xmlns:p16="http://schemas.microsoft.com/office/powerpoint/2015/main" val="1"/>
+                </p:ext>
+              </p:extLst>
+            </p:nvPr>
+          </p:nvGrpSpPr>
+          <p:grpSpPr>
+            <a:xfrm>
+              <a:off x="690092" y="0"/>
+              <a:ext cx="10800000" cy="6858000"/>
+              <a:chOff x="2328000" y="0"/>
+              <a:chExt cx="2880000" cy="1440000"/>
+            </a:xfrm>
+          </p:grpSpPr>
+          <p:sp>
+            <p:nvSpPr>
+              <p:cNvPr id="56" name="Rectangle 55">
+                <a:extLst>
+                  <a:ext uri="{FF2B5EF4-FFF2-40B4-BE49-F238E27FC236}">
+                    <a16:creationId xmlns:a16="http://schemas.microsoft.com/office/drawing/2014/main" id="{883500BA-71FE-4DAF-BE27-C182514DC0A5}"/>
+                  </a:ext>
+                  <a:ext uri="{C183D7F6-B498-43B3-948B-1728B52AA6E4}">
+                    <adec:decorative xmlns:adec="http://schemas.microsoft.com/office/drawing/2017/decorative" val="1"/>
+                  </a:ext>
+                </a:extLst>
+              </p:cNvPr>
+              <p:cNvSpPr/>
+              <p:nvPr>
+                <p:extLst>
+                  <p:ext uri="{386F3935-93C4-4BCD-93E2-E3B085C9AB24}">
+                    <p16:designElem xmlns:p16="http://schemas.microsoft.com/office/powerpoint/2015/main" val="1"/>
+                  </p:ext>
+                </p:extLst>
+              </p:nvPr>
+            </p:nvSpPr>
+            <p:spPr>
+              <a:xfrm>
+                <a:off x="3768000" y="0"/>
+                <a:ext cx="1440000" cy="1440000"/>
+              </a:xfrm>
+              <a:prstGeom prst="rect">
+                <a:avLst/>
+              </a:prstGeom>
+              <a:gradFill flip="none" rotWithShape="1">
+                <a:gsLst>
+                  <a:gs pos="0">
+                    <a:schemeClr val="accent1"/>
+                  </a:gs>
+                  <a:gs pos="60000">
+                    <a:schemeClr val="accent1">
+                      <a:alpha val="0"/>
+                    </a:schemeClr>
+                  </a:gs>
+                </a:gsLst>
+                <a:path path="circle">
+                  <a:fillToRect r="100000" b="100000"/>
+                </a:path>
+                <a:tileRect l="-100000" t="-100000"/>
+              </a:gradFill>
+              <a:ln w="12700" cap="flat" cmpd="sng" algn="ctr">
+                <a:noFill/>
+                <a:prstDash val="solid"/>
+                <a:miter lim="800000"/>
+              </a:ln>
+              <a:effectLst/>
+            </p:spPr>
+            <p:style>
+              <a:lnRef idx="2">
+                <a:schemeClr val="accent1">
+                  <a:shade val="50000"/>
+                </a:schemeClr>
+              </a:lnRef>
+              <a:fillRef idx="1">
+                <a:schemeClr val="accent1"/>
+              </a:fillRef>
+              <a:effectRef idx="0">
+                <a:schemeClr val="accent1"/>
+              </a:effectRef>
+              <a:fontRef idx="minor">
+                <a:schemeClr val="lt1"/>
+              </a:fontRef>
+            </p:style>
+            <p:txBody>
+              <a:bodyPr rtlCol="0" anchor="ctr"/>
+              <a:lstStyle/>
+              <a:p>
+                <a:pPr algn="ctr"/>
+                <a:endParaRPr lang="en-US"/>
+              </a:p>
+            </p:txBody>
+          </p:sp>
+          <p:sp>
+            <p:nvSpPr>
+              <p:cNvPr id="57" name="Rectangle 56">
+                <a:extLst>
+                  <a:ext uri="{FF2B5EF4-FFF2-40B4-BE49-F238E27FC236}">
+                    <a16:creationId xmlns:a16="http://schemas.microsoft.com/office/drawing/2014/main" id="{EB5220F2-0C35-4C88-8E51-ECBD8A66D0F7}"/>
+                  </a:ext>
+                  <a:ext uri="{C183D7F6-B498-43B3-948B-1728B52AA6E4}">
+                    <adec:decorative xmlns:adec="http://schemas.microsoft.com/office/drawing/2017/decorative" val="1"/>
+                  </a:ext>
+                </a:extLst>
+              </p:cNvPr>
+              <p:cNvSpPr/>
+              <p:nvPr>
+                <p:extLst>
+                  <p:ext uri="{386F3935-93C4-4BCD-93E2-E3B085C9AB24}">
+                    <p16:designElem xmlns:p16="http://schemas.microsoft.com/office/powerpoint/2015/main" val="1"/>
+                  </p:ext>
+                </p:extLst>
+              </p:nvPr>
+            </p:nvSpPr>
+            <p:spPr>
+              <a:xfrm flipH="1">
+                <a:off x="2328000" y="0"/>
+                <a:ext cx="1440000" cy="1440000"/>
+              </a:xfrm>
+              <a:prstGeom prst="rect">
+                <a:avLst/>
+              </a:prstGeom>
+              <a:gradFill flip="none" rotWithShape="1">
+                <a:gsLst>
+                  <a:gs pos="0">
+                    <a:schemeClr val="accent1"/>
+                  </a:gs>
+                  <a:gs pos="60000">
+                    <a:schemeClr val="accent1">
+                      <a:alpha val="0"/>
+                    </a:schemeClr>
+                  </a:gs>
+                </a:gsLst>
+                <a:path path="circle">
+                  <a:fillToRect r="100000" b="100000"/>
+                </a:path>
+                <a:tileRect l="-100000" t="-100000"/>
+              </a:gradFill>
+              <a:ln w="12700" cap="flat" cmpd="sng" algn="ctr">
+                <a:noFill/>
+                <a:prstDash val="solid"/>
+                <a:miter lim="800000"/>
+              </a:ln>
+              <a:effectLst/>
+            </p:spPr>
+            <p:style>
+              <a:lnRef idx="2">
+                <a:schemeClr val="accent1">
+                  <a:shade val="50000"/>
+                </a:schemeClr>
+              </a:lnRef>
+              <a:fillRef idx="1">
+                <a:schemeClr val="accent1"/>
+              </a:fillRef>
+              <a:effectRef idx="0">
+                <a:schemeClr val="accent1"/>
+              </a:effectRef>
+              <a:fontRef idx="minor">
+                <a:schemeClr val="lt1"/>
+              </a:fontRef>
+            </p:style>
+            <p:txBody>
+              <a:bodyPr rtlCol="0" anchor="ctr"/>
+              <a:lstStyle/>
+              <a:p>
+                <a:pPr algn="ctr"/>
+                <a:endParaRPr lang="en-US"/>
+              </a:p>
+            </p:txBody>
+          </p:sp>
+        </p:grpSp>
+        <p:grpSp>
+          <p:nvGrpSpPr>
+            <p:cNvPr id="52" name="Group 51">
+              <a:extLst>
+                <a:ext uri="{FF2B5EF4-FFF2-40B4-BE49-F238E27FC236}">
+                  <a16:creationId xmlns:a16="http://schemas.microsoft.com/office/drawing/2014/main" id="{77B188C7-435E-43E1-92A9-8C3870670C89}"/>
+                </a:ext>
+                <a:ext uri="{C183D7F6-B498-43B3-948B-1728B52AA6E4}">
+                  <adec:decorative xmlns:adec="http://schemas.microsoft.com/office/drawing/2017/decorative" val="1"/>
+                </a:ext>
+              </a:extLst>
+            </p:cNvPr>
+            <p:cNvGrpSpPr>
+              <a:grpSpLocks noChangeAspect="1"/>
+            </p:cNvGrpSpPr>
+            <p:nvPr>
+              <p:extLst>
+                <p:ext uri="{386F3935-93C4-4BCD-93E2-E3B085C9AB24}">
+                  <p16:designElem xmlns:p16="http://schemas.microsoft.com/office/powerpoint/2015/main" val="1"/>
+                </p:ext>
+              </p:extLst>
+            </p:nvPr>
+          </p:nvGrpSpPr>
+          <p:grpSpPr>
+            <a:xfrm rot="5400000">
+              <a:off x="7048499" y="1714500"/>
+              <a:ext cx="6858000" cy="3429000"/>
+              <a:chOff x="0" y="0"/>
+              <a:chExt cx="2880000" cy="1440000"/>
+            </a:xfrm>
+          </p:grpSpPr>
+          <p:sp>
+            <p:nvSpPr>
+              <p:cNvPr id="54" name="Rectangle 53">
+                <a:extLst>
+                  <a:ext uri="{FF2B5EF4-FFF2-40B4-BE49-F238E27FC236}">
+                    <a16:creationId xmlns:a16="http://schemas.microsoft.com/office/drawing/2014/main" id="{CB3992E9-AE5B-4001-81F2-F0257DA37E49}"/>
+                  </a:ext>
+                  <a:ext uri="{C183D7F6-B498-43B3-948B-1728B52AA6E4}">
+                    <adec:decorative xmlns:adec="http://schemas.microsoft.com/office/drawing/2017/decorative" val="1"/>
+                  </a:ext>
+                </a:extLst>
+              </p:cNvPr>
+              <p:cNvSpPr/>
+              <p:nvPr>
+                <p:extLst>
+                  <p:ext uri="{386F3935-93C4-4BCD-93E2-E3B085C9AB24}">
+                    <p16:designElem xmlns:p16="http://schemas.microsoft.com/office/powerpoint/2015/main" val="1"/>
+                  </p:ext>
+                </p:extLst>
+              </p:nvPr>
+            </p:nvSpPr>
+            <p:spPr>
+              <a:xfrm>
+                <a:off x="1440000" y="0"/>
+                <a:ext cx="1440000" cy="1440000"/>
+              </a:xfrm>
+              <a:prstGeom prst="rect">
+                <a:avLst/>
+              </a:prstGeom>
+              <a:gradFill flip="none" rotWithShape="1">
+                <a:gsLst>
+                  <a:gs pos="0">
+                    <a:schemeClr val="accent2"/>
+                  </a:gs>
+                  <a:gs pos="60000">
+                    <a:schemeClr val="accent2">
+                      <a:alpha val="0"/>
+                    </a:schemeClr>
+                  </a:gs>
+                </a:gsLst>
+                <a:path path="circle">
+                  <a:fillToRect r="100000" b="100000"/>
+                </a:path>
+                <a:tileRect l="-100000" t="-100000"/>
+              </a:gradFill>
+              <a:ln w="12700" cap="flat" cmpd="sng" algn="ctr">
+                <a:noFill/>
+                <a:prstDash val="solid"/>
+                <a:miter lim="800000"/>
+              </a:ln>
+              <a:effectLst/>
+            </p:spPr>
+            <p:style>
+              <a:lnRef idx="2">
+                <a:schemeClr val="accent1">
+                  <a:shade val="50000"/>
+                </a:schemeClr>
+              </a:lnRef>
+              <a:fillRef idx="1">
+                <a:schemeClr val="accent1"/>
+              </a:fillRef>
+              <a:effectRef idx="0">
+                <a:schemeClr val="accent1"/>
+              </a:effectRef>
+              <a:fontRef idx="minor">
+                <a:schemeClr val="lt1"/>
+              </a:fontRef>
+            </p:style>
+            <p:txBody>
+              <a:bodyPr rtlCol="0" anchor="ctr"/>
+              <a:lstStyle/>
+              <a:p>
+                <a:pPr algn="ctr"/>
+                <a:endParaRPr lang="en-US"/>
+              </a:p>
+            </p:txBody>
+          </p:sp>
+          <p:sp>
+            <p:nvSpPr>
+              <p:cNvPr id="55" name="Rectangle 54">
+                <a:extLst>
+                  <a:ext uri="{FF2B5EF4-FFF2-40B4-BE49-F238E27FC236}">
+                    <a16:creationId xmlns:a16="http://schemas.microsoft.com/office/drawing/2014/main" id="{5A9B8F0F-31BC-431F-A85C-5BAA30B9F003}"/>
+                  </a:ext>
+                  <a:ext uri="{C183D7F6-B498-43B3-948B-1728B52AA6E4}">
+                    <adec:decorative xmlns:adec="http://schemas.microsoft.com/office/drawing/2017/decorative" val="1"/>
+                  </a:ext>
+                </a:extLst>
+              </p:cNvPr>
+              <p:cNvSpPr/>
+              <p:nvPr>
+                <p:extLst>
+                  <p:ext uri="{386F3935-93C4-4BCD-93E2-E3B085C9AB24}">
+                    <p16:designElem xmlns:p16="http://schemas.microsoft.com/office/powerpoint/2015/main" val="1"/>
+                  </p:ext>
+                </p:extLst>
+              </p:nvPr>
+            </p:nvSpPr>
+            <p:spPr>
+              <a:xfrm flipH="1">
+                <a:off x="0" y="0"/>
+                <a:ext cx="1440000" cy="1440000"/>
+              </a:xfrm>
+              <a:prstGeom prst="rect">
+                <a:avLst/>
+              </a:prstGeom>
+              <a:gradFill flip="none" rotWithShape="1">
+                <a:gsLst>
+                  <a:gs pos="0">
+                    <a:schemeClr val="accent2"/>
+                  </a:gs>
+                  <a:gs pos="60000">
+                    <a:schemeClr val="accent2">
+                      <a:alpha val="0"/>
+                    </a:schemeClr>
+                  </a:gs>
+                </a:gsLst>
+                <a:path path="circle">
+                  <a:fillToRect r="100000" b="100000"/>
+                </a:path>
+                <a:tileRect l="-100000" t="-100000"/>
+              </a:gradFill>
+              <a:ln w="12700" cap="flat" cmpd="sng" algn="ctr">
+                <a:noFill/>
+                <a:prstDash val="solid"/>
+                <a:miter lim="800000"/>
+              </a:ln>
+              <a:effectLst/>
+            </p:spPr>
+            <p:style>
+              <a:lnRef idx="2">
+                <a:schemeClr val="accent1">
+                  <a:shade val="50000"/>
+                </a:schemeClr>
+              </a:lnRef>
+              <a:fillRef idx="1">
+                <a:schemeClr val="accent1"/>
+              </a:fillRef>
+              <a:effectRef idx="0">
+                <a:schemeClr val="accent1"/>
+              </a:effectRef>
+              <a:fontRef idx="minor">
+                <a:schemeClr val="lt1"/>
+              </a:fontRef>
+            </p:style>
+            <p:txBody>
+              <a:bodyPr rtlCol="0" anchor="ctr"/>
+              <a:lstStyle/>
+              <a:p>
+                <a:pPr algn="ctr"/>
+                <a:endParaRPr lang="en-US"/>
+              </a:p>
+            </p:txBody>
+          </p:sp>
+        </p:grpSp>
+        <p:sp>
+          <p:nvSpPr>
+            <p:cNvPr id="53" name="Rectangle 52">
+              <a:extLst>
+                <a:ext uri="{FF2B5EF4-FFF2-40B4-BE49-F238E27FC236}">
+                  <a16:creationId xmlns:a16="http://schemas.microsoft.com/office/drawing/2014/main" id="{7A5E54EA-3C4C-4DAB-9DD7-8ADFC0CC18C4}"/>
+                </a:ext>
+                <a:ext uri="{C183D7F6-B498-43B3-948B-1728B52AA6E4}">
+                  <adec:decorative xmlns:adec="http://schemas.microsoft.com/office/drawing/2017/decorative" val="1"/>
+                </a:ext>
+              </a:extLst>
+            </p:cNvPr>
+            <p:cNvSpPr>
+              <a:spLocks noChangeAspect="1"/>
+            </p:cNvSpPr>
+            <p:nvPr>
+              <p:extLst>
+                <p:ext uri="{386F3935-93C4-4BCD-93E2-E3B085C9AB24}">
+                  <p16:designElem xmlns:p16="http://schemas.microsoft.com/office/powerpoint/2015/main" val="1"/>
+                </p:ext>
+              </p:extLst>
+            </p:nvPr>
+          </p:nvSpPr>
+          <p:spPr>
+            <a:xfrm rot="10800000">
+              <a:off x="5602287" y="271887"/>
+              <a:ext cx="6589713" cy="6589713"/>
+            </a:xfrm>
+            <a:prstGeom prst="rect">
+              <a:avLst/>
+            </a:prstGeom>
+            <a:gradFill flip="none" rotWithShape="1">
+              <a:gsLst>
+                <a:gs pos="0">
+                  <a:schemeClr val="accent3"/>
+                </a:gs>
+                <a:gs pos="60000">
+                  <a:schemeClr val="accent3">
+                    <a:alpha val="0"/>
+                  </a:schemeClr>
+                </a:gs>
+              </a:gsLst>
+              <a:path path="circle">
+                <a:fillToRect r="100000" b="100000"/>
+              </a:path>
+              <a:tileRect l="-100000" t="-100000"/>
+            </a:gradFill>
+            <a:ln w="12700" cap="flat" cmpd="sng" algn="ctr">
+              <a:noFill/>
+              <a:prstDash val="solid"/>
+              <a:miter lim="800000"/>
+            </a:ln>
+            <a:effectLst/>
+          </p:spPr>
+          <p:style>
+            <a:lnRef idx="2">
+              <a:schemeClr val="accent1">
+                <a:shade val="50000"/>
+              </a:schemeClr>
+            </a:lnRef>
+            <a:fillRef idx="1">
+              <a:schemeClr val="accent1"/>
+            </a:fillRef>
+            <a:effectRef idx="0">
+              <a:schemeClr val="accent1"/>
+            </a:effectRef>
+            <a:fontRef idx="minor">
+              <a:schemeClr val="lt1"/>
+            </a:fontRef>
+          </p:style>
+          <p:txBody>
+            <a:bodyPr rtlCol="0" anchor="ctr"/>
+            <a:lstStyle/>
+            <a:p>
+              <a:pPr algn="ctr"/>
+              <a:endParaRPr lang="en-US"/>
+            </a:p>
+          </p:txBody>
+        </p:sp>
+      </p:grpSp>
+      <p:sp>
+        <p:nvSpPr>
+          <p:cNvPr id="59" name="Rectangle 58">
+            <a:extLst>
+              <a:ext uri="{FF2B5EF4-FFF2-40B4-BE49-F238E27FC236}">
+                <a16:creationId xmlns:a16="http://schemas.microsoft.com/office/drawing/2014/main" id="{92723215-36CB-4E08-A75E-75D77CA52A70}"/>
+              </a:ext>
+              <a:ext uri="{C183D7F6-B498-43B3-948B-1728B52AA6E4}">
+                <adec:decorative xmlns:adec="http://schemas.microsoft.com/office/drawing/2017/decorative" val="1"/>
+              </a:ext>
+            </a:extLst>
+          </p:cNvPr>
+          <p:cNvSpPr>
+            <a:spLocks noGrp="1" noRot="1" noChangeAspect="1" noMove="1" noResize="1" noEditPoints="1" noAdjustHandles="1" noChangeArrowheads="1" noChangeShapeType="1" noTextEdit="1"/>
+          </p:cNvSpPr>
+          <p:nvPr>
+            <p:extLst>
+              <p:ext uri="{386F3935-93C4-4BCD-93E2-E3B085C9AB24}">
+                <p16:designElem xmlns:p16="http://schemas.microsoft.com/office/powerpoint/2015/main" val="1"/>
+              </p:ext>
+            </p:extLst>
+          </p:nvPr>
+        </p:nvSpPr>
+        <p:spPr>
+          <a:xfrm flipH="1">
+            <a:off x="0" y="0"/>
+            <a:ext cx="12192000" cy="6858000"/>
+          </a:xfrm>
+          <a:prstGeom prst="rect">
+            <a:avLst/>
+          </a:prstGeom>
+          <a:gradFill flip="none" rotWithShape="1">
+            <a:gsLst>
+              <a:gs pos="0">
+                <a:schemeClr val="bg2">
+                  <a:alpha val="40000"/>
+                </a:schemeClr>
+              </a:gs>
+              <a:gs pos="100000">
+                <a:schemeClr val="bg2">
+                  <a:alpha val="80000"/>
+                </a:schemeClr>
+              </a:gs>
+            </a:gsLst>
+            <a:lin ang="16200000" scaled="1"/>
+            <a:tileRect/>
+          </a:gradFill>
+          <a:ln w="12700" cap="flat" cmpd="sng" algn="ctr">
+            <a:noFill/>
+            <a:prstDash val="solid"/>
+            <a:miter lim="800000"/>
+          </a:ln>
+          <a:effectLst/>
+        </p:spPr>
+        <p:style>
+          <a:lnRef idx="2">
+            <a:schemeClr val="accent1">
+              <a:shade val="50000"/>
+            </a:schemeClr>
+          </a:lnRef>
+          <a:fillRef idx="1">
+            <a:schemeClr val="accent1"/>
+          </a:fillRef>
+          <a:effectRef idx="0">
+            <a:schemeClr val="accent1"/>
+          </a:effectRef>
+          <a:fontRef idx="minor">
+            <a:schemeClr val="lt1"/>
+          </a:fontRef>
+        </p:style>
+        <p:txBody>
+          <a:bodyPr rtlCol="0" anchor="ctr"/>
+          <a:lstStyle/>
+          <a:p>
+            <a:endParaRPr lang="en-US" dirty="0"/>
+          </a:p>
+        </p:txBody>
+      </p:sp>
+      <p:sp>
+        <p:nvSpPr>
+          <p:cNvPr id="2" name="Title 1">
+            <a:extLst>
+              <a:ext uri="{FF2B5EF4-FFF2-40B4-BE49-F238E27FC236}">
+                <a16:creationId xmlns:a16="http://schemas.microsoft.com/office/drawing/2014/main" id="{65110D55-7284-1167-7B38-82B970FA0912}"/>
+              </a:ext>
+            </a:extLst>
+          </p:cNvPr>
+          <p:cNvSpPr>
+            <a:spLocks noGrp="1"/>
+          </p:cNvSpPr>
+          <p:nvPr>
+            <p:ph type="title"/>
+          </p:nvPr>
+        </p:nvSpPr>
+        <p:spPr>
+          <a:xfrm>
+            <a:off x="1487487" y="3768810"/>
+            <a:ext cx="9217026" cy="1769459"/>
+          </a:xfrm>
+        </p:spPr>
+        <p:txBody>
+          <a:bodyPr vert="horz" lIns="91440" tIns="45720" rIns="91440" bIns="45720" rtlCol="0" anchor="b">
+            <a:normAutofit/>
+          </a:bodyPr>
+          <a:lstStyle/>
+          <a:p>
+            <a:pPr algn="ctr"/>
+            <a:r>
+              <a:rPr lang="en-US" dirty="0"/>
+              <a:t>Location</a:t>
+            </a:r>
+            <a:endParaRPr lang="en-US"/>
+          </a:p>
+        </p:txBody>
+      </p:sp>
+      <p:pic>
+        <p:nvPicPr>
+          <p:cNvPr id="7" name="Picture 6" descr="A graph of different colored objects&#10;&#10;Description automatically generated with medium confidence">
+            <a:extLst>
+              <a:ext uri="{FF2B5EF4-FFF2-40B4-BE49-F238E27FC236}">
+                <a16:creationId xmlns:a16="http://schemas.microsoft.com/office/drawing/2014/main" id="{C8A813C3-A692-3401-C5D3-68B24679C9EE}"/>
+              </a:ext>
+            </a:extLst>
+          </p:cNvPr>
+          <p:cNvPicPr>
+            <a:picLocks noChangeAspect="1"/>
+          </p:cNvPicPr>
+          <p:nvPr/>
+        </p:nvPicPr>
+        <p:blipFill>
+          <a:blip r:embed="rId2"/>
+          <a:stretch>
+            <a:fillRect/>
+          </a:stretch>
+        </p:blipFill>
+        <p:spPr>
+          <a:xfrm>
+            <a:off x="1083127" y="549274"/>
+            <a:ext cx="4374313" cy="3040148"/>
+          </a:xfrm>
+          <a:prstGeom prst="rect">
+            <a:avLst/>
+          </a:prstGeom>
+        </p:spPr>
+      </p:pic>
+      <p:pic>
+        <p:nvPicPr>
+          <p:cNvPr id="5" name="Content Placeholder 4" descr="A map of the world with blue dots&#10;&#10;Description automatically generated">
+            <a:extLst>
+              <a:ext uri="{FF2B5EF4-FFF2-40B4-BE49-F238E27FC236}">
+                <a16:creationId xmlns:a16="http://schemas.microsoft.com/office/drawing/2014/main" id="{5959B738-2A8E-2B2E-44E9-F8A243BF0B70}"/>
+              </a:ext>
+            </a:extLst>
+          </p:cNvPr>
+          <p:cNvPicPr>
+            <a:picLocks noGrp="1" noChangeAspect="1"/>
+          </p:cNvPicPr>
+          <p:nvPr>
+            <p:ph idx="1"/>
+          </p:nvPr>
+        </p:nvPicPr>
+        <p:blipFill>
+          <a:blip r:embed="rId3"/>
+          <a:stretch>
+            <a:fillRect/>
+          </a:stretch>
+        </p:blipFill>
+        <p:spPr>
+          <a:xfrm>
+            <a:off x="6180567" y="751986"/>
+            <a:ext cx="5460568" cy="2634724"/>
+          </a:xfrm>
+          <a:prstGeom prst="rect">
+            <a:avLst/>
+          </a:prstGeom>
+        </p:spPr>
+      </p:pic>
+    </p:spTree>
+    <p:extLst>
+      <p:ext uri="{BB962C8B-B14F-4D97-AF65-F5344CB8AC3E}">
+        <p14:creationId xmlns:p14="http://schemas.microsoft.com/office/powerpoint/2010/main" val="3022367190"/>
+      </p:ext>
+    </p:extLst>
+  </p:cSld>
+  <p:clrMapOvr>
+    <a:masterClrMapping/>
+  </p:clrMapOvr>
+</p:sld>
+</file>
+
+<file path=ppt/slides/slide11.xml><?xml version="1.0" encoding="utf-8"?>
+<p:sld xmlns:a="http://schemas.openxmlformats.org/drawingml/2006/main" xmlns:r="http://schemas.openxmlformats.org/officeDocument/2006/relationships" xmlns:p="http://schemas.openxmlformats.org/presentationml/2006/main">
+  <p:cSld>
+    <p:bg>
+      <p:bgPr>
+        <a:solidFill>
+          <a:schemeClr val="bg1"/>
+        </a:solidFill>
+        <a:effectLst/>
+      </p:bgPr>
+    </p:bg>
+    <p:spTree>
+      <p:nvGrpSpPr>
+        <p:cNvPr id="1" name=""/>
+        <p:cNvGrpSpPr/>
+        <p:nvPr/>
+      </p:nvGrpSpPr>
+      <p:grpSpPr>
+        <a:xfrm>
+          <a:off x="0" y="0"/>
+          <a:ext cx="0" cy="0"/>
+          <a:chOff x="0" y="0"/>
+          <a:chExt cx="0" cy="0"/>
+        </a:xfrm>
+      </p:grpSpPr>
       <p:sp useBgFill="1">
         <p:nvSpPr>
           <p:cNvPr id="11" name="Rectangle 10">
@@ -19499,261 +21250,6 @@
     <p:extLst>
       <p:ext uri="{BB962C8B-B14F-4D97-AF65-F5344CB8AC3E}">
         <p14:creationId xmlns:p14="http://schemas.microsoft.com/office/powerpoint/2010/main" val="3607728684"/>
-      </p:ext>
-    </p:extLst>
-  </p:cSld>
-  <p:clrMapOvr>
-    <a:masterClrMapping/>
-  </p:clrMapOvr>
-</p:sld>
-</file>
-
-<file path=ppt/slides/slide11.xml><?xml version="1.0" encoding="utf-8"?>
-<p:sld xmlns:a="http://schemas.openxmlformats.org/drawingml/2006/main" xmlns:r="http://schemas.openxmlformats.org/officeDocument/2006/relationships" xmlns:p="http://schemas.openxmlformats.org/presentationml/2006/main">
-  <p:cSld>
-    <p:bg>
-      <p:bgPr>
-        <a:solidFill>
-          <a:schemeClr val="bg1"/>
-        </a:solidFill>
-        <a:effectLst/>
-      </p:bgPr>
-    </p:bg>
-    <p:spTree>
-      <p:nvGrpSpPr>
-        <p:cNvPr id="1" name=""/>
-        <p:cNvGrpSpPr/>
-        <p:nvPr/>
-      </p:nvGrpSpPr>
-      <p:grpSpPr>
-        <a:xfrm>
-          <a:off x="0" y="0"/>
-          <a:ext cx="0" cy="0"/>
-          <a:chOff x="0" y="0"/>
-          <a:chExt cx="0" cy="0"/>
-        </a:xfrm>
-      </p:grpSpPr>
-      <p:sp useBgFill="1">
-        <p:nvSpPr>
-          <p:cNvPr id="14" name="Rectangle 13">
-            <a:extLst>
-              <a:ext uri="{FF2B5EF4-FFF2-40B4-BE49-F238E27FC236}">
-                <a16:creationId xmlns:a16="http://schemas.microsoft.com/office/drawing/2014/main" id="{C5EFAD76-6928-46F5-8800-C1AF27C59B42}"/>
-              </a:ext>
-              <a:ext uri="{C183D7F6-B498-43B3-948B-1728B52AA6E4}">
-                <adec:decorative xmlns:adec="http://schemas.microsoft.com/office/drawing/2017/decorative" val="1"/>
-              </a:ext>
-            </a:extLst>
-          </p:cNvPr>
-          <p:cNvSpPr>
-            <a:spLocks noGrp="1" noRot="1" noChangeAspect="1" noMove="1" noResize="1" noEditPoints="1" noAdjustHandles="1" noChangeArrowheads="1" noChangeShapeType="1" noTextEdit="1"/>
-          </p:cNvSpPr>
-          <p:nvPr>
-            <p:extLst>
-              <p:ext uri="{386F3935-93C4-4BCD-93E2-E3B085C9AB24}">
-                <p16:designElem xmlns:p16="http://schemas.microsoft.com/office/powerpoint/2015/main" val="1"/>
-              </p:ext>
-            </p:extLst>
-          </p:nvPr>
-        </p:nvSpPr>
-        <p:spPr>
-          <a:xfrm>
-            <a:off x="0" y="0"/>
-            <a:ext cx="12192000" cy="6858000"/>
-          </a:xfrm>
-          <a:prstGeom prst="rect">
-            <a:avLst/>
-          </a:prstGeom>
-          <a:ln w="12700" cap="flat" cmpd="sng" algn="ctr">
-            <a:noFill/>
-            <a:prstDash val="solid"/>
-            <a:miter lim="800000"/>
-          </a:ln>
-          <a:effectLst/>
-          <a:extLst>
-            <a:ext uri="{91240B29-F687-4F45-9708-019B960494DF}">
-              <a14:hiddenLine xmlns:a14="http://schemas.microsoft.com/office/drawing/2010/main" w="12700" cap="flat" cmpd="sng" algn="ctr">
-                <a:solidFill>
-                  <a:schemeClr val="accent1">
-                    <a:shade val="50000"/>
-                  </a:schemeClr>
-                </a:solidFill>
-                <a:prstDash val="solid"/>
-                <a:miter lim="800000"/>
-              </a14:hiddenLine>
-            </a:ext>
-          </a:extLst>
-        </p:spPr>
-        <p:style>
-          <a:lnRef idx="2">
-            <a:schemeClr val="accent1">
-              <a:shade val="50000"/>
-            </a:schemeClr>
-          </a:lnRef>
-          <a:fillRef idx="1">
-            <a:schemeClr val="accent1"/>
-          </a:fillRef>
-          <a:effectRef idx="0">
-            <a:schemeClr val="accent1"/>
-          </a:effectRef>
-          <a:fontRef idx="minor">
-            <a:schemeClr val="lt1"/>
-          </a:fontRef>
-        </p:style>
-        <p:txBody>
-          <a:bodyPr rtlCol="0" anchor="ctr"/>
-          <a:lstStyle/>
-          <a:p>
-            <a:pPr algn="ctr"/>
-            <a:endParaRPr lang="en-US"/>
-          </a:p>
-        </p:txBody>
-      </p:sp>
-      <p:sp>
-        <p:nvSpPr>
-          <p:cNvPr id="2" name="Title 1">
-            <a:extLst>
-              <a:ext uri="{FF2B5EF4-FFF2-40B4-BE49-F238E27FC236}">
-                <a16:creationId xmlns:a16="http://schemas.microsoft.com/office/drawing/2014/main" id="{652B0A85-EBFD-A51D-825D-5D9956E6DF42}"/>
-              </a:ext>
-            </a:extLst>
-          </p:cNvPr>
-          <p:cNvSpPr>
-            <a:spLocks noGrp="1"/>
-          </p:cNvSpPr>
-          <p:nvPr>
-            <p:ph type="title"/>
-          </p:nvPr>
-        </p:nvSpPr>
-        <p:spPr>
-          <a:xfrm>
-            <a:off x="540000" y="4508499"/>
-            <a:ext cx="4500561" cy="1953501"/>
-          </a:xfrm>
-        </p:spPr>
-        <p:txBody>
-          <a:bodyPr anchor="b">
-            <a:normAutofit/>
-          </a:bodyPr>
-          <a:lstStyle/>
-          <a:p>
-            <a:r>
-              <a:rPr lang="en-US" sz="4200" dirty="0">
-                <a:effectLst/>
-                <a:latin typeface=".SF NS"/>
-              </a:rPr>
-              <a:t>Pricing Trends in Streaming Services</a:t>
-            </a:r>
-            <a:br>
-              <a:rPr lang="en-US" sz="4200" dirty="0">
-                <a:effectLst/>
-                <a:latin typeface=".SF NS"/>
-              </a:rPr>
-            </a:br>
-            <a:endParaRPr lang="en-US" sz="4200" dirty="0"/>
-          </a:p>
-        </p:txBody>
-      </p:sp>
-      <p:pic>
-        <p:nvPicPr>
-          <p:cNvPr id="7" name="Picture 6" descr="A graph of a number of different colored bars&#10;&#10;Description automatically generated with medium confidence">
-            <a:extLst>
-              <a:ext uri="{FF2B5EF4-FFF2-40B4-BE49-F238E27FC236}">
-                <a16:creationId xmlns:a16="http://schemas.microsoft.com/office/drawing/2014/main" id="{9B90A498-5213-3965-2DFF-3F036A788E35}"/>
-              </a:ext>
-            </a:extLst>
-          </p:cNvPr>
-          <p:cNvPicPr>
-            <a:picLocks noChangeAspect="1"/>
-          </p:cNvPicPr>
-          <p:nvPr/>
-        </p:nvPicPr>
-        <p:blipFill>
-          <a:blip r:embed="rId2"/>
-          <a:stretch>
-            <a:fillRect/>
-          </a:stretch>
-        </p:blipFill>
-        <p:spPr>
-          <a:xfrm>
-            <a:off x="540000" y="562122"/>
-            <a:ext cx="5460568" cy="3754140"/>
-          </a:xfrm>
-          <a:prstGeom prst="rect">
-            <a:avLst/>
-          </a:prstGeom>
-        </p:spPr>
-      </p:pic>
-      <p:pic>
-        <p:nvPicPr>
-          <p:cNvPr id="5" name="Content Placeholder 4" descr="A graph showing a number of subscriptions&#10;&#10;Description automatically generated">
-            <a:extLst>
-              <a:ext uri="{FF2B5EF4-FFF2-40B4-BE49-F238E27FC236}">
-                <a16:creationId xmlns:a16="http://schemas.microsoft.com/office/drawing/2014/main" id="{83CE5369-F450-632B-1013-704E5BEF77B4}"/>
-              </a:ext>
-            </a:extLst>
-          </p:cNvPr>
-          <p:cNvPicPr>
-            <a:picLocks noChangeAspect="1"/>
-          </p:cNvPicPr>
-          <p:nvPr/>
-        </p:nvPicPr>
-        <p:blipFill>
-          <a:blip r:embed="rId3"/>
-          <a:stretch>
-            <a:fillRect/>
-          </a:stretch>
-        </p:blipFill>
-        <p:spPr>
-          <a:xfrm>
-            <a:off x="6180567" y="944362"/>
-            <a:ext cx="5460568" cy="2989660"/>
-          </a:xfrm>
-          <a:prstGeom prst="rect">
-            <a:avLst/>
-          </a:prstGeom>
-        </p:spPr>
-      </p:pic>
-      <p:sp>
-        <p:nvSpPr>
-          <p:cNvPr id="11" name="Content Placeholder 10">
-            <a:extLst>
-              <a:ext uri="{FF2B5EF4-FFF2-40B4-BE49-F238E27FC236}">
-                <a16:creationId xmlns:a16="http://schemas.microsoft.com/office/drawing/2014/main" id="{20732831-B499-2836-B2C6-8D84AB291646}"/>
-              </a:ext>
-            </a:extLst>
-          </p:cNvPr>
-          <p:cNvSpPr>
-            <a:spLocks noGrp="1"/>
-          </p:cNvSpPr>
-          <p:nvPr>
-            <p:ph idx="1"/>
-          </p:nvPr>
-        </p:nvSpPr>
-        <p:spPr>
-          <a:xfrm>
-            <a:off x="5411911" y="3795283"/>
-            <a:ext cx="6408738" cy="1791847"/>
-          </a:xfrm>
-        </p:spPr>
-        <p:txBody>
-          <a:bodyPr anchor="b">
-            <a:normAutofit/>
-          </a:bodyPr>
-          <a:lstStyle/>
-          <a:p>
-            <a:pPr algn="ctr"/>
-            <a:r>
-              <a:rPr lang="en-US" dirty="0"/>
-              <a:t>Price has been showing a steady increase, especially since COVID times</a:t>
-            </a:r>
-          </a:p>
-        </p:txBody>
-      </p:sp>
-    </p:spTree>
-    <p:extLst>
-      <p:ext uri="{BB962C8B-B14F-4D97-AF65-F5344CB8AC3E}">
-        <p14:creationId xmlns:p14="http://schemas.microsoft.com/office/powerpoint/2010/main" val="1675973369"/>
       </p:ext>
     </p:extLst>
   </p:cSld>
@@ -21974,19 +23470,19 @@
           <a:lstStyle/>
           <a:p>
             <a:r>
-              <a:rPr lang="en-US" sz="3800">
+              <a:rPr lang="en-US" sz="3800" dirty="0">
                 <a:effectLst/>
                 <a:latin typeface=".SF NS"/>
               </a:rPr>
               <a:t>The Rise of Streaming Platforms</a:t>
             </a:r>
             <a:br>
-              <a:rPr lang="en-US" sz="3800">
+              <a:rPr lang="en-US" sz="3800" dirty="0">
                 <a:effectLst/>
                 <a:latin typeface=".SF NS"/>
               </a:rPr>
             </a:br>
-            <a:endParaRPr lang="en-US" sz="3800"/>
+            <a:endParaRPr lang="en-US" sz="3800" dirty="0"/>
           </a:p>
         </p:txBody>
       </p:sp>
@@ -22024,16 +23520,6 @@
                 <a:latin typeface=".SF NS"/>
               </a:rPr>
               <a:t>Streaming platforms have seen exponential growth, offering viewers a convenient and diverse array of content. This growth is reflected in the rapid increase in user adoption and platform diversity</a:t>
-            </a:r>
-          </a:p>
-          <a:p>
-            <a:r>
-              <a:rPr lang="en-US" dirty="0">
-                <a:highlight>
-                  <a:srgbClr val="FF0000"/>
-                </a:highlight>
-              </a:rPr>
-              <a:t>Growth chart</a:t>
             </a:r>
           </a:p>
         </p:txBody>
@@ -25197,780 +26683,12 @@
           <a:chExt cx="0" cy="0"/>
         </a:xfrm>
       </p:grpSpPr>
-      <p:grpSp>
-        <p:nvGrpSpPr>
-          <p:cNvPr id="58" name="Group 57">
+      <p:sp useBgFill="1">
+        <p:nvSpPr>
+          <p:cNvPr id="14" name="Rectangle 13">
             <a:extLst>
               <a:ext uri="{FF2B5EF4-FFF2-40B4-BE49-F238E27FC236}">
-                <a16:creationId xmlns:a16="http://schemas.microsoft.com/office/drawing/2014/main" id="{BF4E480B-94D6-46F9-A2B6-B98D311FDC19}"/>
-              </a:ext>
-              <a:ext uri="{C183D7F6-B498-43B3-948B-1728B52AA6E4}">
-                <adec:decorative xmlns:adec="http://schemas.microsoft.com/office/drawing/2017/decorative" val="1"/>
-              </a:ext>
-            </a:extLst>
-          </p:cNvPr>
-          <p:cNvGrpSpPr>
-            <a:grpSpLocks noGrp="1" noUngrp="1" noRot="1" noChangeAspect="1" noMove="1" noResize="1"/>
-          </p:cNvGrpSpPr>
-          <p:nvPr>
-            <p:extLst>
-              <p:ext uri="{386F3935-93C4-4BCD-93E2-E3B085C9AB24}">
-                <p16:designElem xmlns:p16="http://schemas.microsoft.com/office/powerpoint/2015/main" val="1"/>
-              </p:ext>
-            </p:extLst>
-          </p:nvPr>
-        </p:nvGrpSpPr>
-        <p:grpSpPr>
-          <a:xfrm>
-            <a:off x="0" y="0"/>
-            <a:ext cx="12191999" cy="6861600"/>
-            <a:chOff x="1" y="0"/>
-            <a:chExt cx="12191999" cy="6861600"/>
-          </a:xfrm>
-        </p:grpSpPr>
-        <p:sp>
-          <p:nvSpPr>
-            <p:cNvPr id="60" name="Rectangle 59">
-              <a:extLst>
-                <a:ext uri="{FF2B5EF4-FFF2-40B4-BE49-F238E27FC236}">
-                  <a16:creationId xmlns:a16="http://schemas.microsoft.com/office/drawing/2014/main" id="{07183CDE-91A1-40C3-8E80-66F89E1C2D53}"/>
-                </a:ext>
-                <a:ext uri="{C183D7F6-B498-43B3-948B-1728B52AA6E4}">
-                  <adec:decorative xmlns:adec="http://schemas.microsoft.com/office/drawing/2017/decorative" val="1"/>
-                </a:ext>
-              </a:extLst>
-            </p:cNvPr>
-            <p:cNvSpPr>
-              <a:spLocks noChangeAspect="1"/>
-            </p:cNvSpPr>
-            <p:nvPr>
-              <p:extLst>
-                <p:ext uri="{386F3935-93C4-4BCD-93E2-E3B085C9AB24}">
-                  <p16:designElem xmlns:p16="http://schemas.microsoft.com/office/powerpoint/2015/main" val="1"/>
-                </p:ext>
-              </p:extLst>
-            </p:nvPr>
-          </p:nvSpPr>
-          <p:spPr>
-            <a:xfrm rot="16200000">
-              <a:off x="1" y="1640114"/>
-              <a:ext cx="5217886" cy="5217886"/>
-            </a:xfrm>
-            <a:prstGeom prst="rect">
-              <a:avLst/>
-            </a:prstGeom>
-            <a:gradFill flip="none" rotWithShape="1">
-              <a:gsLst>
-                <a:gs pos="0">
-                  <a:schemeClr val="accent2">
-                    <a:alpha val="60000"/>
-                  </a:schemeClr>
-                </a:gs>
-                <a:gs pos="60000">
-                  <a:schemeClr val="accent2">
-                    <a:alpha val="0"/>
-                  </a:schemeClr>
-                </a:gs>
-              </a:gsLst>
-              <a:path path="circle">
-                <a:fillToRect r="100000" b="100000"/>
-              </a:path>
-              <a:tileRect l="-100000" t="-100000"/>
-            </a:gradFill>
-            <a:ln w="12700" cap="flat" cmpd="sng" algn="ctr">
-              <a:noFill/>
-              <a:prstDash val="solid"/>
-              <a:miter lim="800000"/>
-            </a:ln>
-            <a:effectLst/>
-          </p:spPr>
-          <p:style>
-            <a:lnRef idx="2">
-              <a:schemeClr val="accent1">
-                <a:shade val="50000"/>
-              </a:schemeClr>
-            </a:lnRef>
-            <a:fillRef idx="1">
-              <a:schemeClr val="accent1"/>
-            </a:fillRef>
-            <a:effectRef idx="0">
-              <a:schemeClr val="accent1"/>
-            </a:effectRef>
-            <a:fontRef idx="minor">
-              <a:schemeClr val="lt1"/>
-            </a:fontRef>
-          </p:style>
-          <p:txBody>
-            <a:bodyPr rtlCol="0" anchor="ctr"/>
-            <a:lstStyle/>
-            <a:p>
-              <a:pPr algn="r"/>
-              <a:endParaRPr lang="en-US"/>
-            </a:p>
-          </p:txBody>
-        </p:sp>
-        <p:sp>
-          <p:nvSpPr>
-            <p:cNvPr id="61" name="Oval 60">
-              <a:extLst>
-                <a:ext uri="{FF2B5EF4-FFF2-40B4-BE49-F238E27FC236}">
-                  <a16:creationId xmlns:a16="http://schemas.microsoft.com/office/drawing/2014/main" id="{A6756515-F9AA-46BD-8DD2-AA15BA492AC0}"/>
-                </a:ext>
-                <a:ext uri="{C183D7F6-B498-43B3-948B-1728B52AA6E4}">
-                  <adec:decorative xmlns:adec="http://schemas.microsoft.com/office/drawing/2017/decorative" val="1"/>
-                </a:ext>
-              </a:extLst>
-            </p:cNvPr>
-            <p:cNvSpPr>
-              <a:spLocks noChangeAspect="1"/>
-            </p:cNvSpPr>
-            <p:nvPr>
-              <p:extLst>
-                <p:ext uri="{386F3935-93C4-4BCD-93E2-E3B085C9AB24}">
-                  <p16:designElem xmlns:p16="http://schemas.microsoft.com/office/powerpoint/2015/main" val="1"/>
-                </p:ext>
-              </p:extLst>
-            </p:nvPr>
-          </p:nvSpPr>
-          <p:spPr>
-            <a:xfrm>
-              <a:off x="6384514" y="0"/>
-              <a:ext cx="4320000" cy="4320000"/>
-            </a:xfrm>
-            <a:prstGeom prst="ellipse">
-              <a:avLst/>
-            </a:prstGeom>
-            <a:solidFill>
-              <a:schemeClr val="accent3">
-                <a:alpha val="96000"/>
-              </a:schemeClr>
-            </a:solidFill>
-            <a:ln>
-              <a:noFill/>
-            </a:ln>
-            <a:effectLst>
-              <a:softEdge rad="1016000"/>
-            </a:effectLst>
-          </p:spPr>
-          <p:style>
-            <a:lnRef idx="2">
-              <a:schemeClr val="accent1">
-                <a:shade val="50000"/>
-              </a:schemeClr>
-            </a:lnRef>
-            <a:fillRef idx="1">
-              <a:schemeClr val="accent1"/>
-            </a:fillRef>
-            <a:effectRef idx="0">
-              <a:schemeClr val="accent1"/>
-            </a:effectRef>
-            <a:fontRef idx="minor">
-              <a:schemeClr val="lt1"/>
-            </a:fontRef>
-          </p:style>
-          <p:txBody>
-            <a:bodyPr rtlCol="0" anchor="ctr"/>
-            <a:lstStyle/>
-            <a:p>
-              <a:pPr algn="r"/>
-              <a:endParaRPr lang="en-US"/>
-            </a:p>
-          </p:txBody>
-        </p:sp>
-        <p:sp>
-          <p:nvSpPr>
-            <p:cNvPr id="62" name="Oval 61">
-              <a:extLst>
-                <a:ext uri="{FF2B5EF4-FFF2-40B4-BE49-F238E27FC236}">
-                  <a16:creationId xmlns:a16="http://schemas.microsoft.com/office/drawing/2014/main" id="{ABA365E2-8B71-408B-9092-0104216AC7AC}"/>
-                </a:ext>
-                <a:ext uri="{C183D7F6-B498-43B3-948B-1728B52AA6E4}">
-                  <adec:decorative xmlns:adec="http://schemas.microsoft.com/office/drawing/2017/decorative" val="1"/>
-                </a:ext>
-              </a:extLst>
-            </p:cNvPr>
-            <p:cNvSpPr>
-              <a:spLocks noChangeAspect="1"/>
-            </p:cNvSpPr>
-            <p:nvPr>
-              <p:extLst>
-                <p:ext uri="{386F3935-93C4-4BCD-93E2-E3B085C9AB24}">
-                  <p16:designElem xmlns:p16="http://schemas.microsoft.com/office/powerpoint/2015/main" val="1"/>
-                </p:ext>
-              </p:extLst>
-            </p:nvPr>
-          </p:nvSpPr>
-          <p:spPr>
-            <a:xfrm>
-              <a:off x="6119057" y="1230054"/>
-              <a:ext cx="5506886" cy="5506886"/>
-            </a:xfrm>
-            <a:prstGeom prst="ellipse">
-              <a:avLst/>
-            </a:prstGeom>
-            <a:solidFill>
-              <a:schemeClr val="accent2">
-                <a:alpha val="60000"/>
-              </a:schemeClr>
-            </a:solidFill>
-            <a:ln>
-              <a:noFill/>
-            </a:ln>
-            <a:effectLst>
-              <a:softEdge rad="1270000"/>
-            </a:effectLst>
-          </p:spPr>
-          <p:style>
-            <a:lnRef idx="2">
-              <a:schemeClr val="accent1">
-                <a:shade val="50000"/>
-              </a:schemeClr>
-            </a:lnRef>
-            <a:fillRef idx="1">
-              <a:schemeClr val="accent1"/>
-            </a:fillRef>
-            <a:effectRef idx="0">
-              <a:schemeClr val="accent1"/>
-            </a:effectRef>
-            <a:fontRef idx="minor">
-              <a:schemeClr val="lt1"/>
-            </a:fontRef>
-          </p:style>
-          <p:txBody>
-            <a:bodyPr rtlCol="0" anchor="ctr"/>
-            <a:lstStyle/>
-            <a:p>
-              <a:pPr algn="r"/>
-              <a:endParaRPr lang="en-US" dirty="0"/>
-            </a:p>
-          </p:txBody>
-        </p:sp>
-        <p:grpSp>
-          <p:nvGrpSpPr>
-            <p:cNvPr id="35" name="Group 34">
-              <a:extLst>
-                <a:ext uri="{FF2B5EF4-FFF2-40B4-BE49-F238E27FC236}">
-                  <a16:creationId xmlns:a16="http://schemas.microsoft.com/office/drawing/2014/main" id="{BEDB8D7A-1BF6-4CDB-B93A-7736955F5043}"/>
-                </a:ext>
-                <a:ext uri="{C183D7F6-B498-43B3-948B-1728B52AA6E4}">
-                  <adec:decorative xmlns:adec="http://schemas.microsoft.com/office/drawing/2017/decorative" val="1"/>
-                </a:ext>
-              </a:extLst>
-            </p:cNvPr>
-            <p:cNvGrpSpPr>
-              <a:grpSpLocks noChangeAspect="1"/>
-            </p:cNvGrpSpPr>
-            <p:nvPr>
-              <p:extLst>
-                <p:ext uri="{386F3935-93C4-4BCD-93E2-E3B085C9AB24}">
-                  <p16:designElem xmlns:p16="http://schemas.microsoft.com/office/powerpoint/2015/main" val="1"/>
-                </p:ext>
-              </p:extLst>
-            </p:nvPr>
-          </p:nvGrpSpPr>
-          <p:grpSpPr>
-            <a:xfrm>
-              <a:off x="690092" y="0"/>
-              <a:ext cx="10800000" cy="6858000"/>
-              <a:chOff x="2328000" y="0"/>
-              <a:chExt cx="2880000" cy="1440000"/>
-            </a:xfrm>
-          </p:grpSpPr>
-          <p:sp>
-            <p:nvSpPr>
-              <p:cNvPr id="63" name="Rectangle 62">
-                <a:extLst>
-                  <a:ext uri="{FF2B5EF4-FFF2-40B4-BE49-F238E27FC236}">
-                    <a16:creationId xmlns:a16="http://schemas.microsoft.com/office/drawing/2014/main" id="{5AACD774-5167-46C7-8A62-6E2FE4BE9469}"/>
-                  </a:ext>
-                  <a:ext uri="{C183D7F6-B498-43B3-948B-1728B52AA6E4}">
-                    <adec:decorative xmlns:adec="http://schemas.microsoft.com/office/drawing/2017/decorative" val="1"/>
-                  </a:ext>
-                </a:extLst>
-              </p:cNvPr>
-              <p:cNvSpPr/>
-              <p:nvPr>
-                <p:extLst>
-                  <p:ext uri="{386F3935-93C4-4BCD-93E2-E3B085C9AB24}">
-                    <p16:designElem xmlns:p16="http://schemas.microsoft.com/office/powerpoint/2015/main" val="1"/>
-                  </p:ext>
-                </p:extLst>
-              </p:nvPr>
-            </p:nvSpPr>
-            <p:spPr>
-              <a:xfrm>
-                <a:off x="3768000" y="0"/>
-                <a:ext cx="1440000" cy="1440000"/>
-              </a:xfrm>
-              <a:prstGeom prst="rect">
-                <a:avLst/>
-              </a:prstGeom>
-              <a:gradFill flip="none" rotWithShape="1">
-                <a:gsLst>
-                  <a:gs pos="0">
-                    <a:schemeClr val="accent1"/>
-                  </a:gs>
-                  <a:gs pos="60000">
-                    <a:schemeClr val="accent1">
-                      <a:alpha val="0"/>
-                    </a:schemeClr>
-                  </a:gs>
-                </a:gsLst>
-                <a:path path="circle">
-                  <a:fillToRect r="100000" b="100000"/>
-                </a:path>
-                <a:tileRect l="-100000" t="-100000"/>
-              </a:gradFill>
-              <a:ln w="12700" cap="flat" cmpd="sng" algn="ctr">
-                <a:noFill/>
-                <a:prstDash val="solid"/>
-                <a:miter lim="800000"/>
-              </a:ln>
-              <a:effectLst/>
-            </p:spPr>
-            <p:style>
-              <a:lnRef idx="2">
-                <a:schemeClr val="accent1">
-                  <a:shade val="50000"/>
-                </a:schemeClr>
-              </a:lnRef>
-              <a:fillRef idx="1">
-                <a:schemeClr val="accent1"/>
-              </a:fillRef>
-              <a:effectRef idx="0">
-                <a:schemeClr val="accent1"/>
-              </a:effectRef>
-              <a:fontRef idx="minor">
-                <a:schemeClr val="lt1"/>
-              </a:fontRef>
-            </p:style>
-            <p:txBody>
-              <a:bodyPr rtlCol="0" anchor="ctr"/>
-              <a:lstStyle/>
-              <a:p>
-                <a:pPr algn="r"/>
-                <a:endParaRPr lang="en-US"/>
-              </a:p>
-            </p:txBody>
-          </p:sp>
-          <p:sp>
-            <p:nvSpPr>
-              <p:cNvPr id="64" name="Rectangle 63">
-                <a:extLst>
-                  <a:ext uri="{FF2B5EF4-FFF2-40B4-BE49-F238E27FC236}">
-                    <a16:creationId xmlns:a16="http://schemas.microsoft.com/office/drawing/2014/main" id="{06E0F2D8-452E-48F9-9912-C47EAEAE1802}"/>
-                  </a:ext>
-                  <a:ext uri="{C183D7F6-B498-43B3-948B-1728B52AA6E4}">
-                    <adec:decorative xmlns:adec="http://schemas.microsoft.com/office/drawing/2017/decorative" val="1"/>
-                  </a:ext>
-                </a:extLst>
-              </p:cNvPr>
-              <p:cNvSpPr/>
-              <p:nvPr>
-                <p:extLst>
-                  <p:ext uri="{386F3935-93C4-4BCD-93E2-E3B085C9AB24}">
-                    <p16:designElem xmlns:p16="http://schemas.microsoft.com/office/powerpoint/2015/main" val="1"/>
-                  </p:ext>
-                </p:extLst>
-              </p:nvPr>
-            </p:nvSpPr>
-            <p:spPr>
-              <a:xfrm flipH="1">
-                <a:off x="2328000" y="0"/>
-                <a:ext cx="1440000" cy="1440000"/>
-              </a:xfrm>
-              <a:prstGeom prst="rect">
-                <a:avLst/>
-              </a:prstGeom>
-              <a:gradFill flip="none" rotWithShape="1">
-                <a:gsLst>
-                  <a:gs pos="0">
-                    <a:schemeClr val="accent1"/>
-                  </a:gs>
-                  <a:gs pos="60000">
-                    <a:schemeClr val="accent1">
-                      <a:alpha val="0"/>
-                    </a:schemeClr>
-                  </a:gs>
-                </a:gsLst>
-                <a:path path="circle">
-                  <a:fillToRect r="100000" b="100000"/>
-                </a:path>
-                <a:tileRect l="-100000" t="-100000"/>
-              </a:gradFill>
-              <a:ln w="12700" cap="flat" cmpd="sng" algn="ctr">
-                <a:noFill/>
-                <a:prstDash val="solid"/>
-                <a:miter lim="800000"/>
-              </a:ln>
-              <a:effectLst/>
-            </p:spPr>
-            <p:style>
-              <a:lnRef idx="2">
-                <a:schemeClr val="accent1">
-                  <a:shade val="50000"/>
-                </a:schemeClr>
-              </a:lnRef>
-              <a:fillRef idx="1">
-                <a:schemeClr val="accent1"/>
-              </a:fillRef>
-              <a:effectRef idx="0">
-                <a:schemeClr val="accent1"/>
-              </a:effectRef>
-              <a:fontRef idx="minor">
-                <a:schemeClr val="lt1"/>
-              </a:fontRef>
-            </p:style>
-            <p:txBody>
-              <a:bodyPr rtlCol="0" anchor="ctr"/>
-              <a:lstStyle/>
-              <a:p>
-                <a:pPr algn="r"/>
-                <a:endParaRPr lang="en-US"/>
-              </a:p>
-            </p:txBody>
-          </p:sp>
-        </p:grpSp>
-        <p:grpSp>
-          <p:nvGrpSpPr>
-            <p:cNvPr id="36" name="Group 35">
-              <a:extLst>
-                <a:ext uri="{FF2B5EF4-FFF2-40B4-BE49-F238E27FC236}">
-                  <a16:creationId xmlns:a16="http://schemas.microsoft.com/office/drawing/2014/main" id="{91FBBF95-430B-427C-A6E8-DB899217FC00}"/>
-                </a:ext>
-                <a:ext uri="{C183D7F6-B498-43B3-948B-1728B52AA6E4}">
-                  <adec:decorative xmlns:adec="http://schemas.microsoft.com/office/drawing/2017/decorative" val="1"/>
-                </a:ext>
-              </a:extLst>
-            </p:cNvPr>
-            <p:cNvGrpSpPr>
-              <a:grpSpLocks noChangeAspect="1"/>
-            </p:cNvGrpSpPr>
-            <p:nvPr>
-              <p:extLst>
-                <p:ext uri="{386F3935-93C4-4BCD-93E2-E3B085C9AB24}">
-                  <p16:designElem xmlns:p16="http://schemas.microsoft.com/office/powerpoint/2015/main" val="1"/>
-                </p:ext>
-              </p:extLst>
-            </p:nvPr>
-          </p:nvGrpSpPr>
-          <p:grpSpPr>
-            <a:xfrm rot="5400000">
-              <a:off x="7048499" y="1714500"/>
-              <a:ext cx="6858000" cy="3429000"/>
-              <a:chOff x="0" y="0"/>
-              <a:chExt cx="2880000" cy="1440000"/>
-            </a:xfrm>
-          </p:grpSpPr>
-          <p:sp>
-            <p:nvSpPr>
-              <p:cNvPr id="65" name="Rectangle 64">
-                <a:extLst>
-                  <a:ext uri="{FF2B5EF4-FFF2-40B4-BE49-F238E27FC236}">
-                    <a16:creationId xmlns:a16="http://schemas.microsoft.com/office/drawing/2014/main" id="{BEE64698-3ED2-4395-B7FC-65248E437E0A}"/>
-                  </a:ext>
-                  <a:ext uri="{C183D7F6-B498-43B3-948B-1728B52AA6E4}">
-                    <adec:decorative xmlns:adec="http://schemas.microsoft.com/office/drawing/2017/decorative" val="1"/>
-                  </a:ext>
-                </a:extLst>
-              </p:cNvPr>
-              <p:cNvSpPr/>
-              <p:nvPr>
-                <p:extLst>
-                  <p:ext uri="{386F3935-93C4-4BCD-93E2-E3B085C9AB24}">
-                    <p16:designElem xmlns:p16="http://schemas.microsoft.com/office/powerpoint/2015/main" val="1"/>
-                  </p:ext>
-                </p:extLst>
-              </p:nvPr>
-            </p:nvSpPr>
-            <p:spPr>
-              <a:xfrm>
-                <a:off x="1440000" y="0"/>
-                <a:ext cx="1440000" cy="1440000"/>
-              </a:xfrm>
-              <a:prstGeom prst="rect">
-                <a:avLst/>
-              </a:prstGeom>
-              <a:gradFill flip="none" rotWithShape="1">
-                <a:gsLst>
-                  <a:gs pos="0">
-                    <a:schemeClr val="accent2"/>
-                  </a:gs>
-                  <a:gs pos="60000">
-                    <a:schemeClr val="accent2">
-                      <a:alpha val="0"/>
-                    </a:schemeClr>
-                  </a:gs>
-                </a:gsLst>
-                <a:path path="circle">
-                  <a:fillToRect r="100000" b="100000"/>
-                </a:path>
-                <a:tileRect l="-100000" t="-100000"/>
-              </a:gradFill>
-              <a:ln w="12700" cap="flat" cmpd="sng" algn="ctr">
-                <a:noFill/>
-                <a:prstDash val="solid"/>
-                <a:miter lim="800000"/>
-              </a:ln>
-              <a:effectLst/>
-            </p:spPr>
-            <p:style>
-              <a:lnRef idx="2">
-                <a:schemeClr val="accent1">
-                  <a:shade val="50000"/>
-                </a:schemeClr>
-              </a:lnRef>
-              <a:fillRef idx="1">
-                <a:schemeClr val="accent1"/>
-              </a:fillRef>
-              <a:effectRef idx="0">
-                <a:schemeClr val="accent1"/>
-              </a:effectRef>
-              <a:fontRef idx="minor">
-                <a:schemeClr val="lt1"/>
-              </a:fontRef>
-            </p:style>
-            <p:txBody>
-              <a:bodyPr rtlCol="0" anchor="ctr"/>
-              <a:lstStyle/>
-              <a:p>
-                <a:pPr algn="r"/>
-                <a:endParaRPr lang="en-US"/>
-              </a:p>
-            </p:txBody>
-          </p:sp>
-          <p:sp>
-            <p:nvSpPr>
-              <p:cNvPr id="66" name="Rectangle 65">
-                <a:extLst>
-                  <a:ext uri="{FF2B5EF4-FFF2-40B4-BE49-F238E27FC236}">
-                    <a16:creationId xmlns:a16="http://schemas.microsoft.com/office/drawing/2014/main" id="{FE20B1E1-CE09-4C2A-A3FB-DB8026C54E98}"/>
-                  </a:ext>
-                  <a:ext uri="{C183D7F6-B498-43B3-948B-1728B52AA6E4}">
-                    <adec:decorative xmlns:adec="http://schemas.microsoft.com/office/drawing/2017/decorative" val="1"/>
-                  </a:ext>
-                </a:extLst>
-              </p:cNvPr>
-              <p:cNvSpPr/>
-              <p:nvPr>
-                <p:extLst>
-                  <p:ext uri="{386F3935-93C4-4BCD-93E2-E3B085C9AB24}">
-                    <p16:designElem xmlns:p16="http://schemas.microsoft.com/office/powerpoint/2015/main" val="1"/>
-                  </p:ext>
-                </p:extLst>
-              </p:nvPr>
-            </p:nvSpPr>
-            <p:spPr>
-              <a:xfrm flipH="1">
-                <a:off x="0" y="0"/>
-                <a:ext cx="1440000" cy="1440000"/>
-              </a:xfrm>
-              <a:prstGeom prst="rect">
-                <a:avLst/>
-              </a:prstGeom>
-              <a:gradFill flip="none" rotWithShape="1">
-                <a:gsLst>
-                  <a:gs pos="0">
-                    <a:schemeClr val="accent2"/>
-                  </a:gs>
-                  <a:gs pos="60000">
-                    <a:schemeClr val="accent2">
-                      <a:alpha val="0"/>
-                    </a:schemeClr>
-                  </a:gs>
-                </a:gsLst>
-                <a:path path="circle">
-                  <a:fillToRect r="100000" b="100000"/>
-                </a:path>
-                <a:tileRect l="-100000" t="-100000"/>
-              </a:gradFill>
-              <a:ln w="12700" cap="flat" cmpd="sng" algn="ctr">
-                <a:noFill/>
-                <a:prstDash val="solid"/>
-                <a:miter lim="800000"/>
-              </a:ln>
-              <a:effectLst/>
-            </p:spPr>
-            <p:style>
-              <a:lnRef idx="2">
-                <a:schemeClr val="accent1">
-                  <a:shade val="50000"/>
-                </a:schemeClr>
-              </a:lnRef>
-              <a:fillRef idx="1">
-                <a:schemeClr val="accent1"/>
-              </a:fillRef>
-              <a:effectRef idx="0">
-                <a:schemeClr val="accent1"/>
-              </a:effectRef>
-              <a:fontRef idx="minor">
-                <a:schemeClr val="lt1"/>
-              </a:fontRef>
-            </p:style>
-            <p:txBody>
-              <a:bodyPr rtlCol="0" anchor="ctr"/>
-              <a:lstStyle/>
-              <a:p>
-                <a:pPr algn="r"/>
-                <a:endParaRPr lang="en-US"/>
-              </a:p>
-            </p:txBody>
-          </p:sp>
-        </p:grpSp>
-        <p:sp>
-          <p:nvSpPr>
-            <p:cNvPr id="67" name="Rectangle 66">
-              <a:extLst>
-                <a:ext uri="{FF2B5EF4-FFF2-40B4-BE49-F238E27FC236}">
-                  <a16:creationId xmlns:a16="http://schemas.microsoft.com/office/drawing/2014/main" id="{0CB2405B-A907-48B3-906A-FB3573C0B282}"/>
-                </a:ext>
-                <a:ext uri="{C183D7F6-B498-43B3-948B-1728B52AA6E4}">
-                  <adec:decorative xmlns:adec="http://schemas.microsoft.com/office/drawing/2017/decorative" val="1"/>
-                </a:ext>
-              </a:extLst>
-            </p:cNvPr>
-            <p:cNvSpPr>
-              <a:spLocks noChangeAspect="1"/>
-            </p:cNvSpPr>
-            <p:nvPr>
-              <p:extLst>
-                <p:ext uri="{386F3935-93C4-4BCD-93E2-E3B085C9AB24}">
-                  <p16:designElem xmlns:p16="http://schemas.microsoft.com/office/powerpoint/2015/main" val="1"/>
-                </p:ext>
-              </p:extLst>
-            </p:nvPr>
-          </p:nvSpPr>
-          <p:spPr>
-            <a:xfrm rot="10800000">
-              <a:off x="5602287" y="271887"/>
-              <a:ext cx="6589713" cy="6589713"/>
-            </a:xfrm>
-            <a:prstGeom prst="rect">
-              <a:avLst/>
-            </a:prstGeom>
-            <a:gradFill flip="none" rotWithShape="1">
-              <a:gsLst>
-                <a:gs pos="0">
-                  <a:schemeClr val="accent3"/>
-                </a:gs>
-                <a:gs pos="60000">
-                  <a:schemeClr val="accent3">
-                    <a:alpha val="0"/>
-                  </a:schemeClr>
-                </a:gs>
-              </a:gsLst>
-              <a:path path="circle">
-                <a:fillToRect r="100000" b="100000"/>
-              </a:path>
-              <a:tileRect l="-100000" t="-100000"/>
-            </a:gradFill>
-            <a:ln w="12700" cap="flat" cmpd="sng" algn="ctr">
-              <a:noFill/>
-              <a:prstDash val="solid"/>
-              <a:miter lim="800000"/>
-            </a:ln>
-            <a:effectLst/>
-          </p:spPr>
-          <p:style>
-            <a:lnRef idx="2">
-              <a:schemeClr val="accent1">
-                <a:shade val="50000"/>
-              </a:schemeClr>
-            </a:lnRef>
-            <a:fillRef idx="1">
-              <a:schemeClr val="accent1"/>
-            </a:fillRef>
-            <a:effectRef idx="0">
-              <a:schemeClr val="accent1"/>
-            </a:effectRef>
-            <a:fontRef idx="minor">
-              <a:schemeClr val="lt1"/>
-            </a:fontRef>
-          </p:style>
-          <p:txBody>
-            <a:bodyPr rtlCol="0" anchor="ctr"/>
-            <a:lstStyle/>
-            <a:p>
-              <a:pPr algn="r"/>
-              <a:endParaRPr lang="en-US"/>
-            </a:p>
-          </p:txBody>
-        </p:sp>
-      </p:grpSp>
-      <p:sp>
-        <p:nvSpPr>
-          <p:cNvPr id="68" name="Rectangle 67">
-            <a:extLst>
-              <a:ext uri="{FF2B5EF4-FFF2-40B4-BE49-F238E27FC236}">
-                <a16:creationId xmlns:a16="http://schemas.microsoft.com/office/drawing/2014/main" id="{6DC8E2D9-6729-4614-8667-C1016D3182E4}"/>
-              </a:ext>
-              <a:ext uri="{C183D7F6-B498-43B3-948B-1728B52AA6E4}">
-                <adec:decorative xmlns:adec="http://schemas.microsoft.com/office/drawing/2017/decorative" val="1"/>
-              </a:ext>
-            </a:extLst>
-          </p:cNvPr>
-          <p:cNvSpPr>
-            <a:spLocks noGrp="1" noRot="1" noChangeAspect="1" noMove="1" noResize="1" noEditPoints="1" noAdjustHandles="1" noChangeArrowheads="1" noChangeShapeType="1" noTextEdit="1"/>
-          </p:cNvSpPr>
-          <p:nvPr>
-            <p:extLst>
-              <p:ext uri="{386F3935-93C4-4BCD-93E2-E3B085C9AB24}">
-                <p16:designElem xmlns:p16="http://schemas.microsoft.com/office/powerpoint/2015/main" val="1"/>
-              </p:ext>
-            </p:extLst>
-          </p:nvPr>
-        </p:nvSpPr>
-        <p:spPr>
-          <a:xfrm>
-            <a:off x="0" y="0"/>
-            <a:ext cx="12192000" cy="6858000"/>
-          </a:xfrm>
-          <a:prstGeom prst="rect">
-            <a:avLst/>
-          </a:prstGeom>
-          <a:solidFill>
-            <a:schemeClr val="bg2">
-              <a:alpha val="40000"/>
-            </a:schemeClr>
-          </a:solidFill>
-          <a:ln w="12700" cap="flat" cmpd="sng" algn="ctr">
-            <a:noFill/>
-            <a:prstDash val="solid"/>
-            <a:miter lim="800000"/>
-          </a:ln>
-          <a:effectLst/>
-        </p:spPr>
-        <p:style>
-          <a:lnRef idx="2">
-            <a:schemeClr val="accent1">
-              <a:shade val="50000"/>
-            </a:schemeClr>
-          </a:lnRef>
-          <a:fillRef idx="1">
-            <a:schemeClr val="accent1"/>
-          </a:fillRef>
-          <a:effectRef idx="0">
-            <a:schemeClr val="accent1"/>
-          </a:effectRef>
-          <a:fontRef idx="minor">
-            <a:schemeClr val="lt1"/>
-          </a:fontRef>
-        </p:style>
-        <p:txBody>
-          <a:bodyPr rtlCol="0" anchor="ctr"/>
-          <a:lstStyle/>
-          <a:p>
-            <a:pPr algn="r"/>
-            <a:endParaRPr lang="en-US" dirty="0"/>
-          </a:p>
-        </p:txBody>
-      </p:sp>
-      <p:sp useBgFill="1">
-        <p:nvSpPr>
-          <p:cNvPr id="69" name="Rectangle 68">
-            <a:extLst>
-              <a:ext uri="{FF2B5EF4-FFF2-40B4-BE49-F238E27FC236}">
-                <a16:creationId xmlns:a16="http://schemas.microsoft.com/office/drawing/2014/main" id="{DE59CF68-BABE-4C2C-8CF4-65074F93B2CF}"/>
+                <a16:creationId xmlns:a16="http://schemas.microsoft.com/office/drawing/2014/main" id="{C5EFAD76-6928-46F5-8800-C1AF27C59B42}"/>
               </a:ext>
               <a:ext uri="{C183D7F6-B498-43B3-948B-1728B52AA6E4}">
                 <adec:decorative xmlns:adec="http://schemas.microsoft.com/office/drawing/2017/decorative" val="1"/>
@@ -26002,6 +26720,19 @@
             <a:miter lim="800000"/>
           </a:ln>
           <a:effectLst/>
+          <a:extLst>
+            <a:ext uri="{91240B29-F687-4F45-9708-019B960494DF}">
+              <a14:hiddenLine xmlns:a14="http://schemas.microsoft.com/office/drawing/2010/main" w="12700" cap="flat" cmpd="sng" algn="ctr">
+                <a:solidFill>
+                  <a:schemeClr val="accent1">
+                    <a:shade val="50000"/>
+                  </a:schemeClr>
+                </a:solidFill>
+                <a:prstDash val="solid"/>
+                <a:miter lim="800000"/>
+              </a14:hiddenLine>
+            </a:ext>
+          </a:extLst>
         </p:spPr>
         <p:style>
           <a:lnRef idx="2">
@@ -26028,790 +26759,12 @@
           </a:p>
         </p:txBody>
       </p:sp>
-      <p:grpSp>
-        <p:nvGrpSpPr>
-          <p:cNvPr id="47" name="Group 46">
-            <a:extLst>
-              <a:ext uri="{FF2B5EF4-FFF2-40B4-BE49-F238E27FC236}">
-                <a16:creationId xmlns:a16="http://schemas.microsoft.com/office/drawing/2014/main" id="{3E1D28A9-431E-4E55-ADE3-161D757A2DA7}"/>
-              </a:ext>
-              <a:ext uri="{C183D7F6-B498-43B3-948B-1728B52AA6E4}">
-                <adec:decorative xmlns:adec="http://schemas.microsoft.com/office/drawing/2017/decorative" val="1"/>
-              </a:ext>
-            </a:extLst>
-          </p:cNvPr>
-          <p:cNvGrpSpPr>
-            <a:grpSpLocks noGrp="1" noUngrp="1" noRot="1" noChangeAspect="1" noMove="1" noResize="1"/>
-          </p:cNvGrpSpPr>
-          <p:nvPr>
-            <p:extLst>
-              <p:ext uri="{386F3935-93C4-4BCD-93E2-E3B085C9AB24}">
-                <p16:designElem xmlns:p16="http://schemas.microsoft.com/office/powerpoint/2015/main" val="1"/>
-              </p:ext>
-            </p:extLst>
-          </p:nvPr>
-        </p:nvGrpSpPr>
-        <p:grpSpPr>
-          <a:xfrm>
-            <a:off x="1" y="0"/>
-            <a:ext cx="12191999" cy="6861600"/>
-            <a:chOff x="1" y="0"/>
-            <a:chExt cx="12191999" cy="6861600"/>
-          </a:xfrm>
-        </p:grpSpPr>
-        <p:sp>
-          <p:nvSpPr>
-            <p:cNvPr id="48" name="Rectangle 47">
-              <a:extLst>
-                <a:ext uri="{FF2B5EF4-FFF2-40B4-BE49-F238E27FC236}">
-                  <a16:creationId xmlns:a16="http://schemas.microsoft.com/office/drawing/2014/main" id="{72CEE02A-6F09-45F4-B9A5-7C18CC77D225}"/>
-                </a:ext>
-                <a:ext uri="{C183D7F6-B498-43B3-948B-1728B52AA6E4}">
-                  <adec:decorative xmlns:adec="http://schemas.microsoft.com/office/drawing/2017/decorative" val="1"/>
-                </a:ext>
-              </a:extLst>
-            </p:cNvPr>
-            <p:cNvSpPr>
-              <a:spLocks noChangeAspect="1"/>
-            </p:cNvSpPr>
-            <p:nvPr>
-              <p:extLst>
-                <p:ext uri="{386F3935-93C4-4BCD-93E2-E3B085C9AB24}">
-                  <p16:designElem xmlns:p16="http://schemas.microsoft.com/office/powerpoint/2015/main" val="1"/>
-                </p:ext>
-              </p:extLst>
-            </p:nvPr>
-          </p:nvSpPr>
-          <p:spPr>
-            <a:xfrm rot="16200000">
-              <a:off x="1" y="1640114"/>
-              <a:ext cx="5217886" cy="5217886"/>
-            </a:xfrm>
-            <a:prstGeom prst="rect">
-              <a:avLst/>
-            </a:prstGeom>
-            <a:gradFill flip="none" rotWithShape="1">
-              <a:gsLst>
-                <a:gs pos="0">
-                  <a:schemeClr val="accent2">
-                    <a:alpha val="60000"/>
-                  </a:schemeClr>
-                </a:gs>
-                <a:gs pos="60000">
-                  <a:schemeClr val="accent2">
-                    <a:alpha val="0"/>
-                  </a:schemeClr>
-                </a:gs>
-              </a:gsLst>
-              <a:path path="circle">
-                <a:fillToRect r="100000" b="100000"/>
-              </a:path>
-              <a:tileRect l="-100000" t="-100000"/>
-            </a:gradFill>
-            <a:ln w="12700" cap="flat" cmpd="sng" algn="ctr">
-              <a:noFill/>
-              <a:prstDash val="solid"/>
-              <a:miter lim="800000"/>
-            </a:ln>
-            <a:effectLst/>
-          </p:spPr>
-          <p:style>
-            <a:lnRef idx="2">
-              <a:schemeClr val="accent1">
-                <a:shade val="50000"/>
-              </a:schemeClr>
-            </a:lnRef>
-            <a:fillRef idx="1">
-              <a:schemeClr val="accent1"/>
-            </a:fillRef>
-            <a:effectRef idx="0">
-              <a:schemeClr val="accent1"/>
-            </a:effectRef>
-            <a:fontRef idx="minor">
-              <a:schemeClr val="lt1"/>
-            </a:fontRef>
-          </p:style>
-          <p:txBody>
-            <a:bodyPr rtlCol="0" anchor="ctr"/>
-            <a:lstStyle/>
-            <a:p>
-              <a:pPr algn="ctr"/>
-              <a:endParaRPr lang="en-US"/>
-            </a:p>
-          </p:txBody>
-        </p:sp>
-        <p:sp>
-          <p:nvSpPr>
-            <p:cNvPr id="49" name="Oval 48">
-              <a:extLst>
-                <a:ext uri="{FF2B5EF4-FFF2-40B4-BE49-F238E27FC236}">
-                  <a16:creationId xmlns:a16="http://schemas.microsoft.com/office/drawing/2014/main" id="{FE8156EC-CE46-48E4-9D85-95D9D8BEBC0B}"/>
-                </a:ext>
-                <a:ext uri="{C183D7F6-B498-43B3-948B-1728B52AA6E4}">
-                  <adec:decorative xmlns:adec="http://schemas.microsoft.com/office/drawing/2017/decorative" val="1"/>
-                </a:ext>
-              </a:extLst>
-            </p:cNvPr>
-            <p:cNvSpPr>
-              <a:spLocks noChangeAspect="1"/>
-            </p:cNvSpPr>
-            <p:nvPr>
-              <p:extLst>
-                <p:ext uri="{386F3935-93C4-4BCD-93E2-E3B085C9AB24}">
-                  <p16:designElem xmlns:p16="http://schemas.microsoft.com/office/powerpoint/2015/main" val="1"/>
-                </p:ext>
-              </p:extLst>
-            </p:nvPr>
-          </p:nvSpPr>
-          <p:spPr>
-            <a:xfrm>
-              <a:off x="6384514" y="0"/>
-              <a:ext cx="4320000" cy="4320000"/>
-            </a:xfrm>
-            <a:prstGeom prst="ellipse">
-              <a:avLst/>
-            </a:prstGeom>
-            <a:solidFill>
-              <a:schemeClr val="accent3">
-                <a:alpha val="96000"/>
-              </a:schemeClr>
-            </a:solidFill>
-            <a:ln>
-              <a:noFill/>
-            </a:ln>
-            <a:effectLst>
-              <a:softEdge rad="1016000"/>
-            </a:effectLst>
-          </p:spPr>
-          <p:style>
-            <a:lnRef idx="2">
-              <a:schemeClr val="accent1">
-                <a:shade val="50000"/>
-              </a:schemeClr>
-            </a:lnRef>
-            <a:fillRef idx="1">
-              <a:schemeClr val="accent1"/>
-            </a:fillRef>
-            <a:effectRef idx="0">
-              <a:schemeClr val="accent1"/>
-            </a:effectRef>
-            <a:fontRef idx="minor">
-              <a:schemeClr val="lt1"/>
-            </a:fontRef>
-          </p:style>
-          <p:txBody>
-            <a:bodyPr rtlCol="0" anchor="ctr"/>
-            <a:lstStyle/>
-            <a:p>
-              <a:pPr algn="ctr"/>
-              <a:endParaRPr lang="en-US"/>
-            </a:p>
-          </p:txBody>
-        </p:sp>
-        <p:sp>
-          <p:nvSpPr>
-            <p:cNvPr id="50" name="Oval 49">
-              <a:extLst>
-                <a:ext uri="{FF2B5EF4-FFF2-40B4-BE49-F238E27FC236}">
-                  <a16:creationId xmlns:a16="http://schemas.microsoft.com/office/drawing/2014/main" id="{BB9DDD85-3F41-4B1D-9372-0773066BAF8E}"/>
-                </a:ext>
-                <a:ext uri="{C183D7F6-B498-43B3-948B-1728B52AA6E4}">
-                  <adec:decorative xmlns:adec="http://schemas.microsoft.com/office/drawing/2017/decorative" val="1"/>
-                </a:ext>
-              </a:extLst>
-            </p:cNvPr>
-            <p:cNvSpPr>
-              <a:spLocks noChangeAspect="1"/>
-            </p:cNvSpPr>
-            <p:nvPr>
-              <p:extLst>
-                <p:ext uri="{386F3935-93C4-4BCD-93E2-E3B085C9AB24}">
-                  <p16:designElem xmlns:p16="http://schemas.microsoft.com/office/powerpoint/2015/main" val="1"/>
-                </p:ext>
-              </p:extLst>
-            </p:nvPr>
-          </p:nvSpPr>
-          <p:spPr>
-            <a:xfrm>
-              <a:off x="6119057" y="1230054"/>
-              <a:ext cx="5506886" cy="5506886"/>
-            </a:xfrm>
-            <a:prstGeom prst="ellipse">
-              <a:avLst/>
-            </a:prstGeom>
-            <a:solidFill>
-              <a:schemeClr val="accent2">
-                <a:alpha val="60000"/>
-              </a:schemeClr>
-            </a:solidFill>
-            <a:ln>
-              <a:noFill/>
-            </a:ln>
-            <a:effectLst>
-              <a:softEdge rad="1270000"/>
-            </a:effectLst>
-          </p:spPr>
-          <p:style>
-            <a:lnRef idx="2">
-              <a:schemeClr val="accent1">
-                <a:shade val="50000"/>
-              </a:schemeClr>
-            </a:lnRef>
-            <a:fillRef idx="1">
-              <a:schemeClr val="accent1"/>
-            </a:fillRef>
-            <a:effectRef idx="0">
-              <a:schemeClr val="accent1"/>
-            </a:effectRef>
-            <a:fontRef idx="minor">
-              <a:schemeClr val="lt1"/>
-            </a:fontRef>
-          </p:style>
-          <p:txBody>
-            <a:bodyPr rtlCol="0" anchor="ctr"/>
-            <a:lstStyle/>
-            <a:p>
-              <a:pPr algn="ctr"/>
-              <a:endParaRPr lang="en-US" dirty="0"/>
-            </a:p>
-          </p:txBody>
-        </p:sp>
-        <p:grpSp>
-          <p:nvGrpSpPr>
-            <p:cNvPr id="51" name="Group 50">
-              <a:extLst>
-                <a:ext uri="{FF2B5EF4-FFF2-40B4-BE49-F238E27FC236}">
-                  <a16:creationId xmlns:a16="http://schemas.microsoft.com/office/drawing/2014/main" id="{C1131344-09B5-4648-B3ED-C0DCDA5921EB}"/>
-                </a:ext>
-                <a:ext uri="{C183D7F6-B498-43B3-948B-1728B52AA6E4}">
-                  <adec:decorative xmlns:adec="http://schemas.microsoft.com/office/drawing/2017/decorative" val="1"/>
-                </a:ext>
-              </a:extLst>
-            </p:cNvPr>
-            <p:cNvGrpSpPr>
-              <a:grpSpLocks noChangeAspect="1"/>
-            </p:cNvGrpSpPr>
-            <p:nvPr>
-              <p:extLst>
-                <p:ext uri="{386F3935-93C4-4BCD-93E2-E3B085C9AB24}">
-                  <p16:designElem xmlns:p16="http://schemas.microsoft.com/office/powerpoint/2015/main" val="1"/>
-                </p:ext>
-              </p:extLst>
-            </p:nvPr>
-          </p:nvGrpSpPr>
-          <p:grpSpPr>
-            <a:xfrm>
-              <a:off x="690092" y="0"/>
-              <a:ext cx="10800000" cy="6858000"/>
-              <a:chOff x="2328000" y="0"/>
-              <a:chExt cx="2880000" cy="1440000"/>
-            </a:xfrm>
-          </p:grpSpPr>
-          <p:sp>
-            <p:nvSpPr>
-              <p:cNvPr id="56" name="Rectangle 55">
-                <a:extLst>
-                  <a:ext uri="{FF2B5EF4-FFF2-40B4-BE49-F238E27FC236}">
-                    <a16:creationId xmlns:a16="http://schemas.microsoft.com/office/drawing/2014/main" id="{883500BA-71FE-4DAF-BE27-C182514DC0A5}"/>
-                  </a:ext>
-                  <a:ext uri="{C183D7F6-B498-43B3-948B-1728B52AA6E4}">
-                    <adec:decorative xmlns:adec="http://schemas.microsoft.com/office/drawing/2017/decorative" val="1"/>
-                  </a:ext>
-                </a:extLst>
-              </p:cNvPr>
-              <p:cNvSpPr/>
-              <p:nvPr>
-                <p:extLst>
-                  <p:ext uri="{386F3935-93C4-4BCD-93E2-E3B085C9AB24}">
-                    <p16:designElem xmlns:p16="http://schemas.microsoft.com/office/powerpoint/2015/main" val="1"/>
-                  </p:ext>
-                </p:extLst>
-              </p:nvPr>
-            </p:nvSpPr>
-            <p:spPr>
-              <a:xfrm>
-                <a:off x="3768000" y="0"/>
-                <a:ext cx="1440000" cy="1440000"/>
-              </a:xfrm>
-              <a:prstGeom prst="rect">
-                <a:avLst/>
-              </a:prstGeom>
-              <a:gradFill flip="none" rotWithShape="1">
-                <a:gsLst>
-                  <a:gs pos="0">
-                    <a:schemeClr val="accent1"/>
-                  </a:gs>
-                  <a:gs pos="60000">
-                    <a:schemeClr val="accent1">
-                      <a:alpha val="0"/>
-                    </a:schemeClr>
-                  </a:gs>
-                </a:gsLst>
-                <a:path path="circle">
-                  <a:fillToRect r="100000" b="100000"/>
-                </a:path>
-                <a:tileRect l="-100000" t="-100000"/>
-              </a:gradFill>
-              <a:ln w="12700" cap="flat" cmpd="sng" algn="ctr">
-                <a:noFill/>
-                <a:prstDash val="solid"/>
-                <a:miter lim="800000"/>
-              </a:ln>
-              <a:effectLst/>
-            </p:spPr>
-            <p:style>
-              <a:lnRef idx="2">
-                <a:schemeClr val="accent1">
-                  <a:shade val="50000"/>
-                </a:schemeClr>
-              </a:lnRef>
-              <a:fillRef idx="1">
-                <a:schemeClr val="accent1"/>
-              </a:fillRef>
-              <a:effectRef idx="0">
-                <a:schemeClr val="accent1"/>
-              </a:effectRef>
-              <a:fontRef idx="minor">
-                <a:schemeClr val="lt1"/>
-              </a:fontRef>
-            </p:style>
-            <p:txBody>
-              <a:bodyPr rtlCol="0" anchor="ctr"/>
-              <a:lstStyle/>
-              <a:p>
-                <a:pPr algn="ctr"/>
-                <a:endParaRPr lang="en-US"/>
-              </a:p>
-            </p:txBody>
-          </p:sp>
-          <p:sp>
-            <p:nvSpPr>
-              <p:cNvPr id="57" name="Rectangle 56">
-                <a:extLst>
-                  <a:ext uri="{FF2B5EF4-FFF2-40B4-BE49-F238E27FC236}">
-                    <a16:creationId xmlns:a16="http://schemas.microsoft.com/office/drawing/2014/main" id="{EB5220F2-0C35-4C88-8E51-ECBD8A66D0F7}"/>
-                  </a:ext>
-                  <a:ext uri="{C183D7F6-B498-43B3-948B-1728B52AA6E4}">
-                    <adec:decorative xmlns:adec="http://schemas.microsoft.com/office/drawing/2017/decorative" val="1"/>
-                  </a:ext>
-                </a:extLst>
-              </p:cNvPr>
-              <p:cNvSpPr/>
-              <p:nvPr>
-                <p:extLst>
-                  <p:ext uri="{386F3935-93C4-4BCD-93E2-E3B085C9AB24}">
-                    <p16:designElem xmlns:p16="http://schemas.microsoft.com/office/powerpoint/2015/main" val="1"/>
-                  </p:ext>
-                </p:extLst>
-              </p:nvPr>
-            </p:nvSpPr>
-            <p:spPr>
-              <a:xfrm flipH="1">
-                <a:off x="2328000" y="0"/>
-                <a:ext cx="1440000" cy="1440000"/>
-              </a:xfrm>
-              <a:prstGeom prst="rect">
-                <a:avLst/>
-              </a:prstGeom>
-              <a:gradFill flip="none" rotWithShape="1">
-                <a:gsLst>
-                  <a:gs pos="0">
-                    <a:schemeClr val="accent1"/>
-                  </a:gs>
-                  <a:gs pos="60000">
-                    <a:schemeClr val="accent1">
-                      <a:alpha val="0"/>
-                    </a:schemeClr>
-                  </a:gs>
-                </a:gsLst>
-                <a:path path="circle">
-                  <a:fillToRect r="100000" b="100000"/>
-                </a:path>
-                <a:tileRect l="-100000" t="-100000"/>
-              </a:gradFill>
-              <a:ln w="12700" cap="flat" cmpd="sng" algn="ctr">
-                <a:noFill/>
-                <a:prstDash val="solid"/>
-                <a:miter lim="800000"/>
-              </a:ln>
-              <a:effectLst/>
-            </p:spPr>
-            <p:style>
-              <a:lnRef idx="2">
-                <a:schemeClr val="accent1">
-                  <a:shade val="50000"/>
-                </a:schemeClr>
-              </a:lnRef>
-              <a:fillRef idx="1">
-                <a:schemeClr val="accent1"/>
-              </a:fillRef>
-              <a:effectRef idx="0">
-                <a:schemeClr val="accent1"/>
-              </a:effectRef>
-              <a:fontRef idx="minor">
-                <a:schemeClr val="lt1"/>
-              </a:fontRef>
-            </p:style>
-            <p:txBody>
-              <a:bodyPr rtlCol="0" anchor="ctr"/>
-              <a:lstStyle/>
-              <a:p>
-                <a:pPr algn="ctr"/>
-                <a:endParaRPr lang="en-US"/>
-              </a:p>
-            </p:txBody>
-          </p:sp>
-        </p:grpSp>
-        <p:grpSp>
-          <p:nvGrpSpPr>
-            <p:cNvPr id="52" name="Group 51">
-              <a:extLst>
-                <a:ext uri="{FF2B5EF4-FFF2-40B4-BE49-F238E27FC236}">
-                  <a16:creationId xmlns:a16="http://schemas.microsoft.com/office/drawing/2014/main" id="{77B188C7-435E-43E1-92A9-8C3870670C89}"/>
-                </a:ext>
-                <a:ext uri="{C183D7F6-B498-43B3-948B-1728B52AA6E4}">
-                  <adec:decorative xmlns:adec="http://schemas.microsoft.com/office/drawing/2017/decorative" val="1"/>
-                </a:ext>
-              </a:extLst>
-            </p:cNvPr>
-            <p:cNvGrpSpPr>
-              <a:grpSpLocks noChangeAspect="1"/>
-            </p:cNvGrpSpPr>
-            <p:nvPr>
-              <p:extLst>
-                <p:ext uri="{386F3935-93C4-4BCD-93E2-E3B085C9AB24}">
-                  <p16:designElem xmlns:p16="http://schemas.microsoft.com/office/powerpoint/2015/main" val="1"/>
-                </p:ext>
-              </p:extLst>
-            </p:nvPr>
-          </p:nvGrpSpPr>
-          <p:grpSpPr>
-            <a:xfrm rot="5400000">
-              <a:off x="7048499" y="1714500"/>
-              <a:ext cx="6858000" cy="3429000"/>
-              <a:chOff x="0" y="0"/>
-              <a:chExt cx="2880000" cy="1440000"/>
-            </a:xfrm>
-          </p:grpSpPr>
-          <p:sp>
-            <p:nvSpPr>
-              <p:cNvPr id="54" name="Rectangle 53">
-                <a:extLst>
-                  <a:ext uri="{FF2B5EF4-FFF2-40B4-BE49-F238E27FC236}">
-                    <a16:creationId xmlns:a16="http://schemas.microsoft.com/office/drawing/2014/main" id="{CB3992E9-AE5B-4001-81F2-F0257DA37E49}"/>
-                  </a:ext>
-                  <a:ext uri="{C183D7F6-B498-43B3-948B-1728B52AA6E4}">
-                    <adec:decorative xmlns:adec="http://schemas.microsoft.com/office/drawing/2017/decorative" val="1"/>
-                  </a:ext>
-                </a:extLst>
-              </p:cNvPr>
-              <p:cNvSpPr/>
-              <p:nvPr>
-                <p:extLst>
-                  <p:ext uri="{386F3935-93C4-4BCD-93E2-E3B085C9AB24}">
-                    <p16:designElem xmlns:p16="http://schemas.microsoft.com/office/powerpoint/2015/main" val="1"/>
-                  </p:ext>
-                </p:extLst>
-              </p:nvPr>
-            </p:nvSpPr>
-            <p:spPr>
-              <a:xfrm>
-                <a:off x="1440000" y="0"/>
-                <a:ext cx="1440000" cy="1440000"/>
-              </a:xfrm>
-              <a:prstGeom prst="rect">
-                <a:avLst/>
-              </a:prstGeom>
-              <a:gradFill flip="none" rotWithShape="1">
-                <a:gsLst>
-                  <a:gs pos="0">
-                    <a:schemeClr val="accent2"/>
-                  </a:gs>
-                  <a:gs pos="60000">
-                    <a:schemeClr val="accent2">
-                      <a:alpha val="0"/>
-                    </a:schemeClr>
-                  </a:gs>
-                </a:gsLst>
-                <a:path path="circle">
-                  <a:fillToRect r="100000" b="100000"/>
-                </a:path>
-                <a:tileRect l="-100000" t="-100000"/>
-              </a:gradFill>
-              <a:ln w="12700" cap="flat" cmpd="sng" algn="ctr">
-                <a:noFill/>
-                <a:prstDash val="solid"/>
-                <a:miter lim="800000"/>
-              </a:ln>
-              <a:effectLst/>
-            </p:spPr>
-            <p:style>
-              <a:lnRef idx="2">
-                <a:schemeClr val="accent1">
-                  <a:shade val="50000"/>
-                </a:schemeClr>
-              </a:lnRef>
-              <a:fillRef idx="1">
-                <a:schemeClr val="accent1"/>
-              </a:fillRef>
-              <a:effectRef idx="0">
-                <a:schemeClr val="accent1"/>
-              </a:effectRef>
-              <a:fontRef idx="minor">
-                <a:schemeClr val="lt1"/>
-              </a:fontRef>
-            </p:style>
-            <p:txBody>
-              <a:bodyPr rtlCol="0" anchor="ctr"/>
-              <a:lstStyle/>
-              <a:p>
-                <a:pPr algn="ctr"/>
-                <a:endParaRPr lang="en-US"/>
-              </a:p>
-            </p:txBody>
-          </p:sp>
-          <p:sp>
-            <p:nvSpPr>
-              <p:cNvPr id="55" name="Rectangle 54">
-                <a:extLst>
-                  <a:ext uri="{FF2B5EF4-FFF2-40B4-BE49-F238E27FC236}">
-                    <a16:creationId xmlns:a16="http://schemas.microsoft.com/office/drawing/2014/main" id="{5A9B8F0F-31BC-431F-A85C-5BAA30B9F003}"/>
-                  </a:ext>
-                  <a:ext uri="{C183D7F6-B498-43B3-948B-1728B52AA6E4}">
-                    <adec:decorative xmlns:adec="http://schemas.microsoft.com/office/drawing/2017/decorative" val="1"/>
-                  </a:ext>
-                </a:extLst>
-              </p:cNvPr>
-              <p:cNvSpPr/>
-              <p:nvPr>
-                <p:extLst>
-                  <p:ext uri="{386F3935-93C4-4BCD-93E2-E3B085C9AB24}">
-                    <p16:designElem xmlns:p16="http://schemas.microsoft.com/office/powerpoint/2015/main" val="1"/>
-                  </p:ext>
-                </p:extLst>
-              </p:nvPr>
-            </p:nvSpPr>
-            <p:spPr>
-              <a:xfrm flipH="1">
-                <a:off x="0" y="0"/>
-                <a:ext cx="1440000" cy="1440000"/>
-              </a:xfrm>
-              <a:prstGeom prst="rect">
-                <a:avLst/>
-              </a:prstGeom>
-              <a:gradFill flip="none" rotWithShape="1">
-                <a:gsLst>
-                  <a:gs pos="0">
-                    <a:schemeClr val="accent2"/>
-                  </a:gs>
-                  <a:gs pos="60000">
-                    <a:schemeClr val="accent2">
-                      <a:alpha val="0"/>
-                    </a:schemeClr>
-                  </a:gs>
-                </a:gsLst>
-                <a:path path="circle">
-                  <a:fillToRect r="100000" b="100000"/>
-                </a:path>
-                <a:tileRect l="-100000" t="-100000"/>
-              </a:gradFill>
-              <a:ln w="12700" cap="flat" cmpd="sng" algn="ctr">
-                <a:noFill/>
-                <a:prstDash val="solid"/>
-                <a:miter lim="800000"/>
-              </a:ln>
-              <a:effectLst/>
-            </p:spPr>
-            <p:style>
-              <a:lnRef idx="2">
-                <a:schemeClr val="accent1">
-                  <a:shade val="50000"/>
-                </a:schemeClr>
-              </a:lnRef>
-              <a:fillRef idx="1">
-                <a:schemeClr val="accent1"/>
-              </a:fillRef>
-              <a:effectRef idx="0">
-                <a:schemeClr val="accent1"/>
-              </a:effectRef>
-              <a:fontRef idx="minor">
-                <a:schemeClr val="lt1"/>
-              </a:fontRef>
-            </p:style>
-            <p:txBody>
-              <a:bodyPr rtlCol="0" anchor="ctr"/>
-              <a:lstStyle/>
-              <a:p>
-                <a:pPr algn="ctr"/>
-                <a:endParaRPr lang="en-US"/>
-              </a:p>
-            </p:txBody>
-          </p:sp>
-        </p:grpSp>
-        <p:sp>
-          <p:nvSpPr>
-            <p:cNvPr id="53" name="Rectangle 52">
-              <a:extLst>
-                <a:ext uri="{FF2B5EF4-FFF2-40B4-BE49-F238E27FC236}">
-                  <a16:creationId xmlns:a16="http://schemas.microsoft.com/office/drawing/2014/main" id="{7A5E54EA-3C4C-4DAB-9DD7-8ADFC0CC18C4}"/>
-                </a:ext>
-                <a:ext uri="{C183D7F6-B498-43B3-948B-1728B52AA6E4}">
-                  <adec:decorative xmlns:adec="http://schemas.microsoft.com/office/drawing/2017/decorative" val="1"/>
-                </a:ext>
-              </a:extLst>
-            </p:cNvPr>
-            <p:cNvSpPr>
-              <a:spLocks noChangeAspect="1"/>
-            </p:cNvSpPr>
-            <p:nvPr>
-              <p:extLst>
-                <p:ext uri="{386F3935-93C4-4BCD-93E2-E3B085C9AB24}">
-                  <p16:designElem xmlns:p16="http://schemas.microsoft.com/office/powerpoint/2015/main" val="1"/>
-                </p:ext>
-              </p:extLst>
-            </p:nvPr>
-          </p:nvSpPr>
-          <p:spPr>
-            <a:xfrm rot="10800000">
-              <a:off x="5602287" y="271887"/>
-              <a:ext cx="6589713" cy="6589713"/>
-            </a:xfrm>
-            <a:prstGeom prst="rect">
-              <a:avLst/>
-            </a:prstGeom>
-            <a:gradFill flip="none" rotWithShape="1">
-              <a:gsLst>
-                <a:gs pos="0">
-                  <a:schemeClr val="accent3"/>
-                </a:gs>
-                <a:gs pos="60000">
-                  <a:schemeClr val="accent3">
-                    <a:alpha val="0"/>
-                  </a:schemeClr>
-                </a:gs>
-              </a:gsLst>
-              <a:path path="circle">
-                <a:fillToRect r="100000" b="100000"/>
-              </a:path>
-              <a:tileRect l="-100000" t="-100000"/>
-            </a:gradFill>
-            <a:ln w="12700" cap="flat" cmpd="sng" algn="ctr">
-              <a:noFill/>
-              <a:prstDash val="solid"/>
-              <a:miter lim="800000"/>
-            </a:ln>
-            <a:effectLst/>
-          </p:spPr>
-          <p:style>
-            <a:lnRef idx="2">
-              <a:schemeClr val="accent1">
-                <a:shade val="50000"/>
-              </a:schemeClr>
-            </a:lnRef>
-            <a:fillRef idx="1">
-              <a:schemeClr val="accent1"/>
-            </a:fillRef>
-            <a:effectRef idx="0">
-              <a:schemeClr val="accent1"/>
-            </a:effectRef>
-            <a:fontRef idx="minor">
-              <a:schemeClr val="lt1"/>
-            </a:fontRef>
-          </p:style>
-          <p:txBody>
-            <a:bodyPr rtlCol="0" anchor="ctr"/>
-            <a:lstStyle/>
-            <a:p>
-              <a:pPr algn="ctr"/>
-              <a:endParaRPr lang="en-US"/>
-            </a:p>
-          </p:txBody>
-        </p:sp>
-      </p:grpSp>
-      <p:sp>
-        <p:nvSpPr>
-          <p:cNvPr id="59" name="Rectangle 58">
-            <a:extLst>
-              <a:ext uri="{FF2B5EF4-FFF2-40B4-BE49-F238E27FC236}">
-                <a16:creationId xmlns:a16="http://schemas.microsoft.com/office/drawing/2014/main" id="{92723215-36CB-4E08-A75E-75D77CA52A70}"/>
-              </a:ext>
-              <a:ext uri="{C183D7F6-B498-43B3-948B-1728B52AA6E4}">
-                <adec:decorative xmlns:adec="http://schemas.microsoft.com/office/drawing/2017/decorative" val="1"/>
-              </a:ext>
-            </a:extLst>
-          </p:cNvPr>
-          <p:cNvSpPr>
-            <a:spLocks noGrp="1" noRot="1" noChangeAspect="1" noMove="1" noResize="1" noEditPoints="1" noAdjustHandles="1" noChangeArrowheads="1" noChangeShapeType="1" noTextEdit="1"/>
-          </p:cNvSpPr>
-          <p:nvPr>
-            <p:extLst>
-              <p:ext uri="{386F3935-93C4-4BCD-93E2-E3B085C9AB24}">
-                <p16:designElem xmlns:p16="http://schemas.microsoft.com/office/powerpoint/2015/main" val="1"/>
-              </p:ext>
-            </p:extLst>
-          </p:nvPr>
-        </p:nvSpPr>
-        <p:spPr>
-          <a:xfrm flipH="1">
-            <a:off x="0" y="0"/>
-            <a:ext cx="12192000" cy="6858000"/>
-          </a:xfrm>
-          <a:prstGeom prst="rect">
-            <a:avLst/>
-          </a:prstGeom>
-          <a:gradFill flip="none" rotWithShape="1">
-            <a:gsLst>
-              <a:gs pos="0">
-                <a:schemeClr val="bg2">
-                  <a:alpha val="40000"/>
-                </a:schemeClr>
-              </a:gs>
-              <a:gs pos="100000">
-                <a:schemeClr val="bg2">
-                  <a:alpha val="80000"/>
-                </a:schemeClr>
-              </a:gs>
-            </a:gsLst>
-            <a:lin ang="16200000" scaled="1"/>
-            <a:tileRect/>
-          </a:gradFill>
-          <a:ln w="12700" cap="flat" cmpd="sng" algn="ctr">
-            <a:noFill/>
-            <a:prstDash val="solid"/>
-            <a:miter lim="800000"/>
-          </a:ln>
-          <a:effectLst/>
-        </p:spPr>
-        <p:style>
-          <a:lnRef idx="2">
-            <a:schemeClr val="accent1">
-              <a:shade val="50000"/>
-            </a:schemeClr>
-          </a:lnRef>
-          <a:fillRef idx="1">
-            <a:schemeClr val="accent1"/>
-          </a:fillRef>
-          <a:effectRef idx="0">
-            <a:schemeClr val="accent1"/>
-          </a:effectRef>
-          <a:fontRef idx="minor">
-            <a:schemeClr val="lt1"/>
-          </a:fontRef>
-        </p:style>
-        <p:txBody>
-          <a:bodyPr rtlCol="0" anchor="ctr"/>
-          <a:lstStyle/>
-          <a:p>
-            <a:endParaRPr lang="en-US" dirty="0"/>
-          </a:p>
-        </p:txBody>
-      </p:sp>
       <p:sp>
         <p:nvSpPr>
           <p:cNvPr id="2" name="Title 1">
             <a:extLst>
               <a:ext uri="{FF2B5EF4-FFF2-40B4-BE49-F238E27FC236}">
-                <a16:creationId xmlns:a16="http://schemas.microsoft.com/office/drawing/2014/main" id="{65110D55-7284-1167-7B38-82B970FA0912}"/>
+                <a16:creationId xmlns:a16="http://schemas.microsoft.com/office/drawing/2014/main" id="{652B0A85-EBFD-A51D-825D-5D9956E6DF42}"/>
               </a:ext>
             </a:extLst>
           </p:cNvPr>
@@ -26824,31 +26777,39 @@
         </p:nvSpPr>
         <p:spPr>
           <a:xfrm>
-            <a:off x="1487487" y="3768810"/>
-            <a:ext cx="9217026" cy="1769459"/>
+            <a:off x="540000" y="4508499"/>
+            <a:ext cx="4500561" cy="1953501"/>
           </a:xfrm>
         </p:spPr>
         <p:txBody>
-          <a:bodyPr vert="horz" lIns="91440" tIns="45720" rIns="91440" bIns="45720" rtlCol="0" anchor="b">
+          <a:bodyPr anchor="b">
             <a:normAutofit/>
           </a:bodyPr>
           <a:lstStyle/>
           <a:p>
-            <a:pPr algn="ctr"/>
             <a:r>
-              <a:rPr lang="en-US" dirty="0"/>
-              <a:t>Location</a:t>
+              <a:rPr lang="en-US" sz="4200" dirty="0">
+                <a:effectLst/>
+                <a:latin typeface=".SF NS"/>
+              </a:rPr>
+              <a:t>Pricing Trends in Streaming Services</a:t>
             </a:r>
-            <a:endParaRPr lang="en-US"/>
+            <a:br>
+              <a:rPr lang="en-US" sz="4200" dirty="0">
+                <a:effectLst/>
+                <a:latin typeface=".SF NS"/>
+              </a:rPr>
+            </a:br>
+            <a:endParaRPr lang="en-US" sz="4200" dirty="0"/>
           </a:p>
         </p:txBody>
       </p:sp>
       <p:pic>
         <p:nvPicPr>
-          <p:cNvPr id="7" name="Picture 6" descr="A graph of different colored objects&#10;&#10;Description automatically generated with medium confidence">
+          <p:cNvPr id="7" name="Picture 6" descr="A graph of a number of different colored bars&#10;&#10;Description automatically generated with medium confidence">
             <a:extLst>
               <a:ext uri="{FF2B5EF4-FFF2-40B4-BE49-F238E27FC236}">
-                <a16:creationId xmlns:a16="http://schemas.microsoft.com/office/drawing/2014/main" id="{C8A813C3-A692-3401-C5D3-68B24679C9EE}"/>
+                <a16:creationId xmlns:a16="http://schemas.microsoft.com/office/drawing/2014/main" id="{9B90A498-5213-3965-2DFF-3F036A788E35}"/>
               </a:ext>
             </a:extLst>
           </p:cNvPr>
@@ -26865,8 +26826,8 @@
         </p:blipFill>
         <p:spPr>
           <a:xfrm>
-            <a:off x="1083127" y="549274"/>
-            <a:ext cx="4374313" cy="3040148"/>
+            <a:off x="540000" y="562122"/>
+            <a:ext cx="5460568" cy="3754140"/>
           </a:xfrm>
           <a:prstGeom prst="rect">
             <a:avLst/>
@@ -26875,19 +26836,17 @@
       </p:pic>
       <p:pic>
         <p:nvPicPr>
-          <p:cNvPr id="5" name="Content Placeholder 4" descr="A map of the world with blue dots&#10;&#10;Description automatically generated">
+          <p:cNvPr id="5" name="Content Placeholder 4" descr="A graph showing a number of subscriptions&#10;&#10;Description automatically generated">
             <a:extLst>
               <a:ext uri="{FF2B5EF4-FFF2-40B4-BE49-F238E27FC236}">
-                <a16:creationId xmlns:a16="http://schemas.microsoft.com/office/drawing/2014/main" id="{5959B738-2A8E-2B2E-44E9-F8A243BF0B70}"/>
+                <a16:creationId xmlns:a16="http://schemas.microsoft.com/office/drawing/2014/main" id="{83CE5369-F450-632B-1013-704E5BEF77B4}"/>
               </a:ext>
             </a:extLst>
           </p:cNvPr>
           <p:cNvPicPr>
-            <a:picLocks noGrp="1" noChangeAspect="1"/>
+            <a:picLocks noChangeAspect="1"/>
           </p:cNvPicPr>
-          <p:nvPr>
-            <p:ph idx="1"/>
-          </p:nvPr>
+          <p:nvPr/>
         </p:nvPicPr>
         <p:blipFill>
           <a:blip r:embed="rId3"/>
@@ -26897,18 +26856,54 @@
         </p:blipFill>
         <p:spPr>
           <a:xfrm>
-            <a:off x="6180567" y="751986"/>
-            <a:ext cx="5460568" cy="2634724"/>
+            <a:off x="6180567" y="944362"/>
+            <a:ext cx="5460568" cy="2989660"/>
           </a:xfrm>
           <a:prstGeom prst="rect">
             <a:avLst/>
           </a:prstGeom>
         </p:spPr>
       </p:pic>
+      <p:sp>
+        <p:nvSpPr>
+          <p:cNvPr id="11" name="Content Placeholder 10">
+            <a:extLst>
+              <a:ext uri="{FF2B5EF4-FFF2-40B4-BE49-F238E27FC236}">
+                <a16:creationId xmlns:a16="http://schemas.microsoft.com/office/drawing/2014/main" id="{20732831-B499-2836-B2C6-8D84AB291646}"/>
+              </a:ext>
+            </a:extLst>
+          </p:cNvPr>
+          <p:cNvSpPr>
+            <a:spLocks noGrp="1"/>
+          </p:cNvSpPr>
+          <p:nvPr>
+            <p:ph idx="1"/>
+          </p:nvPr>
+        </p:nvSpPr>
+        <p:spPr>
+          <a:xfrm>
+            <a:off x="5411911" y="3795283"/>
+            <a:ext cx="6408738" cy="1791847"/>
+          </a:xfrm>
+        </p:spPr>
+        <p:txBody>
+          <a:bodyPr anchor="b">
+            <a:normAutofit/>
+          </a:bodyPr>
+          <a:lstStyle/>
+          <a:p>
+            <a:pPr algn="ctr"/>
+            <a:r>
+              <a:rPr lang="en-US" dirty="0"/>
+              <a:t>Price has been showing a steady increase, especially since COVID times</a:t>
+            </a:r>
+          </a:p>
+        </p:txBody>
+      </p:sp>
     </p:spTree>
     <p:extLst>
       <p:ext uri="{BB962C8B-B14F-4D97-AF65-F5344CB8AC3E}">
-        <p14:creationId xmlns:p14="http://schemas.microsoft.com/office/powerpoint/2010/main" val="3022367190"/>
+        <p14:creationId xmlns:p14="http://schemas.microsoft.com/office/powerpoint/2010/main" val="1675973369"/>
       </p:ext>
     </p:extLst>
   </p:cSld>

--- a/Presentation1.pptx
+++ b/Presentation1.pptx
@@ -8480,7 +8480,7 @@
           <a:p>
             <a:fld id="{7CF0BCE0-945C-4FDF-95A1-2149B1FF5B83}" type="datetimeFigureOut">
               <a:rPr lang="en-US" smtClean="0"/>
-              <a:t>9/17/24</a:t>
+              <a:t>9/19/24</a:t>
             </a:fld>
             <a:endParaRPr lang="en-US"/>
           </a:p>
@@ -9207,7 +9207,7 @@
           <a:p>
             <a:fld id="{7CF0BCE0-945C-4FDF-95A1-2149B1FF5B83}" type="datetimeFigureOut">
               <a:rPr lang="en-US" smtClean="0"/>
-              <a:t>9/17/24</a:t>
+              <a:t>9/19/24</a:t>
             </a:fld>
             <a:endParaRPr lang="en-US"/>
           </a:p>
@@ -10080,7 +10080,7 @@
           <a:p>
             <a:fld id="{7CF0BCE0-945C-4FDF-95A1-2149B1FF5B83}" type="datetimeFigureOut">
               <a:rPr lang="en-US" smtClean="0"/>
-              <a:t>9/17/24</a:t>
+              <a:t>9/19/24</a:t>
             </a:fld>
             <a:endParaRPr lang="en-US"/>
           </a:p>
@@ -10784,7 +10784,7 @@
           <a:p>
             <a:fld id="{7CF0BCE0-945C-4FDF-95A1-2149B1FF5B83}" type="datetimeFigureOut">
               <a:rPr lang="en-US" smtClean="0"/>
-              <a:t>9/17/24</a:t>
+              <a:t>9/19/24</a:t>
             </a:fld>
             <a:endParaRPr lang="en-US"/>
           </a:p>
@@ -11494,7 +11494,7 @@
           <a:p>
             <a:fld id="{7CF0BCE0-945C-4FDF-95A1-2149B1FF5B83}" type="datetimeFigureOut">
               <a:rPr lang="en-US" smtClean="0"/>
-              <a:t>9/17/24</a:t>
+              <a:t>9/19/24</a:t>
             </a:fld>
             <a:endParaRPr lang="en-US" dirty="0"/>
           </a:p>
@@ -12431,7 +12431,7 @@
           <a:p>
             <a:fld id="{7CF0BCE0-945C-4FDF-95A1-2149B1FF5B83}" type="datetimeFigureOut">
               <a:rPr lang="en-US" smtClean="0"/>
-              <a:t>9/17/24</a:t>
+              <a:t>9/19/24</a:t>
             </a:fld>
             <a:endParaRPr lang="en-US"/>
           </a:p>
@@ -13651,7 +13651,7 @@
           <a:p>
             <a:fld id="{7CF0BCE0-945C-4FDF-95A1-2149B1FF5B83}" type="datetimeFigureOut">
               <a:rPr lang="en-US" smtClean="0"/>
-              <a:t>9/17/24</a:t>
+              <a:t>9/19/24</a:t>
             </a:fld>
             <a:endParaRPr lang="en-US"/>
           </a:p>
@@ -14317,7 +14317,7 @@
           <a:p>
             <a:fld id="{7CF0BCE0-945C-4FDF-95A1-2149B1FF5B83}" type="datetimeFigureOut">
               <a:rPr lang="en-US" smtClean="0"/>
-              <a:t>9/17/24</a:t>
+              <a:t>9/19/24</a:t>
             </a:fld>
             <a:endParaRPr lang="en-US"/>
           </a:p>
@@ -15086,7 +15086,7 @@
           <a:p>
             <a:fld id="{7CF0BCE0-945C-4FDF-95A1-2149B1FF5B83}" type="datetimeFigureOut">
               <a:rPr lang="en-US" smtClean="0"/>
-              <a:t>9/17/24</a:t>
+              <a:t>9/19/24</a:t>
             </a:fld>
             <a:endParaRPr lang="en-US"/>
           </a:p>
@@ -16198,7 +16198,7 @@
           <a:p>
             <a:fld id="{7CF0BCE0-945C-4FDF-95A1-2149B1FF5B83}" type="datetimeFigureOut">
               <a:rPr lang="en-US" smtClean="0"/>
-              <a:t>9/17/24</a:t>
+              <a:t>9/19/24</a:t>
             </a:fld>
             <a:endParaRPr lang="en-US"/>
           </a:p>
@@ -17006,7 +17006,7 @@
           <a:p>
             <a:fld id="{7CF0BCE0-945C-4FDF-95A1-2149B1FF5B83}" type="datetimeFigureOut">
               <a:rPr lang="en-US" smtClean="0"/>
-              <a:t>9/17/24</a:t>
+              <a:t>9/19/24</a:t>
             </a:fld>
             <a:endParaRPr lang="en-US"/>
           </a:p>
@@ -17290,7 +17290,7 @@
             <a:fld id="{7CF0BCE0-945C-4FDF-95A1-2149B1FF5B83}" type="datetimeFigureOut">
               <a:rPr lang="en-US" smtClean="0"/>
               <a:pPr algn="r"/>
-              <a:t>9/17/24</a:t>
+              <a:t>9/19/24</a:t>
             </a:fld>
             <a:endParaRPr lang="en-US" dirty="0"/>
           </a:p>
@@ -23504,7 +23504,7 @@
         </p:nvSpPr>
         <p:spPr>
           <a:xfrm>
-            <a:off x="550863" y="2947121"/>
+            <a:off x="569124" y="1748198"/>
             <a:ext cx="4500562" cy="3361604"/>
           </a:xfrm>
         </p:spPr>
@@ -23557,6 +23557,36 @@
           <a:xfrm>
             <a:off x="6525000" y="1629000"/>
             <a:ext cx="3600000" cy="3600000"/>
+          </a:xfrm>
+          <a:prstGeom prst="rect">
+            <a:avLst/>
+          </a:prstGeom>
+        </p:spPr>
+      </p:pic>
+      <p:pic>
+        <p:nvPicPr>
+          <p:cNvPr id="5" name="Picture 4" descr="A graph showing a blue line&#10;&#10;Description automatically generated">
+            <a:extLst>
+              <a:ext uri="{FF2B5EF4-FFF2-40B4-BE49-F238E27FC236}">
+                <a16:creationId xmlns:a16="http://schemas.microsoft.com/office/drawing/2014/main" id="{CD771B66-107A-2AEC-72B0-8B6E5E9923D5}"/>
+              </a:ext>
+            </a:extLst>
+          </p:cNvPr>
+          <p:cNvPicPr>
+            <a:picLocks noChangeAspect="1"/>
+          </p:cNvPicPr>
+          <p:nvPr/>
+        </p:nvPicPr>
+        <p:blipFill>
+          <a:blip r:embed="rId4"/>
+          <a:stretch>
+            <a:fillRect/>
+          </a:stretch>
+        </p:blipFill>
+        <p:spPr>
+          <a:xfrm>
+            <a:off x="1063261" y="4385314"/>
+            <a:ext cx="3593950" cy="1947607"/>
           </a:xfrm>
           <a:prstGeom prst="rect">
             <a:avLst/>

--- a/Presentation1.pptx
+++ b/Presentation1.pptx
@@ -7828,7 +7828,7 @@
           <a:p>
             <a:fld id="{7CF0BCE0-945C-4FDF-95A1-2149B1FF5B83}" type="datetimeFigureOut">
               <a:rPr lang="en-US" smtClean="0"/>
-              <a:t>9/19/24</a:t>
+              <a:t>9/20/24</a:t>
             </a:fld>
             <a:endParaRPr lang="en-US"/>
           </a:p>
@@ -8160,7 +8160,7 @@
             <a:fld id="{7CF0BCE0-945C-4FDF-95A1-2149B1FF5B83}" type="datetimeFigureOut">
               <a:rPr lang="en-US" smtClean="0"/>
               <a:pPr algn="r"/>
-              <a:t>9/19/24</a:t>
+              <a:t>9/20/24</a:t>
             </a:fld>
             <a:endParaRPr lang="en-US" dirty="0"/>
           </a:p>
@@ -8343,7 +8343,7 @@
             <a:fld id="{7CF0BCE0-945C-4FDF-95A1-2149B1FF5B83}" type="datetimeFigureOut">
               <a:rPr lang="en-US" smtClean="0"/>
               <a:pPr algn="r"/>
-              <a:t>9/19/24</a:t>
+              <a:t>9/20/24</a:t>
             </a:fld>
             <a:endParaRPr lang="en-US" dirty="0"/>
           </a:p>
@@ -8516,7 +8516,7 @@
             <a:fld id="{7CF0BCE0-945C-4FDF-95A1-2149B1FF5B83}" type="datetimeFigureOut">
               <a:rPr lang="en-US" smtClean="0"/>
               <a:pPr algn="r"/>
-              <a:t>9/19/24</a:t>
+              <a:t>9/20/24</a:t>
             </a:fld>
             <a:endParaRPr lang="en-US" dirty="0"/>
           </a:p>
@@ -8794,7 +8794,7 @@
           <a:p>
             <a:fld id="{7CF0BCE0-945C-4FDF-95A1-2149B1FF5B83}" type="datetimeFigureOut">
               <a:rPr lang="en-US" smtClean="0"/>
-              <a:t>9/19/24</a:t>
+              <a:t>9/20/24</a:t>
             </a:fld>
             <a:endParaRPr lang="en-US" dirty="0"/>
           </a:p>
@@ -9190,7 +9190,7 @@
             <a:fld id="{7CF0BCE0-945C-4FDF-95A1-2149B1FF5B83}" type="datetimeFigureOut">
               <a:rPr lang="en-US" smtClean="0"/>
               <a:pPr algn="r"/>
-              <a:t>9/19/24</a:t>
+              <a:t>9/20/24</a:t>
             </a:fld>
             <a:endParaRPr lang="en-US" dirty="0"/>
           </a:p>
@@ -9670,7 +9670,7 @@
             <a:fld id="{7CF0BCE0-945C-4FDF-95A1-2149B1FF5B83}" type="datetimeFigureOut">
               <a:rPr lang="en-US" smtClean="0"/>
               <a:pPr algn="r"/>
-              <a:t>9/19/24</a:t>
+              <a:t>9/20/24</a:t>
             </a:fld>
             <a:endParaRPr lang="en-US" dirty="0"/>
           </a:p>
@@ -9789,7 +9789,7 @@
           <a:p>
             <a:fld id="{7CF0BCE0-945C-4FDF-95A1-2149B1FF5B83}" type="datetimeFigureOut">
               <a:rPr lang="en-US" smtClean="0"/>
-              <a:t>9/19/24</a:t>
+              <a:t>9/20/24</a:t>
             </a:fld>
             <a:endParaRPr lang="en-US"/>
           </a:p>
@@ -9884,7 +9884,7 @@
           <a:p>
             <a:fld id="{7CF0BCE0-945C-4FDF-95A1-2149B1FF5B83}" type="datetimeFigureOut">
               <a:rPr lang="en-US" smtClean="0"/>
-              <a:t>9/19/24</a:t>
+              <a:t>9/20/24</a:t>
             </a:fld>
             <a:endParaRPr lang="en-US"/>
           </a:p>
@@ -10232,7 +10232,7 @@
             <a:fld id="{7CF0BCE0-945C-4FDF-95A1-2149B1FF5B83}" type="datetimeFigureOut">
               <a:rPr lang="en-US" smtClean="0"/>
               <a:pPr algn="r"/>
-              <a:t>9/19/24</a:t>
+              <a:t>9/20/24</a:t>
             </a:fld>
             <a:endParaRPr lang="en-US" dirty="0"/>
           </a:p>
@@ -10621,7 +10621,7 @@
           <a:p>
             <a:fld id="{7CF0BCE0-945C-4FDF-95A1-2149B1FF5B83}" type="datetimeFigureOut">
               <a:rPr lang="en-US" smtClean="0"/>
-              <a:t>9/19/24</a:t>
+              <a:t>9/20/24</a:t>
             </a:fld>
             <a:endParaRPr lang="en-US"/>
           </a:p>
@@ -10901,7 +10901,7 @@
             <a:fld id="{7CF0BCE0-945C-4FDF-95A1-2149B1FF5B83}" type="datetimeFigureOut">
               <a:rPr lang="en-US" smtClean="0"/>
               <a:pPr algn="r"/>
-              <a:t>9/19/24</a:t>
+              <a:t>9/20/24</a:t>
             </a:fld>
             <a:endParaRPr lang="en-US" dirty="0"/>
           </a:p>
@@ -12002,8 +12002,8 @@
         </p:nvSpPr>
         <p:spPr>
           <a:xfrm>
-            <a:off x="540000" y="4508499"/>
-            <a:ext cx="4500561" cy="1953501"/>
+            <a:off x="777392" y="323360"/>
+            <a:ext cx="6731239" cy="1953501"/>
           </a:xfrm>
         </p:spPr>
         <p:txBody>
@@ -12013,19 +12013,19 @@
           <a:lstStyle/>
           <a:p>
             <a:r>
-              <a:rPr lang="en-US" sz="4200" dirty="0">
+              <a:rPr lang="en-US" sz="3800" dirty="0">
                 <a:effectLst/>
                 <a:latin typeface=".SF NS"/>
               </a:rPr>
               <a:t>Pricing Trends in Streaming Services</a:t>
             </a:r>
             <a:br>
-              <a:rPr lang="en-US" sz="4200" dirty="0">
+              <a:rPr lang="en-US" sz="3800" dirty="0">
                 <a:effectLst/>
                 <a:latin typeface=".SF NS"/>
               </a:rPr>
             </a:br>
-            <a:endParaRPr lang="en-US" sz="4200" dirty="0"/>
+            <a:endParaRPr lang="en-US" sz="3800" dirty="0"/>
           </a:p>
         </p:txBody>
       </p:sp>
@@ -12047,8 +12047,8 @@
         </p:nvSpPr>
         <p:spPr>
           <a:xfrm>
-            <a:off x="5411911" y="3795283"/>
-            <a:ext cx="6408738" cy="1791847"/>
+            <a:off x="938642" y="2089575"/>
+            <a:ext cx="2270550" cy="1791847"/>
           </a:xfrm>
         </p:spPr>
         <p:txBody>
@@ -12057,7 +12057,9 @@
           </a:bodyPr>
           <a:lstStyle/>
           <a:p>
-            <a:pPr algn="ctr"/>
+            <a:pPr marL="0" indent="0">
+              <a:buNone/>
+            </a:pPr>
             <a:r>
               <a:rPr lang="en-US" dirty="0"/>
               <a:t>Price has been showing a steady increase, especially since COVID times</a:t>
@@ -12087,38 +12089,8 @@
         </p:blipFill>
         <p:spPr>
           <a:xfrm>
-            <a:off x="540000" y="562122"/>
-            <a:ext cx="5460568" cy="3754140"/>
-          </a:xfrm>
-          <a:prstGeom prst="rect">
-            <a:avLst/>
-          </a:prstGeom>
-        </p:spPr>
-      </p:pic>
-      <p:pic>
-        <p:nvPicPr>
-          <p:cNvPr id="5" name="Content Placeholder 4" descr="A graph showing a number of subscriptions&#10;&#10;Description automatically generated">
-            <a:extLst>
-              <a:ext uri="{FF2B5EF4-FFF2-40B4-BE49-F238E27FC236}">
-                <a16:creationId xmlns:a16="http://schemas.microsoft.com/office/drawing/2014/main" id="{83CE5369-F450-632B-1013-704E5BEF77B4}"/>
-              </a:ext>
-            </a:extLst>
-          </p:cNvPr>
-          <p:cNvPicPr>
-            <a:picLocks noChangeAspect="1"/>
-          </p:cNvPicPr>
-          <p:nvPr/>
-        </p:nvPicPr>
-        <p:blipFill>
-          <a:blip r:embed="rId3"/>
-          <a:stretch>
-            <a:fillRect/>
-          </a:stretch>
-        </p:blipFill>
-        <p:spPr>
-          <a:xfrm>
-            <a:off x="6180567" y="944362"/>
-            <a:ext cx="5460568" cy="2989660"/>
+            <a:off x="3522242" y="1300109"/>
+            <a:ext cx="8083604" cy="5557477"/>
           </a:xfrm>
           <a:prstGeom prst="rect">
             <a:avLst/>
@@ -13335,31 +13307,6 @@
           </a:prstGeom>
         </p:spPr>
       </p:pic>
-      <p:sp>
-        <p:nvSpPr>
-          <p:cNvPr id="8" name="Content Placeholder 7">
-            <a:extLst>
-              <a:ext uri="{FF2B5EF4-FFF2-40B4-BE49-F238E27FC236}">
-                <a16:creationId xmlns:a16="http://schemas.microsoft.com/office/drawing/2014/main" id="{193D0CD8-EE11-2987-6B8F-9F06C389EC79}"/>
-              </a:ext>
-            </a:extLst>
-          </p:cNvPr>
-          <p:cNvSpPr>
-            <a:spLocks noGrp="1"/>
-          </p:cNvSpPr>
-          <p:nvPr>
-            <p:ph idx="1"/>
-          </p:nvPr>
-        </p:nvSpPr>
-        <p:spPr/>
-        <p:txBody>
-          <a:bodyPr/>
-          <a:lstStyle/>
-          <a:p>
-            <a:endParaRPr lang="en-US"/>
-          </a:p>
-        </p:txBody>
-      </p:sp>
     </p:spTree>
     <p:extLst>
       <p:ext uri="{BB962C8B-B14F-4D97-AF65-F5344CB8AC3E}">
@@ -13479,31 +13426,6 @@
           </a:prstGeom>
         </p:spPr>
       </p:pic>
-      <p:sp>
-        <p:nvSpPr>
-          <p:cNvPr id="5" name="Content Placeholder 4">
-            <a:extLst>
-              <a:ext uri="{FF2B5EF4-FFF2-40B4-BE49-F238E27FC236}">
-                <a16:creationId xmlns:a16="http://schemas.microsoft.com/office/drawing/2014/main" id="{6B3A7980-6213-C0AE-0493-EC277E51B66B}"/>
-              </a:ext>
-            </a:extLst>
-          </p:cNvPr>
-          <p:cNvSpPr>
-            <a:spLocks noGrp="1"/>
-          </p:cNvSpPr>
-          <p:nvPr>
-            <p:ph idx="1"/>
-          </p:nvPr>
-        </p:nvSpPr>
-        <p:spPr/>
-        <p:txBody>
-          <a:bodyPr/>
-          <a:lstStyle/>
-          <a:p>
-            <a:endParaRPr lang="en-US" dirty="0"/>
-          </a:p>
-        </p:txBody>
-      </p:sp>
     </p:spTree>
     <p:extLst>
       <p:ext uri="{BB962C8B-B14F-4D97-AF65-F5344CB8AC3E}">
